--- a/input/images-source/ccrr-ig-diagrams.pptx
+++ b/input/images-source/ccrr-ig-diagrams.pptx
@@ -6,12 +6,15 @@
     <p:sldMasterId id="2147483674" r:id="rId2"/>
   </p:sldMasterIdLst>
   <p:notesMasterIdLst>
-    <p:notesMasterId r:id="rId6"/>
+    <p:notesMasterId r:id="rId9"/>
   </p:notesMasterIdLst>
   <p:sldIdLst>
-    <p:sldId id="259" r:id="rId3"/>
-    <p:sldId id="2454" r:id="rId4"/>
-    <p:sldId id="2455" r:id="rId5"/>
+    <p:sldId id="2456" r:id="rId3"/>
+    <p:sldId id="2458" r:id="rId4"/>
+    <p:sldId id="2457" r:id="rId5"/>
+    <p:sldId id="259" r:id="rId6"/>
+    <p:sldId id="2454" r:id="rId7"/>
+    <p:sldId id="2455" r:id="rId8"/>
   </p:sldIdLst>
   <p:sldSz cx="12192000" cy="6858000"/>
   <p:notesSz cx="6858000" cy="9144000"/>
@@ -110,6 +113,11 @@
       </a:defRPr>
     </a:lvl9pPr>
   </p:defaultTextStyle>
+  <p:extLst>
+    <p:ext uri="{EFAFB233-063F-42B5-8137-9DF3F51BA10A}">
+      <p15:sldGuideLst xmlns:p15="http://schemas.microsoft.com/office/powerpoint/2012/main"/>
+    </p:ext>
+  </p:extLst>
 </p:presentation>
 </file>
 
@@ -195,7 +203,7 @@
           <a:p>
             <a:fld id="{AB97FB07-E237-456B-A4F0-F2C4672E0DE9}" type="datetimeFigureOut">
               <a:rPr lang="en-US" smtClean="0"/>
-              <a:t>7/25/2025</a:t>
+              <a:t>8/14/2025</a:t>
             </a:fld>
             <a:endParaRPr lang="en-US"/>
           </a:p>
@@ -506,6 +514,479 @@
           <a:bodyPr/>
           <a:lstStyle/>
           <a:p>
+            <a:pPr>
+              <a:buNone/>
+            </a:pPr>
+            <a:r>
+              <a:rPr lang="en-US" dirty="0"/>
+              <a:t>The descriptions for each step in the above diagram include:</a:t>
+            </a:r>
+          </a:p>
+          <a:p>
+            <a:pPr>
+              <a:buFont typeface="Arial" panose="020B0604020202020204" pitchFamily="34" charset="0"/>
+              <a:buNone/>
+            </a:pPr>
+            <a:r>
+              <a:rPr lang="en-US" dirty="0"/>
+              <a:t>Step 1: The Data Submitter creates a notification (e.g., subscription, CDS Hook, v2 message) in the Data Source’s so that it can be notified when specific events occur in clinical workflows.</a:t>
+            </a:r>
+          </a:p>
+          <a:p>
+            <a:pPr>
+              <a:buFont typeface="Arial" panose="020B0604020202020204" pitchFamily="34" charset="0"/>
+              <a:buNone/>
+            </a:pPr>
+            <a:r>
+              <a:rPr lang="en-US" dirty="0"/>
+              <a:t>Step 2: Providers as part of their clinical workflows update the data in the Data Source’s patient chart.</a:t>
+            </a:r>
+          </a:p>
+          <a:p>
+            <a:pPr>
+              <a:buFont typeface="Arial" panose="020B0604020202020204" pitchFamily="34" charset="0"/>
+              <a:buNone/>
+            </a:pPr>
+            <a:r>
+              <a:rPr lang="en-US" dirty="0"/>
+              <a:t>Step 3: The Data Source notifies the Data Submitter based on notifications created in Step 1.</a:t>
+            </a:r>
+          </a:p>
+          <a:p>
+            <a:pPr>
+              <a:buFont typeface="Arial" panose="020B0604020202020204" pitchFamily="34" charset="0"/>
+              <a:buNone/>
+            </a:pPr>
+            <a:r>
+              <a:rPr lang="en-US" dirty="0"/>
+              <a:t>Step 4: The Data Submitter queries the Data Source for patient’s data. </a:t>
+            </a:r>
+          </a:p>
+          <a:p>
+            <a:pPr marL="457200" lvl="1" indent="0">
+              <a:buFont typeface="Arial" panose="020B0604020202020204" pitchFamily="34" charset="0"/>
+              <a:buNone/>
+            </a:pPr>
+            <a:r>
+              <a:rPr lang="en-US" dirty="0"/>
+              <a:t>Step 4a: Data Submitter receives the response from the Data Source with the patient’s data.</a:t>
+            </a:r>
+          </a:p>
+          <a:p>
+            <a:pPr marL="0" lvl="0" indent="0">
+              <a:buFont typeface="Arial" panose="020B0604020202020204" pitchFamily="34" charset="0"/>
+              <a:buNone/>
+            </a:pPr>
+            <a:r>
+              <a:rPr lang="en-US" dirty="0"/>
+              <a:t>Step 5: The Data Submitter evaluates the changes to determine if a report needs to be generated.</a:t>
+            </a:r>
+          </a:p>
+          <a:p>
+            <a:pPr>
+              <a:buFont typeface="Arial" panose="020B0604020202020204" pitchFamily="34" charset="0"/>
+              <a:buNone/>
+            </a:pPr>
+            <a:r>
+              <a:rPr lang="en-US" dirty="0"/>
+              <a:t>Step 6: The Data Submitter submits the created report to the Data Receiver.</a:t>
+            </a:r>
+          </a:p>
+          <a:p>
+            <a:endParaRPr lang="en-US" dirty="0"/>
+          </a:p>
+        </p:txBody>
+      </p:sp>
+      <p:sp>
+        <p:nvSpPr>
+          <p:cNvPr id="4" name="Slide Number Placeholder 3"/>
+          <p:cNvSpPr>
+            <a:spLocks noGrp="1"/>
+          </p:cNvSpPr>
+          <p:nvPr>
+            <p:ph type="sldNum" sz="quarter" idx="5"/>
+          </p:nvPr>
+        </p:nvSpPr>
+        <p:spPr/>
+        <p:txBody>
+          <a:bodyPr/>
+          <a:lstStyle/>
+          <a:p>
+            <a:fld id="{2F3F0BED-B13B-4D96-A074-5E77AD0A6EEA}" type="slidenum">
+              <a:rPr lang="en-US" smtClean="0"/>
+              <a:t>1</a:t>
+            </a:fld>
+            <a:endParaRPr lang="en-US"/>
+          </a:p>
+        </p:txBody>
+      </p:sp>
+    </p:spTree>
+    <p:extLst>
+      <p:ext uri="{BB962C8B-B14F-4D97-AF65-F5344CB8AC3E}">
+        <p14:creationId xmlns:p14="http://schemas.microsoft.com/office/powerpoint/2010/main" val="817926575"/>
+      </p:ext>
+    </p:extLst>
+  </p:cSld>
+  <p:clrMapOvr>
+    <a:masterClrMapping/>
+  </p:clrMapOvr>
+</p:notes>
+</file>
+
+<file path=ppt/notesSlides/notesSlide2.xml><?xml version="1.0" encoding="utf-8"?>
+<p:notes xmlns:a="http://schemas.openxmlformats.org/drawingml/2006/main" xmlns:r="http://schemas.openxmlformats.org/officeDocument/2006/relationships" xmlns:p="http://schemas.openxmlformats.org/presentationml/2006/main">
+  <p:cSld>
+    <p:spTree>
+      <p:nvGrpSpPr>
+        <p:cNvPr id="1" name="">
+          <a:extLst>
+            <a:ext uri="{FF2B5EF4-FFF2-40B4-BE49-F238E27FC236}">
+              <a16:creationId xmlns:a16="http://schemas.microsoft.com/office/drawing/2014/main" id="{27BD5492-9A09-B345-2AF0-82A6C4496755}"/>
+            </a:ext>
+          </a:extLst>
+        </p:cNvPr>
+        <p:cNvGrpSpPr/>
+        <p:nvPr/>
+      </p:nvGrpSpPr>
+      <p:grpSpPr>
+        <a:xfrm>
+          <a:off x="0" y="0"/>
+          <a:ext cx="0" cy="0"/>
+          <a:chOff x="0" y="0"/>
+          <a:chExt cx="0" cy="0"/>
+        </a:xfrm>
+      </p:grpSpPr>
+      <p:sp>
+        <p:nvSpPr>
+          <p:cNvPr id="2" name="Slide Image Placeholder 1">
+            <a:extLst>
+              <a:ext uri="{FF2B5EF4-FFF2-40B4-BE49-F238E27FC236}">
+                <a16:creationId xmlns:a16="http://schemas.microsoft.com/office/drawing/2014/main" id="{0F8A69D6-F9BB-55E4-432F-B5D802D00EA0}"/>
+              </a:ext>
+            </a:extLst>
+          </p:cNvPr>
+          <p:cNvSpPr>
+            <a:spLocks noGrp="1" noRot="1" noChangeAspect="1"/>
+          </p:cNvSpPr>
+          <p:nvPr>
+            <p:ph type="sldImg"/>
+          </p:nvPr>
+        </p:nvSpPr>
+        <p:spPr/>
+      </p:sp>
+      <p:sp>
+        <p:nvSpPr>
+          <p:cNvPr id="3" name="Notes Placeholder 2">
+            <a:extLst>
+              <a:ext uri="{FF2B5EF4-FFF2-40B4-BE49-F238E27FC236}">
+                <a16:creationId xmlns:a16="http://schemas.microsoft.com/office/drawing/2014/main" id="{60F23842-0A7A-BE3C-CC98-E4CC094283C3}"/>
+              </a:ext>
+            </a:extLst>
+          </p:cNvPr>
+          <p:cNvSpPr>
+            <a:spLocks noGrp="1"/>
+          </p:cNvSpPr>
+          <p:nvPr>
+            <p:ph type="body" idx="1"/>
+          </p:nvPr>
+        </p:nvSpPr>
+        <p:spPr/>
+        <p:txBody>
+          <a:bodyPr/>
+          <a:lstStyle/>
+          <a:p>
+            <a:pPr>
+              <a:buNone/>
+            </a:pPr>
+            <a:r>
+              <a:rPr lang="en-US" dirty="0"/>
+              <a:t>The descriptions for each step in the above diagram include:</a:t>
+            </a:r>
+          </a:p>
+          <a:p>
+            <a:pPr>
+              <a:buFont typeface="Arial" panose="020B0604020202020204" pitchFamily="34" charset="0"/>
+              <a:buNone/>
+            </a:pPr>
+            <a:r>
+              <a:rPr lang="en-US" dirty="0"/>
+              <a:t>Step 1: The Data Submitter creates a notification (e.g., subscription, CDS hook, v2 message) in the Data Source’s FHIR server so that it can be notified when specific events occur in the clinical workflow. </a:t>
+            </a:r>
+          </a:p>
+          <a:p>
+            <a:pPr>
+              <a:buFont typeface="Arial" panose="020B0604020202020204" pitchFamily="34" charset="0"/>
+              <a:buNone/>
+            </a:pPr>
+            <a:r>
+              <a:rPr lang="en-US" dirty="0"/>
+              <a:t>Step 2: The Provider, as part of its clinical workflow, update the patient’s data in the Data Source.</a:t>
+            </a:r>
+          </a:p>
+          <a:p>
+            <a:pPr>
+              <a:buFont typeface="Arial" panose="020B0604020202020204" pitchFamily="34" charset="0"/>
+              <a:buNone/>
+            </a:pPr>
+            <a:r>
+              <a:rPr lang="en-US" dirty="0"/>
+              <a:t>Step 3: The Data Source notifies the Data Submitter based on notifications created in Step 1.</a:t>
+            </a:r>
+          </a:p>
+          <a:p>
+            <a:pPr>
+              <a:buFont typeface="Arial" panose="020B0604020202020204" pitchFamily="34" charset="0"/>
+              <a:buNone/>
+            </a:pPr>
+            <a:r>
+              <a:rPr lang="en-US" dirty="0"/>
+              <a:t>Step 4: The Data Submitter queries the Data Source for the patient’s data.</a:t>
+            </a:r>
+          </a:p>
+          <a:p>
+            <a:pPr>
+              <a:buFont typeface="Arial" panose="020B0604020202020204" pitchFamily="34" charset="0"/>
+              <a:buNone/>
+            </a:pPr>
+            <a:r>
+              <a:rPr lang="en-US" dirty="0"/>
+              <a:t>Step 4a: The Data Submitter receives the response from the Data Source with the patient’s data.</a:t>
+            </a:r>
+          </a:p>
+          <a:p>
+            <a:pPr>
+              <a:buFont typeface="Arial" panose="020B0604020202020204" pitchFamily="34" charset="0"/>
+              <a:buNone/>
+            </a:pPr>
+            <a:r>
+              <a:rPr lang="en-US" dirty="0"/>
+              <a:t>Step 5: The Data Submitter evaluates the data and creates the report if criteria is met.</a:t>
+            </a:r>
+          </a:p>
+          <a:p>
+            <a:pPr>
+              <a:buFont typeface="Arial" panose="020B0604020202020204" pitchFamily="34" charset="0"/>
+              <a:buNone/>
+            </a:pPr>
+            <a:r>
+              <a:rPr lang="en-US" dirty="0"/>
+              <a:t>Step 6: When a report is generated, the Data Submitter submits the created report to the Data Receiver.</a:t>
+            </a:r>
+          </a:p>
+          <a:p>
+            <a:endParaRPr lang="en-US" dirty="0"/>
+          </a:p>
+        </p:txBody>
+      </p:sp>
+      <p:sp>
+        <p:nvSpPr>
+          <p:cNvPr id="4" name="Slide Number Placeholder 3">
+            <a:extLst>
+              <a:ext uri="{FF2B5EF4-FFF2-40B4-BE49-F238E27FC236}">
+                <a16:creationId xmlns:a16="http://schemas.microsoft.com/office/drawing/2014/main" id="{8289E906-8094-DDBF-7F04-40806743FDD3}"/>
+              </a:ext>
+            </a:extLst>
+          </p:cNvPr>
+          <p:cNvSpPr>
+            <a:spLocks noGrp="1"/>
+          </p:cNvSpPr>
+          <p:nvPr>
+            <p:ph type="sldNum" sz="quarter" idx="5"/>
+          </p:nvPr>
+        </p:nvSpPr>
+        <p:spPr/>
+        <p:txBody>
+          <a:bodyPr/>
+          <a:lstStyle/>
+          <a:p>
+            <a:fld id="{2F3F0BED-B13B-4D96-A074-5E77AD0A6EEA}" type="slidenum">
+              <a:rPr lang="en-US" smtClean="0"/>
+              <a:t>2</a:t>
+            </a:fld>
+            <a:endParaRPr lang="en-US"/>
+          </a:p>
+        </p:txBody>
+      </p:sp>
+    </p:spTree>
+    <p:extLst>
+      <p:ext uri="{BB962C8B-B14F-4D97-AF65-F5344CB8AC3E}">
+        <p14:creationId xmlns:p14="http://schemas.microsoft.com/office/powerpoint/2010/main" val="4196272391"/>
+      </p:ext>
+    </p:extLst>
+  </p:cSld>
+  <p:clrMapOvr>
+    <a:masterClrMapping/>
+  </p:clrMapOvr>
+</p:notes>
+</file>
+
+<file path=ppt/notesSlides/notesSlide3.xml><?xml version="1.0" encoding="utf-8"?>
+<p:notes xmlns:a="http://schemas.openxmlformats.org/drawingml/2006/main" xmlns:r="http://schemas.openxmlformats.org/officeDocument/2006/relationships" xmlns:p="http://schemas.openxmlformats.org/presentationml/2006/main">
+  <p:cSld>
+    <p:spTree>
+      <p:nvGrpSpPr>
+        <p:cNvPr id="1" name=""/>
+        <p:cNvGrpSpPr/>
+        <p:nvPr/>
+      </p:nvGrpSpPr>
+      <p:grpSpPr>
+        <a:xfrm>
+          <a:off x="0" y="0"/>
+          <a:ext cx="0" cy="0"/>
+          <a:chOff x="0" y="0"/>
+          <a:chExt cx="0" cy="0"/>
+        </a:xfrm>
+      </p:grpSpPr>
+      <p:sp>
+        <p:nvSpPr>
+          <p:cNvPr id="2" name="Slide Image Placeholder 1"/>
+          <p:cNvSpPr>
+            <a:spLocks noGrp="1" noRot="1" noChangeAspect="1"/>
+          </p:cNvSpPr>
+          <p:nvPr>
+            <p:ph type="sldImg"/>
+          </p:nvPr>
+        </p:nvSpPr>
+        <p:spPr/>
+      </p:sp>
+      <p:sp>
+        <p:nvSpPr>
+          <p:cNvPr id="3" name="Notes Placeholder 2"/>
+          <p:cNvSpPr>
+            <a:spLocks noGrp="1"/>
+          </p:cNvSpPr>
+          <p:nvPr>
+            <p:ph type="body" idx="1"/>
+          </p:nvPr>
+        </p:nvSpPr>
+        <p:spPr/>
+        <p:txBody>
+          <a:bodyPr/>
+          <a:lstStyle/>
+          <a:p>
+            <a:pPr>
+              <a:buNone/>
+            </a:pPr>
+            <a:r>
+              <a:rPr lang="en-US" dirty="0"/>
+              <a:t>The descriptions for each step in the above diagram include:</a:t>
+            </a:r>
+          </a:p>
+          <a:p>
+            <a:pPr>
+              <a:buFont typeface="Arial" panose="020B0604020202020204" pitchFamily="34" charset="0"/>
+              <a:buChar char="•"/>
+            </a:pPr>
+            <a:r>
+              <a:rPr lang="en-US" dirty="0"/>
+              <a:t>Step 1: A Provider as part of their clinical workflow updates the data in the Data Source’s patient chart.</a:t>
+            </a:r>
+          </a:p>
+          <a:p>
+            <a:pPr>
+              <a:buFont typeface="Arial" panose="020B0604020202020204" pitchFamily="34" charset="0"/>
+              <a:buChar char="•"/>
+            </a:pPr>
+            <a:r>
+              <a:rPr lang="en-US" dirty="0"/>
+              <a:t>Step 2: The Data Submitter which is part of the Data Source evaluates the data to determine if a report needs to be generated.</a:t>
+            </a:r>
+          </a:p>
+          <a:p>
+            <a:pPr>
+              <a:buFont typeface="Arial" panose="020B0604020202020204" pitchFamily="34" charset="0"/>
+              <a:buChar char="•"/>
+            </a:pPr>
+            <a:r>
+              <a:rPr lang="en-US" dirty="0"/>
+              <a:t>Step 3: When a report is created, the Data Submitter submits the report to the Data Receiver.</a:t>
+            </a:r>
+          </a:p>
+          <a:p>
+            <a:endParaRPr lang="en-US" dirty="0"/>
+          </a:p>
+        </p:txBody>
+      </p:sp>
+      <p:sp>
+        <p:nvSpPr>
+          <p:cNvPr id="4" name="Slide Number Placeholder 3"/>
+          <p:cNvSpPr>
+            <a:spLocks noGrp="1"/>
+          </p:cNvSpPr>
+          <p:nvPr>
+            <p:ph type="sldNum" sz="quarter" idx="5"/>
+          </p:nvPr>
+        </p:nvSpPr>
+        <p:spPr/>
+        <p:txBody>
+          <a:bodyPr/>
+          <a:lstStyle/>
+          <a:p>
+            <a:fld id="{2F3F0BED-B13B-4D96-A074-5E77AD0A6EEA}" type="slidenum">
+              <a:rPr lang="en-US" smtClean="0"/>
+              <a:t>3</a:t>
+            </a:fld>
+            <a:endParaRPr lang="en-US"/>
+          </a:p>
+        </p:txBody>
+      </p:sp>
+    </p:spTree>
+    <p:extLst>
+      <p:ext uri="{BB962C8B-B14F-4D97-AF65-F5344CB8AC3E}">
+        <p14:creationId xmlns:p14="http://schemas.microsoft.com/office/powerpoint/2010/main" val="3894673423"/>
+      </p:ext>
+    </p:extLst>
+  </p:cSld>
+  <p:clrMapOvr>
+    <a:masterClrMapping/>
+  </p:clrMapOvr>
+</p:notes>
+</file>
+
+<file path=ppt/notesSlides/notesSlide4.xml><?xml version="1.0" encoding="utf-8"?>
+<p:notes xmlns:a="http://schemas.openxmlformats.org/drawingml/2006/main" xmlns:r="http://schemas.openxmlformats.org/officeDocument/2006/relationships" xmlns:p="http://schemas.openxmlformats.org/presentationml/2006/main">
+  <p:cSld>
+    <p:spTree>
+      <p:nvGrpSpPr>
+        <p:cNvPr id="1" name=""/>
+        <p:cNvGrpSpPr/>
+        <p:nvPr/>
+      </p:nvGrpSpPr>
+      <p:grpSpPr>
+        <a:xfrm>
+          <a:off x="0" y="0"/>
+          <a:ext cx="0" cy="0"/>
+          <a:chOff x="0" y="0"/>
+          <a:chExt cx="0" cy="0"/>
+        </a:xfrm>
+      </p:grpSpPr>
+      <p:sp>
+        <p:nvSpPr>
+          <p:cNvPr id="2" name="Slide Image Placeholder 1"/>
+          <p:cNvSpPr>
+            <a:spLocks noGrp="1" noRot="1" noChangeAspect="1"/>
+          </p:cNvSpPr>
+          <p:nvPr>
+            <p:ph type="sldImg"/>
+          </p:nvPr>
+        </p:nvSpPr>
+        <p:spPr/>
+      </p:sp>
+      <p:sp>
+        <p:nvSpPr>
+          <p:cNvPr id="3" name="Notes Placeholder 2"/>
+          <p:cNvSpPr>
+            <a:spLocks noGrp="1"/>
+          </p:cNvSpPr>
+          <p:nvPr>
+            <p:ph type="body" idx="1"/>
+          </p:nvPr>
+        </p:nvSpPr>
+        <p:spPr/>
+        <p:txBody>
+          <a:bodyPr/>
+          <a:lstStyle/>
+          <a:p>
             <a:endParaRPr lang="en-US" dirty="0"/>
           </a:p>
         </p:txBody>
@@ -574,7 +1055,7 @@
                 <a:tabLst/>
                 <a:defRPr/>
               </a:pPr>
-              <a:t>2</a:t>
+              <a:t>5</a:t>
             </a:fld>
             <a:endParaRPr kumimoji="0" lang="en-US" sz="1200" b="0" i="0" u="none" strike="noStrike" kern="1200" cap="none" spc="0" normalizeH="0" baseline="0" noProof="0" dirty="0">
               <a:ln>
@@ -1395,7 +1876,7 @@
                 <a:latin typeface="Constantia"/>
               </a:rPr>
               <a:pPr/>
-              <a:t>7/25/2025</a:t>
+              <a:t>8/14/2025</a:t>
             </a:fld>
             <a:endParaRPr lang="en-US" dirty="0">
               <a:latin typeface="Constantia"/>
@@ -1630,7 +2111,7 @@
                 <a:latin typeface="Constantia"/>
               </a:rPr>
               <a:pPr/>
-              <a:t>7/25/2025</a:t>
+              <a:t>8/14/2025</a:t>
             </a:fld>
             <a:endParaRPr lang="en-US" dirty="0">
               <a:latin typeface="Constantia"/>
@@ -1838,7 +2319,7 @@
                 <a:latin typeface="Constantia"/>
               </a:rPr>
               <a:pPr/>
-              <a:t>7/25/2025</a:t>
+              <a:t>8/14/2025</a:t>
             </a:fld>
             <a:endParaRPr lang="en-US" dirty="0">
               <a:latin typeface="Constantia"/>
@@ -2146,7 +2627,7 @@
           <a:p>
             <a:fld id="{5F6B6B97-D1D7-444D-A37B-F21E0BA680D2}" type="datetimeFigureOut">
               <a:rPr lang="en-US" smtClean="0"/>
-              <a:t>7/25/2025</a:t>
+              <a:t>8/14/2025</a:t>
             </a:fld>
             <a:endParaRPr lang="en-US"/>
           </a:p>
@@ -2344,7 +2825,7 @@
           <a:p>
             <a:fld id="{5F6B6B97-D1D7-444D-A37B-F21E0BA680D2}" type="datetimeFigureOut">
               <a:rPr lang="en-US" smtClean="0"/>
-              <a:t>7/25/2025</a:t>
+              <a:t>8/14/2025</a:t>
             </a:fld>
             <a:endParaRPr lang="en-US"/>
           </a:p>
@@ -2619,7 +3100,7 @@
           <a:p>
             <a:fld id="{5F6B6B97-D1D7-444D-A37B-F21E0BA680D2}" type="datetimeFigureOut">
               <a:rPr lang="en-US" smtClean="0"/>
-              <a:t>7/25/2025</a:t>
+              <a:t>8/14/2025</a:t>
             </a:fld>
             <a:endParaRPr lang="en-US"/>
           </a:p>
@@ -2884,7 +3365,7 @@
           <a:p>
             <a:fld id="{5F6B6B97-D1D7-444D-A37B-F21E0BA680D2}" type="datetimeFigureOut">
               <a:rPr lang="en-US" smtClean="0"/>
-              <a:t>7/25/2025</a:t>
+              <a:t>8/14/2025</a:t>
             </a:fld>
             <a:endParaRPr lang="en-US"/>
           </a:p>
@@ -3296,7 +3777,7 @@
           <a:p>
             <a:fld id="{5F6B6B97-D1D7-444D-A37B-F21E0BA680D2}" type="datetimeFigureOut">
               <a:rPr lang="en-US" smtClean="0"/>
-              <a:t>7/25/2025</a:t>
+              <a:t>8/14/2025</a:t>
             </a:fld>
             <a:endParaRPr lang="en-US"/>
           </a:p>
@@ -3437,7 +3918,7 @@
           <a:p>
             <a:fld id="{5F6B6B97-D1D7-444D-A37B-F21E0BA680D2}" type="datetimeFigureOut">
               <a:rPr lang="en-US" smtClean="0"/>
-              <a:t>7/25/2025</a:t>
+              <a:t>8/14/2025</a:t>
             </a:fld>
             <a:endParaRPr lang="en-US"/>
           </a:p>
@@ -3573,7 +4054,7 @@
                 <a:latin typeface="Constantia"/>
               </a:rPr>
               <a:pPr/>
-              <a:t>7/25/2025</a:t>
+              <a:t>8/14/2025</a:t>
             </a:fld>
             <a:endParaRPr lang="en-US" dirty="0">
               <a:latin typeface="Constantia"/>
@@ -3695,7 +4176,7 @@
           <a:p>
             <a:fld id="{5F6B6B97-D1D7-444D-A37B-F21E0BA680D2}" type="datetimeFigureOut">
               <a:rPr lang="en-US" smtClean="0"/>
-              <a:t>7/25/2025</a:t>
+              <a:t>8/14/2025</a:t>
             </a:fld>
             <a:endParaRPr lang="en-US"/>
           </a:p>
@@ -4006,7 +4487,7 @@
           <a:p>
             <a:fld id="{5F6B6B97-D1D7-444D-A37B-F21E0BA680D2}" type="datetimeFigureOut">
               <a:rPr lang="en-US" smtClean="0"/>
-              <a:t>7/25/2025</a:t>
+              <a:t>8/14/2025</a:t>
             </a:fld>
             <a:endParaRPr lang="en-US"/>
           </a:p>
@@ -4294,7 +4775,7 @@
           <a:p>
             <a:fld id="{5F6B6B97-D1D7-444D-A37B-F21E0BA680D2}" type="datetimeFigureOut">
               <a:rPr lang="en-US" smtClean="0"/>
-              <a:t>7/25/2025</a:t>
+              <a:t>8/14/2025</a:t>
             </a:fld>
             <a:endParaRPr lang="en-US"/>
           </a:p>
@@ -4492,7 +4973,7 @@
           <a:p>
             <a:fld id="{5F6B6B97-D1D7-444D-A37B-F21E0BA680D2}" type="datetimeFigureOut">
               <a:rPr lang="en-US" smtClean="0"/>
-              <a:t>7/25/2025</a:t>
+              <a:t>8/14/2025</a:t>
             </a:fld>
             <a:endParaRPr lang="en-US"/>
           </a:p>
@@ -4700,7 +5181,7 @@
           <a:p>
             <a:fld id="{5F6B6B97-D1D7-444D-A37B-F21E0BA680D2}" type="datetimeFigureOut">
               <a:rPr lang="en-US" smtClean="0"/>
-              <a:t>7/25/2025</a:t>
+              <a:t>8/14/2025</a:t>
             </a:fld>
             <a:endParaRPr lang="en-US"/>
           </a:p>
@@ -4928,7 +5409,7 @@
                 <a:latin typeface="Constantia"/>
               </a:rPr>
               <a:pPr/>
-              <a:t>7/25/2025</a:t>
+              <a:t>8/14/2025</a:t>
             </a:fld>
             <a:endParaRPr lang="en-US" dirty="0">
               <a:latin typeface="Constantia"/>
@@ -5230,7 +5711,7 @@
                 <a:latin typeface="Constantia"/>
               </a:rPr>
               <a:pPr/>
-              <a:t>7/25/2025</a:t>
+              <a:t>8/14/2025</a:t>
             </a:fld>
             <a:endParaRPr lang="en-US" dirty="0">
               <a:latin typeface="Constantia"/>
@@ -5641,7 +6122,7 @@
                 <a:latin typeface="Constantia"/>
               </a:rPr>
               <a:pPr/>
-              <a:t>7/25/2025</a:t>
+              <a:t>8/14/2025</a:t>
             </a:fld>
             <a:endParaRPr lang="en-US" dirty="0">
               <a:latin typeface="Constantia"/>
@@ -5824,7 +6305,7 @@
                 <a:latin typeface="Constantia"/>
               </a:rPr>
               <a:pPr/>
-              <a:t>7/25/2025</a:t>
+              <a:t>8/14/2025</a:t>
             </a:fld>
             <a:endParaRPr lang="en-US" dirty="0">
               <a:latin typeface="Constantia"/>
@@ -5947,7 +6428,7 @@
                 <a:latin typeface="Constantia"/>
               </a:rPr>
               <a:pPr/>
-              <a:t>7/25/2025</a:t>
+              <a:t>8/14/2025</a:t>
             </a:fld>
             <a:endParaRPr lang="en-US" dirty="0">
               <a:latin typeface="Constantia"/>
@@ -6096,7 +6577,7 @@
                 <a:latin typeface="Constantia"/>
               </a:rPr>
               <a:pPr/>
-              <a:t>7/25/2025</a:t>
+              <a:t>8/14/2025</a:t>
             </a:fld>
             <a:endParaRPr lang="en-US" dirty="0">
               <a:latin typeface="Constantia"/>
@@ -6422,7 +6903,7 @@
                 <a:latin typeface="Constantia"/>
               </a:rPr>
               <a:pPr/>
-              <a:t>7/25/2025</a:t>
+              <a:t>8/14/2025</a:t>
             </a:fld>
             <a:endParaRPr lang="en-US" dirty="0">
               <a:latin typeface="Constantia"/>
@@ -6677,7 +7158,7 @@
             <a:fld id="{B0F76EF8-0209-C949-9DAA-A21557B1487A}" type="datetimeFigureOut">
               <a:rPr lang="en-US" smtClean="0"/>
               <a:pPr defTabSz="457189"/>
-              <a:t>7/25/2025</a:t>
+              <a:t>8/14/2025</a:t>
             </a:fld>
             <a:endParaRPr lang="en-US" dirty="0"/>
           </a:p>
@@ -7394,7 +7875,7 @@
           <a:p>
             <a:fld id="{5F6B6B97-D1D7-444D-A37B-F21E0BA680D2}" type="datetimeFigureOut">
               <a:rPr lang="en-US" smtClean="0"/>
-              <a:t>7/25/2025</a:t>
+              <a:t>8/14/2025</a:t>
             </a:fld>
             <a:endParaRPr lang="en-US"/>
           </a:p>
@@ -7795,6 +8276,5939 @@
 </file>
 
 <file path=ppt/slides/slide1.xml><?xml version="1.0" encoding="utf-8"?>
+<p:sld xmlns:a="http://schemas.openxmlformats.org/drawingml/2006/main" xmlns:r="http://schemas.openxmlformats.org/officeDocument/2006/relationships" xmlns:p="http://schemas.openxmlformats.org/presentationml/2006/main">
+  <p:cSld>
+    <p:spTree>
+      <p:nvGrpSpPr>
+        <p:cNvPr id="1" name=""/>
+        <p:cNvGrpSpPr/>
+        <p:nvPr/>
+      </p:nvGrpSpPr>
+      <p:grpSpPr>
+        <a:xfrm>
+          <a:off x="0" y="0"/>
+          <a:ext cx="0" cy="0"/>
+          <a:chOff x="0" y="0"/>
+          <a:chExt cx="0" cy="0"/>
+        </a:xfrm>
+      </p:grpSpPr>
+      <p:sp>
+        <p:nvSpPr>
+          <p:cNvPr id="4" name="Rectangle 3">
+            <a:extLst>
+              <a:ext uri="{FF2B5EF4-FFF2-40B4-BE49-F238E27FC236}">
+                <a16:creationId xmlns:a16="http://schemas.microsoft.com/office/drawing/2014/main" id="{B68576F1-7148-6A75-32D5-EF1DF65B1316}"/>
+              </a:ext>
+            </a:extLst>
+          </p:cNvPr>
+          <p:cNvSpPr/>
+          <p:nvPr/>
+        </p:nvSpPr>
+        <p:spPr>
+          <a:xfrm>
+            <a:off x="1494624" y="871803"/>
+            <a:ext cx="4067606" cy="4587406"/>
+          </a:xfrm>
+          <a:prstGeom prst="rect">
+            <a:avLst/>
+          </a:prstGeom>
+          <a:solidFill>
+            <a:schemeClr val="bg1"/>
+          </a:solidFill>
+          <a:ln>
+            <a:solidFill>
+              <a:srgbClr val="FF0000"/>
+            </a:solidFill>
+            <a:prstDash val="sysDash"/>
+          </a:ln>
+        </p:spPr>
+        <p:style>
+          <a:lnRef idx="2">
+            <a:schemeClr val="accent1">
+              <a:shade val="50000"/>
+            </a:schemeClr>
+          </a:lnRef>
+          <a:fillRef idx="1">
+            <a:schemeClr val="accent1"/>
+          </a:fillRef>
+          <a:effectRef idx="0">
+            <a:schemeClr val="accent1"/>
+          </a:effectRef>
+          <a:fontRef idx="minor">
+            <a:schemeClr val="lt1"/>
+          </a:fontRef>
+        </p:style>
+        <p:txBody>
+          <a:bodyPr rtlCol="0" anchor="ctr"/>
+          <a:lstStyle/>
+          <a:p>
+            <a:pPr marL="0" marR="0" lvl="0" indent="0" algn="ctr" defTabSz="914400" rtl="0" eaLnBrk="1" fontAlgn="auto" latinLnBrk="0" hangingPunct="1">
+              <a:lnSpc>
+                <a:spcPct val="100000"/>
+              </a:lnSpc>
+              <a:spcBef>
+                <a:spcPts val="0"/>
+              </a:spcBef>
+              <a:spcAft>
+                <a:spcPts val="0"/>
+              </a:spcAft>
+              <a:buClrTx/>
+              <a:buSzTx/>
+              <a:buFontTx/>
+              <a:buNone/>
+              <a:tabLst/>
+              <a:defRPr/>
+            </a:pPr>
+            <a:endParaRPr kumimoji="0" lang="en-US" sz="1800" b="0" i="0" u="none" strike="noStrike" kern="1200" cap="none" spc="0" normalizeH="0" baseline="0" noProof="0">
+              <a:ln>
+                <a:noFill/>
+              </a:ln>
+              <a:solidFill>
+                <a:prstClr val="white"/>
+              </a:solidFill>
+              <a:effectLst/>
+              <a:uLnTx/>
+              <a:uFillTx/>
+              <a:latin typeface="Calibri" panose="020F0502020204030204" pitchFamily="34" charset="0"/>
+              <a:ea typeface="+mn-ea"/>
+              <a:cs typeface="Calibri" panose="020F0502020204030204" pitchFamily="34" charset="0"/>
+            </a:endParaRPr>
+          </a:p>
+        </p:txBody>
+      </p:sp>
+      <p:sp>
+        <p:nvSpPr>
+          <p:cNvPr id="5" name="Rectangle 4">
+            <a:extLst>
+              <a:ext uri="{FF2B5EF4-FFF2-40B4-BE49-F238E27FC236}">
+                <a16:creationId xmlns:a16="http://schemas.microsoft.com/office/drawing/2014/main" id="{542B5F1A-67B6-7934-8218-40099A45AD7E}"/>
+              </a:ext>
+            </a:extLst>
+          </p:cNvPr>
+          <p:cNvSpPr/>
+          <p:nvPr/>
+        </p:nvSpPr>
+        <p:spPr>
+          <a:xfrm>
+            <a:off x="3572182" y="943268"/>
+            <a:ext cx="1811459" cy="1069664"/>
+          </a:xfrm>
+          <a:prstGeom prst="rect">
+            <a:avLst/>
+          </a:prstGeom>
+          <a:solidFill>
+            <a:schemeClr val="tx2">
+              <a:lumMod val="20000"/>
+              <a:lumOff val="80000"/>
+            </a:schemeClr>
+          </a:solidFill>
+        </p:spPr>
+        <p:style>
+          <a:lnRef idx="2">
+            <a:schemeClr val="accent1">
+              <a:shade val="50000"/>
+            </a:schemeClr>
+          </a:lnRef>
+          <a:fillRef idx="1">
+            <a:schemeClr val="accent1"/>
+          </a:fillRef>
+          <a:effectRef idx="0">
+            <a:schemeClr val="accent1"/>
+          </a:effectRef>
+          <a:fontRef idx="minor">
+            <a:schemeClr val="lt1"/>
+          </a:fontRef>
+        </p:style>
+        <p:txBody>
+          <a:bodyPr rtlCol="0" anchor="ctr"/>
+          <a:lstStyle/>
+          <a:p>
+            <a:pPr marL="0" marR="0" lvl="0" indent="0" algn="ctr" defTabSz="914400" rtl="0" eaLnBrk="1" fontAlgn="auto" latinLnBrk="0" hangingPunct="1">
+              <a:lnSpc>
+                <a:spcPct val="100000"/>
+              </a:lnSpc>
+              <a:spcBef>
+                <a:spcPts val="0"/>
+              </a:spcBef>
+              <a:spcAft>
+                <a:spcPts val="0"/>
+              </a:spcAft>
+              <a:buClrTx/>
+              <a:buSzTx/>
+              <a:buFontTx/>
+              <a:buNone/>
+              <a:tabLst/>
+              <a:defRPr/>
+            </a:pPr>
+            <a:r>
+              <a:rPr kumimoji="0" lang="en-US" sz="1400" b="1" i="0" u="none" strike="noStrike" kern="1200" cap="none" spc="0" normalizeH="0" baseline="0" noProof="0" dirty="0">
+                <a:ln>
+                  <a:noFill/>
+                </a:ln>
+                <a:solidFill>
+                  <a:prstClr val="black"/>
+                </a:solidFill>
+                <a:effectLst/>
+                <a:uLnTx/>
+                <a:uFillTx/>
+                <a:latin typeface="Calibri" panose="020F0502020204030204" pitchFamily="34" charset="0"/>
+                <a:ea typeface="+mn-ea"/>
+                <a:cs typeface="Calibri" panose="020F0502020204030204" pitchFamily="34" charset="0"/>
+              </a:rPr>
+              <a:t>Data Source </a:t>
+            </a:r>
+          </a:p>
+          <a:p>
+            <a:pPr marL="0" marR="0" lvl="0" indent="0" algn="ctr" defTabSz="914400" rtl="0" eaLnBrk="1" fontAlgn="auto" latinLnBrk="0" hangingPunct="1">
+              <a:lnSpc>
+                <a:spcPct val="100000"/>
+              </a:lnSpc>
+              <a:spcBef>
+                <a:spcPts val="0"/>
+              </a:spcBef>
+              <a:spcAft>
+                <a:spcPts val="0"/>
+              </a:spcAft>
+              <a:buClrTx/>
+              <a:buSzTx/>
+              <a:buFontTx/>
+              <a:buNone/>
+              <a:tabLst/>
+              <a:defRPr/>
+            </a:pPr>
+            <a:r>
+              <a:rPr kumimoji="0" lang="en-US" sz="1400" b="0" i="0" u="none" strike="noStrike" kern="1200" cap="none" spc="0" normalizeH="0" baseline="0" noProof="0" dirty="0">
+                <a:ln>
+                  <a:noFill/>
+                </a:ln>
+                <a:solidFill>
+                  <a:prstClr val="black"/>
+                </a:solidFill>
+                <a:effectLst/>
+                <a:uLnTx/>
+                <a:uFillTx/>
+                <a:latin typeface="Calibri" panose="020F0502020204030204" pitchFamily="34" charset="0"/>
+                <a:ea typeface="+mn-ea"/>
+                <a:cs typeface="Calibri" panose="020F0502020204030204" pitchFamily="34" charset="0"/>
+              </a:rPr>
+              <a:t>(e.g., Healthcare Facility, HIE)</a:t>
+            </a:r>
+            <a:r>
+              <a:rPr kumimoji="0" lang="en-US" sz="1400" b="0" i="0" u="none" strike="noStrike" kern="1200" cap="none" spc="0" normalizeH="0" baseline="0" noProof="0" dirty="0">
+                <a:ln>
+                  <a:noFill/>
+                </a:ln>
+                <a:solidFill>
+                  <a:srgbClr val="FF0000"/>
+                </a:solidFill>
+                <a:effectLst/>
+                <a:uLnTx/>
+                <a:uFillTx/>
+                <a:latin typeface="Calibri" panose="020F0502020204030204" pitchFamily="34" charset="0"/>
+                <a:ea typeface="+mn-ea"/>
+                <a:cs typeface="Calibri" panose="020F0502020204030204" pitchFamily="34" charset="0"/>
+              </a:rPr>
+              <a:t> </a:t>
+            </a:r>
+          </a:p>
+        </p:txBody>
+      </p:sp>
+      <p:pic>
+        <p:nvPicPr>
+          <p:cNvPr id="6" name="Picture 11">
+            <a:extLst>
+              <a:ext uri="{FF2B5EF4-FFF2-40B4-BE49-F238E27FC236}">
+                <a16:creationId xmlns:a16="http://schemas.microsoft.com/office/drawing/2014/main" id="{B11287FC-09C5-FAD6-65E0-A6EB39F1792B}"/>
+              </a:ext>
+            </a:extLst>
+          </p:cNvPr>
+          <p:cNvPicPr>
+            <a:picLocks noChangeAspect="1" noChangeArrowheads="1"/>
+          </p:cNvPicPr>
+          <p:nvPr/>
+        </p:nvPicPr>
+        <p:blipFill>
+          <a:blip r:embed="rId3" cstate="print">
+            <a:extLst>
+              <a:ext uri="{28A0092B-C50C-407E-A947-70E740481C1C}">
+                <a14:useLocalDpi xmlns:a14="http://schemas.microsoft.com/office/drawing/2010/main" val="0"/>
+              </a:ext>
+            </a:extLst>
+          </a:blip>
+          <a:srcRect/>
+          <a:stretch>
+            <a:fillRect/>
+          </a:stretch>
+        </p:blipFill>
+        <p:spPr bwMode="auto">
+          <a:xfrm>
+            <a:off x="1801267" y="1131951"/>
+            <a:ext cx="1017213" cy="682787"/>
+          </a:xfrm>
+          <a:prstGeom prst="rect">
+            <a:avLst/>
+          </a:prstGeom>
+          <a:noFill/>
+          <a:ln>
+            <a:noFill/>
+          </a:ln>
+          <a:extLst>
+            <a:ext uri="{909E8E84-426E-40dd-AFC4-6F175D3DCCD1}">
+              <a14:hiddenFill xmlns="" xmlns:a14="http://schemas.microsoft.com/office/drawing/2010/main">
+                <a:solidFill>
+                  <a:schemeClr val="accent1"/>
+                </a:solidFill>
+              </a14:hiddenFill>
+            </a:ext>
+            <a:ext uri="{91240B29-F687-4f45-9708-019B960494DF}">
+              <a14:hiddenLine xmlns="" xmlns:a14="http://schemas.microsoft.com/office/drawing/2010/main" w="9525">
+                <a:solidFill>
+                  <a:schemeClr val="tx1"/>
+                </a:solidFill>
+                <a:miter lim="800000"/>
+                <a:headEnd/>
+                <a:tailEnd/>
+              </a14:hiddenLine>
+            </a:ext>
+          </a:extLst>
+        </p:spPr>
+      </p:pic>
+      <p:sp>
+        <p:nvSpPr>
+          <p:cNvPr id="7" name="Rectangle 6">
+            <a:extLst>
+              <a:ext uri="{FF2B5EF4-FFF2-40B4-BE49-F238E27FC236}">
+                <a16:creationId xmlns:a16="http://schemas.microsoft.com/office/drawing/2014/main" id="{E066B9FC-188E-5A29-FEF2-ECB692473E3E}"/>
+              </a:ext>
+            </a:extLst>
+          </p:cNvPr>
+          <p:cNvSpPr/>
+          <p:nvPr/>
+        </p:nvSpPr>
+        <p:spPr>
+          <a:xfrm>
+            <a:off x="3605304" y="3756547"/>
+            <a:ext cx="1811459" cy="1464461"/>
+          </a:xfrm>
+          <a:prstGeom prst="rect">
+            <a:avLst/>
+          </a:prstGeom>
+          <a:solidFill>
+            <a:schemeClr val="tx2">
+              <a:lumMod val="20000"/>
+              <a:lumOff val="80000"/>
+            </a:schemeClr>
+          </a:solidFill>
+        </p:spPr>
+        <p:style>
+          <a:lnRef idx="2">
+            <a:schemeClr val="accent1">
+              <a:shade val="50000"/>
+            </a:schemeClr>
+          </a:lnRef>
+          <a:fillRef idx="1">
+            <a:schemeClr val="accent1"/>
+          </a:fillRef>
+          <a:effectRef idx="0">
+            <a:schemeClr val="accent1"/>
+          </a:effectRef>
+          <a:fontRef idx="minor">
+            <a:schemeClr val="lt1"/>
+          </a:fontRef>
+        </p:style>
+        <p:txBody>
+          <a:bodyPr tIns="182880" rtlCol="0" anchor="t" anchorCtr="1"/>
+          <a:lstStyle/>
+          <a:p>
+            <a:pPr marL="0" marR="0" lvl="0" indent="0" algn="ctr" defTabSz="914400" rtl="0" eaLnBrk="1" fontAlgn="auto" latinLnBrk="0" hangingPunct="1">
+              <a:lnSpc>
+                <a:spcPct val="100000"/>
+              </a:lnSpc>
+              <a:spcBef>
+                <a:spcPts val="0"/>
+              </a:spcBef>
+              <a:spcAft>
+                <a:spcPts val="0"/>
+              </a:spcAft>
+              <a:buClrTx/>
+              <a:buSzTx/>
+              <a:buFontTx/>
+              <a:buNone/>
+              <a:tabLst/>
+              <a:defRPr/>
+            </a:pPr>
+            <a:r>
+              <a:rPr kumimoji="0" lang="en-US" sz="1400" b="1" i="0" u="none" strike="noStrike" kern="1200" cap="none" spc="0" normalizeH="0" baseline="0" noProof="0" dirty="0">
+                <a:ln>
+                  <a:noFill/>
+                </a:ln>
+                <a:solidFill>
+                  <a:prstClr val="black"/>
+                </a:solidFill>
+                <a:effectLst/>
+                <a:uLnTx/>
+                <a:uFillTx/>
+                <a:latin typeface="Calibri" panose="020F0502020204030204" pitchFamily="34" charset="0"/>
+                <a:ea typeface="+mn-ea"/>
+                <a:cs typeface="Calibri" panose="020F0502020204030204" pitchFamily="34" charset="0"/>
+              </a:rPr>
+              <a:t>Data Submitter</a:t>
+            </a:r>
+            <a:endParaRPr kumimoji="0" lang="en-US" sz="1400" b="0" i="0" u="none" strike="noStrike" kern="1200" cap="none" spc="0" normalizeH="0" baseline="0" noProof="0" dirty="0">
+              <a:ln>
+                <a:noFill/>
+              </a:ln>
+              <a:solidFill>
+                <a:prstClr val="black"/>
+              </a:solidFill>
+              <a:effectLst/>
+              <a:uLnTx/>
+              <a:uFillTx/>
+              <a:latin typeface="Calibri" panose="020F0502020204030204" pitchFamily="34" charset="0"/>
+              <a:ea typeface="+mn-ea"/>
+              <a:cs typeface="Calibri" panose="020F0502020204030204" pitchFamily="34" charset="0"/>
+            </a:endParaRPr>
+          </a:p>
+        </p:txBody>
+      </p:sp>
+      <p:sp>
+        <p:nvSpPr>
+          <p:cNvPr id="8" name="TextBox 7">
+            <a:extLst>
+              <a:ext uri="{FF2B5EF4-FFF2-40B4-BE49-F238E27FC236}">
+                <a16:creationId xmlns:a16="http://schemas.microsoft.com/office/drawing/2014/main" id="{E6861A66-2E37-2475-0D46-969AC968A59D}"/>
+              </a:ext>
+            </a:extLst>
+          </p:cNvPr>
+          <p:cNvSpPr txBox="1"/>
+          <p:nvPr/>
+        </p:nvSpPr>
+        <p:spPr>
+          <a:xfrm>
+            <a:off x="1918466" y="1829284"/>
+            <a:ext cx="587020" cy="230832"/>
+          </a:xfrm>
+          <a:prstGeom prst="rect">
+            <a:avLst/>
+          </a:prstGeom>
+          <a:noFill/>
+        </p:spPr>
+        <p:txBody>
+          <a:bodyPr wrap="none" rtlCol="0">
+            <a:spAutoFit/>
+          </a:bodyPr>
+          <a:lstStyle/>
+          <a:p>
+            <a:pPr marL="0" marR="0" lvl="0" indent="0" algn="l" defTabSz="914400" rtl="0" eaLnBrk="1" fontAlgn="auto" latinLnBrk="0" hangingPunct="1">
+              <a:lnSpc>
+                <a:spcPct val="100000"/>
+              </a:lnSpc>
+              <a:spcBef>
+                <a:spcPts val="0"/>
+              </a:spcBef>
+              <a:spcAft>
+                <a:spcPts val="0"/>
+              </a:spcAft>
+              <a:buClrTx/>
+              <a:buSzTx/>
+              <a:buFontTx/>
+              <a:buNone/>
+              <a:tabLst/>
+              <a:defRPr/>
+            </a:pPr>
+            <a:r>
+              <a:rPr kumimoji="0" lang="en-US" sz="900" b="1" i="1" u="none" strike="noStrike" kern="1200" cap="none" spc="0" normalizeH="0" baseline="0" noProof="0" dirty="0">
+                <a:ln>
+                  <a:noFill/>
+                </a:ln>
+                <a:solidFill>
+                  <a:prstClr val="black"/>
+                </a:solidFill>
+                <a:effectLst/>
+                <a:uLnTx/>
+                <a:uFillTx/>
+                <a:latin typeface="Calibri" panose="020F0502020204030204" pitchFamily="34" charset="0"/>
+                <a:ea typeface="+mn-ea"/>
+                <a:cs typeface="Calibri" panose="020F0502020204030204" pitchFamily="34" charset="0"/>
+              </a:rPr>
+              <a:t>Provider</a:t>
+            </a:r>
+          </a:p>
+        </p:txBody>
+      </p:sp>
+      <p:sp>
+        <p:nvSpPr>
+          <p:cNvPr id="9" name="Rectangle 8">
+            <a:extLst>
+              <a:ext uri="{FF2B5EF4-FFF2-40B4-BE49-F238E27FC236}">
+                <a16:creationId xmlns:a16="http://schemas.microsoft.com/office/drawing/2014/main" id="{A4A93BCE-C37E-BA58-0AB8-6C78CEE07245}"/>
+              </a:ext>
+            </a:extLst>
+          </p:cNvPr>
+          <p:cNvSpPr/>
+          <p:nvPr/>
+        </p:nvSpPr>
+        <p:spPr>
+          <a:xfrm>
+            <a:off x="7216081" y="1987728"/>
+            <a:ext cx="1282018" cy="2676698"/>
+          </a:xfrm>
+          <a:prstGeom prst="rect">
+            <a:avLst/>
+          </a:prstGeom>
+          <a:solidFill>
+            <a:schemeClr val="tx2">
+              <a:lumMod val="20000"/>
+              <a:lumOff val="80000"/>
+            </a:schemeClr>
+          </a:solidFill>
+        </p:spPr>
+        <p:style>
+          <a:lnRef idx="2">
+            <a:schemeClr val="accent1">
+              <a:shade val="50000"/>
+            </a:schemeClr>
+          </a:lnRef>
+          <a:fillRef idx="1">
+            <a:schemeClr val="accent1"/>
+          </a:fillRef>
+          <a:effectRef idx="0">
+            <a:schemeClr val="accent1"/>
+          </a:effectRef>
+          <a:fontRef idx="minor">
+            <a:schemeClr val="lt1"/>
+          </a:fontRef>
+        </p:style>
+        <p:txBody>
+          <a:bodyPr rtlCol="0" anchor="ctr"/>
+          <a:lstStyle/>
+          <a:p>
+            <a:pPr marL="0" marR="0" lvl="0" indent="0" algn="ctr" defTabSz="914400" rtl="0" eaLnBrk="1" fontAlgn="auto" latinLnBrk="0" hangingPunct="1">
+              <a:lnSpc>
+                <a:spcPct val="100000"/>
+              </a:lnSpc>
+              <a:spcBef>
+                <a:spcPts val="0"/>
+              </a:spcBef>
+              <a:spcAft>
+                <a:spcPts val="0"/>
+              </a:spcAft>
+              <a:buClrTx/>
+              <a:buSzTx/>
+              <a:buFontTx/>
+              <a:buNone/>
+              <a:tabLst/>
+              <a:defRPr/>
+            </a:pPr>
+            <a:r>
+              <a:rPr kumimoji="0" lang="en-US" sz="1400" b="1" i="0" u="none" strike="noStrike" kern="1200" cap="none" spc="0" normalizeH="0" baseline="0" noProof="0" dirty="0">
+                <a:ln>
+                  <a:noFill/>
+                </a:ln>
+                <a:solidFill>
+                  <a:prstClr val="black"/>
+                </a:solidFill>
+                <a:effectLst/>
+                <a:uLnTx/>
+                <a:uFillTx/>
+                <a:latin typeface="Calibri" panose="020F0502020204030204" pitchFamily="34" charset="0"/>
+                <a:ea typeface="+mn-ea"/>
+                <a:cs typeface="Calibri" panose="020F0502020204030204" pitchFamily="34" charset="0"/>
+              </a:rPr>
+              <a:t>Data Receiver </a:t>
+            </a:r>
+            <a:r>
+              <a:rPr kumimoji="0" lang="en-US" sz="1400" b="0" i="0" u="none" strike="noStrike" kern="1200" cap="none" spc="0" normalizeH="0" baseline="0" noProof="0" dirty="0">
+                <a:ln>
+                  <a:noFill/>
+                </a:ln>
+                <a:solidFill>
+                  <a:prstClr val="black"/>
+                </a:solidFill>
+                <a:effectLst/>
+                <a:uLnTx/>
+                <a:uFillTx/>
+                <a:latin typeface="Calibri" panose="020F0502020204030204" pitchFamily="34" charset="0"/>
+                <a:ea typeface="+mn-ea"/>
+                <a:cs typeface="Calibri" panose="020F0502020204030204" pitchFamily="34" charset="0"/>
+              </a:rPr>
+              <a:t>(e.g., </a:t>
+            </a:r>
+            <a:r>
+              <a:rPr kumimoji="0" lang="en-US" sz="1400" b="0" i="0" u="none" strike="noStrike" kern="1200" cap="none" spc="0" normalizeH="0" baseline="0" noProof="0" dirty="0">
+                <a:ln>
+                  <a:noFill/>
+                </a:ln>
+                <a:solidFill>
+                  <a:srgbClr val="000000"/>
+                </a:solidFill>
+                <a:effectLst/>
+                <a:uLnTx/>
+                <a:uFillTx/>
+                <a:latin typeface="Calibri" panose="020F0502020204030204" pitchFamily="34" charset="0"/>
+                <a:ea typeface="+mn-ea"/>
+                <a:cs typeface="Calibri" panose="020F0502020204030204" pitchFamily="34" charset="0"/>
+              </a:rPr>
+              <a:t>RESP-NET Site)</a:t>
+            </a:r>
+            <a:endParaRPr kumimoji="0" lang="en-US" sz="1400" b="0" i="0" u="none" strike="noStrike" kern="1200" cap="none" spc="0" normalizeH="0" baseline="0" noProof="0" dirty="0">
+              <a:ln>
+                <a:noFill/>
+              </a:ln>
+              <a:solidFill>
+                <a:prstClr val="black"/>
+              </a:solidFill>
+              <a:effectLst/>
+              <a:uLnTx/>
+              <a:uFillTx/>
+              <a:latin typeface="Calibri" panose="020F0502020204030204" pitchFamily="34" charset="0"/>
+              <a:ea typeface="+mn-ea"/>
+              <a:cs typeface="Calibri" panose="020F0502020204030204" pitchFamily="34" charset="0"/>
+            </a:endParaRPr>
+          </a:p>
+          <a:p>
+            <a:pPr marL="0" marR="0" lvl="0" indent="0" algn="ctr" defTabSz="914400" rtl="0" eaLnBrk="1" fontAlgn="auto" latinLnBrk="0" hangingPunct="1">
+              <a:lnSpc>
+                <a:spcPct val="100000"/>
+              </a:lnSpc>
+              <a:spcBef>
+                <a:spcPts val="0"/>
+              </a:spcBef>
+              <a:spcAft>
+                <a:spcPts val="0"/>
+              </a:spcAft>
+              <a:buClrTx/>
+              <a:buSzTx/>
+              <a:buFontTx/>
+              <a:buNone/>
+              <a:tabLst/>
+              <a:defRPr/>
+            </a:pPr>
+            <a:endParaRPr kumimoji="0" lang="en-US" sz="1200" b="1" i="0" u="none" strike="noStrike" kern="1200" cap="none" spc="0" normalizeH="0" baseline="0" noProof="0" dirty="0">
+              <a:ln>
+                <a:noFill/>
+              </a:ln>
+              <a:solidFill>
+                <a:prstClr val="black"/>
+              </a:solidFill>
+              <a:effectLst/>
+              <a:uLnTx/>
+              <a:uFillTx/>
+              <a:latin typeface="Calibri" panose="020F0502020204030204" pitchFamily="34" charset="0"/>
+              <a:ea typeface="+mn-ea"/>
+              <a:cs typeface="Calibri" panose="020F0502020204030204" pitchFamily="34" charset="0"/>
+            </a:endParaRPr>
+          </a:p>
+        </p:txBody>
+      </p:sp>
+      <p:cxnSp>
+        <p:nvCxnSpPr>
+          <p:cNvPr id="10" name="Straight Arrow Connector 9">
+            <a:extLst>
+              <a:ext uri="{FF2B5EF4-FFF2-40B4-BE49-F238E27FC236}">
+                <a16:creationId xmlns:a16="http://schemas.microsoft.com/office/drawing/2014/main" id="{40674A4F-DD4D-2B53-4F91-94F9283E27FA}"/>
+              </a:ext>
+            </a:extLst>
+          </p:cNvPr>
+          <p:cNvCxnSpPr>
+            <a:cxnSpLocks/>
+            <a:stCxn id="6" idx="3"/>
+            <a:endCxn id="5" idx="1"/>
+          </p:cNvCxnSpPr>
+          <p:nvPr/>
+        </p:nvCxnSpPr>
+        <p:spPr>
+          <a:xfrm>
+            <a:off x="2818480" y="1473345"/>
+            <a:ext cx="753702" cy="4755"/>
+          </a:xfrm>
+          <a:prstGeom prst="straightConnector1">
+            <a:avLst/>
+          </a:prstGeom>
+          <a:ln>
+            <a:tailEnd type="triangle"/>
+          </a:ln>
+        </p:spPr>
+        <p:style>
+          <a:lnRef idx="1">
+            <a:schemeClr val="accent1"/>
+          </a:lnRef>
+          <a:fillRef idx="0">
+            <a:schemeClr val="accent1"/>
+          </a:fillRef>
+          <a:effectRef idx="0">
+            <a:schemeClr val="accent1"/>
+          </a:effectRef>
+          <a:fontRef idx="minor">
+            <a:schemeClr val="tx1"/>
+          </a:fontRef>
+        </p:style>
+      </p:cxnSp>
+      <p:sp>
+        <p:nvSpPr>
+          <p:cNvPr id="11" name="TextBox 10">
+            <a:extLst>
+              <a:ext uri="{FF2B5EF4-FFF2-40B4-BE49-F238E27FC236}">
+                <a16:creationId xmlns:a16="http://schemas.microsoft.com/office/drawing/2014/main" id="{8CC27550-3E1F-1A2B-B06B-704417C6B2CD}"/>
+              </a:ext>
+            </a:extLst>
+          </p:cNvPr>
+          <p:cNvSpPr txBox="1"/>
+          <p:nvPr/>
+        </p:nvSpPr>
+        <p:spPr>
+          <a:xfrm>
+            <a:off x="2911794" y="997762"/>
+            <a:ext cx="657837" cy="369332"/>
+          </a:xfrm>
+          <a:prstGeom prst="rect">
+            <a:avLst/>
+          </a:prstGeom>
+          <a:noFill/>
+        </p:spPr>
+        <p:txBody>
+          <a:bodyPr wrap="square" rtlCol="0">
+            <a:spAutoFit/>
+          </a:bodyPr>
+          <a:lstStyle/>
+          <a:p>
+            <a:pPr marL="0" marR="0" lvl="0" indent="0" algn="l" defTabSz="914400" rtl="0" eaLnBrk="1" fontAlgn="auto" latinLnBrk="0" hangingPunct="1">
+              <a:lnSpc>
+                <a:spcPct val="100000"/>
+              </a:lnSpc>
+              <a:spcBef>
+                <a:spcPts val="0"/>
+              </a:spcBef>
+              <a:spcAft>
+                <a:spcPts val="0"/>
+              </a:spcAft>
+              <a:buClrTx/>
+              <a:buSzTx/>
+              <a:buFontTx/>
+              <a:buNone/>
+              <a:tabLst/>
+              <a:defRPr/>
+            </a:pPr>
+            <a:r>
+              <a:rPr kumimoji="0" lang="en-US" sz="900" b="1" i="1" u="none" strike="noStrike" kern="1200" cap="none" spc="0" normalizeH="0" baseline="0" noProof="0" dirty="0">
+                <a:ln>
+                  <a:noFill/>
+                </a:ln>
+                <a:solidFill>
+                  <a:prstClr val="black"/>
+                </a:solidFill>
+                <a:effectLst/>
+                <a:uLnTx/>
+                <a:uFillTx/>
+                <a:latin typeface="Calibri" panose="020F0502020204030204" pitchFamily="34" charset="0"/>
+                <a:ea typeface="+mn-ea"/>
+                <a:cs typeface="Calibri" panose="020F0502020204030204" pitchFamily="34" charset="0"/>
+              </a:rPr>
+              <a:t>Updates/Sign off</a:t>
+            </a:r>
+          </a:p>
+        </p:txBody>
+      </p:sp>
+      <p:cxnSp>
+        <p:nvCxnSpPr>
+          <p:cNvPr id="12" name="Straight Arrow Connector 11">
+            <a:extLst>
+              <a:ext uri="{FF2B5EF4-FFF2-40B4-BE49-F238E27FC236}">
+                <a16:creationId xmlns:a16="http://schemas.microsoft.com/office/drawing/2014/main" id="{2FD1495D-0081-F40F-55C2-E2B4B9A3782A}"/>
+              </a:ext>
+            </a:extLst>
+          </p:cNvPr>
+          <p:cNvCxnSpPr>
+            <a:cxnSpLocks/>
+          </p:cNvCxnSpPr>
+          <p:nvPr/>
+        </p:nvCxnSpPr>
+        <p:spPr>
+          <a:xfrm>
+            <a:off x="4066853" y="2021915"/>
+            <a:ext cx="0" cy="1727012"/>
+          </a:xfrm>
+          <a:prstGeom prst="straightConnector1">
+            <a:avLst/>
+          </a:prstGeom>
+          <a:ln>
+            <a:tailEnd type="triangle"/>
+          </a:ln>
+        </p:spPr>
+        <p:style>
+          <a:lnRef idx="1">
+            <a:schemeClr val="accent1"/>
+          </a:lnRef>
+          <a:fillRef idx="0">
+            <a:schemeClr val="accent1"/>
+          </a:fillRef>
+          <a:effectRef idx="0">
+            <a:schemeClr val="accent1"/>
+          </a:effectRef>
+          <a:fontRef idx="minor">
+            <a:schemeClr val="tx1"/>
+          </a:fontRef>
+        </p:style>
+      </p:cxnSp>
+      <p:cxnSp>
+        <p:nvCxnSpPr>
+          <p:cNvPr id="13" name="Straight Arrow Connector 12">
+            <a:extLst>
+              <a:ext uri="{FF2B5EF4-FFF2-40B4-BE49-F238E27FC236}">
+                <a16:creationId xmlns:a16="http://schemas.microsoft.com/office/drawing/2014/main" id="{4CC7A75B-74E0-6005-043C-B87ACA695146}"/>
+              </a:ext>
+            </a:extLst>
+          </p:cNvPr>
+          <p:cNvCxnSpPr>
+            <a:cxnSpLocks/>
+          </p:cNvCxnSpPr>
+          <p:nvPr/>
+        </p:nvCxnSpPr>
+        <p:spPr>
+          <a:xfrm flipH="1" flipV="1">
+            <a:off x="4411872" y="2012932"/>
+            <a:ext cx="9284" cy="1751452"/>
+          </a:xfrm>
+          <a:prstGeom prst="straightConnector1">
+            <a:avLst/>
+          </a:prstGeom>
+          <a:ln>
+            <a:tailEnd type="triangle"/>
+          </a:ln>
+        </p:spPr>
+        <p:style>
+          <a:lnRef idx="1">
+            <a:schemeClr val="accent1"/>
+          </a:lnRef>
+          <a:fillRef idx="0">
+            <a:schemeClr val="accent1"/>
+          </a:fillRef>
+          <a:effectRef idx="0">
+            <a:schemeClr val="accent1"/>
+          </a:effectRef>
+          <a:fontRef idx="minor">
+            <a:schemeClr val="tx1"/>
+          </a:fontRef>
+        </p:style>
+      </p:cxnSp>
+      <p:cxnSp>
+        <p:nvCxnSpPr>
+          <p:cNvPr id="14" name="Straight Arrow Connector 13">
+            <a:extLst>
+              <a:ext uri="{FF2B5EF4-FFF2-40B4-BE49-F238E27FC236}">
+                <a16:creationId xmlns:a16="http://schemas.microsoft.com/office/drawing/2014/main" id="{A2F63327-A24C-90FD-6863-FF8E67A8464F}"/>
+              </a:ext>
+            </a:extLst>
+          </p:cNvPr>
+          <p:cNvCxnSpPr>
+            <a:cxnSpLocks/>
+          </p:cNvCxnSpPr>
+          <p:nvPr/>
+        </p:nvCxnSpPr>
+        <p:spPr>
+          <a:xfrm>
+            <a:off x="5415459" y="4458463"/>
+            <a:ext cx="1800622" cy="0"/>
+          </a:xfrm>
+          <a:prstGeom prst="straightConnector1">
+            <a:avLst/>
+          </a:prstGeom>
+          <a:ln>
+            <a:tailEnd type="triangle"/>
+          </a:ln>
+        </p:spPr>
+        <p:style>
+          <a:lnRef idx="1">
+            <a:schemeClr val="accent1"/>
+          </a:lnRef>
+          <a:fillRef idx="0">
+            <a:schemeClr val="accent1"/>
+          </a:fillRef>
+          <a:effectRef idx="0">
+            <a:schemeClr val="accent1"/>
+          </a:effectRef>
+          <a:fontRef idx="minor">
+            <a:schemeClr val="tx1"/>
+          </a:fontRef>
+        </p:style>
+      </p:cxnSp>
+      <p:sp>
+        <p:nvSpPr>
+          <p:cNvPr id="15" name="TextBox 14">
+            <a:extLst>
+              <a:ext uri="{FF2B5EF4-FFF2-40B4-BE49-F238E27FC236}">
+                <a16:creationId xmlns:a16="http://schemas.microsoft.com/office/drawing/2014/main" id="{6ABADAD3-A5B0-C13D-DC8F-92B73B6D60C3}"/>
+              </a:ext>
+            </a:extLst>
+          </p:cNvPr>
+          <p:cNvSpPr txBox="1"/>
+          <p:nvPr/>
+        </p:nvSpPr>
+        <p:spPr>
+          <a:xfrm>
+            <a:off x="6244482" y="4245908"/>
+            <a:ext cx="763370" cy="230832"/>
+          </a:xfrm>
+          <a:prstGeom prst="rect">
+            <a:avLst/>
+          </a:prstGeom>
+          <a:noFill/>
+        </p:spPr>
+        <p:txBody>
+          <a:bodyPr wrap="square" rtlCol="0">
+            <a:spAutoFit/>
+          </a:bodyPr>
+          <a:lstStyle/>
+          <a:p>
+            <a:pPr marL="0" marR="0" lvl="0" indent="0" algn="l" defTabSz="914400" rtl="0" eaLnBrk="1" fontAlgn="auto" latinLnBrk="0" hangingPunct="1">
+              <a:lnSpc>
+                <a:spcPct val="100000"/>
+              </a:lnSpc>
+              <a:spcBef>
+                <a:spcPts val="0"/>
+              </a:spcBef>
+              <a:spcAft>
+                <a:spcPts val="0"/>
+              </a:spcAft>
+              <a:buClrTx/>
+              <a:buSzTx/>
+              <a:buFontTx/>
+              <a:buNone/>
+              <a:tabLst/>
+              <a:defRPr/>
+            </a:pPr>
+            <a:r>
+              <a:rPr kumimoji="0" lang="en-US" sz="900" b="1" i="1" u="none" strike="noStrike" kern="1200" cap="none" spc="0" normalizeH="0" baseline="0" noProof="0" dirty="0">
+                <a:ln>
+                  <a:noFill/>
+                </a:ln>
+                <a:solidFill>
+                  <a:prstClr val="black"/>
+                </a:solidFill>
+                <a:effectLst/>
+                <a:uLnTx/>
+                <a:uFillTx/>
+                <a:latin typeface="Calibri" panose="020F0502020204030204" pitchFamily="34" charset="0"/>
+                <a:ea typeface="+mn-ea"/>
+                <a:cs typeface="Calibri" panose="020F0502020204030204" pitchFamily="34" charset="0"/>
+              </a:rPr>
+              <a:t>Report</a:t>
+            </a:r>
+          </a:p>
+        </p:txBody>
+      </p:sp>
+      <p:sp>
+        <p:nvSpPr>
+          <p:cNvPr id="16" name="TextBox 15">
+            <a:extLst>
+              <a:ext uri="{FF2B5EF4-FFF2-40B4-BE49-F238E27FC236}">
+                <a16:creationId xmlns:a16="http://schemas.microsoft.com/office/drawing/2014/main" id="{F59C4513-9AAD-C132-A98F-A0CC1E0B71CD}"/>
+              </a:ext>
+            </a:extLst>
+          </p:cNvPr>
+          <p:cNvSpPr txBox="1"/>
+          <p:nvPr/>
+        </p:nvSpPr>
+        <p:spPr>
+          <a:xfrm>
+            <a:off x="2042689" y="5228377"/>
+            <a:ext cx="2110520" cy="230832"/>
+          </a:xfrm>
+          <a:prstGeom prst="rect">
+            <a:avLst/>
+          </a:prstGeom>
+          <a:noFill/>
+        </p:spPr>
+        <p:txBody>
+          <a:bodyPr wrap="square" rtlCol="0">
+            <a:spAutoFit/>
+          </a:bodyPr>
+          <a:lstStyle/>
+          <a:p>
+            <a:pPr marL="0" marR="0" lvl="0" indent="0" algn="l" defTabSz="914400" rtl="0" eaLnBrk="1" fontAlgn="auto" latinLnBrk="0" hangingPunct="1">
+              <a:lnSpc>
+                <a:spcPct val="100000"/>
+              </a:lnSpc>
+              <a:spcBef>
+                <a:spcPts val="0"/>
+              </a:spcBef>
+              <a:spcAft>
+                <a:spcPts val="0"/>
+              </a:spcAft>
+              <a:buClrTx/>
+              <a:buSzTx/>
+              <a:buFontTx/>
+              <a:buNone/>
+              <a:tabLst/>
+              <a:defRPr/>
+            </a:pPr>
+            <a:r>
+              <a:rPr kumimoji="0" lang="en-US" sz="900" b="1" i="0" u="none" strike="noStrike" kern="1200" cap="none" spc="0" normalizeH="0" baseline="0" noProof="0" dirty="0">
+                <a:ln>
+                  <a:noFill/>
+                </a:ln>
+                <a:solidFill>
+                  <a:srgbClr val="FF0000"/>
+                </a:solidFill>
+                <a:effectLst/>
+                <a:uLnTx/>
+                <a:uFillTx/>
+                <a:latin typeface="Calibri" panose="020F0502020204030204" pitchFamily="34" charset="0"/>
+                <a:ea typeface="+mn-ea"/>
+                <a:cs typeface="Calibri" panose="020F0502020204030204" pitchFamily="34" charset="0"/>
+              </a:rPr>
+              <a:t>Data Source Organization</a:t>
+            </a:r>
+          </a:p>
+        </p:txBody>
+      </p:sp>
+      <p:cxnSp>
+        <p:nvCxnSpPr>
+          <p:cNvPr id="17" name="Straight Arrow Connector 16">
+            <a:extLst>
+              <a:ext uri="{FF2B5EF4-FFF2-40B4-BE49-F238E27FC236}">
+                <a16:creationId xmlns:a16="http://schemas.microsoft.com/office/drawing/2014/main" id="{B7AB5861-DB3F-E8AD-6DA7-EDB91FA063D9}"/>
+              </a:ext>
+            </a:extLst>
+          </p:cNvPr>
+          <p:cNvCxnSpPr>
+            <a:cxnSpLocks/>
+          </p:cNvCxnSpPr>
+          <p:nvPr/>
+        </p:nvCxnSpPr>
+        <p:spPr>
+          <a:xfrm flipV="1">
+            <a:off x="3676476" y="2012932"/>
+            <a:ext cx="0" cy="1699695"/>
+          </a:xfrm>
+          <a:prstGeom prst="straightConnector1">
+            <a:avLst/>
+          </a:prstGeom>
+          <a:ln>
+            <a:tailEnd type="triangle"/>
+          </a:ln>
+        </p:spPr>
+        <p:style>
+          <a:lnRef idx="1">
+            <a:schemeClr val="accent1"/>
+          </a:lnRef>
+          <a:fillRef idx="0">
+            <a:schemeClr val="accent1"/>
+          </a:fillRef>
+          <a:effectRef idx="0">
+            <a:schemeClr val="accent1"/>
+          </a:effectRef>
+          <a:fontRef idx="minor">
+            <a:schemeClr val="tx1"/>
+          </a:fontRef>
+        </p:style>
+      </p:cxnSp>
+      <p:sp>
+        <p:nvSpPr>
+          <p:cNvPr id="18" name="TextBox 17">
+            <a:extLst>
+              <a:ext uri="{FF2B5EF4-FFF2-40B4-BE49-F238E27FC236}">
+                <a16:creationId xmlns:a16="http://schemas.microsoft.com/office/drawing/2014/main" id="{FB014656-3F10-9A4C-9C3D-AB2C3E41218A}"/>
+              </a:ext>
+            </a:extLst>
+          </p:cNvPr>
+          <p:cNvSpPr txBox="1"/>
+          <p:nvPr/>
+        </p:nvSpPr>
+        <p:spPr>
+          <a:xfrm rot="5400000">
+            <a:off x="3762717" y="2882978"/>
+            <a:ext cx="780983" cy="230832"/>
+          </a:xfrm>
+          <a:prstGeom prst="rect">
+            <a:avLst/>
+          </a:prstGeom>
+          <a:noFill/>
+        </p:spPr>
+        <p:txBody>
+          <a:bodyPr wrap="none" rtlCol="0">
+            <a:spAutoFit/>
+          </a:bodyPr>
+          <a:lstStyle/>
+          <a:p>
+            <a:pPr marL="0" marR="0" lvl="0" indent="0" algn="l" defTabSz="914400" rtl="0" eaLnBrk="1" fontAlgn="auto" latinLnBrk="0" hangingPunct="1">
+              <a:lnSpc>
+                <a:spcPct val="100000"/>
+              </a:lnSpc>
+              <a:spcBef>
+                <a:spcPts val="0"/>
+              </a:spcBef>
+              <a:spcAft>
+                <a:spcPts val="0"/>
+              </a:spcAft>
+              <a:buClrTx/>
+              <a:buSzTx/>
+              <a:buFontTx/>
+              <a:buNone/>
+              <a:tabLst/>
+              <a:defRPr/>
+            </a:pPr>
+            <a:r>
+              <a:rPr kumimoji="0" lang="en-US" sz="900" b="1" i="1" u="none" strike="noStrike" kern="1200" cap="none" spc="0" normalizeH="0" baseline="0" noProof="0" dirty="0">
+                <a:ln>
+                  <a:noFill/>
+                </a:ln>
+                <a:solidFill>
+                  <a:srgbClr val="000000"/>
+                </a:solidFill>
+                <a:effectLst/>
+                <a:uLnTx/>
+                <a:uFillTx/>
+                <a:latin typeface="Calibri" panose="020F0502020204030204" pitchFamily="34" charset="0"/>
+                <a:ea typeface="+mn-ea"/>
+                <a:cs typeface="Calibri" panose="020F0502020204030204" pitchFamily="34" charset="0"/>
+              </a:rPr>
+              <a:t>Notification</a:t>
+            </a:r>
+          </a:p>
+        </p:txBody>
+      </p:sp>
+      <p:sp>
+        <p:nvSpPr>
+          <p:cNvPr id="19" name="TextBox 18">
+            <a:extLst>
+              <a:ext uri="{FF2B5EF4-FFF2-40B4-BE49-F238E27FC236}">
+                <a16:creationId xmlns:a16="http://schemas.microsoft.com/office/drawing/2014/main" id="{B43D75A0-8F8C-EEC7-7AF8-B88D8EE2EA89}"/>
+              </a:ext>
+            </a:extLst>
+          </p:cNvPr>
+          <p:cNvSpPr txBox="1"/>
+          <p:nvPr/>
+        </p:nvSpPr>
+        <p:spPr>
+          <a:xfrm rot="5400000">
+            <a:off x="3160185" y="2635423"/>
+            <a:ext cx="1188146" cy="230832"/>
+          </a:xfrm>
+          <a:prstGeom prst="rect">
+            <a:avLst/>
+          </a:prstGeom>
+          <a:noFill/>
+        </p:spPr>
+        <p:txBody>
+          <a:bodyPr wrap="none" rtlCol="0">
+            <a:spAutoFit/>
+          </a:bodyPr>
+          <a:lstStyle/>
+          <a:p>
+            <a:pPr marL="0" marR="0" lvl="0" indent="0" algn="l" defTabSz="914400" rtl="0" eaLnBrk="1" fontAlgn="auto" latinLnBrk="0" hangingPunct="1">
+              <a:lnSpc>
+                <a:spcPct val="100000"/>
+              </a:lnSpc>
+              <a:spcBef>
+                <a:spcPts val="0"/>
+              </a:spcBef>
+              <a:spcAft>
+                <a:spcPts val="0"/>
+              </a:spcAft>
+              <a:buClrTx/>
+              <a:buSzTx/>
+              <a:buFontTx/>
+              <a:buNone/>
+              <a:tabLst/>
+              <a:defRPr/>
+            </a:pPr>
+            <a:r>
+              <a:rPr kumimoji="0" lang="en-US" sz="900" b="1" i="1" u="none" strike="noStrike" kern="1200" cap="none" spc="0" normalizeH="0" baseline="0" noProof="0" dirty="0">
+                <a:ln>
+                  <a:noFill/>
+                </a:ln>
+                <a:solidFill>
+                  <a:srgbClr val="000000"/>
+                </a:solidFill>
+                <a:effectLst/>
+                <a:uLnTx/>
+                <a:uFillTx/>
+                <a:latin typeface="Calibri" panose="020F0502020204030204" pitchFamily="34" charset="0"/>
+                <a:ea typeface="+mn-ea"/>
+                <a:cs typeface="Calibri" panose="020F0502020204030204" pitchFamily="34" charset="0"/>
+              </a:rPr>
+              <a:t>Notification Creation</a:t>
+            </a:r>
+          </a:p>
+        </p:txBody>
+      </p:sp>
+      <p:cxnSp>
+        <p:nvCxnSpPr>
+          <p:cNvPr id="20" name="Straight Arrow Connector 19">
+            <a:extLst>
+              <a:ext uri="{FF2B5EF4-FFF2-40B4-BE49-F238E27FC236}">
+                <a16:creationId xmlns:a16="http://schemas.microsoft.com/office/drawing/2014/main" id="{824D3964-E2FF-9301-2939-898594046131}"/>
+              </a:ext>
+            </a:extLst>
+          </p:cNvPr>
+          <p:cNvCxnSpPr>
+            <a:cxnSpLocks/>
+          </p:cNvCxnSpPr>
+          <p:nvPr/>
+        </p:nvCxnSpPr>
+        <p:spPr>
+          <a:xfrm flipV="1">
+            <a:off x="4844411" y="2021915"/>
+            <a:ext cx="0" cy="1727012"/>
+          </a:xfrm>
+          <a:prstGeom prst="straightConnector1">
+            <a:avLst/>
+          </a:prstGeom>
+          <a:ln>
+            <a:headEnd type="triangle"/>
+            <a:tailEnd type="none"/>
+          </a:ln>
+        </p:spPr>
+        <p:style>
+          <a:lnRef idx="1">
+            <a:schemeClr val="accent1"/>
+          </a:lnRef>
+          <a:fillRef idx="0">
+            <a:schemeClr val="accent1"/>
+          </a:fillRef>
+          <a:effectRef idx="0">
+            <a:schemeClr val="accent1"/>
+          </a:effectRef>
+          <a:fontRef idx="minor">
+            <a:schemeClr val="tx1"/>
+          </a:fontRef>
+        </p:style>
+      </p:cxnSp>
+      <p:sp>
+        <p:nvSpPr>
+          <p:cNvPr id="21" name="TextBox 20">
+            <a:extLst>
+              <a:ext uri="{FF2B5EF4-FFF2-40B4-BE49-F238E27FC236}">
+                <a16:creationId xmlns:a16="http://schemas.microsoft.com/office/drawing/2014/main" id="{0FB15255-FCA0-5F18-8712-E1302720069F}"/>
+              </a:ext>
+            </a:extLst>
+          </p:cNvPr>
+          <p:cNvSpPr txBox="1"/>
+          <p:nvPr/>
+        </p:nvSpPr>
+        <p:spPr>
+          <a:xfrm rot="5400000">
+            <a:off x="4289051" y="2878363"/>
+            <a:ext cx="1279966" cy="230832"/>
+          </a:xfrm>
+          <a:prstGeom prst="rect">
+            <a:avLst/>
+          </a:prstGeom>
+          <a:noFill/>
+        </p:spPr>
+        <p:txBody>
+          <a:bodyPr wrap="square" rtlCol="0">
+            <a:spAutoFit/>
+          </a:bodyPr>
+          <a:lstStyle/>
+          <a:p>
+            <a:pPr marL="0" marR="0" lvl="0" indent="0" algn="l" defTabSz="914400" rtl="0" eaLnBrk="1" fontAlgn="auto" latinLnBrk="0" hangingPunct="1">
+              <a:lnSpc>
+                <a:spcPct val="100000"/>
+              </a:lnSpc>
+              <a:spcBef>
+                <a:spcPts val="0"/>
+              </a:spcBef>
+              <a:spcAft>
+                <a:spcPts val="0"/>
+              </a:spcAft>
+              <a:buClrTx/>
+              <a:buSzTx/>
+              <a:buFontTx/>
+              <a:buNone/>
+              <a:tabLst/>
+              <a:defRPr/>
+            </a:pPr>
+            <a:r>
+              <a:rPr kumimoji="0" lang="en-US" sz="900" b="1" i="1" u="none" strike="noStrike" kern="1200" cap="none" spc="0" normalizeH="0" baseline="0" noProof="0" dirty="0">
+                <a:ln>
+                  <a:noFill/>
+                </a:ln>
+                <a:solidFill>
+                  <a:srgbClr val="000000"/>
+                </a:solidFill>
+                <a:effectLst/>
+                <a:uLnTx/>
+                <a:uFillTx/>
+                <a:latin typeface="Calibri" panose="020F0502020204030204" pitchFamily="34" charset="0"/>
+                <a:ea typeface="+mn-ea"/>
+                <a:cs typeface="Calibri" panose="020F0502020204030204" pitchFamily="34" charset="0"/>
+              </a:rPr>
+              <a:t>Data Queries Response</a:t>
+            </a:r>
+          </a:p>
+        </p:txBody>
+      </p:sp>
+      <p:sp>
+        <p:nvSpPr>
+          <p:cNvPr id="22" name="Oval 21">
+            <a:extLst>
+              <a:ext uri="{FF2B5EF4-FFF2-40B4-BE49-F238E27FC236}">
+                <a16:creationId xmlns:a16="http://schemas.microsoft.com/office/drawing/2014/main" id="{2D255AA1-0EB2-B1FB-7D72-BC2BE5446A21}"/>
+              </a:ext>
+            </a:extLst>
+          </p:cNvPr>
+          <p:cNvSpPr/>
+          <p:nvPr/>
+        </p:nvSpPr>
+        <p:spPr>
+          <a:xfrm>
+            <a:off x="5752975" y="4305226"/>
+            <a:ext cx="485778" cy="264127"/>
+          </a:xfrm>
+          <a:prstGeom prst="ellipse">
+            <a:avLst/>
+          </a:prstGeom>
+          <a:solidFill>
+            <a:srgbClr val="FFFF00"/>
+          </a:solidFill>
+        </p:spPr>
+        <p:style>
+          <a:lnRef idx="2">
+            <a:schemeClr val="accent1">
+              <a:shade val="50000"/>
+            </a:schemeClr>
+          </a:lnRef>
+          <a:fillRef idx="1">
+            <a:schemeClr val="accent1"/>
+          </a:fillRef>
+          <a:effectRef idx="0">
+            <a:schemeClr val="accent1"/>
+          </a:effectRef>
+          <a:fontRef idx="minor">
+            <a:schemeClr val="lt1"/>
+          </a:fontRef>
+        </p:style>
+        <p:txBody>
+          <a:bodyPr rtlCol="0" anchor="ctr"/>
+          <a:lstStyle/>
+          <a:p>
+            <a:pPr marL="0" marR="0" lvl="0" indent="0" algn="ctr" defTabSz="914400" rtl="0" eaLnBrk="1" fontAlgn="auto" latinLnBrk="0" hangingPunct="1">
+              <a:lnSpc>
+                <a:spcPct val="100000"/>
+              </a:lnSpc>
+              <a:spcBef>
+                <a:spcPts val="0"/>
+              </a:spcBef>
+              <a:spcAft>
+                <a:spcPts val="0"/>
+              </a:spcAft>
+              <a:buClrTx/>
+              <a:buSzTx/>
+              <a:buFontTx/>
+              <a:buNone/>
+              <a:tabLst/>
+              <a:defRPr/>
+            </a:pPr>
+            <a:r>
+              <a:rPr kumimoji="0" lang="en-US" sz="1200" b="1" i="0" u="none" strike="noStrike" kern="0" cap="none" spc="0" normalizeH="0" baseline="0" noProof="0" dirty="0">
+                <a:ln>
+                  <a:noFill/>
+                </a:ln>
+                <a:solidFill>
+                  <a:prstClr val="black"/>
+                </a:solidFill>
+                <a:effectLst/>
+                <a:uLnTx/>
+                <a:uFillTx/>
+                <a:latin typeface="Calibri" panose="020F0502020204030204" pitchFamily="34" charset="0"/>
+                <a:ea typeface="+mn-ea"/>
+                <a:cs typeface="Calibri" panose="020F0502020204030204" pitchFamily="34" charset="0"/>
+              </a:rPr>
+              <a:t>6</a:t>
+            </a:r>
+          </a:p>
+        </p:txBody>
+      </p:sp>
+      <p:sp>
+        <p:nvSpPr>
+          <p:cNvPr id="23" name="Oval 22">
+            <a:extLst>
+              <a:ext uri="{FF2B5EF4-FFF2-40B4-BE49-F238E27FC236}">
+                <a16:creationId xmlns:a16="http://schemas.microsoft.com/office/drawing/2014/main" id="{CE2390E7-C6B5-407A-3EAB-ECBDF86683BE}"/>
+              </a:ext>
+            </a:extLst>
+          </p:cNvPr>
+          <p:cNvSpPr/>
+          <p:nvPr/>
+        </p:nvSpPr>
+        <p:spPr>
+          <a:xfrm>
+            <a:off x="4601820" y="2119360"/>
+            <a:ext cx="485778" cy="264127"/>
+          </a:xfrm>
+          <a:prstGeom prst="ellipse">
+            <a:avLst/>
+          </a:prstGeom>
+          <a:solidFill>
+            <a:srgbClr val="FFFF00"/>
+          </a:solidFill>
+        </p:spPr>
+        <p:style>
+          <a:lnRef idx="2">
+            <a:schemeClr val="accent1">
+              <a:shade val="50000"/>
+            </a:schemeClr>
+          </a:lnRef>
+          <a:fillRef idx="1">
+            <a:schemeClr val="accent1"/>
+          </a:fillRef>
+          <a:effectRef idx="0">
+            <a:schemeClr val="accent1"/>
+          </a:effectRef>
+          <a:fontRef idx="minor">
+            <a:schemeClr val="lt1"/>
+          </a:fontRef>
+        </p:style>
+        <p:txBody>
+          <a:bodyPr rtlCol="0" anchor="ctr"/>
+          <a:lstStyle/>
+          <a:p>
+            <a:pPr marL="0" marR="0" lvl="0" indent="0" algn="ctr" defTabSz="914400" rtl="0" eaLnBrk="1" fontAlgn="auto" latinLnBrk="0" hangingPunct="1">
+              <a:lnSpc>
+                <a:spcPct val="100000"/>
+              </a:lnSpc>
+              <a:spcBef>
+                <a:spcPts val="0"/>
+              </a:spcBef>
+              <a:spcAft>
+                <a:spcPts val="0"/>
+              </a:spcAft>
+              <a:buClrTx/>
+              <a:buSzTx/>
+              <a:buFontTx/>
+              <a:buNone/>
+              <a:tabLst/>
+              <a:defRPr/>
+            </a:pPr>
+            <a:r>
+              <a:rPr kumimoji="0" lang="en-US" sz="1200" b="1" i="0" u="none" strike="noStrike" kern="0" cap="none" spc="0" normalizeH="0" baseline="0" noProof="0" dirty="0">
+                <a:ln>
+                  <a:noFill/>
+                </a:ln>
+                <a:solidFill>
+                  <a:prstClr val="black"/>
+                </a:solidFill>
+                <a:effectLst/>
+                <a:uLnTx/>
+                <a:uFillTx/>
+                <a:latin typeface="Calibri" panose="020F0502020204030204" pitchFamily="34" charset="0"/>
+                <a:ea typeface="+mn-ea"/>
+                <a:cs typeface="Calibri" panose="020F0502020204030204" pitchFamily="34" charset="0"/>
+              </a:rPr>
+              <a:t>4a</a:t>
+            </a:r>
+          </a:p>
+        </p:txBody>
+      </p:sp>
+      <p:sp>
+        <p:nvSpPr>
+          <p:cNvPr id="24" name="Oval 23">
+            <a:extLst>
+              <a:ext uri="{FF2B5EF4-FFF2-40B4-BE49-F238E27FC236}">
+                <a16:creationId xmlns:a16="http://schemas.microsoft.com/office/drawing/2014/main" id="{88F2E610-59B3-3088-B4F2-82F915C0CA6F}"/>
+              </a:ext>
+            </a:extLst>
+          </p:cNvPr>
+          <p:cNvSpPr/>
+          <p:nvPr/>
+        </p:nvSpPr>
+        <p:spPr>
+          <a:xfrm>
+            <a:off x="4209147" y="3274168"/>
+            <a:ext cx="485778" cy="264127"/>
+          </a:xfrm>
+          <a:prstGeom prst="ellipse">
+            <a:avLst/>
+          </a:prstGeom>
+          <a:solidFill>
+            <a:srgbClr val="FFFF00"/>
+          </a:solidFill>
+        </p:spPr>
+        <p:style>
+          <a:lnRef idx="2">
+            <a:schemeClr val="accent1">
+              <a:shade val="50000"/>
+            </a:schemeClr>
+          </a:lnRef>
+          <a:fillRef idx="1">
+            <a:schemeClr val="accent1"/>
+          </a:fillRef>
+          <a:effectRef idx="0">
+            <a:schemeClr val="accent1"/>
+          </a:effectRef>
+          <a:fontRef idx="minor">
+            <a:schemeClr val="lt1"/>
+          </a:fontRef>
+        </p:style>
+        <p:txBody>
+          <a:bodyPr rtlCol="0" anchor="ctr"/>
+          <a:lstStyle/>
+          <a:p>
+            <a:pPr marL="0" marR="0" lvl="0" indent="0" algn="ctr" defTabSz="914400" rtl="0" eaLnBrk="1" fontAlgn="auto" latinLnBrk="0" hangingPunct="1">
+              <a:lnSpc>
+                <a:spcPct val="100000"/>
+              </a:lnSpc>
+              <a:spcBef>
+                <a:spcPts val="0"/>
+              </a:spcBef>
+              <a:spcAft>
+                <a:spcPts val="0"/>
+              </a:spcAft>
+              <a:buClrTx/>
+              <a:buSzTx/>
+              <a:buFontTx/>
+              <a:buNone/>
+              <a:tabLst/>
+              <a:defRPr/>
+            </a:pPr>
+            <a:r>
+              <a:rPr kumimoji="0" lang="en-US" sz="1200" b="1" i="0" u="none" strike="noStrike" kern="0" cap="none" spc="0" normalizeH="0" baseline="0" noProof="0" dirty="0">
+                <a:ln>
+                  <a:noFill/>
+                </a:ln>
+                <a:solidFill>
+                  <a:prstClr val="black"/>
+                </a:solidFill>
+                <a:effectLst/>
+                <a:uLnTx/>
+                <a:uFillTx/>
+                <a:latin typeface="Calibri" panose="020F0502020204030204" pitchFamily="34" charset="0"/>
+                <a:ea typeface="+mn-ea"/>
+                <a:cs typeface="Calibri" panose="020F0502020204030204" pitchFamily="34" charset="0"/>
+              </a:rPr>
+              <a:t>4</a:t>
+            </a:r>
+          </a:p>
+        </p:txBody>
+      </p:sp>
+      <p:sp>
+        <p:nvSpPr>
+          <p:cNvPr id="25" name="Oval 24">
+            <a:extLst>
+              <a:ext uri="{FF2B5EF4-FFF2-40B4-BE49-F238E27FC236}">
+                <a16:creationId xmlns:a16="http://schemas.microsoft.com/office/drawing/2014/main" id="{3B62B0CC-8C11-BD2D-FBD3-CC3704F34D7E}"/>
+              </a:ext>
+            </a:extLst>
+          </p:cNvPr>
+          <p:cNvSpPr/>
+          <p:nvPr/>
+        </p:nvSpPr>
+        <p:spPr>
+          <a:xfrm>
+            <a:off x="3820097" y="2089271"/>
+            <a:ext cx="485778" cy="264127"/>
+          </a:xfrm>
+          <a:prstGeom prst="ellipse">
+            <a:avLst/>
+          </a:prstGeom>
+          <a:solidFill>
+            <a:srgbClr val="FFFF00"/>
+          </a:solidFill>
+        </p:spPr>
+        <p:style>
+          <a:lnRef idx="2">
+            <a:schemeClr val="accent1">
+              <a:shade val="50000"/>
+            </a:schemeClr>
+          </a:lnRef>
+          <a:fillRef idx="1">
+            <a:schemeClr val="accent1"/>
+          </a:fillRef>
+          <a:effectRef idx="0">
+            <a:schemeClr val="accent1"/>
+          </a:effectRef>
+          <a:fontRef idx="minor">
+            <a:schemeClr val="lt1"/>
+          </a:fontRef>
+        </p:style>
+        <p:txBody>
+          <a:bodyPr rtlCol="0" anchor="ctr"/>
+          <a:lstStyle/>
+          <a:p>
+            <a:pPr marL="0" marR="0" lvl="0" indent="0" algn="ctr" defTabSz="914400" rtl="0" eaLnBrk="1" fontAlgn="auto" latinLnBrk="0" hangingPunct="1">
+              <a:lnSpc>
+                <a:spcPct val="100000"/>
+              </a:lnSpc>
+              <a:spcBef>
+                <a:spcPts val="0"/>
+              </a:spcBef>
+              <a:spcAft>
+                <a:spcPts val="0"/>
+              </a:spcAft>
+              <a:buClrTx/>
+              <a:buSzTx/>
+              <a:buFontTx/>
+              <a:buNone/>
+              <a:tabLst/>
+              <a:defRPr/>
+            </a:pPr>
+            <a:r>
+              <a:rPr kumimoji="0" lang="en-US" sz="1200" b="1" i="0" u="none" strike="noStrike" kern="0" cap="none" spc="0" normalizeH="0" baseline="0" noProof="0" dirty="0">
+                <a:ln>
+                  <a:noFill/>
+                </a:ln>
+                <a:solidFill>
+                  <a:prstClr val="black"/>
+                </a:solidFill>
+                <a:effectLst/>
+                <a:uLnTx/>
+                <a:uFillTx/>
+                <a:latin typeface="Calibri" panose="020F0502020204030204" pitchFamily="34" charset="0"/>
+                <a:ea typeface="+mn-ea"/>
+                <a:cs typeface="Calibri" panose="020F0502020204030204" pitchFamily="34" charset="0"/>
+              </a:rPr>
+              <a:t>3</a:t>
+            </a:r>
+          </a:p>
+        </p:txBody>
+      </p:sp>
+      <p:sp>
+        <p:nvSpPr>
+          <p:cNvPr id="26" name="Oval 25">
+            <a:extLst>
+              <a:ext uri="{FF2B5EF4-FFF2-40B4-BE49-F238E27FC236}">
+                <a16:creationId xmlns:a16="http://schemas.microsoft.com/office/drawing/2014/main" id="{136F0833-C791-1110-0AD6-2CC0F3CF064F}"/>
+              </a:ext>
+            </a:extLst>
+          </p:cNvPr>
+          <p:cNvSpPr/>
+          <p:nvPr/>
+        </p:nvSpPr>
+        <p:spPr>
+          <a:xfrm>
+            <a:off x="3460989" y="3283837"/>
+            <a:ext cx="485778" cy="264127"/>
+          </a:xfrm>
+          <a:prstGeom prst="ellipse">
+            <a:avLst/>
+          </a:prstGeom>
+          <a:solidFill>
+            <a:srgbClr val="FFFF00"/>
+          </a:solidFill>
+        </p:spPr>
+        <p:style>
+          <a:lnRef idx="2">
+            <a:schemeClr val="accent1">
+              <a:shade val="50000"/>
+            </a:schemeClr>
+          </a:lnRef>
+          <a:fillRef idx="1">
+            <a:schemeClr val="accent1"/>
+          </a:fillRef>
+          <a:effectRef idx="0">
+            <a:schemeClr val="accent1"/>
+          </a:effectRef>
+          <a:fontRef idx="minor">
+            <a:schemeClr val="lt1"/>
+          </a:fontRef>
+        </p:style>
+        <p:txBody>
+          <a:bodyPr rtlCol="0" anchor="ctr"/>
+          <a:lstStyle/>
+          <a:p>
+            <a:pPr marL="0" marR="0" lvl="0" indent="0" algn="ctr" defTabSz="914400" rtl="0" eaLnBrk="1" fontAlgn="auto" latinLnBrk="0" hangingPunct="1">
+              <a:lnSpc>
+                <a:spcPct val="100000"/>
+              </a:lnSpc>
+              <a:spcBef>
+                <a:spcPts val="0"/>
+              </a:spcBef>
+              <a:spcAft>
+                <a:spcPts val="0"/>
+              </a:spcAft>
+              <a:buClrTx/>
+              <a:buSzTx/>
+              <a:buFontTx/>
+              <a:buNone/>
+              <a:tabLst/>
+              <a:defRPr/>
+            </a:pPr>
+            <a:r>
+              <a:rPr kumimoji="0" lang="en-US" sz="1200" b="1" i="0" u="none" strike="noStrike" kern="0" cap="none" spc="0" normalizeH="0" baseline="0" noProof="0" dirty="0">
+                <a:ln>
+                  <a:noFill/>
+                </a:ln>
+                <a:solidFill>
+                  <a:prstClr val="black"/>
+                </a:solidFill>
+                <a:effectLst/>
+                <a:uLnTx/>
+                <a:uFillTx/>
+                <a:latin typeface="Calibri" panose="020F0502020204030204" pitchFamily="34" charset="0"/>
+                <a:ea typeface="+mn-ea"/>
+                <a:cs typeface="Calibri" panose="020F0502020204030204" pitchFamily="34" charset="0"/>
+              </a:rPr>
+              <a:t>1</a:t>
+            </a:r>
+          </a:p>
+        </p:txBody>
+      </p:sp>
+      <p:sp>
+        <p:nvSpPr>
+          <p:cNvPr id="27" name="Oval 26">
+            <a:extLst>
+              <a:ext uri="{FF2B5EF4-FFF2-40B4-BE49-F238E27FC236}">
+                <a16:creationId xmlns:a16="http://schemas.microsoft.com/office/drawing/2014/main" id="{9ADC089C-DD3B-4C02-0C9B-7964072FBBFA}"/>
+              </a:ext>
+            </a:extLst>
+          </p:cNvPr>
+          <p:cNvSpPr/>
+          <p:nvPr/>
+        </p:nvSpPr>
+        <p:spPr>
+          <a:xfrm>
+            <a:off x="2920700" y="1337161"/>
+            <a:ext cx="485778" cy="264127"/>
+          </a:xfrm>
+          <a:prstGeom prst="ellipse">
+            <a:avLst/>
+          </a:prstGeom>
+          <a:solidFill>
+            <a:srgbClr val="FFFF00"/>
+          </a:solidFill>
+        </p:spPr>
+        <p:style>
+          <a:lnRef idx="2">
+            <a:schemeClr val="accent1">
+              <a:shade val="50000"/>
+            </a:schemeClr>
+          </a:lnRef>
+          <a:fillRef idx="1">
+            <a:schemeClr val="accent1"/>
+          </a:fillRef>
+          <a:effectRef idx="0">
+            <a:schemeClr val="accent1"/>
+          </a:effectRef>
+          <a:fontRef idx="minor">
+            <a:schemeClr val="lt1"/>
+          </a:fontRef>
+        </p:style>
+        <p:txBody>
+          <a:bodyPr rtlCol="0" anchor="ctr"/>
+          <a:lstStyle/>
+          <a:p>
+            <a:pPr marL="0" marR="0" lvl="0" indent="0" algn="ctr" defTabSz="914400" rtl="0" eaLnBrk="1" fontAlgn="auto" latinLnBrk="0" hangingPunct="1">
+              <a:lnSpc>
+                <a:spcPct val="100000"/>
+              </a:lnSpc>
+              <a:spcBef>
+                <a:spcPts val="0"/>
+              </a:spcBef>
+              <a:spcAft>
+                <a:spcPts val="0"/>
+              </a:spcAft>
+              <a:buClrTx/>
+              <a:buSzTx/>
+              <a:buFontTx/>
+              <a:buNone/>
+              <a:tabLst/>
+              <a:defRPr/>
+            </a:pPr>
+            <a:r>
+              <a:rPr kumimoji="0" lang="en-US" sz="1200" b="1" i="0" u="none" strike="noStrike" kern="0" cap="none" spc="0" normalizeH="0" baseline="0" noProof="0" dirty="0">
+                <a:ln>
+                  <a:noFill/>
+                </a:ln>
+                <a:solidFill>
+                  <a:prstClr val="black"/>
+                </a:solidFill>
+                <a:effectLst/>
+                <a:uLnTx/>
+                <a:uFillTx/>
+                <a:latin typeface="Calibri" panose="020F0502020204030204" pitchFamily="34" charset="0"/>
+                <a:ea typeface="+mn-ea"/>
+                <a:cs typeface="Calibri" panose="020F0502020204030204" pitchFamily="34" charset="0"/>
+              </a:rPr>
+              <a:t>2</a:t>
+            </a:r>
+          </a:p>
+        </p:txBody>
+      </p:sp>
+      <p:sp>
+        <p:nvSpPr>
+          <p:cNvPr id="28" name="TextBox 27">
+            <a:extLst>
+              <a:ext uri="{FF2B5EF4-FFF2-40B4-BE49-F238E27FC236}">
+                <a16:creationId xmlns:a16="http://schemas.microsoft.com/office/drawing/2014/main" id="{613791B3-9C0D-A9EB-0A3A-C4F8B73E75B9}"/>
+              </a:ext>
+            </a:extLst>
+          </p:cNvPr>
+          <p:cNvSpPr txBox="1"/>
+          <p:nvPr/>
+        </p:nvSpPr>
+        <p:spPr>
+          <a:xfrm rot="5400000">
+            <a:off x="4098770" y="2820074"/>
+            <a:ext cx="835485" cy="230832"/>
+          </a:xfrm>
+          <a:prstGeom prst="rect">
+            <a:avLst/>
+          </a:prstGeom>
+          <a:noFill/>
+        </p:spPr>
+        <p:txBody>
+          <a:bodyPr wrap="none" rtlCol="0">
+            <a:spAutoFit/>
+          </a:bodyPr>
+          <a:lstStyle/>
+          <a:p>
+            <a:pPr marL="0" marR="0" lvl="0" indent="0" algn="l" defTabSz="914400" rtl="0" eaLnBrk="1" fontAlgn="auto" latinLnBrk="0" hangingPunct="1">
+              <a:lnSpc>
+                <a:spcPct val="100000"/>
+              </a:lnSpc>
+              <a:spcBef>
+                <a:spcPts val="0"/>
+              </a:spcBef>
+              <a:spcAft>
+                <a:spcPts val="0"/>
+              </a:spcAft>
+              <a:buClrTx/>
+              <a:buSzTx/>
+              <a:buFontTx/>
+              <a:buNone/>
+              <a:tabLst/>
+              <a:defRPr/>
+            </a:pPr>
+            <a:r>
+              <a:rPr kumimoji="0" lang="en-US" sz="900" b="1" i="1" u="none" strike="noStrike" kern="1200" cap="none" spc="0" normalizeH="0" baseline="0" noProof="0" dirty="0">
+                <a:ln>
+                  <a:noFill/>
+                </a:ln>
+                <a:solidFill>
+                  <a:srgbClr val="000000"/>
+                </a:solidFill>
+                <a:effectLst/>
+                <a:uLnTx/>
+                <a:uFillTx/>
+                <a:latin typeface="Calibri" panose="020F0502020204030204" pitchFamily="34" charset="0"/>
+                <a:ea typeface="+mn-ea"/>
+                <a:cs typeface="Calibri" panose="020F0502020204030204" pitchFamily="34" charset="0"/>
+              </a:rPr>
+              <a:t>Data Queries</a:t>
+            </a:r>
+          </a:p>
+        </p:txBody>
+      </p:sp>
+      <p:sp>
+        <p:nvSpPr>
+          <p:cNvPr id="29" name="Rectangle 28">
+            <a:extLst>
+              <a:ext uri="{FF2B5EF4-FFF2-40B4-BE49-F238E27FC236}">
+                <a16:creationId xmlns:a16="http://schemas.microsoft.com/office/drawing/2014/main" id="{7B343517-5DC1-5E27-D6A0-44F96F21BCE3}"/>
+              </a:ext>
+            </a:extLst>
+          </p:cNvPr>
+          <p:cNvSpPr/>
+          <p:nvPr/>
+        </p:nvSpPr>
+        <p:spPr>
+          <a:xfrm>
+            <a:off x="6964024" y="1761377"/>
+            <a:ext cx="1810916" cy="3242754"/>
+          </a:xfrm>
+          <a:prstGeom prst="rect">
+            <a:avLst/>
+          </a:prstGeom>
+          <a:noFill/>
+          <a:ln>
+            <a:solidFill>
+              <a:srgbClr val="FF0000"/>
+            </a:solidFill>
+            <a:prstDash val="sysDash"/>
+          </a:ln>
+        </p:spPr>
+        <p:style>
+          <a:lnRef idx="2">
+            <a:schemeClr val="accent1">
+              <a:shade val="50000"/>
+            </a:schemeClr>
+          </a:lnRef>
+          <a:fillRef idx="1">
+            <a:schemeClr val="accent1"/>
+          </a:fillRef>
+          <a:effectRef idx="0">
+            <a:schemeClr val="accent1"/>
+          </a:effectRef>
+          <a:fontRef idx="minor">
+            <a:schemeClr val="lt1"/>
+          </a:fontRef>
+        </p:style>
+        <p:txBody>
+          <a:bodyPr rtlCol="0" anchor="ctr"/>
+          <a:lstStyle/>
+          <a:p>
+            <a:pPr marL="0" marR="0" lvl="0" indent="0" algn="ctr" defTabSz="914400" rtl="0" eaLnBrk="1" fontAlgn="auto" latinLnBrk="0" hangingPunct="1">
+              <a:lnSpc>
+                <a:spcPct val="100000"/>
+              </a:lnSpc>
+              <a:spcBef>
+                <a:spcPts val="0"/>
+              </a:spcBef>
+              <a:spcAft>
+                <a:spcPts val="0"/>
+              </a:spcAft>
+              <a:buClrTx/>
+              <a:buSzTx/>
+              <a:buFontTx/>
+              <a:buNone/>
+              <a:tabLst/>
+              <a:defRPr/>
+            </a:pPr>
+            <a:endParaRPr kumimoji="0" lang="en-US" sz="1800" b="0" i="0" u="none" strike="noStrike" kern="1200" cap="none" spc="0" normalizeH="0" baseline="0" noProof="0">
+              <a:ln>
+                <a:noFill/>
+              </a:ln>
+              <a:solidFill>
+                <a:prstClr val="white"/>
+              </a:solidFill>
+              <a:effectLst/>
+              <a:uLnTx/>
+              <a:uFillTx/>
+              <a:latin typeface="Calibri" panose="020F0502020204030204" pitchFamily="34" charset="0"/>
+              <a:ea typeface="+mn-ea"/>
+              <a:cs typeface="Calibri" panose="020F0502020204030204" pitchFamily="34" charset="0"/>
+            </a:endParaRPr>
+          </a:p>
+        </p:txBody>
+      </p:sp>
+      <p:sp>
+        <p:nvSpPr>
+          <p:cNvPr id="30" name="TextBox 29">
+            <a:extLst>
+              <a:ext uri="{FF2B5EF4-FFF2-40B4-BE49-F238E27FC236}">
+                <a16:creationId xmlns:a16="http://schemas.microsoft.com/office/drawing/2014/main" id="{720B6375-D98D-6E19-309B-CD790AE8671B}"/>
+              </a:ext>
+            </a:extLst>
+          </p:cNvPr>
+          <p:cNvSpPr txBox="1"/>
+          <p:nvPr/>
+        </p:nvSpPr>
+        <p:spPr>
+          <a:xfrm>
+            <a:off x="7132299" y="4762884"/>
+            <a:ext cx="1596784" cy="230832"/>
+          </a:xfrm>
+          <a:prstGeom prst="rect">
+            <a:avLst/>
+          </a:prstGeom>
+          <a:noFill/>
+        </p:spPr>
+        <p:txBody>
+          <a:bodyPr wrap="square" rtlCol="0">
+            <a:spAutoFit/>
+          </a:bodyPr>
+          <a:lstStyle/>
+          <a:p>
+            <a:pPr marL="0" marR="0" lvl="0" indent="0" algn="l" defTabSz="914400" rtl="0" eaLnBrk="1" fontAlgn="auto" latinLnBrk="0" hangingPunct="1">
+              <a:lnSpc>
+                <a:spcPct val="100000"/>
+              </a:lnSpc>
+              <a:spcBef>
+                <a:spcPts val="0"/>
+              </a:spcBef>
+              <a:spcAft>
+                <a:spcPts val="0"/>
+              </a:spcAft>
+              <a:buClrTx/>
+              <a:buSzTx/>
+              <a:buFontTx/>
+              <a:buNone/>
+              <a:tabLst/>
+              <a:defRPr/>
+            </a:pPr>
+            <a:r>
+              <a:rPr kumimoji="0" lang="en-US" sz="900" b="1" i="0" u="none" strike="noStrike" kern="1200" cap="none" spc="0" normalizeH="0" baseline="0" noProof="0" dirty="0">
+                <a:ln>
+                  <a:noFill/>
+                </a:ln>
+                <a:solidFill>
+                  <a:srgbClr val="FF0000"/>
+                </a:solidFill>
+                <a:effectLst/>
+                <a:uLnTx/>
+                <a:uFillTx/>
+                <a:latin typeface="Calibri" panose="020F0502020204030204" pitchFamily="34" charset="0"/>
+                <a:ea typeface="+mn-ea"/>
+                <a:cs typeface="Calibri" panose="020F0502020204030204" pitchFamily="34" charset="0"/>
+              </a:rPr>
+              <a:t>Data Receiver Organization</a:t>
+            </a:r>
+          </a:p>
+        </p:txBody>
+      </p:sp>
+      <p:sp>
+        <p:nvSpPr>
+          <p:cNvPr id="31" name="Curved Left Arrow 3">
+            <a:extLst>
+              <a:ext uri="{FF2B5EF4-FFF2-40B4-BE49-F238E27FC236}">
+                <a16:creationId xmlns:a16="http://schemas.microsoft.com/office/drawing/2014/main" id="{81FF7CFF-03F7-31B8-A2C2-21F533B53C10}"/>
+              </a:ext>
+            </a:extLst>
+          </p:cNvPr>
+          <p:cNvSpPr/>
+          <p:nvPr/>
+        </p:nvSpPr>
+        <p:spPr>
+          <a:xfrm>
+            <a:off x="4206006" y="4316274"/>
+            <a:ext cx="412521" cy="458124"/>
+          </a:xfrm>
+          <a:prstGeom prst="curvedLeftArrow">
+            <a:avLst/>
+          </a:prstGeom>
+          <a:solidFill>
+            <a:srgbClr val="FFFF00"/>
+          </a:solidFill>
+        </p:spPr>
+        <p:style>
+          <a:lnRef idx="2">
+            <a:schemeClr val="accent1">
+              <a:shade val="50000"/>
+            </a:schemeClr>
+          </a:lnRef>
+          <a:fillRef idx="1">
+            <a:schemeClr val="accent1"/>
+          </a:fillRef>
+          <a:effectRef idx="0">
+            <a:schemeClr val="accent1"/>
+          </a:effectRef>
+          <a:fontRef idx="minor">
+            <a:schemeClr val="lt1"/>
+          </a:fontRef>
+        </p:style>
+        <p:txBody>
+          <a:bodyPr rtlCol="0" anchor="ctr"/>
+          <a:lstStyle/>
+          <a:p>
+            <a:pPr marL="0" marR="0" lvl="0" indent="0" algn="ctr" defTabSz="914400" rtl="0" eaLnBrk="1" fontAlgn="auto" latinLnBrk="0" hangingPunct="1">
+              <a:lnSpc>
+                <a:spcPct val="100000"/>
+              </a:lnSpc>
+              <a:spcBef>
+                <a:spcPts val="0"/>
+              </a:spcBef>
+              <a:spcAft>
+                <a:spcPts val="0"/>
+              </a:spcAft>
+              <a:buClrTx/>
+              <a:buSzTx/>
+              <a:buFontTx/>
+              <a:buNone/>
+              <a:tabLst/>
+              <a:defRPr/>
+            </a:pPr>
+            <a:endParaRPr kumimoji="0" lang="en-US" sz="1800" b="0" i="0" u="none" strike="noStrike" kern="1200" cap="none" spc="0" normalizeH="0" baseline="0" noProof="0">
+              <a:ln>
+                <a:noFill/>
+              </a:ln>
+              <a:solidFill>
+                <a:prstClr val="black"/>
+              </a:solidFill>
+              <a:effectLst/>
+              <a:uLnTx/>
+              <a:uFillTx/>
+              <a:latin typeface="Constantia"/>
+              <a:ea typeface="+mn-ea"/>
+              <a:cs typeface="+mn-cs"/>
+            </a:endParaRPr>
+          </a:p>
+        </p:txBody>
+      </p:sp>
+      <p:sp>
+        <p:nvSpPr>
+          <p:cNvPr id="32" name="Oval 31">
+            <a:extLst>
+              <a:ext uri="{FF2B5EF4-FFF2-40B4-BE49-F238E27FC236}">
+                <a16:creationId xmlns:a16="http://schemas.microsoft.com/office/drawing/2014/main" id="{29BD0C91-D05B-D4F1-805E-9176FEE9EB1C}"/>
+              </a:ext>
+            </a:extLst>
+          </p:cNvPr>
+          <p:cNvSpPr/>
+          <p:nvPr/>
+        </p:nvSpPr>
+        <p:spPr>
+          <a:xfrm>
+            <a:off x="4583867" y="4554191"/>
+            <a:ext cx="485778" cy="264127"/>
+          </a:xfrm>
+          <a:prstGeom prst="ellipse">
+            <a:avLst/>
+          </a:prstGeom>
+          <a:solidFill>
+            <a:srgbClr val="FFFF00"/>
+          </a:solidFill>
+        </p:spPr>
+        <p:style>
+          <a:lnRef idx="2">
+            <a:schemeClr val="accent1">
+              <a:shade val="50000"/>
+            </a:schemeClr>
+          </a:lnRef>
+          <a:fillRef idx="1">
+            <a:schemeClr val="accent1"/>
+          </a:fillRef>
+          <a:effectRef idx="0">
+            <a:schemeClr val="accent1"/>
+          </a:effectRef>
+          <a:fontRef idx="minor">
+            <a:schemeClr val="lt1"/>
+          </a:fontRef>
+        </p:style>
+        <p:txBody>
+          <a:bodyPr rtlCol="0" anchor="ctr"/>
+          <a:lstStyle/>
+          <a:p>
+            <a:pPr marL="0" marR="0" lvl="0" indent="0" algn="ctr" defTabSz="914400" rtl="0" eaLnBrk="1" fontAlgn="auto" latinLnBrk="0" hangingPunct="1">
+              <a:lnSpc>
+                <a:spcPct val="100000"/>
+              </a:lnSpc>
+              <a:spcBef>
+                <a:spcPts val="0"/>
+              </a:spcBef>
+              <a:spcAft>
+                <a:spcPts val="0"/>
+              </a:spcAft>
+              <a:buClrTx/>
+              <a:buSzTx/>
+              <a:buFontTx/>
+              <a:buNone/>
+              <a:tabLst/>
+              <a:defRPr/>
+            </a:pPr>
+            <a:r>
+              <a:rPr kumimoji="0" lang="en-US" sz="1200" b="1" i="0" u="none" strike="noStrike" kern="0" cap="none" spc="0" normalizeH="0" baseline="0" noProof="0" dirty="0">
+                <a:ln>
+                  <a:noFill/>
+                </a:ln>
+                <a:solidFill>
+                  <a:prstClr val="black"/>
+                </a:solidFill>
+                <a:effectLst/>
+                <a:uLnTx/>
+                <a:uFillTx/>
+                <a:latin typeface="Calibri" panose="020F0502020204030204" pitchFamily="34" charset="0"/>
+                <a:ea typeface="+mn-ea"/>
+                <a:cs typeface="Calibri" panose="020F0502020204030204" pitchFamily="34" charset="0"/>
+              </a:rPr>
+              <a:t>5</a:t>
+            </a:r>
+          </a:p>
+        </p:txBody>
+      </p:sp>
+      <p:sp>
+        <p:nvSpPr>
+          <p:cNvPr id="33" name="TextBox 32">
+            <a:extLst>
+              <a:ext uri="{FF2B5EF4-FFF2-40B4-BE49-F238E27FC236}">
+                <a16:creationId xmlns:a16="http://schemas.microsoft.com/office/drawing/2014/main" id="{35FF164C-E7FA-550D-64A3-AFA83BF997E2}"/>
+              </a:ext>
+            </a:extLst>
+          </p:cNvPr>
+          <p:cNvSpPr txBox="1"/>
+          <p:nvPr/>
+        </p:nvSpPr>
+        <p:spPr>
+          <a:xfrm>
+            <a:off x="3789710" y="4381859"/>
+            <a:ext cx="763370" cy="369332"/>
+          </a:xfrm>
+          <a:prstGeom prst="rect">
+            <a:avLst/>
+          </a:prstGeom>
+          <a:noFill/>
+        </p:spPr>
+        <p:txBody>
+          <a:bodyPr wrap="square" rtlCol="0">
+            <a:spAutoFit/>
+          </a:bodyPr>
+          <a:lstStyle/>
+          <a:p>
+            <a:pPr marL="0" marR="0" lvl="0" indent="0" algn="l" defTabSz="914400" rtl="0" eaLnBrk="1" fontAlgn="auto" latinLnBrk="0" hangingPunct="1">
+              <a:lnSpc>
+                <a:spcPct val="100000"/>
+              </a:lnSpc>
+              <a:spcBef>
+                <a:spcPts val="0"/>
+              </a:spcBef>
+              <a:spcAft>
+                <a:spcPts val="0"/>
+              </a:spcAft>
+              <a:buClrTx/>
+              <a:buSzTx/>
+              <a:buFontTx/>
+              <a:buNone/>
+              <a:tabLst/>
+              <a:defRPr/>
+            </a:pPr>
+            <a:r>
+              <a:rPr kumimoji="0" lang="en-US" sz="900" b="1" i="1" u="none" strike="noStrike" kern="1200" cap="none" spc="0" normalizeH="0" baseline="0" noProof="0" dirty="0">
+                <a:ln>
+                  <a:noFill/>
+                </a:ln>
+                <a:solidFill>
+                  <a:prstClr val="black"/>
+                </a:solidFill>
+                <a:effectLst/>
+                <a:uLnTx/>
+                <a:uFillTx/>
+                <a:latin typeface="Calibri" panose="020F0502020204030204" pitchFamily="34" charset="0"/>
+                <a:ea typeface="+mn-ea"/>
+                <a:cs typeface="Calibri" panose="020F0502020204030204" pitchFamily="34" charset="0"/>
+              </a:rPr>
+              <a:t>Evaluate/</a:t>
+            </a:r>
+          </a:p>
+          <a:p>
+            <a:pPr marL="0" marR="0" lvl="0" indent="0" algn="l" defTabSz="914400" rtl="0" eaLnBrk="1" fontAlgn="auto" latinLnBrk="0" hangingPunct="1">
+              <a:lnSpc>
+                <a:spcPct val="100000"/>
+              </a:lnSpc>
+              <a:spcBef>
+                <a:spcPts val="0"/>
+              </a:spcBef>
+              <a:spcAft>
+                <a:spcPts val="0"/>
+              </a:spcAft>
+              <a:buClrTx/>
+              <a:buSzTx/>
+              <a:buFontTx/>
+              <a:buNone/>
+              <a:tabLst/>
+              <a:defRPr/>
+            </a:pPr>
+            <a:r>
+              <a:rPr kumimoji="0" lang="en-US" sz="900" b="1" i="1" u="none" strike="noStrike" kern="1200" cap="none" spc="0" normalizeH="0" baseline="0" noProof="0" dirty="0">
+                <a:ln>
+                  <a:noFill/>
+                </a:ln>
+                <a:solidFill>
+                  <a:prstClr val="black"/>
+                </a:solidFill>
+                <a:effectLst/>
+                <a:uLnTx/>
+                <a:uFillTx/>
+                <a:latin typeface="Calibri" panose="020F0502020204030204" pitchFamily="34" charset="0"/>
+                <a:ea typeface="+mn-ea"/>
+                <a:cs typeface="Calibri" panose="020F0502020204030204" pitchFamily="34" charset="0"/>
+              </a:rPr>
+              <a:t>Create</a:t>
+            </a:r>
+          </a:p>
+        </p:txBody>
+      </p:sp>
+    </p:spTree>
+    <p:extLst>
+      <p:ext uri="{BB962C8B-B14F-4D97-AF65-F5344CB8AC3E}">
+        <p14:creationId xmlns:p14="http://schemas.microsoft.com/office/powerpoint/2010/main" val="835100610"/>
+      </p:ext>
+    </p:extLst>
+  </p:cSld>
+  <p:clrMapOvr>
+    <a:masterClrMapping/>
+  </p:clrMapOvr>
+</p:sld>
+</file>
+
+<file path=ppt/slides/slide2.xml><?xml version="1.0" encoding="utf-8"?>
+<p:sld xmlns:a="http://schemas.openxmlformats.org/drawingml/2006/main" xmlns:r="http://schemas.openxmlformats.org/officeDocument/2006/relationships" xmlns:p="http://schemas.openxmlformats.org/presentationml/2006/main">
+  <p:cSld>
+    <p:spTree>
+      <p:nvGrpSpPr>
+        <p:cNvPr id="1" name="">
+          <a:extLst>
+            <a:ext uri="{FF2B5EF4-FFF2-40B4-BE49-F238E27FC236}">
+              <a16:creationId xmlns:a16="http://schemas.microsoft.com/office/drawing/2014/main" id="{7430B344-5C02-B0C0-C9D5-8D3CC15C367C}"/>
+            </a:ext>
+          </a:extLst>
+        </p:cNvPr>
+        <p:cNvGrpSpPr/>
+        <p:nvPr/>
+      </p:nvGrpSpPr>
+      <p:grpSpPr>
+        <a:xfrm>
+          <a:off x="0" y="0"/>
+          <a:ext cx="0" cy="0"/>
+          <a:chOff x="0" y="0"/>
+          <a:chExt cx="0" cy="0"/>
+        </a:xfrm>
+      </p:grpSpPr>
+      <p:grpSp>
+        <p:nvGrpSpPr>
+          <p:cNvPr id="37" name="Group 36">
+            <a:extLst>
+              <a:ext uri="{FF2B5EF4-FFF2-40B4-BE49-F238E27FC236}">
+                <a16:creationId xmlns:a16="http://schemas.microsoft.com/office/drawing/2014/main" id="{8BF6B7C8-6D9E-7643-4CAB-30CAC4A1DDF5}"/>
+              </a:ext>
+            </a:extLst>
+          </p:cNvPr>
+          <p:cNvGrpSpPr/>
+          <p:nvPr/>
+        </p:nvGrpSpPr>
+        <p:grpSpPr>
+          <a:xfrm>
+            <a:off x="1494624" y="871803"/>
+            <a:ext cx="7280316" cy="4854246"/>
+            <a:chOff x="1494624" y="871803"/>
+            <a:chExt cx="7280316" cy="4854246"/>
+          </a:xfrm>
+        </p:grpSpPr>
+        <p:sp>
+          <p:nvSpPr>
+            <p:cNvPr id="4" name="Rectangle 3">
+              <a:extLst>
+                <a:ext uri="{FF2B5EF4-FFF2-40B4-BE49-F238E27FC236}">
+                  <a16:creationId xmlns:a16="http://schemas.microsoft.com/office/drawing/2014/main" id="{263553DB-9C6E-CAB2-C65D-AF30686D38BA}"/>
+                </a:ext>
+              </a:extLst>
+            </p:cNvPr>
+            <p:cNvSpPr/>
+            <p:nvPr/>
+          </p:nvSpPr>
+          <p:spPr>
+            <a:xfrm>
+              <a:off x="1494624" y="871803"/>
+              <a:ext cx="4067606" cy="4854246"/>
+            </a:xfrm>
+            <a:prstGeom prst="rect">
+              <a:avLst/>
+            </a:prstGeom>
+            <a:solidFill>
+              <a:schemeClr val="bg1"/>
+            </a:solidFill>
+            <a:ln>
+              <a:solidFill>
+                <a:srgbClr val="FF0000"/>
+              </a:solidFill>
+              <a:prstDash val="sysDash"/>
+            </a:ln>
+          </p:spPr>
+          <p:style>
+            <a:lnRef idx="2">
+              <a:schemeClr val="accent1">
+                <a:shade val="50000"/>
+              </a:schemeClr>
+            </a:lnRef>
+            <a:fillRef idx="1">
+              <a:schemeClr val="accent1"/>
+            </a:fillRef>
+            <a:effectRef idx="0">
+              <a:schemeClr val="accent1"/>
+            </a:effectRef>
+            <a:fontRef idx="minor">
+              <a:schemeClr val="lt1"/>
+            </a:fontRef>
+          </p:style>
+          <p:txBody>
+            <a:bodyPr rtlCol="0" anchor="ctr"/>
+            <a:lstStyle/>
+            <a:p>
+              <a:pPr marL="0" marR="0" lvl="0" indent="0" algn="ctr" defTabSz="914400" rtl="0" eaLnBrk="1" fontAlgn="auto" latinLnBrk="0" hangingPunct="1">
+                <a:lnSpc>
+                  <a:spcPct val="100000"/>
+                </a:lnSpc>
+                <a:spcBef>
+                  <a:spcPts val="0"/>
+                </a:spcBef>
+                <a:spcAft>
+                  <a:spcPts val="0"/>
+                </a:spcAft>
+                <a:buClrTx/>
+                <a:buSzTx/>
+                <a:buFontTx/>
+                <a:buNone/>
+                <a:tabLst/>
+                <a:defRPr/>
+              </a:pPr>
+              <a:endParaRPr kumimoji="0" lang="en-US" sz="1800" b="0" i="0" u="none" strike="noStrike" kern="1200" cap="none" spc="0" normalizeH="0" baseline="0" noProof="0">
+                <a:ln>
+                  <a:noFill/>
+                </a:ln>
+                <a:solidFill>
+                  <a:prstClr val="white"/>
+                </a:solidFill>
+                <a:effectLst/>
+                <a:uLnTx/>
+                <a:uFillTx/>
+                <a:latin typeface="Calibri" panose="020F0502020204030204" pitchFamily="34" charset="0"/>
+                <a:ea typeface="+mn-ea"/>
+                <a:cs typeface="Calibri" panose="020F0502020204030204" pitchFamily="34" charset="0"/>
+              </a:endParaRPr>
+            </a:p>
+          </p:txBody>
+        </p:sp>
+        <p:sp>
+          <p:nvSpPr>
+            <p:cNvPr id="5" name="Rectangle 4">
+              <a:extLst>
+                <a:ext uri="{FF2B5EF4-FFF2-40B4-BE49-F238E27FC236}">
+                  <a16:creationId xmlns:a16="http://schemas.microsoft.com/office/drawing/2014/main" id="{BA1104F2-CD59-6A7C-22FB-CAD6BAE81ED9}"/>
+                </a:ext>
+              </a:extLst>
+            </p:cNvPr>
+            <p:cNvSpPr/>
+            <p:nvPr/>
+          </p:nvSpPr>
+          <p:spPr>
+            <a:xfrm>
+              <a:off x="3572181" y="943268"/>
+              <a:ext cx="1828800" cy="1097280"/>
+            </a:xfrm>
+            <a:prstGeom prst="rect">
+              <a:avLst/>
+            </a:prstGeom>
+            <a:solidFill>
+              <a:schemeClr val="tx2">
+                <a:lumMod val="20000"/>
+                <a:lumOff val="80000"/>
+              </a:schemeClr>
+            </a:solidFill>
+          </p:spPr>
+          <p:style>
+            <a:lnRef idx="2">
+              <a:schemeClr val="accent1">
+                <a:shade val="50000"/>
+              </a:schemeClr>
+            </a:lnRef>
+            <a:fillRef idx="1">
+              <a:schemeClr val="accent1"/>
+            </a:fillRef>
+            <a:effectRef idx="0">
+              <a:schemeClr val="accent1"/>
+            </a:effectRef>
+            <a:fontRef idx="minor">
+              <a:schemeClr val="lt1"/>
+            </a:fontRef>
+          </p:style>
+          <p:txBody>
+            <a:bodyPr rtlCol="0" anchor="ctr"/>
+            <a:lstStyle/>
+            <a:p>
+              <a:pPr marL="0" marR="0" lvl="0" indent="0" algn="ctr" defTabSz="914400" rtl="0" eaLnBrk="1" fontAlgn="auto" latinLnBrk="0" hangingPunct="1">
+                <a:lnSpc>
+                  <a:spcPct val="100000"/>
+                </a:lnSpc>
+                <a:spcBef>
+                  <a:spcPts val="0"/>
+                </a:spcBef>
+                <a:spcAft>
+                  <a:spcPts val="0"/>
+                </a:spcAft>
+                <a:buClrTx/>
+                <a:buSzTx/>
+                <a:buFontTx/>
+                <a:buNone/>
+                <a:tabLst/>
+                <a:defRPr/>
+              </a:pPr>
+              <a:r>
+                <a:rPr kumimoji="0" lang="en-US" sz="1400" b="1" i="0" u="none" strike="noStrike" kern="1200" cap="none" spc="0" normalizeH="0" baseline="0" noProof="0" dirty="0">
+                  <a:ln>
+                    <a:noFill/>
+                  </a:ln>
+                  <a:solidFill>
+                    <a:prstClr val="black"/>
+                  </a:solidFill>
+                  <a:effectLst/>
+                  <a:uLnTx/>
+                  <a:uFillTx/>
+                  <a:latin typeface="Calibri" panose="020F0502020204030204" pitchFamily="34" charset="0"/>
+                  <a:ea typeface="+mn-ea"/>
+                  <a:cs typeface="Calibri" panose="020F0502020204030204" pitchFamily="34" charset="0"/>
+                </a:rPr>
+                <a:t>Data Source </a:t>
+              </a:r>
+            </a:p>
+            <a:p>
+              <a:pPr marL="0" marR="0" lvl="0" indent="0" algn="ctr" defTabSz="914400" rtl="0" eaLnBrk="1" fontAlgn="auto" latinLnBrk="0" hangingPunct="1">
+                <a:lnSpc>
+                  <a:spcPct val="100000"/>
+                </a:lnSpc>
+                <a:spcBef>
+                  <a:spcPts val="0"/>
+                </a:spcBef>
+                <a:spcAft>
+                  <a:spcPts val="0"/>
+                </a:spcAft>
+                <a:buClrTx/>
+                <a:buSzTx/>
+                <a:buFontTx/>
+                <a:buNone/>
+                <a:tabLst/>
+                <a:defRPr/>
+              </a:pPr>
+              <a:r>
+                <a:rPr kumimoji="0" lang="en-US" sz="1400" b="0" i="0" u="none" strike="noStrike" kern="1200" cap="none" spc="0" normalizeH="0" baseline="0" noProof="0" dirty="0">
+                  <a:ln>
+                    <a:noFill/>
+                  </a:ln>
+                  <a:solidFill>
+                    <a:prstClr val="black"/>
+                  </a:solidFill>
+                  <a:effectLst/>
+                  <a:uLnTx/>
+                  <a:uFillTx/>
+                  <a:latin typeface="Calibri" panose="020F0502020204030204" pitchFamily="34" charset="0"/>
+                  <a:ea typeface="+mn-ea"/>
+                  <a:cs typeface="Calibri" panose="020F0502020204030204" pitchFamily="34" charset="0"/>
+                </a:rPr>
+                <a:t>(e.g., EHR, HIE)</a:t>
+              </a:r>
+              <a:r>
+                <a:rPr kumimoji="0" lang="en-US" sz="1400" b="0" i="0" u="none" strike="noStrike" kern="1200" cap="none" spc="0" normalizeH="0" baseline="0" noProof="0" dirty="0">
+                  <a:ln>
+                    <a:noFill/>
+                  </a:ln>
+                  <a:solidFill>
+                    <a:srgbClr val="FF0000"/>
+                  </a:solidFill>
+                  <a:effectLst/>
+                  <a:uLnTx/>
+                  <a:uFillTx/>
+                  <a:latin typeface="Calibri" panose="020F0502020204030204" pitchFamily="34" charset="0"/>
+                  <a:ea typeface="+mn-ea"/>
+                  <a:cs typeface="Calibri" panose="020F0502020204030204" pitchFamily="34" charset="0"/>
+                </a:rPr>
+                <a:t> </a:t>
+              </a:r>
+            </a:p>
+          </p:txBody>
+        </p:sp>
+        <p:pic>
+          <p:nvPicPr>
+            <p:cNvPr id="6" name="Picture 11">
+              <a:extLst>
+                <a:ext uri="{FF2B5EF4-FFF2-40B4-BE49-F238E27FC236}">
+                  <a16:creationId xmlns:a16="http://schemas.microsoft.com/office/drawing/2014/main" id="{FAF7D169-BCDA-C630-E7AE-788477D461F6}"/>
+                </a:ext>
+              </a:extLst>
+            </p:cNvPr>
+            <p:cNvPicPr>
+              <a:picLocks noChangeAspect="1" noChangeArrowheads="1"/>
+            </p:cNvPicPr>
+            <p:nvPr/>
+          </p:nvPicPr>
+          <p:blipFill>
+            <a:blip r:embed="rId3" cstate="print">
+              <a:extLst>
+                <a:ext uri="{28A0092B-C50C-407E-A947-70E740481C1C}">
+                  <a14:useLocalDpi xmlns:a14="http://schemas.microsoft.com/office/drawing/2010/main" val="0"/>
+                </a:ext>
+              </a:extLst>
+            </a:blip>
+            <a:srcRect/>
+            <a:stretch>
+              <a:fillRect/>
+            </a:stretch>
+          </p:blipFill>
+          <p:spPr bwMode="auto">
+            <a:xfrm>
+              <a:off x="1801267" y="1131951"/>
+              <a:ext cx="1017213" cy="682787"/>
+            </a:xfrm>
+            <a:prstGeom prst="rect">
+              <a:avLst/>
+            </a:prstGeom>
+            <a:noFill/>
+            <a:ln>
+              <a:noFill/>
+            </a:ln>
+            <a:extLst>
+              <a:ext uri="{909E8E84-426E-40dd-AFC4-6F175D3DCCD1}">
+                <a14:hiddenFill xmlns:a14="http://schemas.microsoft.com/office/drawing/2010/main" xmlns="">
+                  <a:solidFill>
+                    <a:schemeClr val="accent1"/>
+                  </a:solidFill>
+                </a14:hiddenFill>
+              </a:ext>
+              <a:ext uri="{91240B29-F687-4f45-9708-019B960494DF}">
+                <a14:hiddenLine xmlns:a14="http://schemas.microsoft.com/office/drawing/2010/main" xmlns="" w="9525">
+                  <a:solidFill>
+                    <a:schemeClr val="tx1"/>
+                  </a:solidFill>
+                  <a:miter lim="800000"/>
+                  <a:headEnd/>
+                  <a:tailEnd/>
+                </a14:hiddenLine>
+              </a:ext>
+            </a:extLst>
+          </p:spPr>
+        </p:pic>
+        <p:sp>
+          <p:nvSpPr>
+            <p:cNvPr id="7" name="Rectangle 6">
+              <a:extLst>
+                <a:ext uri="{FF2B5EF4-FFF2-40B4-BE49-F238E27FC236}">
+                  <a16:creationId xmlns:a16="http://schemas.microsoft.com/office/drawing/2014/main" id="{AA456BDE-68E9-0B24-2EA4-3BC21C0EF139}"/>
+                </a:ext>
+              </a:extLst>
+            </p:cNvPr>
+            <p:cNvSpPr/>
+            <p:nvPr/>
+          </p:nvSpPr>
+          <p:spPr>
+            <a:xfrm>
+              <a:off x="3605303" y="3756546"/>
+              <a:ext cx="1828800" cy="1097280"/>
+            </a:xfrm>
+            <a:prstGeom prst="rect">
+              <a:avLst/>
+            </a:prstGeom>
+            <a:solidFill>
+              <a:schemeClr val="tx2">
+                <a:lumMod val="20000"/>
+                <a:lumOff val="80000"/>
+              </a:schemeClr>
+            </a:solidFill>
+          </p:spPr>
+          <p:style>
+            <a:lnRef idx="2">
+              <a:schemeClr val="accent1">
+                <a:shade val="50000"/>
+              </a:schemeClr>
+            </a:lnRef>
+            <a:fillRef idx="1">
+              <a:schemeClr val="accent1"/>
+            </a:fillRef>
+            <a:effectRef idx="0">
+              <a:schemeClr val="accent1"/>
+            </a:effectRef>
+            <a:fontRef idx="minor">
+              <a:schemeClr val="lt1"/>
+            </a:fontRef>
+          </p:style>
+          <p:txBody>
+            <a:bodyPr tIns="91440" bIns="91440" rtlCol="0" anchor="ctr" anchorCtr="0"/>
+            <a:lstStyle/>
+            <a:p>
+              <a:pPr marL="0" marR="0" lvl="0" indent="0" algn="ctr" defTabSz="914400" rtl="0" eaLnBrk="1" fontAlgn="auto" latinLnBrk="0" hangingPunct="1">
+                <a:lnSpc>
+                  <a:spcPct val="100000"/>
+                </a:lnSpc>
+                <a:spcBef>
+                  <a:spcPts val="0"/>
+                </a:spcBef>
+                <a:spcAft>
+                  <a:spcPts val="0"/>
+                </a:spcAft>
+                <a:buClrTx/>
+                <a:buSzTx/>
+                <a:buFontTx/>
+                <a:buNone/>
+                <a:tabLst/>
+                <a:defRPr/>
+              </a:pPr>
+              <a:r>
+                <a:rPr kumimoji="0" lang="en-US" sz="1400" b="1" i="0" u="none" strike="noStrike" kern="1200" cap="none" spc="0" normalizeH="0" baseline="0" noProof="0" dirty="0">
+                  <a:ln>
+                    <a:noFill/>
+                  </a:ln>
+                  <a:solidFill>
+                    <a:prstClr val="black"/>
+                  </a:solidFill>
+                  <a:effectLst/>
+                  <a:uLnTx/>
+                  <a:uFillTx/>
+                  <a:latin typeface="Calibri" panose="020F0502020204030204" pitchFamily="34" charset="0"/>
+                  <a:ea typeface="+mn-ea"/>
+                  <a:cs typeface="Calibri" panose="020F0502020204030204" pitchFamily="34" charset="0"/>
+                </a:rPr>
+                <a:t>Data Submitter</a:t>
+              </a:r>
+              <a:endParaRPr kumimoji="0" lang="en-US" sz="1400" b="0" i="0" u="none" strike="noStrike" kern="1200" cap="none" spc="0" normalizeH="0" baseline="0" noProof="0" dirty="0">
+                <a:ln>
+                  <a:noFill/>
+                </a:ln>
+                <a:solidFill>
+                  <a:prstClr val="black"/>
+                </a:solidFill>
+                <a:effectLst/>
+                <a:uLnTx/>
+                <a:uFillTx/>
+                <a:latin typeface="Calibri" panose="020F0502020204030204" pitchFamily="34" charset="0"/>
+                <a:ea typeface="+mn-ea"/>
+                <a:cs typeface="Calibri" panose="020F0502020204030204" pitchFamily="34" charset="0"/>
+              </a:endParaRPr>
+            </a:p>
+          </p:txBody>
+        </p:sp>
+        <p:sp>
+          <p:nvSpPr>
+            <p:cNvPr id="8" name="TextBox 7">
+              <a:extLst>
+                <a:ext uri="{FF2B5EF4-FFF2-40B4-BE49-F238E27FC236}">
+                  <a16:creationId xmlns:a16="http://schemas.microsoft.com/office/drawing/2014/main" id="{D7230CD3-16F8-2CBA-71AD-C6EEB0622794}"/>
+                </a:ext>
+              </a:extLst>
+            </p:cNvPr>
+            <p:cNvSpPr txBox="1"/>
+            <p:nvPr/>
+          </p:nvSpPr>
+          <p:spPr>
+            <a:xfrm>
+              <a:off x="1918466" y="1829284"/>
+              <a:ext cx="587020" cy="230832"/>
+            </a:xfrm>
+            <a:prstGeom prst="rect">
+              <a:avLst/>
+            </a:prstGeom>
+            <a:noFill/>
+          </p:spPr>
+          <p:txBody>
+            <a:bodyPr wrap="none" rtlCol="0">
+              <a:spAutoFit/>
+            </a:bodyPr>
+            <a:lstStyle/>
+            <a:p>
+              <a:pPr marL="0" marR="0" lvl="0" indent="0" algn="l" defTabSz="914400" rtl="0" eaLnBrk="1" fontAlgn="auto" latinLnBrk="0" hangingPunct="1">
+                <a:lnSpc>
+                  <a:spcPct val="100000"/>
+                </a:lnSpc>
+                <a:spcBef>
+                  <a:spcPts val="0"/>
+                </a:spcBef>
+                <a:spcAft>
+                  <a:spcPts val="0"/>
+                </a:spcAft>
+                <a:buClrTx/>
+                <a:buSzTx/>
+                <a:buFontTx/>
+                <a:buNone/>
+                <a:tabLst/>
+                <a:defRPr/>
+              </a:pPr>
+              <a:r>
+                <a:rPr kumimoji="0" lang="en-US" sz="900" b="1" i="1" u="none" strike="noStrike" kern="1200" cap="none" spc="0" normalizeH="0" baseline="0" noProof="0" dirty="0">
+                  <a:ln>
+                    <a:noFill/>
+                  </a:ln>
+                  <a:solidFill>
+                    <a:prstClr val="black"/>
+                  </a:solidFill>
+                  <a:effectLst/>
+                  <a:uLnTx/>
+                  <a:uFillTx/>
+                  <a:latin typeface="Calibri" panose="020F0502020204030204" pitchFamily="34" charset="0"/>
+                  <a:ea typeface="+mn-ea"/>
+                  <a:cs typeface="Calibri" panose="020F0502020204030204" pitchFamily="34" charset="0"/>
+                </a:rPr>
+                <a:t>Provider</a:t>
+              </a:r>
+            </a:p>
+          </p:txBody>
+        </p:sp>
+        <p:sp>
+          <p:nvSpPr>
+            <p:cNvPr id="9" name="Rectangle 8">
+              <a:extLst>
+                <a:ext uri="{FF2B5EF4-FFF2-40B4-BE49-F238E27FC236}">
+                  <a16:creationId xmlns:a16="http://schemas.microsoft.com/office/drawing/2014/main" id="{A860D8D4-954D-1CF5-CD49-BDC77F8F4AB8}"/>
+                </a:ext>
+              </a:extLst>
+            </p:cNvPr>
+            <p:cNvSpPr/>
+            <p:nvPr/>
+          </p:nvSpPr>
+          <p:spPr>
+            <a:xfrm>
+              <a:off x="7216081" y="1987728"/>
+              <a:ext cx="1282018" cy="2676698"/>
+            </a:xfrm>
+            <a:prstGeom prst="rect">
+              <a:avLst/>
+            </a:prstGeom>
+            <a:solidFill>
+              <a:schemeClr val="tx2">
+                <a:lumMod val="20000"/>
+                <a:lumOff val="80000"/>
+              </a:schemeClr>
+            </a:solidFill>
+          </p:spPr>
+          <p:style>
+            <a:lnRef idx="2">
+              <a:schemeClr val="accent1">
+                <a:shade val="50000"/>
+              </a:schemeClr>
+            </a:lnRef>
+            <a:fillRef idx="1">
+              <a:schemeClr val="accent1"/>
+            </a:fillRef>
+            <a:effectRef idx="0">
+              <a:schemeClr val="accent1"/>
+            </a:effectRef>
+            <a:fontRef idx="minor">
+              <a:schemeClr val="lt1"/>
+            </a:fontRef>
+          </p:style>
+          <p:txBody>
+            <a:bodyPr rtlCol="0" anchor="ctr"/>
+            <a:lstStyle/>
+            <a:p>
+              <a:pPr lvl="0" algn="ctr">
+                <a:defRPr/>
+              </a:pPr>
+              <a:r>
+                <a:rPr kumimoji="0" lang="en-US" sz="1400" b="1" i="0" u="none" strike="noStrike" kern="1200" cap="none" spc="0" normalizeH="0" baseline="0" noProof="0" dirty="0">
+                  <a:ln>
+                    <a:noFill/>
+                  </a:ln>
+                  <a:solidFill>
+                    <a:prstClr val="black"/>
+                  </a:solidFill>
+                  <a:effectLst/>
+                  <a:uLnTx/>
+                  <a:uFillTx/>
+                  <a:latin typeface="Calibri" panose="020F0502020204030204" pitchFamily="34" charset="0"/>
+                  <a:ea typeface="+mn-ea"/>
+                  <a:cs typeface="Calibri" panose="020F0502020204030204" pitchFamily="34" charset="0"/>
+                </a:rPr>
+                <a:t>Data Receiver </a:t>
+              </a:r>
+              <a:r>
+                <a:rPr kumimoji="0" lang="en-US" sz="1400" b="0" i="0" u="none" strike="noStrike" kern="1200" cap="none" spc="0" normalizeH="0" baseline="0" noProof="0" dirty="0">
+                  <a:ln>
+                    <a:noFill/>
+                  </a:ln>
+                  <a:solidFill>
+                    <a:prstClr val="black"/>
+                  </a:solidFill>
+                  <a:effectLst/>
+                  <a:uLnTx/>
+                  <a:uFillTx/>
+                  <a:latin typeface="Calibri" panose="020F0502020204030204" pitchFamily="34" charset="0"/>
+                  <a:ea typeface="+mn-ea"/>
+                  <a:cs typeface="Calibri" panose="020F0502020204030204" pitchFamily="34" charset="0"/>
+                </a:rPr>
+                <a:t>(e.g., </a:t>
+              </a:r>
+              <a:r>
+                <a:rPr lang="en-US" sz="1400" dirty="0">
+                  <a:solidFill>
+                    <a:srgbClr val="000000"/>
+                  </a:solidFill>
+                  <a:latin typeface="Calibri" panose="020F0502020204030204" pitchFamily="34" charset="0"/>
+                  <a:cs typeface="Calibri" panose="020F0502020204030204" pitchFamily="34" charset="0"/>
+                </a:rPr>
+                <a:t>Central Cancer Registry</a:t>
+              </a:r>
+              <a:r>
+                <a:rPr kumimoji="0" lang="en-US" sz="1400" b="0" i="0" u="none" strike="noStrike" kern="1200" cap="none" spc="0" normalizeH="0" baseline="0" noProof="0" dirty="0">
+                  <a:ln>
+                    <a:noFill/>
+                  </a:ln>
+                  <a:solidFill>
+                    <a:srgbClr val="000000"/>
+                  </a:solidFill>
+                  <a:effectLst/>
+                  <a:uLnTx/>
+                  <a:uFillTx/>
+                  <a:latin typeface="Calibri" panose="020F0502020204030204" pitchFamily="34" charset="0"/>
+                  <a:ea typeface="+mn-ea"/>
+                  <a:cs typeface="Calibri" panose="020F0502020204030204" pitchFamily="34" charset="0"/>
+                </a:rPr>
+                <a:t>)</a:t>
+              </a:r>
+              <a:endParaRPr kumimoji="0" lang="en-US" sz="1400" b="0" i="0" u="none" strike="noStrike" kern="1200" cap="none" spc="0" normalizeH="0" baseline="0" noProof="0" dirty="0">
+                <a:ln>
+                  <a:noFill/>
+                </a:ln>
+                <a:solidFill>
+                  <a:prstClr val="black"/>
+                </a:solidFill>
+                <a:effectLst/>
+                <a:uLnTx/>
+                <a:uFillTx/>
+                <a:latin typeface="Calibri" panose="020F0502020204030204" pitchFamily="34" charset="0"/>
+                <a:ea typeface="+mn-ea"/>
+                <a:cs typeface="Calibri" panose="020F0502020204030204" pitchFamily="34" charset="0"/>
+              </a:endParaRPr>
+            </a:p>
+            <a:p>
+              <a:pPr marL="0" marR="0" lvl="0" indent="0" algn="ctr" defTabSz="914400" rtl="0" eaLnBrk="1" fontAlgn="auto" latinLnBrk="0" hangingPunct="1">
+                <a:lnSpc>
+                  <a:spcPct val="100000"/>
+                </a:lnSpc>
+                <a:spcBef>
+                  <a:spcPts val="0"/>
+                </a:spcBef>
+                <a:spcAft>
+                  <a:spcPts val="0"/>
+                </a:spcAft>
+                <a:buClrTx/>
+                <a:buSzTx/>
+                <a:buFontTx/>
+                <a:buNone/>
+                <a:tabLst/>
+                <a:defRPr/>
+              </a:pPr>
+              <a:endParaRPr kumimoji="0" lang="en-US" sz="1200" b="1" i="0" u="none" strike="noStrike" kern="1200" cap="none" spc="0" normalizeH="0" baseline="0" noProof="0" dirty="0">
+                <a:ln>
+                  <a:noFill/>
+                </a:ln>
+                <a:solidFill>
+                  <a:prstClr val="black"/>
+                </a:solidFill>
+                <a:effectLst/>
+                <a:uLnTx/>
+                <a:uFillTx/>
+                <a:latin typeface="Calibri" panose="020F0502020204030204" pitchFamily="34" charset="0"/>
+                <a:ea typeface="+mn-ea"/>
+                <a:cs typeface="Calibri" panose="020F0502020204030204" pitchFamily="34" charset="0"/>
+              </a:endParaRPr>
+            </a:p>
+          </p:txBody>
+        </p:sp>
+        <p:cxnSp>
+          <p:nvCxnSpPr>
+            <p:cNvPr id="10" name="Straight Arrow Connector 9">
+              <a:extLst>
+                <a:ext uri="{FF2B5EF4-FFF2-40B4-BE49-F238E27FC236}">
+                  <a16:creationId xmlns:a16="http://schemas.microsoft.com/office/drawing/2014/main" id="{57E122BD-FDD9-6FFA-449C-E2EBFC2D9748}"/>
+                </a:ext>
+              </a:extLst>
+            </p:cNvPr>
+            <p:cNvCxnSpPr>
+              <a:cxnSpLocks/>
+              <a:stCxn id="6" idx="3"/>
+              <a:endCxn id="5" idx="1"/>
+            </p:cNvCxnSpPr>
+            <p:nvPr/>
+          </p:nvCxnSpPr>
+          <p:spPr>
+            <a:xfrm>
+              <a:off x="2818480" y="1473345"/>
+              <a:ext cx="753701" cy="18563"/>
+            </a:xfrm>
+            <a:prstGeom prst="straightConnector1">
+              <a:avLst/>
+            </a:prstGeom>
+            <a:ln>
+              <a:tailEnd type="triangle"/>
+            </a:ln>
+          </p:spPr>
+          <p:style>
+            <a:lnRef idx="1">
+              <a:schemeClr val="accent1"/>
+            </a:lnRef>
+            <a:fillRef idx="0">
+              <a:schemeClr val="accent1"/>
+            </a:fillRef>
+            <a:effectRef idx="0">
+              <a:schemeClr val="accent1"/>
+            </a:effectRef>
+            <a:fontRef idx="minor">
+              <a:schemeClr val="tx1"/>
+            </a:fontRef>
+          </p:style>
+        </p:cxnSp>
+        <p:sp>
+          <p:nvSpPr>
+            <p:cNvPr id="11" name="TextBox 10">
+              <a:extLst>
+                <a:ext uri="{FF2B5EF4-FFF2-40B4-BE49-F238E27FC236}">
+                  <a16:creationId xmlns:a16="http://schemas.microsoft.com/office/drawing/2014/main" id="{3B7A977F-1814-8C93-AB69-F949BD0EB651}"/>
+                </a:ext>
+              </a:extLst>
+            </p:cNvPr>
+            <p:cNvSpPr txBox="1"/>
+            <p:nvPr/>
+          </p:nvSpPr>
+          <p:spPr>
+            <a:xfrm>
+              <a:off x="2911794" y="997762"/>
+              <a:ext cx="657837" cy="369332"/>
+            </a:xfrm>
+            <a:prstGeom prst="rect">
+              <a:avLst/>
+            </a:prstGeom>
+            <a:noFill/>
+          </p:spPr>
+          <p:txBody>
+            <a:bodyPr wrap="square" rtlCol="0">
+              <a:spAutoFit/>
+            </a:bodyPr>
+            <a:lstStyle/>
+            <a:p>
+              <a:pPr marL="0" marR="0" lvl="0" indent="0" algn="l" defTabSz="914400" rtl="0" eaLnBrk="1" fontAlgn="auto" latinLnBrk="0" hangingPunct="1">
+                <a:lnSpc>
+                  <a:spcPct val="100000"/>
+                </a:lnSpc>
+                <a:spcBef>
+                  <a:spcPts val="0"/>
+                </a:spcBef>
+                <a:spcAft>
+                  <a:spcPts val="0"/>
+                </a:spcAft>
+                <a:buClrTx/>
+                <a:buSzTx/>
+                <a:buFontTx/>
+                <a:buNone/>
+                <a:tabLst/>
+                <a:defRPr/>
+              </a:pPr>
+              <a:r>
+                <a:rPr kumimoji="0" lang="en-US" sz="900" b="1" i="1" u="none" strike="noStrike" kern="1200" cap="none" spc="0" normalizeH="0" baseline="0" noProof="0" dirty="0">
+                  <a:ln>
+                    <a:noFill/>
+                  </a:ln>
+                  <a:solidFill>
+                    <a:prstClr val="black"/>
+                  </a:solidFill>
+                  <a:effectLst/>
+                  <a:uLnTx/>
+                  <a:uFillTx/>
+                  <a:latin typeface="Calibri" panose="020F0502020204030204" pitchFamily="34" charset="0"/>
+                  <a:ea typeface="+mn-ea"/>
+                  <a:cs typeface="Calibri" panose="020F0502020204030204" pitchFamily="34" charset="0"/>
+                </a:rPr>
+                <a:t>Updates/Sign off</a:t>
+              </a:r>
+            </a:p>
+          </p:txBody>
+        </p:sp>
+        <p:cxnSp>
+          <p:nvCxnSpPr>
+            <p:cNvPr id="12" name="Straight Arrow Connector 11">
+              <a:extLst>
+                <a:ext uri="{FF2B5EF4-FFF2-40B4-BE49-F238E27FC236}">
+                  <a16:creationId xmlns:a16="http://schemas.microsoft.com/office/drawing/2014/main" id="{B8DB711B-C033-C4A6-D40B-C23F42F2E212}"/>
+                </a:ext>
+              </a:extLst>
+            </p:cNvPr>
+            <p:cNvCxnSpPr>
+              <a:cxnSpLocks/>
+            </p:cNvCxnSpPr>
+            <p:nvPr/>
+          </p:nvCxnSpPr>
+          <p:spPr>
+            <a:xfrm>
+              <a:off x="4066853" y="2021915"/>
+              <a:ext cx="0" cy="1727012"/>
+            </a:xfrm>
+            <a:prstGeom prst="straightConnector1">
+              <a:avLst/>
+            </a:prstGeom>
+            <a:ln>
+              <a:tailEnd type="triangle"/>
+            </a:ln>
+          </p:spPr>
+          <p:style>
+            <a:lnRef idx="1">
+              <a:schemeClr val="accent1"/>
+            </a:lnRef>
+            <a:fillRef idx="0">
+              <a:schemeClr val="accent1"/>
+            </a:fillRef>
+            <a:effectRef idx="0">
+              <a:schemeClr val="accent1"/>
+            </a:effectRef>
+            <a:fontRef idx="minor">
+              <a:schemeClr val="tx1"/>
+            </a:fontRef>
+          </p:style>
+        </p:cxnSp>
+        <p:cxnSp>
+          <p:nvCxnSpPr>
+            <p:cNvPr id="13" name="Straight Arrow Connector 12">
+              <a:extLst>
+                <a:ext uri="{FF2B5EF4-FFF2-40B4-BE49-F238E27FC236}">
+                  <a16:creationId xmlns:a16="http://schemas.microsoft.com/office/drawing/2014/main" id="{7AECF793-0742-BEC9-33D4-301C36BC533F}"/>
+                </a:ext>
+              </a:extLst>
+            </p:cNvPr>
+            <p:cNvCxnSpPr>
+              <a:cxnSpLocks/>
+            </p:cNvCxnSpPr>
+            <p:nvPr/>
+          </p:nvCxnSpPr>
+          <p:spPr>
+            <a:xfrm flipH="1" flipV="1">
+              <a:off x="4411872" y="2012932"/>
+              <a:ext cx="9284" cy="1751452"/>
+            </a:xfrm>
+            <a:prstGeom prst="straightConnector1">
+              <a:avLst/>
+            </a:prstGeom>
+            <a:ln>
+              <a:tailEnd type="triangle"/>
+            </a:ln>
+          </p:spPr>
+          <p:style>
+            <a:lnRef idx="1">
+              <a:schemeClr val="accent1"/>
+            </a:lnRef>
+            <a:fillRef idx="0">
+              <a:schemeClr val="accent1"/>
+            </a:fillRef>
+            <a:effectRef idx="0">
+              <a:schemeClr val="accent1"/>
+            </a:effectRef>
+            <a:fontRef idx="minor">
+              <a:schemeClr val="tx1"/>
+            </a:fontRef>
+          </p:style>
+        </p:cxnSp>
+        <p:cxnSp>
+          <p:nvCxnSpPr>
+            <p:cNvPr id="14" name="Straight Arrow Connector 13">
+              <a:extLst>
+                <a:ext uri="{FF2B5EF4-FFF2-40B4-BE49-F238E27FC236}">
+                  <a16:creationId xmlns:a16="http://schemas.microsoft.com/office/drawing/2014/main" id="{05206891-968C-90B9-EDBC-C12D09BB4065}"/>
+                </a:ext>
+              </a:extLst>
+            </p:cNvPr>
+            <p:cNvCxnSpPr>
+              <a:cxnSpLocks/>
+            </p:cNvCxnSpPr>
+            <p:nvPr/>
+          </p:nvCxnSpPr>
+          <p:spPr>
+            <a:xfrm>
+              <a:off x="5415459" y="4458463"/>
+              <a:ext cx="1800622" cy="0"/>
+            </a:xfrm>
+            <a:prstGeom prst="straightConnector1">
+              <a:avLst/>
+            </a:prstGeom>
+            <a:ln>
+              <a:tailEnd type="triangle"/>
+            </a:ln>
+          </p:spPr>
+          <p:style>
+            <a:lnRef idx="1">
+              <a:schemeClr val="accent1"/>
+            </a:lnRef>
+            <a:fillRef idx="0">
+              <a:schemeClr val="accent1"/>
+            </a:fillRef>
+            <a:effectRef idx="0">
+              <a:schemeClr val="accent1"/>
+            </a:effectRef>
+            <a:fontRef idx="minor">
+              <a:schemeClr val="tx1"/>
+            </a:fontRef>
+          </p:style>
+        </p:cxnSp>
+        <p:sp>
+          <p:nvSpPr>
+            <p:cNvPr id="15" name="TextBox 14">
+              <a:extLst>
+                <a:ext uri="{FF2B5EF4-FFF2-40B4-BE49-F238E27FC236}">
+                  <a16:creationId xmlns:a16="http://schemas.microsoft.com/office/drawing/2014/main" id="{6F166236-6901-9C03-39FF-C0C60220A141}"/>
+                </a:ext>
+              </a:extLst>
+            </p:cNvPr>
+            <p:cNvSpPr txBox="1"/>
+            <p:nvPr/>
+          </p:nvSpPr>
+          <p:spPr>
+            <a:xfrm>
+              <a:off x="6244482" y="4245908"/>
+              <a:ext cx="763370" cy="230832"/>
+            </a:xfrm>
+            <a:prstGeom prst="rect">
+              <a:avLst/>
+            </a:prstGeom>
+            <a:noFill/>
+          </p:spPr>
+          <p:txBody>
+            <a:bodyPr wrap="square" rtlCol="0">
+              <a:spAutoFit/>
+            </a:bodyPr>
+            <a:lstStyle/>
+            <a:p>
+              <a:pPr marL="0" marR="0" lvl="0" indent="0" algn="l" defTabSz="914400" rtl="0" eaLnBrk="1" fontAlgn="auto" latinLnBrk="0" hangingPunct="1">
+                <a:lnSpc>
+                  <a:spcPct val="100000"/>
+                </a:lnSpc>
+                <a:spcBef>
+                  <a:spcPts val="0"/>
+                </a:spcBef>
+                <a:spcAft>
+                  <a:spcPts val="0"/>
+                </a:spcAft>
+                <a:buClrTx/>
+                <a:buSzTx/>
+                <a:buFontTx/>
+                <a:buNone/>
+                <a:tabLst/>
+                <a:defRPr/>
+              </a:pPr>
+              <a:r>
+                <a:rPr kumimoji="0" lang="en-US" sz="900" b="1" i="1" u="none" strike="noStrike" kern="1200" cap="none" spc="0" normalizeH="0" baseline="0" noProof="0" dirty="0">
+                  <a:ln>
+                    <a:noFill/>
+                  </a:ln>
+                  <a:solidFill>
+                    <a:prstClr val="black"/>
+                  </a:solidFill>
+                  <a:effectLst/>
+                  <a:uLnTx/>
+                  <a:uFillTx/>
+                  <a:latin typeface="Calibri" panose="020F0502020204030204" pitchFamily="34" charset="0"/>
+                  <a:ea typeface="+mn-ea"/>
+                  <a:cs typeface="Calibri" panose="020F0502020204030204" pitchFamily="34" charset="0"/>
+                </a:rPr>
+                <a:t>Report</a:t>
+              </a:r>
+            </a:p>
+          </p:txBody>
+        </p:sp>
+        <p:sp>
+          <p:nvSpPr>
+            <p:cNvPr id="16" name="TextBox 15">
+              <a:extLst>
+                <a:ext uri="{FF2B5EF4-FFF2-40B4-BE49-F238E27FC236}">
+                  <a16:creationId xmlns:a16="http://schemas.microsoft.com/office/drawing/2014/main" id="{5B576910-05E4-66B6-4D9B-34F7CF653156}"/>
+                </a:ext>
+              </a:extLst>
+            </p:cNvPr>
+            <p:cNvSpPr txBox="1"/>
+            <p:nvPr/>
+          </p:nvSpPr>
+          <p:spPr>
+            <a:xfrm>
+              <a:off x="1836247" y="5484168"/>
+              <a:ext cx="2110520" cy="230832"/>
+            </a:xfrm>
+            <a:prstGeom prst="rect">
+              <a:avLst/>
+            </a:prstGeom>
+            <a:noFill/>
+          </p:spPr>
+          <p:txBody>
+            <a:bodyPr wrap="square" rtlCol="0">
+              <a:spAutoFit/>
+            </a:bodyPr>
+            <a:lstStyle/>
+            <a:p>
+              <a:pPr marL="0" marR="0" lvl="0" indent="0" algn="l" defTabSz="914400" rtl="0" eaLnBrk="1" fontAlgn="auto" latinLnBrk="0" hangingPunct="1">
+                <a:lnSpc>
+                  <a:spcPct val="100000"/>
+                </a:lnSpc>
+                <a:spcBef>
+                  <a:spcPts val="0"/>
+                </a:spcBef>
+                <a:spcAft>
+                  <a:spcPts val="0"/>
+                </a:spcAft>
+                <a:buClrTx/>
+                <a:buSzTx/>
+                <a:buFontTx/>
+                <a:buNone/>
+                <a:tabLst/>
+                <a:defRPr/>
+              </a:pPr>
+              <a:r>
+                <a:rPr kumimoji="0" lang="en-US" sz="900" b="1" i="0" u="none" strike="noStrike" kern="1200" cap="none" spc="0" normalizeH="0" baseline="0" noProof="0" dirty="0">
+                  <a:ln>
+                    <a:noFill/>
+                  </a:ln>
+                  <a:solidFill>
+                    <a:srgbClr val="FF0000"/>
+                  </a:solidFill>
+                  <a:effectLst/>
+                  <a:uLnTx/>
+                  <a:uFillTx/>
+                  <a:latin typeface="Calibri" panose="020F0502020204030204" pitchFamily="34" charset="0"/>
+                  <a:ea typeface="+mn-ea"/>
+                  <a:cs typeface="Calibri" panose="020F0502020204030204" pitchFamily="34" charset="0"/>
+                </a:rPr>
+                <a:t>Data Source Organization</a:t>
+              </a:r>
+            </a:p>
+          </p:txBody>
+        </p:sp>
+        <p:cxnSp>
+          <p:nvCxnSpPr>
+            <p:cNvPr id="17" name="Straight Arrow Connector 16">
+              <a:extLst>
+                <a:ext uri="{FF2B5EF4-FFF2-40B4-BE49-F238E27FC236}">
+                  <a16:creationId xmlns:a16="http://schemas.microsoft.com/office/drawing/2014/main" id="{BC76E028-F479-0DFA-6CC3-5AA74A8304A1}"/>
+                </a:ext>
+              </a:extLst>
+            </p:cNvPr>
+            <p:cNvCxnSpPr>
+              <a:cxnSpLocks/>
+            </p:cNvCxnSpPr>
+            <p:nvPr/>
+          </p:nvCxnSpPr>
+          <p:spPr>
+            <a:xfrm flipV="1">
+              <a:off x="3676476" y="2012932"/>
+              <a:ext cx="0" cy="1699695"/>
+            </a:xfrm>
+            <a:prstGeom prst="straightConnector1">
+              <a:avLst/>
+            </a:prstGeom>
+            <a:ln>
+              <a:tailEnd type="triangle"/>
+            </a:ln>
+          </p:spPr>
+          <p:style>
+            <a:lnRef idx="1">
+              <a:schemeClr val="accent1"/>
+            </a:lnRef>
+            <a:fillRef idx="0">
+              <a:schemeClr val="accent1"/>
+            </a:fillRef>
+            <a:effectRef idx="0">
+              <a:schemeClr val="accent1"/>
+            </a:effectRef>
+            <a:fontRef idx="minor">
+              <a:schemeClr val="tx1"/>
+            </a:fontRef>
+          </p:style>
+        </p:cxnSp>
+        <p:sp>
+          <p:nvSpPr>
+            <p:cNvPr id="18" name="TextBox 17">
+              <a:extLst>
+                <a:ext uri="{FF2B5EF4-FFF2-40B4-BE49-F238E27FC236}">
+                  <a16:creationId xmlns:a16="http://schemas.microsoft.com/office/drawing/2014/main" id="{21B4220E-D3C8-8723-CF83-442E60819D22}"/>
+                </a:ext>
+              </a:extLst>
+            </p:cNvPr>
+            <p:cNvSpPr txBox="1"/>
+            <p:nvPr/>
+          </p:nvSpPr>
+          <p:spPr>
+            <a:xfrm rot="5400000">
+              <a:off x="3762717" y="2882978"/>
+              <a:ext cx="780983" cy="230832"/>
+            </a:xfrm>
+            <a:prstGeom prst="rect">
+              <a:avLst/>
+            </a:prstGeom>
+            <a:noFill/>
+          </p:spPr>
+          <p:txBody>
+            <a:bodyPr wrap="none" rtlCol="0">
+              <a:spAutoFit/>
+            </a:bodyPr>
+            <a:lstStyle/>
+            <a:p>
+              <a:pPr marL="0" marR="0" lvl="0" indent="0" algn="l" defTabSz="914400" rtl="0" eaLnBrk="1" fontAlgn="auto" latinLnBrk="0" hangingPunct="1">
+                <a:lnSpc>
+                  <a:spcPct val="100000"/>
+                </a:lnSpc>
+                <a:spcBef>
+                  <a:spcPts val="0"/>
+                </a:spcBef>
+                <a:spcAft>
+                  <a:spcPts val="0"/>
+                </a:spcAft>
+                <a:buClrTx/>
+                <a:buSzTx/>
+                <a:buFontTx/>
+                <a:buNone/>
+                <a:tabLst/>
+                <a:defRPr/>
+              </a:pPr>
+              <a:r>
+                <a:rPr kumimoji="0" lang="en-US" sz="900" b="1" i="1" u="none" strike="noStrike" kern="1200" cap="none" spc="0" normalizeH="0" baseline="0" noProof="0" dirty="0">
+                  <a:ln>
+                    <a:noFill/>
+                  </a:ln>
+                  <a:solidFill>
+                    <a:srgbClr val="000000"/>
+                  </a:solidFill>
+                  <a:effectLst/>
+                  <a:uLnTx/>
+                  <a:uFillTx/>
+                  <a:latin typeface="Calibri" panose="020F0502020204030204" pitchFamily="34" charset="0"/>
+                  <a:ea typeface="+mn-ea"/>
+                  <a:cs typeface="Calibri" panose="020F0502020204030204" pitchFamily="34" charset="0"/>
+                </a:rPr>
+                <a:t>Notification</a:t>
+              </a:r>
+            </a:p>
+          </p:txBody>
+        </p:sp>
+        <p:sp>
+          <p:nvSpPr>
+            <p:cNvPr id="19" name="TextBox 18">
+              <a:extLst>
+                <a:ext uri="{FF2B5EF4-FFF2-40B4-BE49-F238E27FC236}">
+                  <a16:creationId xmlns:a16="http://schemas.microsoft.com/office/drawing/2014/main" id="{BF2B99CE-7C0C-88CD-2615-BD09044B8000}"/>
+                </a:ext>
+              </a:extLst>
+            </p:cNvPr>
+            <p:cNvSpPr txBox="1"/>
+            <p:nvPr/>
+          </p:nvSpPr>
+          <p:spPr>
+            <a:xfrm rot="5400000">
+              <a:off x="3160185" y="2635423"/>
+              <a:ext cx="1188146" cy="230832"/>
+            </a:xfrm>
+            <a:prstGeom prst="rect">
+              <a:avLst/>
+            </a:prstGeom>
+            <a:noFill/>
+          </p:spPr>
+          <p:txBody>
+            <a:bodyPr wrap="none" rtlCol="0">
+              <a:spAutoFit/>
+            </a:bodyPr>
+            <a:lstStyle/>
+            <a:p>
+              <a:pPr marL="0" marR="0" lvl="0" indent="0" algn="l" defTabSz="914400" rtl="0" eaLnBrk="1" fontAlgn="auto" latinLnBrk="0" hangingPunct="1">
+                <a:lnSpc>
+                  <a:spcPct val="100000"/>
+                </a:lnSpc>
+                <a:spcBef>
+                  <a:spcPts val="0"/>
+                </a:spcBef>
+                <a:spcAft>
+                  <a:spcPts val="0"/>
+                </a:spcAft>
+                <a:buClrTx/>
+                <a:buSzTx/>
+                <a:buFontTx/>
+                <a:buNone/>
+                <a:tabLst/>
+                <a:defRPr/>
+              </a:pPr>
+              <a:r>
+                <a:rPr kumimoji="0" lang="en-US" sz="900" b="1" i="1" u="none" strike="noStrike" kern="1200" cap="none" spc="0" normalizeH="0" baseline="0" noProof="0" dirty="0">
+                  <a:ln>
+                    <a:noFill/>
+                  </a:ln>
+                  <a:solidFill>
+                    <a:srgbClr val="000000"/>
+                  </a:solidFill>
+                  <a:effectLst/>
+                  <a:uLnTx/>
+                  <a:uFillTx/>
+                  <a:latin typeface="Calibri" panose="020F0502020204030204" pitchFamily="34" charset="0"/>
+                  <a:ea typeface="+mn-ea"/>
+                  <a:cs typeface="Calibri" panose="020F0502020204030204" pitchFamily="34" charset="0"/>
+                </a:rPr>
+                <a:t>Notification Creation</a:t>
+              </a:r>
+            </a:p>
+          </p:txBody>
+        </p:sp>
+        <p:cxnSp>
+          <p:nvCxnSpPr>
+            <p:cNvPr id="20" name="Straight Arrow Connector 19">
+              <a:extLst>
+                <a:ext uri="{FF2B5EF4-FFF2-40B4-BE49-F238E27FC236}">
+                  <a16:creationId xmlns:a16="http://schemas.microsoft.com/office/drawing/2014/main" id="{D606A31B-7589-5156-96B7-0973756BA2E7}"/>
+                </a:ext>
+              </a:extLst>
+            </p:cNvPr>
+            <p:cNvCxnSpPr>
+              <a:cxnSpLocks/>
+            </p:cNvCxnSpPr>
+            <p:nvPr/>
+          </p:nvCxnSpPr>
+          <p:spPr>
+            <a:xfrm flipV="1">
+              <a:off x="4844411" y="2021915"/>
+              <a:ext cx="0" cy="1727012"/>
+            </a:xfrm>
+            <a:prstGeom prst="straightConnector1">
+              <a:avLst/>
+            </a:prstGeom>
+            <a:ln>
+              <a:headEnd type="triangle"/>
+              <a:tailEnd type="none"/>
+            </a:ln>
+          </p:spPr>
+          <p:style>
+            <a:lnRef idx="1">
+              <a:schemeClr val="accent1"/>
+            </a:lnRef>
+            <a:fillRef idx="0">
+              <a:schemeClr val="accent1"/>
+            </a:fillRef>
+            <a:effectRef idx="0">
+              <a:schemeClr val="accent1"/>
+            </a:effectRef>
+            <a:fontRef idx="minor">
+              <a:schemeClr val="tx1"/>
+            </a:fontRef>
+          </p:style>
+        </p:cxnSp>
+        <p:sp>
+          <p:nvSpPr>
+            <p:cNvPr id="21" name="TextBox 20">
+              <a:extLst>
+                <a:ext uri="{FF2B5EF4-FFF2-40B4-BE49-F238E27FC236}">
+                  <a16:creationId xmlns:a16="http://schemas.microsoft.com/office/drawing/2014/main" id="{C12DD364-F327-2FED-C7D8-38FF24AAE828}"/>
+                </a:ext>
+              </a:extLst>
+            </p:cNvPr>
+            <p:cNvSpPr txBox="1"/>
+            <p:nvPr/>
+          </p:nvSpPr>
+          <p:spPr>
+            <a:xfrm rot="5400000">
+              <a:off x="4289051" y="2878363"/>
+              <a:ext cx="1279966" cy="230832"/>
+            </a:xfrm>
+            <a:prstGeom prst="rect">
+              <a:avLst/>
+            </a:prstGeom>
+            <a:noFill/>
+          </p:spPr>
+          <p:txBody>
+            <a:bodyPr wrap="square" rtlCol="0">
+              <a:spAutoFit/>
+            </a:bodyPr>
+            <a:lstStyle/>
+            <a:p>
+              <a:pPr marL="0" marR="0" lvl="0" indent="0" algn="l" defTabSz="914400" rtl="0" eaLnBrk="1" fontAlgn="auto" latinLnBrk="0" hangingPunct="1">
+                <a:lnSpc>
+                  <a:spcPct val="100000"/>
+                </a:lnSpc>
+                <a:spcBef>
+                  <a:spcPts val="0"/>
+                </a:spcBef>
+                <a:spcAft>
+                  <a:spcPts val="0"/>
+                </a:spcAft>
+                <a:buClrTx/>
+                <a:buSzTx/>
+                <a:buFontTx/>
+                <a:buNone/>
+                <a:tabLst/>
+                <a:defRPr/>
+              </a:pPr>
+              <a:r>
+                <a:rPr kumimoji="0" lang="en-US" sz="900" b="1" i="1" u="none" strike="noStrike" kern="1200" cap="none" spc="0" normalizeH="0" baseline="0" noProof="0" dirty="0">
+                  <a:ln>
+                    <a:noFill/>
+                  </a:ln>
+                  <a:solidFill>
+                    <a:srgbClr val="000000"/>
+                  </a:solidFill>
+                  <a:effectLst/>
+                  <a:uLnTx/>
+                  <a:uFillTx/>
+                  <a:latin typeface="Calibri" panose="020F0502020204030204" pitchFamily="34" charset="0"/>
+                  <a:ea typeface="+mn-ea"/>
+                  <a:cs typeface="Calibri" panose="020F0502020204030204" pitchFamily="34" charset="0"/>
+                </a:rPr>
+                <a:t>Data Queries Response</a:t>
+              </a:r>
+            </a:p>
+          </p:txBody>
+        </p:sp>
+        <p:sp>
+          <p:nvSpPr>
+            <p:cNvPr id="22" name="Oval 21">
+              <a:extLst>
+                <a:ext uri="{FF2B5EF4-FFF2-40B4-BE49-F238E27FC236}">
+                  <a16:creationId xmlns:a16="http://schemas.microsoft.com/office/drawing/2014/main" id="{5C2697D9-C750-481E-8A3F-446F63F833BE}"/>
+                </a:ext>
+              </a:extLst>
+            </p:cNvPr>
+            <p:cNvSpPr/>
+            <p:nvPr/>
+          </p:nvSpPr>
+          <p:spPr>
+            <a:xfrm>
+              <a:off x="5752975" y="4305226"/>
+              <a:ext cx="485778" cy="264127"/>
+            </a:xfrm>
+            <a:prstGeom prst="ellipse">
+              <a:avLst/>
+            </a:prstGeom>
+            <a:solidFill>
+              <a:srgbClr val="FFFF00"/>
+            </a:solidFill>
+          </p:spPr>
+          <p:style>
+            <a:lnRef idx="2">
+              <a:schemeClr val="accent1">
+                <a:shade val="50000"/>
+              </a:schemeClr>
+            </a:lnRef>
+            <a:fillRef idx="1">
+              <a:schemeClr val="accent1"/>
+            </a:fillRef>
+            <a:effectRef idx="0">
+              <a:schemeClr val="accent1"/>
+            </a:effectRef>
+            <a:fontRef idx="minor">
+              <a:schemeClr val="lt1"/>
+            </a:fontRef>
+          </p:style>
+          <p:txBody>
+            <a:bodyPr rtlCol="0" anchor="ctr"/>
+            <a:lstStyle/>
+            <a:p>
+              <a:pPr marL="0" marR="0" lvl="0" indent="0" algn="ctr" defTabSz="914400" rtl="0" eaLnBrk="1" fontAlgn="auto" latinLnBrk="0" hangingPunct="1">
+                <a:lnSpc>
+                  <a:spcPct val="100000"/>
+                </a:lnSpc>
+                <a:spcBef>
+                  <a:spcPts val="0"/>
+                </a:spcBef>
+                <a:spcAft>
+                  <a:spcPts val="0"/>
+                </a:spcAft>
+                <a:buClrTx/>
+                <a:buSzTx/>
+                <a:buFontTx/>
+                <a:buNone/>
+                <a:tabLst/>
+                <a:defRPr/>
+              </a:pPr>
+              <a:r>
+                <a:rPr kumimoji="0" lang="en-US" sz="1200" b="1" i="0" u="none" strike="noStrike" kern="0" cap="none" spc="0" normalizeH="0" baseline="0" noProof="0" dirty="0">
+                  <a:ln>
+                    <a:noFill/>
+                  </a:ln>
+                  <a:solidFill>
+                    <a:prstClr val="black"/>
+                  </a:solidFill>
+                  <a:effectLst/>
+                  <a:uLnTx/>
+                  <a:uFillTx/>
+                  <a:latin typeface="Calibri" panose="020F0502020204030204" pitchFamily="34" charset="0"/>
+                  <a:ea typeface="+mn-ea"/>
+                  <a:cs typeface="Calibri" panose="020F0502020204030204" pitchFamily="34" charset="0"/>
+                </a:rPr>
+                <a:t>6</a:t>
+              </a:r>
+            </a:p>
+          </p:txBody>
+        </p:sp>
+        <p:sp>
+          <p:nvSpPr>
+            <p:cNvPr id="23" name="Oval 22">
+              <a:extLst>
+                <a:ext uri="{FF2B5EF4-FFF2-40B4-BE49-F238E27FC236}">
+                  <a16:creationId xmlns:a16="http://schemas.microsoft.com/office/drawing/2014/main" id="{E4460F71-1AEE-27B0-2152-02B5E7ED71A7}"/>
+                </a:ext>
+              </a:extLst>
+            </p:cNvPr>
+            <p:cNvSpPr/>
+            <p:nvPr/>
+          </p:nvSpPr>
+          <p:spPr>
+            <a:xfrm>
+              <a:off x="4601820" y="2119360"/>
+              <a:ext cx="485778" cy="264127"/>
+            </a:xfrm>
+            <a:prstGeom prst="ellipse">
+              <a:avLst/>
+            </a:prstGeom>
+            <a:solidFill>
+              <a:srgbClr val="FFFF00"/>
+            </a:solidFill>
+          </p:spPr>
+          <p:style>
+            <a:lnRef idx="2">
+              <a:schemeClr val="accent1">
+                <a:shade val="50000"/>
+              </a:schemeClr>
+            </a:lnRef>
+            <a:fillRef idx="1">
+              <a:schemeClr val="accent1"/>
+            </a:fillRef>
+            <a:effectRef idx="0">
+              <a:schemeClr val="accent1"/>
+            </a:effectRef>
+            <a:fontRef idx="minor">
+              <a:schemeClr val="lt1"/>
+            </a:fontRef>
+          </p:style>
+          <p:txBody>
+            <a:bodyPr rtlCol="0" anchor="ctr"/>
+            <a:lstStyle/>
+            <a:p>
+              <a:pPr marL="0" marR="0" lvl="0" indent="0" algn="ctr" defTabSz="914400" rtl="0" eaLnBrk="1" fontAlgn="auto" latinLnBrk="0" hangingPunct="1">
+                <a:lnSpc>
+                  <a:spcPct val="100000"/>
+                </a:lnSpc>
+                <a:spcBef>
+                  <a:spcPts val="0"/>
+                </a:spcBef>
+                <a:spcAft>
+                  <a:spcPts val="0"/>
+                </a:spcAft>
+                <a:buClrTx/>
+                <a:buSzTx/>
+                <a:buFontTx/>
+                <a:buNone/>
+                <a:tabLst/>
+                <a:defRPr/>
+              </a:pPr>
+              <a:r>
+                <a:rPr kumimoji="0" lang="en-US" sz="1200" b="1" i="0" u="none" strike="noStrike" kern="0" cap="none" spc="0" normalizeH="0" baseline="0" noProof="0" dirty="0">
+                  <a:ln>
+                    <a:noFill/>
+                  </a:ln>
+                  <a:solidFill>
+                    <a:prstClr val="black"/>
+                  </a:solidFill>
+                  <a:effectLst/>
+                  <a:uLnTx/>
+                  <a:uFillTx/>
+                  <a:latin typeface="Calibri" panose="020F0502020204030204" pitchFamily="34" charset="0"/>
+                  <a:ea typeface="+mn-ea"/>
+                  <a:cs typeface="Calibri" panose="020F0502020204030204" pitchFamily="34" charset="0"/>
+                </a:rPr>
+                <a:t>4a</a:t>
+              </a:r>
+            </a:p>
+          </p:txBody>
+        </p:sp>
+        <p:sp>
+          <p:nvSpPr>
+            <p:cNvPr id="24" name="Oval 23">
+              <a:extLst>
+                <a:ext uri="{FF2B5EF4-FFF2-40B4-BE49-F238E27FC236}">
+                  <a16:creationId xmlns:a16="http://schemas.microsoft.com/office/drawing/2014/main" id="{19586BCB-7D85-0739-E097-5042D55B3808}"/>
+                </a:ext>
+              </a:extLst>
+            </p:cNvPr>
+            <p:cNvSpPr/>
+            <p:nvPr/>
+          </p:nvSpPr>
+          <p:spPr>
+            <a:xfrm>
+              <a:off x="4209147" y="3274168"/>
+              <a:ext cx="485778" cy="264127"/>
+            </a:xfrm>
+            <a:prstGeom prst="ellipse">
+              <a:avLst/>
+            </a:prstGeom>
+            <a:solidFill>
+              <a:srgbClr val="FFFF00"/>
+            </a:solidFill>
+          </p:spPr>
+          <p:style>
+            <a:lnRef idx="2">
+              <a:schemeClr val="accent1">
+                <a:shade val="50000"/>
+              </a:schemeClr>
+            </a:lnRef>
+            <a:fillRef idx="1">
+              <a:schemeClr val="accent1"/>
+            </a:fillRef>
+            <a:effectRef idx="0">
+              <a:schemeClr val="accent1"/>
+            </a:effectRef>
+            <a:fontRef idx="minor">
+              <a:schemeClr val="lt1"/>
+            </a:fontRef>
+          </p:style>
+          <p:txBody>
+            <a:bodyPr rtlCol="0" anchor="ctr"/>
+            <a:lstStyle/>
+            <a:p>
+              <a:pPr marL="0" marR="0" lvl="0" indent="0" algn="ctr" defTabSz="914400" rtl="0" eaLnBrk="1" fontAlgn="auto" latinLnBrk="0" hangingPunct="1">
+                <a:lnSpc>
+                  <a:spcPct val="100000"/>
+                </a:lnSpc>
+                <a:spcBef>
+                  <a:spcPts val="0"/>
+                </a:spcBef>
+                <a:spcAft>
+                  <a:spcPts val="0"/>
+                </a:spcAft>
+                <a:buClrTx/>
+                <a:buSzTx/>
+                <a:buFontTx/>
+                <a:buNone/>
+                <a:tabLst/>
+                <a:defRPr/>
+              </a:pPr>
+              <a:r>
+                <a:rPr kumimoji="0" lang="en-US" sz="1200" b="1" i="0" u="none" strike="noStrike" kern="0" cap="none" spc="0" normalizeH="0" baseline="0" noProof="0" dirty="0">
+                  <a:ln>
+                    <a:noFill/>
+                  </a:ln>
+                  <a:solidFill>
+                    <a:prstClr val="black"/>
+                  </a:solidFill>
+                  <a:effectLst/>
+                  <a:uLnTx/>
+                  <a:uFillTx/>
+                  <a:latin typeface="Calibri" panose="020F0502020204030204" pitchFamily="34" charset="0"/>
+                  <a:ea typeface="+mn-ea"/>
+                  <a:cs typeface="Calibri" panose="020F0502020204030204" pitchFamily="34" charset="0"/>
+                </a:rPr>
+                <a:t>4</a:t>
+              </a:r>
+            </a:p>
+          </p:txBody>
+        </p:sp>
+        <p:sp>
+          <p:nvSpPr>
+            <p:cNvPr id="25" name="Oval 24">
+              <a:extLst>
+                <a:ext uri="{FF2B5EF4-FFF2-40B4-BE49-F238E27FC236}">
+                  <a16:creationId xmlns:a16="http://schemas.microsoft.com/office/drawing/2014/main" id="{EBCB66BC-78AA-C23D-B5D5-18B56828AAE5}"/>
+                </a:ext>
+              </a:extLst>
+            </p:cNvPr>
+            <p:cNvSpPr/>
+            <p:nvPr/>
+          </p:nvSpPr>
+          <p:spPr>
+            <a:xfrm>
+              <a:off x="3820097" y="2089271"/>
+              <a:ext cx="485778" cy="264127"/>
+            </a:xfrm>
+            <a:prstGeom prst="ellipse">
+              <a:avLst/>
+            </a:prstGeom>
+            <a:solidFill>
+              <a:srgbClr val="FFFF00"/>
+            </a:solidFill>
+          </p:spPr>
+          <p:style>
+            <a:lnRef idx="2">
+              <a:schemeClr val="accent1">
+                <a:shade val="50000"/>
+              </a:schemeClr>
+            </a:lnRef>
+            <a:fillRef idx="1">
+              <a:schemeClr val="accent1"/>
+            </a:fillRef>
+            <a:effectRef idx="0">
+              <a:schemeClr val="accent1"/>
+            </a:effectRef>
+            <a:fontRef idx="minor">
+              <a:schemeClr val="lt1"/>
+            </a:fontRef>
+          </p:style>
+          <p:txBody>
+            <a:bodyPr rtlCol="0" anchor="ctr"/>
+            <a:lstStyle/>
+            <a:p>
+              <a:pPr marL="0" marR="0" lvl="0" indent="0" algn="ctr" defTabSz="914400" rtl="0" eaLnBrk="1" fontAlgn="auto" latinLnBrk="0" hangingPunct="1">
+                <a:lnSpc>
+                  <a:spcPct val="100000"/>
+                </a:lnSpc>
+                <a:spcBef>
+                  <a:spcPts val="0"/>
+                </a:spcBef>
+                <a:spcAft>
+                  <a:spcPts val="0"/>
+                </a:spcAft>
+                <a:buClrTx/>
+                <a:buSzTx/>
+                <a:buFontTx/>
+                <a:buNone/>
+                <a:tabLst/>
+                <a:defRPr/>
+              </a:pPr>
+              <a:r>
+                <a:rPr kumimoji="0" lang="en-US" sz="1200" b="1" i="0" u="none" strike="noStrike" kern="0" cap="none" spc="0" normalizeH="0" baseline="0" noProof="0" dirty="0">
+                  <a:ln>
+                    <a:noFill/>
+                  </a:ln>
+                  <a:solidFill>
+                    <a:prstClr val="black"/>
+                  </a:solidFill>
+                  <a:effectLst/>
+                  <a:uLnTx/>
+                  <a:uFillTx/>
+                  <a:latin typeface="Calibri" panose="020F0502020204030204" pitchFamily="34" charset="0"/>
+                  <a:ea typeface="+mn-ea"/>
+                  <a:cs typeface="Calibri" panose="020F0502020204030204" pitchFamily="34" charset="0"/>
+                </a:rPr>
+                <a:t>3</a:t>
+              </a:r>
+            </a:p>
+          </p:txBody>
+        </p:sp>
+        <p:sp>
+          <p:nvSpPr>
+            <p:cNvPr id="26" name="Oval 25">
+              <a:extLst>
+                <a:ext uri="{FF2B5EF4-FFF2-40B4-BE49-F238E27FC236}">
+                  <a16:creationId xmlns:a16="http://schemas.microsoft.com/office/drawing/2014/main" id="{6DD42B71-A516-2562-2F7E-666E136CD8BB}"/>
+                </a:ext>
+              </a:extLst>
+            </p:cNvPr>
+            <p:cNvSpPr/>
+            <p:nvPr/>
+          </p:nvSpPr>
+          <p:spPr>
+            <a:xfrm>
+              <a:off x="3460989" y="3283837"/>
+              <a:ext cx="485778" cy="264127"/>
+            </a:xfrm>
+            <a:prstGeom prst="ellipse">
+              <a:avLst/>
+            </a:prstGeom>
+            <a:solidFill>
+              <a:srgbClr val="FFFF00"/>
+            </a:solidFill>
+          </p:spPr>
+          <p:style>
+            <a:lnRef idx="2">
+              <a:schemeClr val="accent1">
+                <a:shade val="50000"/>
+              </a:schemeClr>
+            </a:lnRef>
+            <a:fillRef idx="1">
+              <a:schemeClr val="accent1"/>
+            </a:fillRef>
+            <a:effectRef idx="0">
+              <a:schemeClr val="accent1"/>
+            </a:effectRef>
+            <a:fontRef idx="minor">
+              <a:schemeClr val="lt1"/>
+            </a:fontRef>
+          </p:style>
+          <p:txBody>
+            <a:bodyPr rtlCol="0" anchor="ctr"/>
+            <a:lstStyle/>
+            <a:p>
+              <a:pPr marL="0" marR="0" lvl="0" indent="0" algn="ctr" defTabSz="914400" rtl="0" eaLnBrk="1" fontAlgn="auto" latinLnBrk="0" hangingPunct="1">
+                <a:lnSpc>
+                  <a:spcPct val="100000"/>
+                </a:lnSpc>
+                <a:spcBef>
+                  <a:spcPts val="0"/>
+                </a:spcBef>
+                <a:spcAft>
+                  <a:spcPts val="0"/>
+                </a:spcAft>
+                <a:buClrTx/>
+                <a:buSzTx/>
+                <a:buFontTx/>
+                <a:buNone/>
+                <a:tabLst/>
+                <a:defRPr/>
+              </a:pPr>
+              <a:r>
+                <a:rPr kumimoji="0" lang="en-US" sz="1200" b="1" i="0" u="none" strike="noStrike" kern="0" cap="none" spc="0" normalizeH="0" baseline="0" noProof="0" dirty="0">
+                  <a:ln>
+                    <a:noFill/>
+                  </a:ln>
+                  <a:solidFill>
+                    <a:prstClr val="black"/>
+                  </a:solidFill>
+                  <a:effectLst/>
+                  <a:uLnTx/>
+                  <a:uFillTx/>
+                  <a:latin typeface="Calibri" panose="020F0502020204030204" pitchFamily="34" charset="0"/>
+                  <a:ea typeface="+mn-ea"/>
+                  <a:cs typeface="Calibri" panose="020F0502020204030204" pitchFamily="34" charset="0"/>
+                </a:rPr>
+                <a:t>1</a:t>
+              </a:r>
+            </a:p>
+          </p:txBody>
+        </p:sp>
+        <p:sp>
+          <p:nvSpPr>
+            <p:cNvPr id="27" name="Oval 26">
+              <a:extLst>
+                <a:ext uri="{FF2B5EF4-FFF2-40B4-BE49-F238E27FC236}">
+                  <a16:creationId xmlns:a16="http://schemas.microsoft.com/office/drawing/2014/main" id="{CBCD45DD-7AB5-51B4-5317-E762564A8845}"/>
+                </a:ext>
+              </a:extLst>
+            </p:cNvPr>
+            <p:cNvSpPr/>
+            <p:nvPr/>
+          </p:nvSpPr>
+          <p:spPr>
+            <a:xfrm>
+              <a:off x="2920700" y="1337161"/>
+              <a:ext cx="485778" cy="264127"/>
+            </a:xfrm>
+            <a:prstGeom prst="ellipse">
+              <a:avLst/>
+            </a:prstGeom>
+            <a:solidFill>
+              <a:srgbClr val="FFFF00"/>
+            </a:solidFill>
+          </p:spPr>
+          <p:style>
+            <a:lnRef idx="2">
+              <a:schemeClr val="accent1">
+                <a:shade val="50000"/>
+              </a:schemeClr>
+            </a:lnRef>
+            <a:fillRef idx="1">
+              <a:schemeClr val="accent1"/>
+            </a:fillRef>
+            <a:effectRef idx="0">
+              <a:schemeClr val="accent1"/>
+            </a:effectRef>
+            <a:fontRef idx="minor">
+              <a:schemeClr val="lt1"/>
+            </a:fontRef>
+          </p:style>
+          <p:txBody>
+            <a:bodyPr rtlCol="0" anchor="ctr"/>
+            <a:lstStyle/>
+            <a:p>
+              <a:pPr marL="0" marR="0" lvl="0" indent="0" algn="ctr" defTabSz="914400" rtl="0" eaLnBrk="1" fontAlgn="auto" latinLnBrk="0" hangingPunct="1">
+                <a:lnSpc>
+                  <a:spcPct val="100000"/>
+                </a:lnSpc>
+                <a:spcBef>
+                  <a:spcPts val="0"/>
+                </a:spcBef>
+                <a:spcAft>
+                  <a:spcPts val="0"/>
+                </a:spcAft>
+                <a:buClrTx/>
+                <a:buSzTx/>
+                <a:buFontTx/>
+                <a:buNone/>
+                <a:tabLst/>
+                <a:defRPr/>
+              </a:pPr>
+              <a:r>
+                <a:rPr kumimoji="0" lang="en-US" sz="1200" b="1" i="0" u="none" strike="noStrike" kern="0" cap="none" spc="0" normalizeH="0" baseline="0" noProof="0" dirty="0">
+                  <a:ln>
+                    <a:noFill/>
+                  </a:ln>
+                  <a:solidFill>
+                    <a:prstClr val="black"/>
+                  </a:solidFill>
+                  <a:effectLst/>
+                  <a:uLnTx/>
+                  <a:uFillTx/>
+                  <a:latin typeface="Calibri" panose="020F0502020204030204" pitchFamily="34" charset="0"/>
+                  <a:ea typeface="+mn-ea"/>
+                  <a:cs typeface="Calibri" panose="020F0502020204030204" pitchFamily="34" charset="0"/>
+                </a:rPr>
+                <a:t>2</a:t>
+              </a:r>
+            </a:p>
+          </p:txBody>
+        </p:sp>
+        <p:sp>
+          <p:nvSpPr>
+            <p:cNvPr id="28" name="TextBox 27">
+              <a:extLst>
+                <a:ext uri="{FF2B5EF4-FFF2-40B4-BE49-F238E27FC236}">
+                  <a16:creationId xmlns:a16="http://schemas.microsoft.com/office/drawing/2014/main" id="{D5FDFD5D-D375-9626-87FA-81B8D0619614}"/>
+                </a:ext>
+              </a:extLst>
+            </p:cNvPr>
+            <p:cNvSpPr txBox="1"/>
+            <p:nvPr/>
+          </p:nvSpPr>
+          <p:spPr>
+            <a:xfrm rot="5400000">
+              <a:off x="4098770" y="2820074"/>
+              <a:ext cx="835485" cy="230832"/>
+            </a:xfrm>
+            <a:prstGeom prst="rect">
+              <a:avLst/>
+            </a:prstGeom>
+            <a:noFill/>
+          </p:spPr>
+          <p:txBody>
+            <a:bodyPr wrap="none" rtlCol="0">
+              <a:spAutoFit/>
+            </a:bodyPr>
+            <a:lstStyle/>
+            <a:p>
+              <a:pPr marL="0" marR="0" lvl="0" indent="0" algn="l" defTabSz="914400" rtl="0" eaLnBrk="1" fontAlgn="auto" latinLnBrk="0" hangingPunct="1">
+                <a:lnSpc>
+                  <a:spcPct val="100000"/>
+                </a:lnSpc>
+                <a:spcBef>
+                  <a:spcPts val="0"/>
+                </a:spcBef>
+                <a:spcAft>
+                  <a:spcPts val="0"/>
+                </a:spcAft>
+                <a:buClrTx/>
+                <a:buSzTx/>
+                <a:buFontTx/>
+                <a:buNone/>
+                <a:tabLst/>
+                <a:defRPr/>
+              </a:pPr>
+              <a:r>
+                <a:rPr kumimoji="0" lang="en-US" sz="900" b="1" i="1" u="none" strike="noStrike" kern="1200" cap="none" spc="0" normalizeH="0" baseline="0" noProof="0" dirty="0">
+                  <a:ln>
+                    <a:noFill/>
+                  </a:ln>
+                  <a:solidFill>
+                    <a:srgbClr val="000000"/>
+                  </a:solidFill>
+                  <a:effectLst/>
+                  <a:uLnTx/>
+                  <a:uFillTx/>
+                  <a:latin typeface="Calibri" panose="020F0502020204030204" pitchFamily="34" charset="0"/>
+                  <a:ea typeface="+mn-ea"/>
+                  <a:cs typeface="Calibri" panose="020F0502020204030204" pitchFamily="34" charset="0"/>
+                </a:rPr>
+                <a:t>Data Queries</a:t>
+              </a:r>
+            </a:p>
+          </p:txBody>
+        </p:sp>
+        <p:sp>
+          <p:nvSpPr>
+            <p:cNvPr id="29" name="Rectangle 28">
+              <a:extLst>
+                <a:ext uri="{FF2B5EF4-FFF2-40B4-BE49-F238E27FC236}">
+                  <a16:creationId xmlns:a16="http://schemas.microsoft.com/office/drawing/2014/main" id="{90BFAD77-E439-9DD2-9723-4BBDFEB9ED9B}"/>
+                </a:ext>
+              </a:extLst>
+            </p:cNvPr>
+            <p:cNvSpPr/>
+            <p:nvPr/>
+          </p:nvSpPr>
+          <p:spPr>
+            <a:xfrm>
+              <a:off x="6964024" y="1761377"/>
+              <a:ext cx="1810916" cy="3242754"/>
+            </a:xfrm>
+            <a:prstGeom prst="rect">
+              <a:avLst/>
+            </a:prstGeom>
+            <a:noFill/>
+            <a:ln>
+              <a:solidFill>
+                <a:srgbClr val="FF0000"/>
+              </a:solidFill>
+              <a:prstDash val="sysDash"/>
+            </a:ln>
+          </p:spPr>
+          <p:style>
+            <a:lnRef idx="2">
+              <a:schemeClr val="accent1">
+                <a:shade val="50000"/>
+              </a:schemeClr>
+            </a:lnRef>
+            <a:fillRef idx="1">
+              <a:schemeClr val="accent1"/>
+            </a:fillRef>
+            <a:effectRef idx="0">
+              <a:schemeClr val="accent1"/>
+            </a:effectRef>
+            <a:fontRef idx="minor">
+              <a:schemeClr val="lt1"/>
+            </a:fontRef>
+          </p:style>
+          <p:txBody>
+            <a:bodyPr rtlCol="0" anchor="ctr"/>
+            <a:lstStyle/>
+            <a:p>
+              <a:pPr marL="0" marR="0" lvl="0" indent="0" algn="ctr" defTabSz="914400" rtl="0" eaLnBrk="1" fontAlgn="auto" latinLnBrk="0" hangingPunct="1">
+                <a:lnSpc>
+                  <a:spcPct val="100000"/>
+                </a:lnSpc>
+                <a:spcBef>
+                  <a:spcPts val="0"/>
+                </a:spcBef>
+                <a:spcAft>
+                  <a:spcPts val="0"/>
+                </a:spcAft>
+                <a:buClrTx/>
+                <a:buSzTx/>
+                <a:buFontTx/>
+                <a:buNone/>
+                <a:tabLst/>
+                <a:defRPr/>
+              </a:pPr>
+              <a:endParaRPr kumimoji="0" lang="en-US" sz="1800" b="0" i="0" u="none" strike="noStrike" kern="1200" cap="none" spc="0" normalizeH="0" baseline="0" noProof="0">
+                <a:ln>
+                  <a:noFill/>
+                </a:ln>
+                <a:solidFill>
+                  <a:prstClr val="white"/>
+                </a:solidFill>
+                <a:effectLst/>
+                <a:uLnTx/>
+                <a:uFillTx/>
+                <a:latin typeface="Calibri" panose="020F0502020204030204" pitchFamily="34" charset="0"/>
+                <a:ea typeface="+mn-ea"/>
+                <a:cs typeface="Calibri" panose="020F0502020204030204" pitchFamily="34" charset="0"/>
+              </a:endParaRPr>
+            </a:p>
+          </p:txBody>
+        </p:sp>
+        <p:sp>
+          <p:nvSpPr>
+            <p:cNvPr id="30" name="TextBox 29">
+              <a:extLst>
+                <a:ext uri="{FF2B5EF4-FFF2-40B4-BE49-F238E27FC236}">
+                  <a16:creationId xmlns:a16="http://schemas.microsoft.com/office/drawing/2014/main" id="{0DC81E4A-5DCD-CCDF-2B0E-350978D47679}"/>
+                </a:ext>
+              </a:extLst>
+            </p:cNvPr>
+            <p:cNvSpPr txBox="1"/>
+            <p:nvPr/>
+          </p:nvSpPr>
+          <p:spPr>
+            <a:xfrm>
+              <a:off x="7132299" y="4762884"/>
+              <a:ext cx="1596784" cy="230832"/>
+            </a:xfrm>
+            <a:prstGeom prst="rect">
+              <a:avLst/>
+            </a:prstGeom>
+            <a:noFill/>
+          </p:spPr>
+          <p:txBody>
+            <a:bodyPr wrap="square" rtlCol="0">
+              <a:spAutoFit/>
+            </a:bodyPr>
+            <a:lstStyle/>
+            <a:p>
+              <a:pPr marL="0" marR="0" lvl="0" indent="0" algn="l" defTabSz="914400" rtl="0" eaLnBrk="1" fontAlgn="auto" latinLnBrk="0" hangingPunct="1">
+                <a:lnSpc>
+                  <a:spcPct val="100000"/>
+                </a:lnSpc>
+                <a:spcBef>
+                  <a:spcPts val="0"/>
+                </a:spcBef>
+                <a:spcAft>
+                  <a:spcPts val="0"/>
+                </a:spcAft>
+                <a:buClrTx/>
+                <a:buSzTx/>
+                <a:buFontTx/>
+                <a:buNone/>
+                <a:tabLst/>
+                <a:defRPr/>
+              </a:pPr>
+              <a:r>
+                <a:rPr kumimoji="0" lang="en-US" sz="900" b="1" i="0" u="none" strike="noStrike" kern="1200" cap="none" spc="0" normalizeH="0" baseline="0" noProof="0" dirty="0">
+                  <a:ln>
+                    <a:noFill/>
+                  </a:ln>
+                  <a:solidFill>
+                    <a:srgbClr val="FF0000"/>
+                  </a:solidFill>
+                  <a:effectLst/>
+                  <a:uLnTx/>
+                  <a:uFillTx/>
+                  <a:latin typeface="Calibri" panose="020F0502020204030204" pitchFamily="34" charset="0"/>
+                  <a:ea typeface="+mn-ea"/>
+                  <a:cs typeface="Calibri" panose="020F0502020204030204" pitchFamily="34" charset="0"/>
+                </a:rPr>
+                <a:t>Data Receiver Organization</a:t>
+              </a:r>
+            </a:p>
+          </p:txBody>
+        </p:sp>
+        <p:sp>
+          <p:nvSpPr>
+            <p:cNvPr id="33" name="TextBox 32">
+              <a:extLst>
+                <a:ext uri="{FF2B5EF4-FFF2-40B4-BE49-F238E27FC236}">
+                  <a16:creationId xmlns:a16="http://schemas.microsoft.com/office/drawing/2014/main" id="{F2084574-2899-DDC9-CAE4-1AA9618A4C5B}"/>
+                </a:ext>
+              </a:extLst>
+            </p:cNvPr>
+            <p:cNvSpPr txBox="1"/>
+            <p:nvPr/>
+          </p:nvSpPr>
+          <p:spPr>
+            <a:xfrm>
+              <a:off x="3305175" y="4908497"/>
+              <a:ext cx="1000700" cy="369332"/>
+            </a:xfrm>
+            <a:prstGeom prst="rect">
+              <a:avLst/>
+            </a:prstGeom>
+            <a:noFill/>
+          </p:spPr>
+          <p:txBody>
+            <a:bodyPr wrap="square" rtlCol="0">
+              <a:spAutoFit/>
+            </a:bodyPr>
+            <a:lstStyle/>
+            <a:p>
+              <a:pPr marL="0" marR="0" lvl="0" indent="0" algn="l" defTabSz="914400" rtl="0" eaLnBrk="1" fontAlgn="auto" latinLnBrk="0" hangingPunct="1">
+                <a:lnSpc>
+                  <a:spcPct val="100000"/>
+                </a:lnSpc>
+                <a:spcBef>
+                  <a:spcPts val="0"/>
+                </a:spcBef>
+                <a:spcAft>
+                  <a:spcPts val="0"/>
+                </a:spcAft>
+                <a:buClrTx/>
+                <a:buSzTx/>
+                <a:buFontTx/>
+                <a:buNone/>
+                <a:tabLst/>
+                <a:defRPr/>
+              </a:pPr>
+              <a:r>
+                <a:rPr kumimoji="0" lang="en-US" sz="900" b="1" i="1" u="none" strike="noStrike" kern="1200" cap="none" spc="0" normalizeH="0" baseline="0" noProof="0" dirty="0">
+                  <a:ln>
+                    <a:noFill/>
+                  </a:ln>
+                  <a:solidFill>
+                    <a:prstClr val="black"/>
+                  </a:solidFill>
+                  <a:effectLst/>
+                  <a:uLnTx/>
+                  <a:uFillTx/>
+                  <a:latin typeface="Calibri" panose="020F0502020204030204" pitchFamily="34" charset="0"/>
+                  <a:ea typeface="+mn-ea"/>
+                  <a:cs typeface="Calibri" panose="020F0502020204030204" pitchFamily="34" charset="0"/>
+                </a:rPr>
+                <a:t>Evaluate Data /</a:t>
+              </a:r>
+            </a:p>
+            <a:p>
+              <a:pPr marL="0" marR="0" lvl="0" indent="0" algn="l" defTabSz="914400" rtl="0" eaLnBrk="1" fontAlgn="auto" latinLnBrk="0" hangingPunct="1">
+                <a:lnSpc>
+                  <a:spcPct val="100000"/>
+                </a:lnSpc>
+                <a:spcBef>
+                  <a:spcPts val="0"/>
+                </a:spcBef>
+                <a:spcAft>
+                  <a:spcPts val="0"/>
+                </a:spcAft>
+                <a:buClrTx/>
+                <a:buSzTx/>
+                <a:buFontTx/>
+                <a:buNone/>
+                <a:tabLst/>
+                <a:defRPr/>
+              </a:pPr>
+              <a:r>
+                <a:rPr kumimoji="0" lang="en-US" sz="900" b="1" i="1" u="none" strike="noStrike" kern="1200" cap="none" spc="0" normalizeH="0" baseline="0" noProof="0" dirty="0">
+                  <a:ln>
+                    <a:noFill/>
+                  </a:ln>
+                  <a:solidFill>
+                    <a:prstClr val="black"/>
+                  </a:solidFill>
+                  <a:effectLst/>
+                  <a:uLnTx/>
+                  <a:uFillTx/>
+                  <a:latin typeface="Calibri" panose="020F0502020204030204" pitchFamily="34" charset="0"/>
+                  <a:ea typeface="+mn-ea"/>
+                  <a:cs typeface="Calibri" panose="020F0502020204030204" pitchFamily="34" charset="0"/>
+                </a:rPr>
+                <a:t>Create Report</a:t>
+              </a:r>
+            </a:p>
+          </p:txBody>
+        </p:sp>
+        <p:cxnSp>
+          <p:nvCxnSpPr>
+            <p:cNvPr id="3" name="Connector: Elbow 2">
+              <a:extLst>
+                <a:ext uri="{FF2B5EF4-FFF2-40B4-BE49-F238E27FC236}">
+                  <a16:creationId xmlns:a16="http://schemas.microsoft.com/office/drawing/2014/main" id="{2ACBCCC2-3471-4FBB-47FF-D759A49F9B89}"/>
+                </a:ext>
+              </a:extLst>
+            </p:cNvPr>
+            <p:cNvCxnSpPr>
+              <a:cxnSpLocks/>
+            </p:cNvCxnSpPr>
+            <p:nvPr/>
+          </p:nvCxnSpPr>
+          <p:spPr>
+            <a:xfrm>
+              <a:off x="4261092" y="4859058"/>
+              <a:ext cx="564267" cy="12700"/>
+            </a:xfrm>
+            <a:prstGeom prst="bentConnector4">
+              <a:avLst>
+                <a:gd name="adj1" fmla="val -14635"/>
+                <a:gd name="adj2" fmla="val 4500000"/>
+              </a:avLst>
+            </a:prstGeom>
+            <a:ln>
+              <a:tailEnd type="triangle"/>
+            </a:ln>
+          </p:spPr>
+          <p:style>
+            <a:lnRef idx="1">
+              <a:schemeClr val="accent1"/>
+            </a:lnRef>
+            <a:fillRef idx="0">
+              <a:schemeClr val="accent1"/>
+            </a:fillRef>
+            <a:effectRef idx="0">
+              <a:schemeClr val="accent1"/>
+            </a:effectRef>
+            <a:fontRef idx="minor">
+              <a:schemeClr val="tx1"/>
+            </a:fontRef>
+          </p:style>
+        </p:cxnSp>
+        <p:sp>
+          <p:nvSpPr>
+            <p:cNvPr id="32" name="Oval 31">
+              <a:extLst>
+                <a:ext uri="{FF2B5EF4-FFF2-40B4-BE49-F238E27FC236}">
+                  <a16:creationId xmlns:a16="http://schemas.microsoft.com/office/drawing/2014/main" id="{AAB2D476-0F8E-9865-E12A-F6D2D6C8EF79}"/>
+                </a:ext>
+              </a:extLst>
+            </p:cNvPr>
+            <p:cNvSpPr/>
+            <p:nvPr/>
+          </p:nvSpPr>
+          <p:spPr>
+            <a:xfrm>
+              <a:off x="4582470" y="4998528"/>
+              <a:ext cx="485778" cy="264127"/>
+            </a:xfrm>
+            <a:prstGeom prst="ellipse">
+              <a:avLst/>
+            </a:prstGeom>
+            <a:solidFill>
+              <a:srgbClr val="FFFF00"/>
+            </a:solidFill>
+          </p:spPr>
+          <p:style>
+            <a:lnRef idx="2">
+              <a:schemeClr val="accent1">
+                <a:shade val="50000"/>
+              </a:schemeClr>
+            </a:lnRef>
+            <a:fillRef idx="1">
+              <a:schemeClr val="accent1"/>
+            </a:fillRef>
+            <a:effectRef idx="0">
+              <a:schemeClr val="accent1"/>
+            </a:effectRef>
+            <a:fontRef idx="minor">
+              <a:schemeClr val="lt1"/>
+            </a:fontRef>
+          </p:style>
+          <p:txBody>
+            <a:bodyPr rtlCol="0" anchor="ctr"/>
+            <a:lstStyle/>
+            <a:p>
+              <a:pPr marL="0" marR="0" lvl="0" indent="0" algn="ctr" defTabSz="914400" rtl="0" eaLnBrk="1" fontAlgn="auto" latinLnBrk="0" hangingPunct="1">
+                <a:lnSpc>
+                  <a:spcPct val="100000"/>
+                </a:lnSpc>
+                <a:spcBef>
+                  <a:spcPts val="0"/>
+                </a:spcBef>
+                <a:spcAft>
+                  <a:spcPts val="0"/>
+                </a:spcAft>
+                <a:buClrTx/>
+                <a:buSzTx/>
+                <a:buFontTx/>
+                <a:buNone/>
+                <a:tabLst/>
+                <a:defRPr/>
+              </a:pPr>
+              <a:r>
+                <a:rPr kumimoji="0" lang="en-US" sz="1200" b="1" i="0" u="none" strike="noStrike" kern="0" cap="none" spc="0" normalizeH="0" baseline="0" noProof="0" dirty="0">
+                  <a:ln>
+                    <a:noFill/>
+                  </a:ln>
+                  <a:solidFill>
+                    <a:prstClr val="black"/>
+                  </a:solidFill>
+                  <a:effectLst/>
+                  <a:uLnTx/>
+                  <a:uFillTx/>
+                  <a:latin typeface="Calibri" panose="020F0502020204030204" pitchFamily="34" charset="0"/>
+                  <a:ea typeface="+mn-ea"/>
+                  <a:cs typeface="Calibri" panose="020F0502020204030204" pitchFamily="34" charset="0"/>
+                </a:rPr>
+                <a:t>5</a:t>
+              </a:r>
+            </a:p>
+          </p:txBody>
+        </p:sp>
+      </p:grpSp>
+    </p:spTree>
+    <p:extLst>
+      <p:ext uri="{BB962C8B-B14F-4D97-AF65-F5344CB8AC3E}">
+        <p14:creationId xmlns:p14="http://schemas.microsoft.com/office/powerpoint/2010/main" val="2660909587"/>
+      </p:ext>
+    </p:extLst>
+  </p:cSld>
+  <p:clrMapOvr>
+    <a:masterClrMapping/>
+  </p:clrMapOvr>
+</p:sld>
+</file>
+
+<file path=ppt/slides/slide3.xml><?xml version="1.0" encoding="utf-8"?>
+<p:sld xmlns:a="http://schemas.openxmlformats.org/drawingml/2006/main" xmlns:r="http://schemas.openxmlformats.org/officeDocument/2006/relationships" xmlns:p="http://schemas.openxmlformats.org/presentationml/2006/main">
+  <p:cSld>
+    <p:spTree>
+      <p:nvGrpSpPr>
+        <p:cNvPr id="1" name=""/>
+        <p:cNvGrpSpPr/>
+        <p:nvPr/>
+      </p:nvGrpSpPr>
+      <p:grpSpPr>
+        <a:xfrm>
+          <a:off x="0" y="0"/>
+          <a:ext cx="0" cy="0"/>
+          <a:chOff x="0" y="0"/>
+          <a:chExt cx="0" cy="0"/>
+        </a:xfrm>
+      </p:grpSpPr>
+      <p:grpSp>
+        <p:nvGrpSpPr>
+          <p:cNvPr id="25" name="Group 24">
+            <a:extLst>
+              <a:ext uri="{FF2B5EF4-FFF2-40B4-BE49-F238E27FC236}">
+                <a16:creationId xmlns:a16="http://schemas.microsoft.com/office/drawing/2014/main" id="{8F129DA2-A0D2-5C58-3938-BDF7E7BD11E3}"/>
+              </a:ext>
+            </a:extLst>
+          </p:cNvPr>
+          <p:cNvGrpSpPr/>
+          <p:nvPr/>
+        </p:nvGrpSpPr>
+        <p:grpSpPr>
+          <a:xfrm>
+            <a:off x="1567071" y="910440"/>
+            <a:ext cx="7280317" cy="4587406"/>
+            <a:chOff x="1567071" y="910440"/>
+            <a:chExt cx="7280317" cy="4587406"/>
+          </a:xfrm>
+        </p:grpSpPr>
+        <p:sp>
+          <p:nvSpPr>
+            <p:cNvPr id="3" name="Rectangle 2">
+              <a:extLst>
+                <a:ext uri="{FF2B5EF4-FFF2-40B4-BE49-F238E27FC236}">
+                  <a16:creationId xmlns:a16="http://schemas.microsoft.com/office/drawing/2014/main" id="{B213321C-B915-7050-17D5-DDD9757B9328}"/>
+                </a:ext>
+              </a:extLst>
+            </p:cNvPr>
+            <p:cNvSpPr/>
+            <p:nvPr/>
+          </p:nvSpPr>
+          <p:spPr>
+            <a:xfrm>
+              <a:off x="1567071" y="910440"/>
+              <a:ext cx="4479307" cy="4587406"/>
+            </a:xfrm>
+            <a:prstGeom prst="rect">
+              <a:avLst/>
+            </a:prstGeom>
+            <a:solidFill>
+              <a:schemeClr val="bg1"/>
+            </a:solidFill>
+            <a:ln>
+              <a:solidFill>
+                <a:srgbClr val="FF0000"/>
+              </a:solidFill>
+              <a:prstDash val="sysDash"/>
+            </a:ln>
+          </p:spPr>
+          <p:style>
+            <a:lnRef idx="2">
+              <a:schemeClr val="accent1">
+                <a:shade val="50000"/>
+              </a:schemeClr>
+            </a:lnRef>
+            <a:fillRef idx="1">
+              <a:schemeClr val="accent1"/>
+            </a:fillRef>
+            <a:effectRef idx="0">
+              <a:schemeClr val="accent1"/>
+            </a:effectRef>
+            <a:fontRef idx="minor">
+              <a:schemeClr val="lt1"/>
+            </a:fontRef>
+          </p:style>
+          <p:txBody>
+            <a:bodyPr rtlCol="0" anchor="ctr"/>
+            <a:lstStyle/>
+            <a:p>
+              <a:pPr marL="0" marR="0" lvl="0" indent="0" algn="ctr" defTabSz="914400" rtl="0" eaLnBrk="1" fontAlgn="auto" latinLnBrk="0" hangingPunct="1">
+                <a:lnSpc>
+                  <a:spcPct val="100000"/>
+                </a:lnSpc>
+                <a:spcBef>
+                  <a:spcPts val="0"/>
+                </a:spcBef>
+                <a:spcAft>
+                  <a:spcPts val="0"/>
+                </a:spcAft>
+                <a:buClrTx/>
+                <a:buSzTx/>
+                <a:buFontTx/>
+                <a:buNone/>
+                <a:tabLst/>
+                <a:defRPr/>
+              </a:pPr>
+              <a:endParaRPr kumimoji="0" lang="en-US" sz="1800" b="0" i="0" u="none" strike="noStrike" kern="1200" cap="none" spc="0" normalizeH="0" baseline="0" noProof="0">
+                <a:ln>
+                  <a:noFill/>
+                </a:ln>
+                <a:solidFill>
+                  <a:prstClr val="white"/>
+                </a:solidFill>
+                <a:effectLst/>
+                <a:uLnTx/>
+                <a:uFillTx/>
+                <a:latin typeface="Calibri" panose="020F0502020204030204" pitchFamily="34" charset="0"/>
+                <a:ea typeface="+mn-ea"/>
+                <a:cs typeface="Calibri" panose="020F0502020204030204" pitchFamily="34" charset="0"/>
+              </a:endParaRPr>
+            </a:p>
+          </p:txBody>
+        </p:sp>
+        <p:sp>
+          <p:nvSpPr>
+            <p:cNvPr id="4" name="Rectangle 3">
+              <a:extLst>
+                <a:ext uri="{FF2B5EF4-FFF2-40B4-BE49-F238E27FC236}">
+                  <a16:creationId xmlns:a16="http://schemas.microsoft.com/office/drawing/2014/main" id="{0A57CC71-B787-3001-9299-AEE495EAD8DB}"/>
+                </a:ext>
+              </a:extLst>
+            </p:cNvPr>
+            <p:cNvSpPr/>
+            <p:nvPr/>
+          </p:nvSpPr>
+          <p:spPr>
+            <a:xfrm>
+              <a:off x="3476932" y="981904"/>
+              <a:ext cx="2355078" cy="4050443"/>
+            </a:xfrm>
+            <a:prstGeom prst="rect">
+              <a:avLst/>
+            </a:prstGeom>
+            <a:solidFill>
+              <a:schemeClr val="tx2">
+                <a:lumMod val="20000"/>
+                <a:lumOff val="80000"/>
+              </a:schemeClr>
+            </a:solidFill>
+          </p:spPr>
+          <p:style>
+            <a:lnRef idx="2">
+              <a:schemeClr val="accent1">
+                <a:shade val="50000"/>
+              </a:schemeClr>
+            </a:lnRef>
+            <a:fillRef idx="1">
+              <a:schemeClr val="accent1"/>
+            </a:fillRef>
+            <a:effectRef idx="0">
+              <a:schemeClr val="accent1"/>
+            </a:effectRef>
+            <a:fontRef idx="minor">
+              <a:schemeClr val="lt1"/>
+            </a:fontRef>
+          </p:style>
+          <p:txBody>
+            <a:bodyPr tIns="1097280" rtlCol="0" anchor="t" anchorCtr="0"/>
+            <a:lstStyle/>
+            <a:p>
+              <a:pPr marL="0" marR="0" lvl="0" indent="0" algn="ctr" defTabSz="914400" rtl="0" eaLnBrk="1" fontAlgn="auto" latinLnBrk="0" hangingPunct="1">
+                <a:lnSpc>
+                  <a:spcPct val="100000"/>
+                </a:lnSpc>
+                <a:spcBef>
+                  <a:spcPts val="0"/>
+                </a:spcBef>
+                <a:spcAft>
+                  <a:spcPts val="0"/>
+                </a:spcAft>
+                <a:buClrTx/>
+                <a:buSzTx/>
+                <a:buFontTx/>
+                <a:buNone/>
+                <a:tabLst/>
+                <a:defRPr/>
+              </a:pPr>
+              <a:r>
+                <a:rPr kumimoji="0" lang="en-US" sz="1400" b="1" i="0" u="none" strike="noStrike" kern="1200" cap="none" spc="0" normalizeH="0" baseline="0" noProof="0" dirty="0">
+                  <a:ln>
+                    <a:noFill/>
+                  </a:ln>
+                  <a:solidFill>
+                    <a:prstClr val="black"/>
+                  </a:solidFill>
+                  <a:effectLst/>
+                  <a:uLnTx/>
+                  <a:uFillTx/>
+                  <a:latin typeface="Calibri" panose="020F0502020204030204" pitchFamily="34" charset="0"/>
+                  <a:ea typeface="+mn-ea"/>
+                  <a:cs typeface="Calibri" panose="020F0502020204030204" pitchFamily="34" charset="0"/>
+                </a:rPr>
+                <a:t>Data Source </a:t>
+              </a:r>
+            </a:p>
+            <a:p>
+              <a:pPr marL="0" marR="0" lvl="0" indent="0" algn="ctr" defTabSz="914400" rtl="0" eaLnBrk="1" fontAlgn="auto" latinLnBrk="0" hangingPunct="1">
+                <a:lnSpc>
+                  <a:spcPct val="100000"/>
+                </a:lnSpc>
+                <a:spcBef>
+                  <a:spcPts val="0"/>
+                </a:spcBef>
+                <a:spcAft>
+                  <a:spcPts val="0"/>
+                </a:spcAft>
+                <a:buClrTx/>
+                <a:buSzTx/>
+                <a:buFontTx/>
+                <a:buNone/>
+                <a:tabLst/>
+                <a:defRPr/>
+              </a:pPr>
+              <a:r>
+                <a:rPr kumimoji="0" lang="en-US" sz="1400" b="0" i="0" u="none" strike="noStrike" kern="1200" cap="none" spc="0" normalizeH="0" baseline="0" noProof="0" dirty="0">
+                  <a:ln>
+                    <a:noFill/>
+                  </a:ln>
+                  <a:solidFill>
+                    <a:prstClr val="black"/>
+                  </a:solidFill>
+                  <a:effectLst/>
+                  <a:uLnTx/>
+                  <a:uFillTx/>
+                  <a:latin typeface="Calibri" panose="020F0502020204030204" pitchFamily="34" charset="0"/>
+                  <a:ea typeface="+mn-ea"/>
+                  <a:cs typeface="Calibri" panose="020F0502020204030204" pitchFamily="34" charset="0"/>
+                </a:rPr>
+                <a:t>(e.g., EHR, HIE)</a:t>
+              </a:r>
+              <a:r>
+                <a:rPr kumimoji="0" lang="en-US" sz="1400" b="0" i="0" u="none" strike="noStrike" kern="1200" cap="none" spc="0" normalizeH="0" baseline="0" noProof="0" dirty="0">
+                  <a:ln>
+                    <a:noFill/>
+                  </a:ln>
+                  <a:solidFill>
+                    <a:srgbClr val="FF0000"/>
+                  </a:solidFill>
+                  <a:effectLst/>
+                  <a:uLnTx/>
+                  <a:uFillTx/>
+                  <a:latin typeface="Calibri" panose="020F0502020204030204" pitchFamily="34" charset="0"/>
+                  <a:ea typeface="+mn-ea"/>
+                  <a:cs typeface="Calibri" panose="020F0502020204030204" pitchFamily="34" charset="0"/>
+                </a:rPr>
+                <a:t> </a:t>
+              </a:r>
+            </a:p>
+          </p:txBody>
+        </p:sp>
+        <p:pic>
+          <p:nvPicPr>
+            <p:cNvPr id="5" name="Picture 11">
+              <a:extLst>
+                <a:ext uri="{FF2B5EF4-FFF2-40B4-BE49-F238E27FC236}">
+                  <a16:creationId xmlns:a16="http://schemas.microsoft.com/office/drawing/2014/main" id="{1ECC4400-A842-BB98-02D7-0C4663274370}"/>
+                </a:ext>
+              </a:extLst>
+            </p:cNvPr>
+            <p:cNvPicPr>
+              <a:picLocks noChangeAspect="1" noChangeArrowheads="1"/>
+            </p:cNvPicPr>
+            <p:nvPr/>
+          </p:nvPicPr>
+          <p:blipFill>
+            <a:blip r:embed="rId3" cstate="print">
+              <a:extLst>
+                <a:ext uri="{28A0092B-C50C-407E-A947-70E740481C1C}">
+                  <a14:useLocalDpi xmlns:a14="http://schemas.microsoft.com/office/drawing/2010/main" val="0"/>
+                </a:ext>
+              </a:extLst>
+            </a:blip>
+            <a:srcRect/>
+            <a:stretch>
+              <a:fillRect/>
+            </a:stretch>
+          </p:blipFill>
+          <p:spPr bwMode="auto">
+            <a:xfrm>
+              <a:off x="1702265" y="1170588"/>
+              <a:ext cx="1017213" cy="682787"/>
+            </a:xfrm>
+            <a:prstGeom prst="rect">
+              <a:avLst/>
+            </a:prstGeom>
+            <a:noFill/>
+            <a:ln>
+              <a:noFill/>
+            </a:ln>
+            <a:extLst>
+              <a:ext uri="{909E8E84-426E-40dd-AFC4-6F175D3DCCD1}">
+                <a14:hiddenFill xmlns:a14="http://schemas.microsoft.com/office/drawing/2010/main" xmlns="">
+                  <a:solidFill>
+                    <a:schemeClr val="accent1"/>
+                  </a:solidFill>
+                </a14:hiddenFill>
+              </a:ext>
+              <a:ext uri="{91240B29-F687-4f45-9708-019B960494DF}">
+                <a14:hiddenLine xmlns:a14="http://schemas.microsoft.com/office/drawing/2010/main" xmlns="" w="9525">
+                  <a:solidFill>
+                    <a:schemeClr val="tx1"/>
+                  </a:solidFill>
+                  <a:miter lim="800000"/>
+                  <a:headEnd/>
+                  <a:tailEnd/>
+                </a14:hiddenLine>
+              </a:ext>
+            </a:extLst>
+          </p:spPr>
+        </p:pic>
+        <p:sp>
+          <p:nvSpPr>
+            <p:cNvPr id="6" name="TextBox 5">
+              <a:extLst>
+                <a:ext uri="{FF2B5EF4-FFF2-40B4-BE49-F238E27FC236}">
+                  <a16:creationId xmlns:a16="http://schemas.microsoft.com/office/drawing/2014/main" id="{26C29396-F580-31B3-A650-80CBD1ADF5E6}"/>
+                </a:ext>
+              </a:extLst>
+            </p:cNvPr>
+            <p:cNvSpPr txBox="1"/>
+            <p:nvPr/>
+          </p:nvSpPr>
+          <p:spPr>
+            <a:xfrm>
+              <a:off x="1726177" y="1882187"/>
+              <a:ext cx="587020" cy="230832"/>
+            </a:xfrm>
+            <a:prstGeom prst="rect">
+              <a:avLst/>
+            </a:prstGeom>
+            <a:noFill/>
+          </p:spPr>
+          <p:txBody>
+            <a:bodyPr wrap="none" rtlCol="0">
+              <a:spAutoFit/>
+            </a:bodyPr>
+            <a:lstStyle/>
+            <a:p>
+              <a:pPr marL="0" marR="0" lvl="0" indent="0" algn="l" defTabSz="914400" rtl="0" eaLnBrk="1" fontAlgn="auto" latinLnBrk="0" hangingPunct="1">
+                <a:lnSpc>
+                  <a:spcPct val="100000"/>
+                </a:lnSpc>
+                <a:spcBef>
+                  <a:spcPts val="0"/>
+                </a:spcBef>
+                <a:spcAft>
+                  <a:spcPts val="0"/>
+                </a:spcAft>
+                <a:buClrTx/>
+                <a:buSzTx/>
+                <a:buFontTx/>
+                <a:buNone/>
+                <a:tabLst/>
+                <a:defRPr/>
+              </a:pPr>
+              <a:r>
+                <a:rPr kumimoji="0" lang="en-US" sz="900" b="1" i="1" u="none" strike="noStrike" kern="1200" cap="none" spc="0" normalizeH="0" baseline="0" noProof="0" dirty="0">
+                  <a:ln>
+                    <a:noFill/>
+                  </a:ln>
+                  <a:solidFill>
+                    <a:prstClr val="black"/>
+                  </a:solidFill>
+                  <a:effectLst/>
+                  <a:uLnTx/>
+                  <a:uFillTx/>
+                  <a:latin typeface="Calibri" panose="020F0502020204030204" pitchFamily="34" charset="0"/>
+                  <a:ea typeface="+mn-ea"/>
+                  <a:cs typeface="Calibri" panose="020F0502020204030204" pitchFamily="34" charset="0"/>
+                </a:rPr>
+                <a:t>Provider</a:t>
+              </a:r>
+            </a:p>
+          </p:txBody>
+        </p:sp>
+        <p:sp>
+          <p:nvSpPr>
+            <p:cNvPr id="7" name="Rectangle 6">
+              <a:extLst>
+                <a:ext uri="{FF2B5EF4-FFF2-40B4-BE49-F238E27FC236}">
+                  <a16:creationId xmlns:a16="http://schemas.microsoft.com/office/drawing/2014/main" id="{8D50D788-5EAD-2ABF-9BEA-CA09CBA2774B}"/>
+                </a:ext>
+              </a:extLst>
+            </p:cNvPr>
+            <p:cNvSpPr/>
+            <p:nvPr/>
+          </p:nvSpPr>
+          <p:spPr>
+            <a:xfrm>
+              <a:off x="7288529" y="2026365"/>
+              <a:ext cx="1282018" cy="2676698"/>
+            </a:xfrm>
+            <a:prstGeom prst="rect">
+              <a:avLst/>
+            </a:prstGeom>
+            <a:solidFill>
+              <a:schemeClr val="tx2">
+                <a:lumMod val="20000"/>
+                <a:lumOff val="80000"/>
+              </a:schemeClr>
+            </a:solidFill>
+          </p:spPr>
+          <p:style>
+            <a:lnRef idx="2">
+              <a:schemeClr val="accent1">
+                <a:shade val="50000"/>
+              </a:schemeClr>
+            </a:lnRef>
+            <a:fillRef idx="1">
+              <a:schemeClr val="accent1"/>
+            </a:fillRef>
+            <a:effectRef idx="0">
+              <a:schemeClr val="accent1"/>
+            </a:effectRef>
+            <a:fontRef idx="minor">
+              <a:schemeClr val="lt1"/>
+            </a:fontRef>
+          </p:style>
+          <p:txBody>
+            <a:bodyPr rtlCol="0" anchor="ctr"/>
+            <a:lstStyle/>
+            <a:p>
+              <a:pPr marL="0" marR="0" lvl="0" indent="0" algn="ctr" defTabSz="914400" rtl="0" eaLnBrk="1" fontAlgn="auto" latinLnBrk="0" hangingPunct="1">
+                <a:lnSpc>
+                  <a:spcPct val="100000"/>
+                </a:lnSpc>
+                <a:spcBef>
+                  <a:spcPts val="0"/>
+                </a:spcBef>
+                <a:spcAft>
+                  <a:spcPts val="0"/>
+                </a:spcAft>
+                <a:buClrTx/>
+                <a:buSzTx/>
+                <a:buFontTx/>
+                <a:buNone/>
+                <a:tabLst/>
+                <a:defRPr/>
+              </a:pPr>
+              <a:r>
+                <a:rPr kumimoji="0" lang="en-US" sz="1400" b="1" i="0" u="none" strike="noStrike" kern="1200" cap="none" spc="0" normalizeH="0" baseline="0" noProof="0" dirty="0">
+                  <a:ln>
+                    <a:noFill/>
+                  </a:ln>
+                  <a:solidFill>
+                    <a:prstClr val="black"/>
+                  </a:solidFill>
+                  <a:effectLst/>
+                  <a:uLnTx/>
+                  <a:uFillTx/>
+                  <a:latin typeface="Calibri" panose="020F0502020204030204" pitchFamily="34" charset="0"/>
+                  <a:ea typeface="+mn-ea"/>
+                  <a:cs typeface="Calibri" panose="020F0502020204030204" pitchFamily="34" charset="0"/>
+                </a:rPr>
+                <a:t>Data Receiver </a:t>
+              </a:r>
+              <a:r>
+                <a:rPr kumimoji="0" lang="en-US" sz="1400" b="0" i="0" u="none" strike="noStrike" kern="1200" cap="none" spc="0" normalizeH="0" baseline="0" noProof="0" dirty="0">
+                  <a:ln>
+                    <a:noFill/>
+                  </a:ln>
+                  <a:solidFill>
+                    <a:prstClr val="black"/>
+                  </a:solidFill>
+                  <a:effectLst/>
+                  <a:uLnTx/>
+                  <a:uFillTx/>
+                  <a:latin typeface="Calibri" panose="020F0502020204030204" pitchFamily="34" charset="0"/>
+                  <a:ea typeface="+mn-ea"/>
+                  <a:cs typeface="Calibri" panose="020F0502020204030204" pitchFamily="34" charset="0"/>
+                </a:rPr>
+                <a:t>(e.g., </a:t>
+              </a:r>
+              <a:r>
+                <a:rPr kumimoji="0" lang="en-US" sz="1400" b="0" i="0" u="none" strike="noStrike" kern="1200" cap="none" spc="0" normalizeH="0" baseline="0" noProof="0" dirty="0">
+                  <a:ln>
+                    <a:noFill/>
+                  </a:ln>
+                  <a:solidFill>
+                    <a:srgbClr val="000000"/>
+                  </a:solidFill>
+                  <a:effectLst/>
+                  <a:uLnTx/>
+                  <a:uFillTx/>
+                  <a:latin typeface="Calibri" panose="020F0502020204030204" pitchFamily="34" charset="0"/>
+                  <a:ea typeface="+mn-ea"/>
+                  <a:cs typeface="Calibri" panose="020F0502020204030204" pitchFamily="34" charset="0"/>
+                </a:rPr>
+                <a:t>Central Cancer Registry)</a:t>
+              </a:r>
+              <a:endParaRPr kumimoji="0" lang="en-US" sz="1400" b="0" i="0" u="none" strike="noStrike" kern="1200" cap="none" spc="0" normalizeH="0" baseline="0" noProof="0" dirty="0">
+                <a:ln>
+                  <a:noFill/>
+                </a:ln>
+                <a:solidFill>
+                  <a:prstClr val="black"/>
+                </a:solidFill>
+                <a:effectLst/>
+                <a:uLnTx/>
+                <a:uFillTx/>
+                <a:latin typeface="Calibri" panose="020F0502020204030204" pitchFamily="34" charset="0"/>
+                <a:ea typeface="+mn-ea"/>
+                <a:cs typeface="Calibri" panose="020F0502020204030204" pitchFamily="34" charset="0"/>
+              </a:endParaRPr>
+            </a:p>
+            <a:p>
+              <a:pPr marL="0" marR="0" lvl="0" indent="0" algn="ctr" defTabSz="914400" rtl="0" eaLnBrk="1" fontAlgn="auto" latinLnBrk="0" hangingPunct="1">
+                <a:lnSpc>
+                  <a:spcPct val="100000"/>
+                </a:lnSpc>
+                <a:spcBef>
+                  <a:spcPts val="0"/>
+                </a:spcBef>
+                <a:spcAft>
+                  <a:spcPts val="0"/>
+                </a:spcAft>
+                <a:buClrTx/>
+                <a:buSzTx/>
+                <a:buFontTx/>
+                <a:buNone/>
+                <a:tabLst/>
+                <a:defRPr/>
+              </a:pPr>
+              <a:endParaRPr kumimoji="0" lang="en-US" sz="1200" b="1" i="0" u="none" strike="noStrike" kern="1200" cap="none" spc="0" normalizeH="0" baseline="0" noProof="0" dirty="0">
+                <a:ln>
+                  <a:noFill/>
+                </a:ln>
+                <a:solidFill>
+                  <a:prstClr val="black"/>
+                </a:solidFill>
+                <a:effectLst/>
+                <a:uLnTx/>
+                <a:uFillTx/>
+                <a:latin typeface="Calibri" panose="020F0502020204030204" pitchFamily="34" charset="0"/>
+                <a:ea typeface="+mn-ea"/>
+                <a:cs typeface="Calibri" panose="020F0502020204030204" pitchFamily="34" charset="0"/>
+              </a:endParaRPr>
+            </a:p>
+          </p:txBody>
+        </p:sp>
+        <p:sp>
+          <p:nvSpPr>
+            <p:cNvPr id="8" name="TextBox 7">
+              <a:extLst>
+                <a:ext uri="{FF2B5EF4-FFF2-40B4-BE49-F238E27FC236}">
+                  <a16:creationId xmlns:a16="http://schemas.microsoft.com/office/drawing/2014/main" id="{C0F0F627-0B16-D7E7-F17D-AA1B14DA61F9}"/>
+                </a:ext>
+              </a:extLst>
+            </p:cNvPr>
+            <p:cNvSpPr txBox="1"/>
+            <p:nvPr/>
+          </p:nvSpPr>
+          <p:spPr>
+            <a:xfrm>
+              <a:off x="2848026" y="1005893"/>
+              <a:ext cx="657837" cy="369332"/>
+            </a:xfrm>
+            <a:prstGeom prst="rect">
+              <a:avLst/>
+            </a:prstGeom>
+            <a:noFill/>
+          </p:spPr>
+          <p:txBody>
+            <a:bodyPr wrap="square" rtlCol="0">
+              <a:spAutoFit/>
+            </a:bodyPr>
+            <a:lstStyle/>
+            <a:p>
+              <a:pPr marL="0" marR="0" lvl="0" indent="0" algn="l" defTabSz="914400" rtl="0" eaLnBrk="1" fontAlgn="auto" latinLnBrk="0" hangingPunct="1">
+                <a:lnSpc>
+                  <a:spcPct val="100000"/>
+                </a:lnSpc>
+                <a:spcBef>
+                  <a:spcPts val="0"/>
+                </a:spcBef>
+                <a:spcAft>
+                  <a:spcPts val="0"/>
+                </a:spcAft>
+                <a:buClrTx/>
+                <a:buSzTx/>
+                <a:buFontTx/>
+                <a:buNone/>
+                <a:tabLst/>
+                <a:defRPr/>
+              </a:pPr>
+              <a:r>
+                <a:rPr kumimoji="0" lang="en-US" sz="900" b="1" i="1" u="none" strike="noStrike" kern="1200" cap="none" spc="0" normalizeH="0" baseline="0" noProof="0" dirty="0">
+                  <a:ln>
+                    <a:noFill/>
+                  </a:ln>
+                  <a:solidFill>
+                    <a:prstClr val="black"/>
+                  </a:solidFill>
+                  <a:effectLst/>
+                  <a:uLnTx/>
+                  <a:uFillTx/>
+                  <a:latin typeface="Calibri" panose="020F0502020204030204" pitchFamily="34" charset="0"/>
+                  <a:ea typeface="+mn-ea"/>
+                  <a:cs typeface="Calibri" panose="020F0502020204030204" pitchFamily="34" charset="0"/>
+                </a:rPr>
+                <a:t>Updates / Signs Off</a:t>
+              </a:r>
+            </a:p>
+          </p:txBody>
+        </p:sp>
+        <p:cxnSp>
+          <p:nvCxnSpPr>
+            <p:cNvPr id="9" name="Straight Arrow Connector 8">
+              <a:extLst>
+                <a:ext uri="{FF2B5EF4-FFF2-40B4-BE49-F238E27FC236}">
+                  <a16:creationId xmlns:a16="http://schemas.microsoft.com/office/drawing/2014/main" id="{C8777291-AA0E-D62E-2066-F614B7CFFA54}"/>
+                </a:ext>
+              </a:extLst>
+            </p:cNvPr>
+            <p:cNvCxnSpPr>
+              <a:cxnSpLocks/>
+            </p:cNvCxnSpPr>
+            <p:nvPr/>
+          </p:nvCxnSpPr>
+          <p:spPr>
+            <a:xfrm>
+              <a:off x="5832010" y="3711964"/>
+              <a:ext cx="1456519" cy="0"/>
+            </a:xfrm>
+            <a:prstGeom prst="straightConnector1">
+              <a:avLst/>
+            </a:prstGeom>
+            <a:ln>
+              <a:tailEnd type="triangle"/>
+            </a:ln>
+          </p:spPr>
+          <p:style>
+            <a:lnRef idx="1">
+              <a:schemeClr val="accent1"/>
+            </a:lnRef>
+            <a:fillRef idx="0">
+              <a:schemeClr val="accent1"/>
+            </a:fillRef>
+            <a:effectRef idx="0">
+              <a:schemeClr val="accent1"/>
+            </a:effectRef>
+            <a:fontRef idx="minor">
+              <a:schemeClr val="tx1"/>
+            </a:fontRef>
+          </p:style>
+        </p:cxnSp>
+        <p:sp>
+          <p:nvSpPr>
+            <p:cNvPr id="10" name="TextBox 9">
+              <a:extLst>
+                <a:ext uri="{FF2B5EF4-FFF2-40B4-BE49-F238E27FC236}">
+                  <a16:creationId xmlns:a16="http://schemas.microsoft.com/office/drawing/2014/main" id="{06D5D73D-B021-F2A4-59F8-02554129EC74}"/>
+                </a:ext>
+              </a:extLst>
+            </p:cNvPr>
+            <p:cNvSpPr txBox="1"/>
+            <p:nvPr/>
+          </p:nvSpPr>
+          <p:spPr>
+            <a:xfrm>
+              <a:off x="6546740" y="3491720"/>
+              <a:ext cx="763370" cy="230832"/>
+            </a:xfrm>
+            <a:prstGeom prst="rect">
+              <a:avLst/>
+            </a:prstGeom>
+            <a:noFill/>
+          </p:spPr>
+          <p:txBody>
+            <a:bodyPr wrap="square" rtlCol="0">
+              <a:spAutoFit/>
+            </a:bodyPr>
+            <a:lstStyle/>
+            <a:p>
+              <a:pPr marL="0" marR="0" lvl="0" indent="0" algn="l" defTabSz="914400" rtl="0" eaLnBrk="1" fontAlgn="auto" latinLnBrk="0" hangingPunct="1">
+                <a:lnSpc>
+                  <a:spcPct val="100000"/>
+                </a:lnSpc>
+                <a:spcBef>
+                  <a:spcPts val="0"/>
+                </a:spcBef>
+                <a:spcAft>
+                  <a:spcPts val="0"/>
+                </a:spcAft>
+                <a:buClrTx/>
+                <a:buSzTx/>
+                <a:buFontTx/>
+                <a:buNone/>
+                <a:tabLst/>
+                <a:defRPr/>
+              </a:pPr>
+              <a:r>
+                <a:rPr kumimoji="0" lang="en-US" sz="900" b="1" i="1" u="none" strike="noStrike" kern="1200" cap="none" spc="0" normalizeH="0" baseline="0" noProof="0" dirty="0">
+                  <a:ln>
+                    <a:noFill/>
+                  </a:ln>
+                  <a:solidFill>
+                    <a:prstClr val="black"/>
+                  </a:solidFill>
+                  <a:effectLst/>
+                  <a:uLnTx/>
+                  <a:uFillTx/>
+                  <a:latin typeface="Calibri" panose="020F0502020204030204" pitchFamily="34" charset="0"/>
+                  <a:ea typeface="+mn-ea"/>
+                  <a:cs typeface="Calibri" panose="020F0502020204030204" pitchFamily="34" charset="0"/>
+                </a:rPr>
+                <a:t>Report</a:t>
+              </a:r>
+            </a:p>
+          </p:txBody>
+        </p:sp>
+        <p:sp>
+          <p:nvSpPr>
+            <p:cNvPr id="11" name="TextBox 10">
+              <a:extLst>
+                <a:ext uri="{FF2B5EF4-FFF2-40B4-BE49-F238E27FC236}">
+                  <a16:creationId xmlns:a16="http://schemas.microsoft.com/office/drawing/2014/main" id="{6A8CDC52-B8BD-528B-93A0-8875A837DFCF}"/>
+                </a:ext>
+              </a:extLst>
+            </p:cNvPr>
+            <p:cNvSpPr txBox="1"/>
+            <p:nvPr/>
+          </p:nvSpPr>
+          <p:spPr>
+            <a:xfrm>
+              <a:off x="2115137" y="5267014"/>
+              <a:ext cx="2110520" cy="230832"/>
+            </a:xfrm>
+            <a:prstGeom prst="rect">
+              <a:avLst/>
+            </a:prstGeom>
+            <a:noFill/>
+          </p:spPr>
+          <p:txBody>
+            <a:bodyPr wrap="square" rtlCol="0">
+              <a:spAutoFit/>
+            </a:bodyPr>
+            <a:lstStyle/>
+            <a:p>
+              <a:pPr marL="0" marR="0" lvl="0" indent="0" algn="l" defTabSz="914400" rtl="0" eaLnBrk="1" fontAlgn="auto" latinLnBrk="0" hangingPunct="1">
+                <a:lnSpc>
+                  <a:spcPct val="100000"/>
+                </a:lnSpc>
+                <a:spcBef>
+                  <a:spcPts val="0"/>
+                </a:spcBef>
+                <a:spcAft>
+                  <a:spcPts val="0"/>
+                </a:spcAft>
+                <a:buClrTx/>
+                <a:buSzTx/>
+                <a:buFontTx/>
+                <a:buNone/>
+                <a:tabLst/>
+                <a:defRPr/>
+              </a:pPr>
+              <a:r>
+                <a:rPr kumimoji="0" lang="en-US" sz="900" b="1" i="0" u="none" strike="noStrike" kern="1200" cap="none" spc="0" normalizeH="0" baseline="0" noProof="0" dirty="0">
+                  <a:ln>
+                    <a:noFill/>
+                  </a:ln>
+                  <a:solidFill>
+                    <a:srgbClr val="FF0000"/>
+                  </a:solidFill>
+                  <a:effectLst/>
+                  <a:uLnTx/>
+                  <a:uFillTx/>
+                  <a:latin typeface="Calibri" panose="020F0502020204030204" pitchFamily="34" charset="0"/>
+                  <a:ea typeface="+mn-ea"/>
+                  <a:cs typeface="Calibri" panose="020F0502020204030204" pitchFamily="34" charset="0"/>
+                </a:rPr>
+                <a:t>Data Source Organization</a:t>
+              </a:r>
+            </a:p>
+          </p:txBody>
+        </p:sp>
+        <p:sp>
+          <p:nvSpPr>
+            <p:cNvPr id="12" name="Oval 11">
+              <a:extLst>
+                <a:ext uri="{FF2B5EF4-FFF2-40B4-BE49-F238E27FC236}">
+                  <a16:creationId xmlns:a16="http://schemas.microsoft.com/office/drawing/2014/main" id="{A267A9AA-65BF-A00D-B250-E9A1F684D976}"/>
+                </a:ext>
+              </a:extLst>
+            </p:cNvPr>
+            <p:cNvSpPr/>
+            <p:nvPr/>
+          </p:nvSpPr>
+          <p:spPr>
+            <a:xfrm>
+              <a:off x="6081680" y="3570375"/>
+              <a:ext cx="485778" cy="264127"/>
+            </a:xfrm>
+            <a:prstGeom prst="ellipse">
+              <a:avLst/>
+            </a:prstGeom>
+            <a:solidFill>
+              <a:srgbClr val="FFFF00"/>
+            </a:solidFill>
+          </p:spPr>
+          <p:style>
+            <a:lnRef idx="2">
+              <a:schemeClr val="accent1">
+                <a:shade val="50000"/>
+              </a:schemeClr>
+            </a:lnRef>
+            <a:fillRef idx="1">
+              <a:schemeClr val="accent1"/>
+            </a:fillRef>
+            <a:effectRef idx="0">
+              <a:schemeClr val="accent1"/>
+            </a:effectRef>
+            <a:fontRef idx="minor">
+              <a:schemeClr val="lt1"/>
+            </a:fontRef>
+          </p:style>
+          <p:txBody>
+            <a:bodyPr rtlCol="0" anchor="ctr"/>
+            <a:lstStyle/>
+            <a:p>
+              <a:pPr marL="0" marR="0" lvl="0" indent="0" algn="ctr" defTabSz="914400" rtl="0" eaLnBrk="1" fontAlgn="auto" latinLnBrk="0" hangingPunct="1">
+                <a:lnSpc>
+                  <a:spcPct val="100000"/>
+                </a:lnSpc>
+                <a:spcBef>
+                  <a:spcPts val="0"/>
+                </a:spcBef>
+                <a:spcAft>
+                  <a:spcPts val="0"/>
+                </a:spcAft>
+                <a:buClrTx/>
+                <a:buSzTx/>
+                <a:buFontTx/>
+                <a:buNone/>
+                <a:tabLst/>
+                <a:defRPr/>
+              </a:pPr>
+              <a:r>
+                <a:rPr kumimoji="0" lang="en-US" sz="1200" b="1" i="0" u="none" strike="noStrike" kern="0" cap="none" spc="0" normalizeH="0" baseline="0" noProof="0" dirty="0">
+                  <a:ln>
+                    <a:noFill/>
+                  </a:ln>
+                  <a:solidFill>
+                    <a:prstClr val="black"/>
+                  </a:solidFill>
+                  <a:effectLst/>
+                  <a:uLnTx/>
+                  <a:uFillTx/>
+                  <a:latin typeface="Calibri" panose="020F0502020204030204" pitchFamily="34" charset="0"/>
+                  <a:ea typeface="+mn-ea"/>
+                  <a:cs typeface="Calibri" panose="020F0502020204030204" pitchFamily="34" charset="0"/>
+                </a:rPr>
+                <a:t>3</a:t>
+              </a:r>
+            </a:p>
+          </p:txBody>
+        </p:sp>
+        <p:sp>
+          <p:nvSpPr>
+            <p:cNvPr id="13" name="Rectangle 12">
+              <a:extLst>
+                <a:ext uri="{FF2B5EF4-FFF2-40B4-BE49-F238E27FC236}">
+                  <a16:creationId xmlns:a16="http://schemas.microsoft.com/office/drawing/2014/main" id="{7FC4300B-A5D8-5E42-DBFA-AC4A34E24E79}"/>
+                </a:ext>
+              </a:extLst>
+            </p:cNvPr>
+            <p:cNvSpPr/>
+            <p:nvPr/>
+          </p:nvSpPr>
+          <p:spPr>
+            <a:xfrm>
+              <a:off x="7036472" y="1800014"/>
+              <a:ext cx="1810916" cy="3242754"/>
+            </a:xfrm>
+            <a:prstGeom prst="rect">
+              <a:avLst/>
+            </a:prstGeom>
+            <a:noFill/>
+            <a:ln>
+              <a:solidFill>
+                <a:srgbClr val="FF0000"/>
+              </a:solidFill>
+              <a:prstDash val="sysDash"/>
+            </a:ln>
+          </p:spPr>
+          <p:style>
+            <a:lnRef idx="2">
+              <a:schemeClr val="accent1">
+                <a:shade val="50000"/>
+              </a:schemeClr>
+            </a:lnRef>
+            <a:fillRef idx="1">
+              <a:schemeClr val="accent1"/>
+            </a:fillRef>
+            <a:effectRef idx="0">
+              <a:schemeClr val="accent1"/>
+            </a:effectRef>
+            <a:fontRef idx="minor">
+              <a:schemeClr val="lt1"/>
+            </a:fontRef>
+          </p:style>
+          <p:txBody>
+            <a:bodyPr rtlCol="0" anchor="ctr"/>
+            <a:lstStyle/>
+            <a:p>
+              <a:pPr marL="0" marR="0" lvl="0" indent="0" algn="ctr" defTabSz="914400" rtl="0" eaLnBrk="1" fontAlgn="auto" latinLnBrk="0" hangingPunct="1">
+                <a:lnSpc>
+                  <a:spcPct val="100000"/>
+                </a:lnSpc>
+                <a:spcBef>
+                  <a:spcPts val="0"/>
+                </a:spcBef>
+                <a:spcAft>
+                  <a:spcPts val="0"/>
+                </a:spcAft>
+                <a:buClrTx/>
+                <a:buSzTx/>
+                <a:buFontTx/>
+                <a:buNone/>
+                <a:tabLst/>
+                <a:defRPr/>
+              </a:pPr>
+              <a:endParaRPr kumimoji="0" lang="en-US" sz="1800" b="0" i="0" u="none" strike="noStrike" kern="1200" cap="none" spc="0" normalizeH="0" baseline="0" noProof="0">
+                <a:ln>
+                  <a:noFill/>
+                </a:ln>
+                <a:solidFill>
+                  <a:prstClr val="white"/>
+                </a:solidFill>
+                <a:effectLst/>
+                <a:uLnTx/>
+                <a:uFillTx/>
+                <a:latin typeface="Calibri" panose="020F0502020204030204" pitchFamily="34" charset="0"/>
+                <a:ea typeface="+mn-ea"/>
+                <a:cs typeface="Calibri" panose="020F0502020204030204" pitchFamily="34" charset="0"/>
+              </a:endParaRPr>
+            </a:p>
+          </p:txBody>
+        </p:sp>
+        <p:sp>
+          <p:nvSpPr>
+            <p:cNvPr id="14" name="TextBox 13">
+              <a:extLst>
+                <a:ext uri="{FF2B5EF4-FFF2-40B4-BE49-F238E27FC236}">
+                  <a16:creationId xmlns:a16="http://schemas.microsoft.com/office/drawing/2014/main" id="{2D12F5D1-2642-F1A8-2903-2518B2BDF224}"/>
+                </a:ext>
+              </a:extLst>
+            </p:cNvPr>
+            <p:cNvSpPr txBox="1"/>
+            <p:nvPr/>
+          </p:nvSpPr>
+          <p:spPr>
+            <a:xfrm>
+              <a:off x="7204747" y="4801521"/>
+              <a:ext cx="1596784" cy="230832"/>
+            </a:xfrm>
+            <a:prstGeom prst="rect">
+              <a:avLst/>
+            </a:prstGeom>
+            <a:noFill/>
+          </p:spPr>
+          <p:txBody>
+            <a:bodyPr wrap="square" rtlCol="0">
+              <a:spAutoFit/>
+            </a:bodyPr>
+            <a:lstStyle/>
+            <a:p>
+              <a:pPr marL="0" marR="0" lvl="0" indent="0" algn="l" defTabSz="914400" rtl="0" eaLnBrk="1" fontAlgn="auto" latinLnBrk="0" hangingPunct="1">
+                <a:lnSpc>
+                  <a:spcPct val="100000"/>
+                </a:lnSpc>
+                <a:spcBef>
+                  <a:spcPts val="0"/>
+                </a:spcBef>
+                <a:spcAft>
+                  <a:spcPts val="0"/>
+                </a:spcAft>
+                <a:buClrTx/>
+                <a:buSzTx/>
+                <a:buFontTx/>
+                <a:buNone/>
+                <a:tabLst/>
+                <a:defRPr/>
+              </a:pPr>
+              <a:r>
+                <a:rPr kumimoji="0" lang="en-US" sz="900" b="1" i="0" u="none" strike="noStrike" kern="1200" cap="none" spc="0" normalizeH="0" baseline="0" noProof="0" dirty="0">
+                  <a:ln>
+                    <a:noFill/>
+                  </a:ln>
+                  <a:solidFill>
+                    <a:srgbClr val="FF0000"/>
+                  </a:solidFill>
+                  <a:effectLst/>
+                  <a:uLnTx/>
+                  <a:uFillTx/>
+                  <a:latin typeface="Calibri" panose="020F0502020204030204" pitchFamily="34" charset="0"/>
+                  <a:ea typeface="+mn-ea"/>
+                  <a:cs typeface="Calibri" panose="020F0502020204030204" pitchFamily="34" charset="0"/>
+                </a:rPr>
+                <a:t>Data Receiver Organization</a:t>
+              </a:r>
+            </a:p>
+          </p:txBody>
+        </p:sp>
+        <p:cxnSp>
+          <p:nvCxnSpPr>
+            <p:cNvPr id="18" name="Straight Arrow Connector 17">
+              <a:extLst>
+                <a:ext uri="{FF2B5EF4-FFF2-40B4-BE49-F238E27FC236}">
+                  <a16:creationId xmlns:a16="http://schemas.microsoft.com/office/drawing/2014/main" id="{E67E349B-3DA0-DE1B-9C71-0716CF2D19D4}"/>
+                </a:ext>
+              </a:extLst>
+            </p:cNvPr>
+            <p:cNvCxnSpPr>
+              <a:cxnSpLocks/>
+            </p:cNvCxnSpPr>
+            <p:nvPr/>
+          </p:nvCxnSpPr>
+          <p:spPr>
+            <a:xfrm>
+              <a:off x="2723230" y="1473345"/>
+              <a:ext cx="753702" cy="4755"/>
+            </a:xfrm>
+            <a:prstGeom prst="straightConnector1">
+              <a:avLst/>
+            </a:prstGeom>
+            <a:ln>
+              <a:tailEnd type="triangle"/>
+            </a:ln>
+          </p:spPr>
+          <p:style>
+            <a:lnRef idx="1">
+              <a:schemeClr val="accent1"/>
+            </a:lnRef>
+            <a:fillRef idx="0">
+              <a:schemeClr val="accent1"/>
+            </a:fillRef>
+            <a:effectRef idx="0">
+              <a:schemeClr val="accent1"/>
+            </a:effectRef>
+            <a:fontRef idx="minor">
+              <a:schemeClr val="tx1"/>
+            </a:fontRef>
+          </p:style>
+        </p:cxnSp>
+        <p:sp>
+          <p:nvSpPr>
+            <p:cNvPr id="19" name="TextBox 18">
+              <a:extLst>
+                <a:ext uri="{FF2B5EF4-FFF2-40B4-BE49-F238E27FC236}">
+                  <a16:creationId xmlns:a16="http://schemas.microsoft.com/office/drawing/2014/main" id="{C017B59A-045F-9AE1-8347-561295A77BCE}"/>
+                </a:ext>
+              </a:extLst>
+            </p:cNvPr>
+            <p:cNvSpPr txBox="1"/>
+            <p:nvPr/>
+          </p:nvSpPr>
+          <p:spPr>
+            <a:xfrm>
+              <a:off x="3452465" y="4222004"/>
+              <a:ext cx="968981" cy="369332"/>
+            </a:xfrm>
+            <a:prstGeom prst="rect">
+              <a:avLst/>
+            </a:prstGeom>
+            <a:noFill/>
+          </p:spPr>
+          <p:txBody>
+            <a:bodyPr wrap="square" rtlCol="0">
+              <a:spAutoFit/>
+            </a:bodyPr>
+            <a:lstStyle/>
+            <a:p>
+              <a:pPr marL="0" marR="0" lvl="0" indent="0" algn="l" defTabSz="914400" rtl="0" eaLnBrk="1" fontAlgn="auto" latinLnBrk="0" hangingPunct="1">
+                <a:lnSpc>
+                  <a:spcPct val="100000"/>
+                </a:lnSpc>
+                <a:spcBef>
+                  <a:spcPts val="0"/>
+                </a:spcBef>
+                <a:spcAft>
+                  <a:spcPts val="0"/>
+                </a:spcAft>
+                <a:buClrTx/>
+                <a:buSzTx/>
+                <a:buFontTx/>
+                <a:buNone/>
+                <a:tabLst/>
+                <a:defRPr/>
+              </a:pPr>
+              <a:r>
+                <a:rPr kumimoji="0" lang="en-US" sz="900" b="1" i="1" u="none" strike="noStrike" kern="1200" cap="none" spc="0" normalizeH="0" baseline="0" noProof="0" dirty="0">
+                  <a:ln>
+                    <a:noFill/>
+                  </a:ln>
+                  <a:solidFill>
+                    <a:prstClr val="black"/>
+                  </a:solidFill>
+                  <a:effectLst/>
+                  <a:uLnTx/>
+                  <a:uFillTx/>
+                  <a:latin typeface="Calibri" panose="020F0502020204030204" pitchFamily="34" charset="0"/>
+                  <a:ea typeface="+mn-ea"/>
+                  <a:cs typeface="Calibri" panose="020F0502020204030204" pitchFamily="34" charset="0"/>
+                </a:rPr>
+                <a:t>Evaluate Data /</a:t>
+              </a:r>
+            </a:p>
+            <a:p>
+              <a:pPr marL="0" marR="0" lvl="0" indent="0" algn="l" defTabSz="914400" rtl="0" eaLnBrk="1" fontAlgn="auto" latinLnBrk="0" hangingPunct="1">
+                <a:lnSpc>
+                  <a:spcPct val="100000"/>
+                </a:lnSpc>
+                <a:spcBef>
+                  <a:spcPts val="0"/>
+                </a:spcBef>
+                <a:spcAft>
+                  <a:spcPts val="0"/>
+                </a:spcAft>
+                <a:buClrTx/>
+                <a:buSzTx/>
+                <a:buFontTx/>
+                <a:buNone/>
+                <a:tabLst/>
+                <a:defRPr/>
+              </a:pPr>
+              <a:r>
+                <a:rPr kumimoji="0" lang="en-US" sz="900" b="1" i="1" u="none" strike="noStrike" kern="1200" cap="none" spc="0" normalizeH="0" baseline="0" noProof="0" dirty="0">
+                  <a:ln>
+                    <a:noFill/>
+                  </a:ln>
+                  <a:solidFill>
+                    <a:prstClr val="black"/>
+                  </a:solidFill>
+                  <a:effectLst/>
+                  <a:uLnTx/>
+                  <a:uFillTx/>
+                  <a:latin typeface="Calibri" panose="020F0502020204030204" pitchFamily="34" charset="0"/>
+                  <a:ea typeface="+mn-ea"/>
+                  <a:cs typeface="Calibri" panose="020F0502020204030204" pitchFamily="34" charset="0"/>
+                </a:rPr>
+                <a:t>Create Report</a:t>
+              </a:r>
+            </a:p>
+          </p:txBody>
+        </p:sp>
+        <p:sp>
+          <p:nvSpPr>
+            <p:cNvPr id="20" name="Oval 19">
+              <a:extLst>
+                <a:ext uri="{FF2B5EF4-FFF2-40B4-BE49-F238E27FC236}">
+                  <a16:creationId xmlns:a16="http://schemas.microsoft.com/office/drawing/2014/main" id="{B534F8F3-9410-ED14-2777-847E613FA0FE}"/>
+                </a:ext>
+              </a:extLst>
+            </p:cNvPr>
+            <p:cNvSpPr/>
+            <p:nvPr/>
+          </p:nvSpPr>
+          <p:spPr>
+            <a:xfrm>
+              <a:off x="2857192" y="1355193"/>
+              <a:ext cx="485778" cy="264127"/>
+            </a:xfrm>
+            <a:prstGeom prst="ellipse">
+              <a:avLst/>
+            </a:prstGeom>
+            <a:solidFill>
+              <a:srgbClr val="FFFF00"/>
+            </a:solidFill>
+          </p:spPr>
+          <p:style>
+            <a:lnRef idx="2">
+              <a:schemeClr val="accent1">
+                <a:shade val="50000"/>
+              </a:schemeClr>
+            </a:lnRef>
+            <a:fillRef idx="1">
+              <a:schemeClr val="accent1"/>
+            </a:fillRef>
+            <a:effectRef idx="0">
+              <a:schemeClr val="accent1"/>
+            </a:effectRef>
+            <a:fontRef idx="minor">
+              <a:schemeClr val="lt1"/>
+            </a:fontRef>
+          </p:style>
+          <p:txBody>
+            <a:bodyPr rtlCol="0" anchor="ctr"/>
+            <a:lstStyle/>
+            <a:p>
+              <a:pPr marL="0" marR="0" lvl="0" indent="0" algn="ctr" defTabSz="914400" rtl="0" eaLnBrk="1" fontAlgn="auto" latinLnBrk="0" hangingPunct="1">
+                <a:lnSpc>
+                  <a:spcPct val="100000"/>
+                </a:lnSpc>
+                <a:spcBef>
+                  <a:spcPts val="0"/>
+                </a:spcBef>
+                <a:spcAft>
+                  <a:spcPts val="0"/>
+                </a:spcAft>
+                <a:buClrTx/>
+                <a:buSzTx/>
+                <a:buFontTx/>
+                <a:buNone/>
+                <a:tabLst/>
+                <a:defRPr/>
+              </a:pPr>
+              <a:r>
+                <a:rPr kumimoji="0" lang="en-US" sz="1200" b="1" i="0" u="none" strike="noStrike" kern="0" cap="none" spc="0" normalizeH="0" baseline="0" noProof="0" dirty="0">
+                  <a:ln>
+                    <a:noFill/>
+                  </a:ln>
+                  <a:solidFill>
+                    <a:prstClr val="black"/>
+                  </a:solidFill>
+                  <a:effectLst/>
+                  <a:uLnTx/>
+                  <a:uFillTx/>
+                  <a:latin typeface="Calibri" panose="020F0502020204030204" pitchFamily="34" charset="0"/>
+                  <a:ea typeface="+mn-ea"/>
+                  <a:cs typeface="Calibri" panose="020F0502020204030204" pitchFamily="34" charset="0"/>
+                </a:rPr>
+                <a:t>1</a:t>
+              </a:r>
+            </a:p>
+          </p:txBody>
+        </p:sp>
+        <p:sp>
+          <p:nvSpPr>
+            <p:cNvPr id="23" name="Rectangle 22">
+              <a:extLst>
+                <a:ext uri="{FF2B5EF4-FFF2-40B4-BE49-F238E27FC236}">
+                  <a16:creationId xmlns:a16="http://schemas.microsoft.com/office/drawing/2014/main" id="{B90B5513-F5F7-8ACA-1A3C-0B869472C40E}"/>
+                </a:ext>
+              </a:extLst>
+            </p:cNvPr>
+            <p:cNvSpPr/>
+            <p:nvPr/>
+          </p:nvSpPr>
+          <p:spPr>
+            <a:xfrm>
+              <a:off x="3768703" y="3058496"/>
+              <a:ext cx="1828800" cy="1097280"/>
+            </a:xfrm>
+            <a:prstGeom prst="rect">
+              <a:avLst/>
+            </a:prstGeom>
+            <a:solidFill>
+              <a:schemeClr val="accent6">
+                <a:lumMod val="40000"/>
+                <a:lumOff val="60000"/>
+              </a:schemeClr>
+            </a:solidFill>
+          </p:spPr>
+          <p:style>
+            <a:lnRef idx="2">
+              <a:schemeClr val="accent1">
+                <a:shade val="50000"/>
+              </a:schemeClr>
+            </a:lnRef>
+            <a:fillRef idx="1">
+              <a:schemeClr val="accent1"/>
+            </a:fillRef>
+            <a:effectRef idx="0">
+              <a:schemeClr val="accent1"/>
+            </a:effectRef>
+            <a:fontRef idx="minor">
+              <a:schemeClr val="lt1"/>
+            </a:fontRef>
+          </p:style>
+          <p:txBody>
+            <a:bodyPr tIns="91440" bIns="91440" rtlCol="0" anchor="ctr" anchorCtr="0"/>
+            <a:lstStyle/>
+            <a:p>
+              <a:pPr marL="0" marR="0" lvl="0" indent="0" algn="ctr" defTabSz="914400" rtl="0" eaLnBrk="1" fontAlgn="auto" latinLnBrk="0" hangingPunct="1">
+                <a:lnSpc>
+                  <a:spcPct val="100000"/>
+                </a:lnSpc>
+                <a:spcBef>
+                  <a:spcPts val="0"/>
+                </a:spcBef>
+                <a:spcAft>
+                  <a:spcPts val="0"/>
+                </a:spcAft>
+                <a:buClrTx/>
+                <a:buSzTx/>
+                <a:buFontTx/>
+                <a:buNone/>
+                <a:tabLst/>
+                <a:defRPr/>
+              </a:pPr>
+              <a:r>
+                <a:rPr kumimoji="0" lang="en-US" sz="1400" b="1" i="0" u="none" strike="noStrike" kern="1200" cap="none" spc="0" normalizeH="0" baseline="0" noProof="0" dirty="0">
+                  <a:ln>
+                    <a:noFill/>
+                  </a:ln>
+                  <a:solidFill>
+                    <a:prstClr val="black"/>
+                  </a:solidFill>
+                  <a:effectLst/>
+                  <a:uLnTx/>
+                  <a:uFillTx/>
+                  <a:latin typeface="Calibri" panose="020F0502020204030204" pitchFamily="34" charset="0"/>
+                  <a:ea typeface="+mn-ea"/>
+                  <a:cs typeface="Calibri" panose="020F0502020204030204" pitchFamily="34" charset="0"/>
+                </a:rPr>
+                <a:t>Data Submitter</a:t>
+              </a:r>
+              <a:endParaRPr kumimoji="0" lang="en-US" sz="1400" b="0" i="0" u="none" strike="noStrike" kern="1200" cap="none" spc="0" normalizeH="0" baseline="0" noProof="0" dirty="0">
+                <a:ln>
+                  <a:noFill/>
+                </a:ln>
+                <a:solidFill>
+                  <a:prstClr val="black"/>
+                </a:solidFill>
+                <a:effectLst/>
+                <a:uLnTx/>
+                <a:uFillTx/>
+                <a:latin typeface="Calibri" panose="020F0502020204030204" pitchFamily="34" charset="0"/>
+                <a:ea typeface="+mn-ea"/>
+                <a:cs typeface="Calibri" panose="020F0502020204030204" pitchFamily="34" charset="0"/>
+              </a:endParaRPr>
+            </a:p>
+          </p:txBody>
+        </p:sp>
+        <p:cxnSp>
+          <p:nvCxnSpPr>
+            <p:cNvPr id="24" name="Connector: Elbow 23">
+              <a:extLst>
+                <a:ext uri="{FF2B5EF4-FFF2-40B4-BE49-F238E27FC236}">
+                  <a16:creationId xmlns:a16="http://schemas.microsoft.com/office/drawing/2014/main" id="{070AE038-0757-0776-1FD4-4F22652CC771}"/>
+                </a:ext>
+              </a:extLst>
+            </p:cNvPr>
+            <p:cNvCxnSpPr>
+              <a:cxnSpLocks/>
+            </p:cNvCxnSpPr>
+            <p:nvPr/>
+          </p:nvCxnSpPr>
+          <p:spPr>
+            <a:xfrm>
+              <a:off x="4400969" y="4143076"/>
+              <a:ext cx="564267" cy="12700"/>
+            </a:xfrm>
+            <a:prstGeom prst="bentConnector4">
+              <a:avLst>
+                <a:gd name="adj1" fmla="val -14635"/>
+                <a:gd name="adj2" fmla="val 4500000"/>
+              </a:avLst>
+            </a:prstGeom>
+            <a:ln>
+              <a:tailEnd type="triangle"/>
+            </a:ln>
+          </p:spPr>
+          <p:style>
+            <a:lnRef idx="1">
+              <a:schemeClr val="accent1"/>
+            </a:lnRef>
+            <a:fillRef idx="0">
+              <a:schemeClr val="accent1"/>
+            </a:fillRef>
+            <a:effectRef idx="0">
+              <a:schemeClr val="accent1"/>
+            </a:effectRef>
+            <a:fontRef idx="minor">
+              <a:schemeClr val="tx1"/>
+            </a:fontRef>
+          </p:style>
+        </p:cxnSp>
+        <p:sp>
+          <p:nvSpPr>
+            <p:cNvPr id="17" name="Oval 16">
+              <a:extLst>
+                <a:ext uri="{FF2B5EF4-FFF2-40B4-BE49-F238E27FC236}">
+                  <a16:creationId xmlns:a16="http://schemas.microsoft.com/office/drawing/2014/main" id="{B2231D43-C271-E148-B3ED-662285DE16C3}"/>
+                </a:ext>
+              </a:extLst>
+            </p:cNvPr>
+            <p:cNvSpPr/>
+            <p:nvPr/>
+          </p:nvSpPr>
+          <p:spPr>
+            <a:xfrm>
+              <a:off x="4715274" y="4329934"/>
+              <a:ext cx="485778" cy="264127"/>
+            </a:xfrm>
+            <a:prstGeom prst="ellipse">
+              <a:avLst/>
+            </a:prstGeom>
+            <a:solidFill>
+              <a:srgbClr val="FFFF00"/>
+            </a:solidFill>
+          </p:spPr>
+          <p:style>
+            <a:lnRef idx="2">
+              <a:schemeClr val="accent1">
+                <a:shade val="50000"/>
+              </a:schemeClr>
+            </a:lnRef>
+            <a:fillRef idx="1">
+              <a:schemeClr val="accent1"/>
+            </a:fillRef>
+            <a:effectRef idx="0">
+              <a:schemeClr val="accent1"/>
+            </a:effectRef>
+            <a:fontRef idx="minor">
+              <a:schemeClr val="lt1"/>
+            </a:fontRef>
+          </p:style>
+          <p:txBody>
+            <a:bodyPr rtlCol="0" anchor="ctr"/>
+            <a:lstStyle/>
+            <a:p>
+              <a:pPr marL="0" marR="0" lvl="0" indent="0" algn="ctr" defTabSz="914400" rtl="0" eaLnBrk="1" fontAlgn="auto" latinLnBrk="0" hangingPunct="1">
+                <a:lnSpc>
+                  <a:spcPct val="100000"/>
+                </a:lnSpc>
+                <a:spcBef>
+                  <a:spcPts val="0"/>
+                </a:spcBef>
+                <a:spcAft>
+                  <a:spcPts val="0"/>
+                </a:spcAft>
+                <a:buClrTx/>
+                <a:buSzTx/>
+                <a:buFontTx/>
+                <a:buNone/>
+                <a:tabLst/>
+                <a:defRPr/>
+              </a:pPr>
+              <a:r>
+                <a:rPr kumimoji="0" lang="en-US" sz="1200" b="1" i="0" u="none" strike="noStrike" kern="0" cap="none" spc="0" normalizeH="0" baseline="0" noProof="0" dirty="0">
+                  <a:ln>
+                    <a:noFill/>
+                  </a:ln>
+                  <a:solidFill>
+                    <a:prstClr val="black"/>
+                  </a:solidFill>
+                  <a:effectLst/>
+                  <a:uLnTx/>
+                  <a:uFillTx/>
+                  <a:latin typeface="Calibri" panose="020F0502020204030204" pitchFamily="34" charset="0"/>
+                  <a:ea typeface="+mn-ea"/>
+                  <a:cs typeface="Calibri" panose="020F0502020204030204" pitchFamily="34" charset="0"/>
+                </a:rPr>
+                <a:t>2</a:t>
+              </a:r>
+            </a:p>
+          </p:txBody>
+        </p:sp>
+      </p:grpSp>
+    </p:spTree>
+    <p:extLst>
+      <p:ext uri="{BB962C8B-B14F-4D97-AF65-F5344CB8AC3E}">
+        <p14:creationId xmlns:p14="http://schemas.microsoft.com/office/powerpoint/2010/main" val="2373027123"/>
+      </p:ext>
+    </p:extLst>
+  </p:cSld>
+  <p:clrMapOvr>
+    <a:masterClrMapping/>
+  </p:clrMapOvr>
+</p:sld>
+</file>
+
+<file path=ppt/slides/slide4.xml><?xml version="1.0" encoding="utf-8"?>
 <p:sld xmlns:a="http://schemas.openxmlformats.org/drawingml/2006/main" xmlns:r="http://schemas.openxmlformats.org/officeDocument/2006/relationships" xmlns:p="http://schemas.openxmlformats.org/presentationml/2006/main">
   <p:cSld>
     <p:spTree>
@@ -11426,7 +17840,7 @@
 </p:sld>
 </file>
 
-<file path=ppt/slides/slide2.xml><?xml version="1.0" encoding="utf-8"?>
+<file path=ppt/slides/slide5.xml><?xml version="1.0" encoding="utf-8"?>
 <p:sld xmlns:a="http://schemas.openxmlformats.org/drawingml/2006/main" xmlns:r="http://schemas.openxmlformats.org/officeDocument/2006/relationships" xmlns:p="http://schemas.openxmlformats.org/presentationml/2006/main">
   <p:cSld>
     <p:spTree>
@@ -11571,43 +17985,6 @@
       </p:cxnSp>
       <p:sp>
         <p:nvSpPr>
-          <p:cNvPr id="2" name="Title 1">
-            <a:extLst>
-              <a:ext uri="{FF2B5EF4-FFF2-40B4-BE49-F238E27FC236}">
-                <a16:creationId xmlns:a16="http://schemas.microsoft.com/office/drawing/2014/main" id="{1311F26A-3EA9-4276-983E-AC73E6C184C6}"/>
-              </a:ext>
-            </a:extLst>
-          </p:cNvPr>
-          <p:cNvSpPr>
-            <a:spLocks noGrp="1"/>
-          </p:cNvSpPr>
-          <p:nvPr>
-            <p:ph type="title"/>
-          </p:nvPr>
-        </p:nvSpPr>
-        <p:spPr>
-          <a:xfrm>
-            <a:off x="1714274" y="10971"/>
-            <a:ext cx="8229600" cy="533395"/>
-          </a:xfrm>
-        </p:spPr>
-        <p:txBody>
-          <a:bodyPr>
-            <a:normAutofit fontScale="90000"/>
-          </a:bodyPr>
-          <a:lstStyle/>
-          <a:p>
-            <a:r>
-              <a:rPr lang="en-US" dirty="0">
-                <a:latin typeface="+mj-lt"/>
-              </a:rPr>
-              <a:t>MedMorph Actors and Systems</a:t>
-            </a:r>
-          </a:p>
-        </p:txBody>
-      </p:sp>
-      <p:sp>
-        <p:nvSpPr>
           <p:cNvPr id="36" name="Rectangle 35">
             <a:extLst>
               <a:ext uri="{FF2B5EF4-FFF2-40B4-BE49-F238E27FC236}">
@@ -11784,14 +18161,14 @@
           </a:ln>
           <a:extLst>
             <a:ext uri="{909E8E84-426E-40dd-AFC4-6F175D3DCCD1}">
-              <a14:hiddenFill xmlns:a14="http://schemas.microsoft.com/office/drawing/2010/main" xmlns="">
+              <a14:hiddenFill xmlns="" xmlns:a14="http://schemas.microsoft.com/office/drawing/2010/main">
                 <a:solidFill>
                   <a:schemeClr val="accent1"/>
                 </a:solidFill>
               </a14:hiddenFill>
             </a:ext>
             <a:ext uri="{91240B29-F687-4f45-9708-019B960494DF}">
-              <a14:hiddenLine xmlns:a14="http://schemas.microsoft.com/office/drawing/2010/main" xmlns="" w="9525">
+              <a14:hiddenLine xmlns="" xmlns:a14="http://schemas.microsoft.com/office/drawing/2010/main" w="9525">
                 <a:solidFill>
                   <a:schemeClr val="tx1"/>
                 </a:solidFill>
@@ -15085,7 +21462,7 @@
 </p:sld>
 </file>
 
-<file path=ppt/slides/slide3.xml><?xml version="1.0" encoding="utf-8"?>
+<file path=ppt/slides/slide6.xml><?xml version="1.0" encoding="utf-8"?>
 <p:sld xmlns:a="http://schemas.openxmlformats.org/drawingml/2006/main" xmlns:r="http://schemas.openxmlformats.org/officeDocument/2006/relationships" xmlns:p="http://schemas.openxmlformats.org/presentationml/2006/main">
   <p:cSld>
     <p:spTree>

--- a/input/images-source/ccrr-ig-diagrams.pptx
+++ b/input/images-source/ccrr-ig-diagrams.pptx
@@ -6,7 +6,7 @@
     <p:sldMasterId id="2147483674" r:id="rId2"/>
   </p:sldMasterIdLst>
   <p:notesMasterIdLst>
-    <p:notesMasterId r:id="rId9"/>
+    <p:notesMasterId r:id="rId10"/>
   </p:notesMasterIdLst>
   <p:sldIdLst>
     <p:sldId id="2456" r:id="rId3"/>
@@ -15,6 +15,7 @@
     <p:sldId id="259" r:id="rId6"/>
     <p:sldId id="2454" r:id="rId7"/>
     <p:sldId id="2455" r:id="rId8"/>
+    <p:sldId id="263" r:id="rId9"/>
   </p:sldIdLst>
   <p:sldSz cx="12192000" cy="6858000"/>
   <p:notesSz cx="6858000" cy="9144000"/>
@@ -203,7 +204,7 @@
           <a:p>
             <a:fld id="{AB97FB07-E237-456B-A4F0-F2C4672E0DE9}" type="datetimeFigureOut">
               <a:rPr lang="en-US" smtClean="0"/>
-              <a:t>8/14/2025</a:t>
+              <a:t>9/10/2025</a:t>
             </a:fld>
             <a:endParaRPr lang="en-US"/>
           </a:p>
@@ -1087,6 +1088,150 @@
 </p:notes>
 </file>
 
+<file path=ppt/notesSlides/notesSlide5.xml><?xml version="1.0" encoding="utf-8"?>
+<p:notes xmlns:a="http://schemas.openxmlformats.org/drawingml/2006/main" xmlns:r="http://schemas.openxmlformats.org/officeDocument/2006/relationships" xmlns:p="http://schemas.openxmlformats.org/presentationml/2006/main">
+  <p:cSld>
+    <p:spTree>
+      <p:nvGrpSpPr>
+        <p:cNvPr id="1" name=""/>
+        <p:cNvGrpSpPr/>
+        <p:nvPr/>
+      </p:nvGrpSpPr>
+      <p:grpSpPr>
+        <a:xfrm>
+          <a:off x="0" y="0"/>
+          <a:ext cx="0" cy="0"/>
+          <a:chOff x="0" y="0"/>
+          <a:chExt cx="0" cy="0"/>
+        </a:xfrm>
+      </p:grpSpPr>
+      <p:sp>
+        <p:nvSpPr>
+          <p:cNvPr id="2" name="Slide Image Placeholder 1"/>
+          <p:cNvSpPr>
+            <a:spLocks noGrp="1" noRot="1" noChangeAspect="1"/>
+          </p:cNvSpPr>
+          <p:nvPr>
+            <p:ph type="sldImg"/>
+          </p:nvPr>
+        </p:nvSpPr>
+        <p:spPr/>
+      </p:sp>
+      <p:sp>
+        <p:nvSpPr>
+          <p:cNvPr id="3" name="Notes Placeholder 2"/>
+          <p:cNvSpPr>
+            <a:spLocks noGrp="1"/>
+          </p:cNvSpPr>
+          <p:nvPr>
+            <p:ph type="body" idx="1"/>
+          </p:nvPr>
+        </p:nvSpPr>
+        <p:spPr/>
+        <p:txBody>
+          <a:bodyPr/>
+          <a:lstStyle/>
+          <a:p>
+            <a:endParaRPr lang="en-US" dirty="0"/>
+          </a:p>
+        </p:txBody>
+      </p:sp>
+      <p:sp>
+        <p:nvSpPr>
+          <p:cNvPr id="4" name="Slide Number Placeholder 3"/>
+          <p:cNvSpPr>
+            <a:spLocks noGrp="1"/>
+          </p:cNvSpPr>
+          <p:nvPr>
+            <p:ph type="sldNum" sz="quarter" idx="5"/>
+          </p:nvPr>
+        </p:nvSpPr>
+        <p:spPr/>
+        <p:txBody>
+          <a:bodyPr/>
+          <a:lstStyle/>
+          <a:p>
+            <a:pPr marL="0" marR="0" lvl="0" indent="0" algn="r" defTabSz="914400" rtl="0" eaLnBrk="1" fontAlgn="auto" latinLnBrk="0" hangingPunct="1">
+              <a:lnSpc>
+                <a:spcPct val="100000"/>
+              </a:lnSpc>
+              <a:spcBef>
+                <a:spcPts val="0"/>
+              </a:spcBef>
+              <a:spcAft>
+                <a:spcPts val="0"/>
+              </a:spcAft>
+              <a:buClrTx/>
+              <a:buSzTx/>
+              <a:buFontTx/>
+              <a:buNone/>
+              <a:tabLst/>
+              <a:defRPr/>
+            </a:pPr>
+            <a:fld id="{7B5BCFED-F310-6345-AB19-EBBEF8BF5E99}" type="slidenum">
+              <a:rPr kumimoji="0" lang="en-US" sz="1200" b="0" i="0" u="none" strike="noStrike" kern="1200" cap="none" spc="0" normalizeH="0" baseline="0" noProof="0" smtClean="0">
+                <a:ln>
+                  <a:noFill/>
+                </a:ln>
+                <a:solidFill>
+                  <a:prstClr val="black"/>
+                </a:solidFill>
+                <a:effectLst/>
+                <a:uLnTx/>
+                <a:uFillTx/>
+                <a:latin typeface="Calibri" panose="020F0502020204030204"/>
+                <a:ea typeface="+mn-ea"/>
+                <a:cs typeface="+mn-cs"/>
+              </a:rPr>
+              <a:pPr marL="0" marR="0" lvl="0" indent="0" algn="r" defTabSz="914400" rtl="0" eaLnBrk="1" fontAlgn="auto" latinLnBrk="0" hangingPunct="1">
+                <a:lnSpc>
+                  <a:spcPct val="100000"/>
+                </a:lnSpc>
+                <a:spcBef>
+                  <a:spcPts val="0"/>
+                </a:spcBef>
+                <a:spcAft>
+                  <a:spcPts val="0"/>
+                </a:spcAft>
+                <a:buClrTx/>
+                <a:buSzTx/>
+                <a:buFontTx/>
+                <a:buNone/>
+                <a:tabLst/>
+                <a:defRPr/>
+              </a:pPr>
+              <a:t>7</a:t>
+            </a:fld>
+            <a:endParaRPr kumimoji="0" lang="en-US" sz="1200" b="0" i="0" u="none" strike="noStrike" kern="1200" cap="none" spc="0" normalizeH="0" baseline="0" noProof="0">
+              <a:ln>
+                <a:noFill/>
+              </a:ln>
+              <a:solidFill>
+                <a:prstClr val="black"/>
+              </a:solidFill>
+              <a:effectLst/>
+              <a:uLnTx/>
+              <a:uFillTx/>
+              <a:latin typeface="Calibri" panose="020F0502020204030204"/>
+              <a:ea typeface="+mn-ea"/>
+              <a:cs typeface="+mn-cs"/>
+            </a:endParaRPr>
+          </a:p>
+        </p:txBody>
+      </p:sp>
+    </p:spTree>
+    <p:extLst>
+      <p:ext uri="{BB962C8B-B14F-4D97-AF65-F5344CB8AC3E}">
+        <p14:creationId xmlns:p14="http://schemas.microsoft.com/office/powerpoint/2010/main" val="1394378231"/>
+      </p:ext>
+    </p:extLst>
+  </p:cSld>
+  <p:clrMapOvr>
+    <a:masterClrMapping/>
+  </p:clrMapOvr>
+</p:notes>
+</file>
+
 <file path=ppt/slideLayouts/slideLayout1.xml><?xml version="1.0" encoding="utf-8"?>
 <p:sldLayout xmlns:a="http://schemas.openxmlformats.org/drawingml/2006/main" xmlns:r="http://schemas.openxmlformats.org/officeDocument/2006/relationships" xmlns:p="http://schemas.openxmlformats.org/presentationml/2006/main" preserve="1">
   <p:cSld name="Title Slide">
@@ -1876,7 +2021,7 @@
                 <a:latin typeface="Constantia"/>
               </a:rPr>
               <a:pPr/>
-              <a:t>8/14/2025</a:t>
+              <a:t>9/10/2025</a:t>
             </a:fld>
             <a:endParaRPr lang="en-US" dirty="0">
               <a:latin typeface="Constantia"/>
@@ -2111,7 +2256,7 @@
                 <a:latin typeface="Constantia"/>
               </a:rPr>
               <a:pPr/>
-              <a:t>8/14/2025</a:t>
+              <a:t>9/10/2025</a:t>
             </a:fld>
             <a:endParaRPr lang="en-US" dirty="0">
               <a:latin typeface="Constantia"/>
@@ -2319,7 +2464,7 @@
                 <a:latin typeface="Constantia"/>
               </a:rPr>
               <a:pPr/>
-              <a:t>8/14/2025</a:t>
+              <a:t>9/10/2025</a:t>
             </a:fld>
             <a:endParaRPr lang="en-US" dirty="0">
               <a:latin typeface="Constantia"/>
@@ -2627,7 +2772,7 @@
           <a:p>
             <a:fld id="{5F6B6B97-D1D7-444D-A37B-F21E0BA680D2}" type="datetimeFigureOut">
               <a:rPr lang="en-US" smtClean="0"/>
-              <a:t>8/14/2025</a:t>
+              <a:t>9/10/2025</a:t>
             </a:fld>
             <a:endParaRPr lang="en-US"/>
           </a:p>
@@ -2825,7 +2970,7 @@
           <a:p>
             <a:fld id="{5F6B6B97-D1D7-444D-A37B-F21E0BA680D2}" type="datetimeFigureOut">
               <a:rPr lang="en-US" smtClean="0"/>
-              <a:t>8/14/2025</a:t>
+              <a:t>9/10/2025</a:t>
             </a:fld>
             <a:endParaRPr lang="en-US"/>
           </a:p>
@@ -3100,7 +3245,7 @@
           <a:p>
             <a:fld id="{5F6B6B97-D1D7-444D-A37B-F21E0BA680D2}" type="datetimeFigureOut">
               <a:rPr lang="en-US" smtClean="0"/>
-              <a:t>8/14/2025</a:t>
+              <a:t>9/10/2025</a:t>
             </a:fld>
             <a:endParaRPr lang="en-US"/>
           </a:p>
@@ -3365,7 +3510,7 @@
           <a:p>
             <a:fld id="{5F6B6B97-D1D7-444D-A37B-F21E0BA680D2}" type="datetimeFigureOut">
               <a:rPr lang="en-US" smtClean="0"/>
-              <a:t>8/14/2025</a:t>
+              <a:t>9/10/2025</a:t>
             </a:fld>
             <a:endParaRPr lang="en-US"/>
           </a:p>
@@ -3777,7 +3922,7 @@
           <a:p>
             <a:fld id="{5F6B6B97-D1D7-444D-A37B-F21E0BA680D2}" type="datetimeFigureOut">
               <a:rPr lang="en-US" smtClean="0"/>
-              <a:t>8/14/2025</a:t>
+              <a:t>9/10/2025</a:t>
             </a:fld>
             <a:endParaRPr lang="en-US"/>
           </a:p>
@@ -3918,7 +4063,7 @@
           <a:p>
             <a:fld id="{5F6B6B97-D1D7-444D-A37B-F21E0BA680D2}" type="datetimeFigureOut">
               <a:rPr lang="en-US" smtClean="0"/>
-              <a:t>8/14/2025</a:t>
+              <a:t>9/10/2025</a:t>
             </a:fld>
             <a:endParaRPr lang="en-US"/>
           </a:p>
@@ -4054,7 +4199,7 @@
                 <a:latin typeface="Constantia"/>
               </a:rPr>
               <a:pPr/>
-              <a:t>8/14/2025</a:t>
+              <a:t>9/10/2025</a:t>
             </a:fld>
             <a:endParaRPr lang="en-US" dirty="0">
               <a:latin typeface="Constantia"/>
@@ -4176,7 +4321,7 @@
           <a:p>
             <a:fld id="{5F6B6B97-D1D7-444D-A37B-F21E0BA680D2}" type="datetimeFigureOut">
               <a:rPr lang="en-US" smtClean="0"/>
-              <a:t>8/14/2025</a:t>
+              <a:t>9/10/2025</a:t>
             </a:fld>
             <a:endParaRPr lang="en-US"/>
           </a:p>
@@ -4487,7 +4632,7 @@
           <a:p>
             <a:fld id="{5F6B6B97-D1D7-444D-A37B-F21E0BA680D2}" type="datetimeFigureOut">
               <a:rPr lang="en-US" smtClean="0"/>
-              <a:t>8/14/2025</a:t>
+              <a:t>9/10/2025</a:t>
             </a:fld>
             <a:endParaRPr lang="en-US"/>
           </a:p>
@@ -4775,7 +4920,7 @@
           <a:p>
             <a:fld id="{5F6B6B97-D1D7-444D-A37B-F21E0BA680D2}" type="datetimeFigureOut">
               <a:rPr lang="en-US" smtClean="0"/>
-              <a:t>8/14/2025</a:t>
+              <a:t>9/10/2025</a:t>
             </a:fld>
             <a:endParaRPr lang="en-US"/>
           </a:p>
@@ -4973,7 +5118,7 @@
           <a:p>
             <a:fld id="{5F6B6B97-D1D7-444D-A37B-F21E0BA680D2}" type="datetimeFigureOut">
               <a:rPr lang="en-US" smtClean="0"/>
-              <a:t>8/14/2025</a:t>
+              <a:t>9/10/2025</a:t>
             </a:fld>
             <a:endParaRPr lang="en-US"/>
           </a:p>
@@ -5181,7 +5326,7 @@
           <a:p>
             <a:fld id="{5F6B6B97-D1D7-444D-A37B-F21E0BA680D2}" type="datetimeFigureOut">
               <a:rPr lang="en-US" smtClean="0"/>
-              <a:t>8/14/2025</a:t>
+              <a:t>9/10/2025</a:t>
             </a:fld>
             <a:endParaRPr lang="en-US"/>
           </a:p>
@@ -5409,7 +5554,7 @@
                 <a:latin typeface="Constantia"/>
               </a:rPr>
               <a:pPr/>
-              <a:t>8/14/2025</a:t>
+              <a:t>9/10/2025</a:t>
             </a:fld>
             <a:endParaRPr lang="en-US" dirty="0">
               <a:latin typeface="Constantia"/>
@@ -5711,7 +5856,7 @@
                 <a:latin typeface="Constantia"/>
               </a:rPr>
               <a:pPr/>
-              <a:t>8/14/2025</a:t>
+              <a:t>9/10/2025</a:t>
             </a:fld>
             <a:endParaRPr lang="en-US" dirty="0">
               <a:latin typeface="Constantia"/>
@@ -6122,7 +6267,7 @@
                 <a:latin typeface="Constantia"/>
               </a:rPr>
               <a:pPr/>
-              <a:t>8/14/2025</a:t>
+              <a:t>9/10/2025</a:t>
             </a:fld>
             <a:endParaRPr lang="en-US" dirty="0">
               <a:latin typeface="Constantia"/>
@@ -6305,7 +6450,7 @@
                 <a:latin typeface="Constantia"/>
               </a:rPr>
               <a:pPr/>
-              <a:t>8/14/2025</a:t>
+              <a:t>9/10/2025</a:t>
             </a:fld>
             <a:endParaRPr lang="en-US" dirty="0">
               <a:latin typeface="Constantia"/>
@@ -6428,7 +6573,7 @@
                 <a:latin typeface="Constantia"/>
               </a:rPr>
               <a:pPr/>
-              <a:t>8/14/2025</a:t>
+              <a:t>9/10/2025</a:t>
             </a:fld>
             <a:endParaRPr lang="en-US" dirty="0">
               <a:latin typeface="Constantia"/>
@@ -6577,7 +6722,7 @@
                 <a:latin typeface="Constantia"/>
               </a:rPr>
               <a:pPr/>
-              <a:t>8/14/2025</a:t>
+              <a:t>9/10/2025</a:t>
             </a:fld>
             <a:endParaRPr lang="en-US" dirty="0">
               <a:latin typeface="Constantia"/>
@@ -6903,7 +7048,7 @@
                 <a:latin typeface="Constantia"/>
               </a:rPr>
               <a:pPr/>
-              <a:t>8/14/2025</a:t>
+              <a:t>9/10/2025</a:t>
             </a:fld>
             <a:endParaRPr lang="en-US" dirty="0">
               <a:latin typeface="Constantia"/>
@@ -7158,7 +7303,7 @@
             <a:fld id="{B0F76EF8-0209-C949-9DAA-A21557B1487A}" type="datetimeFigureOut">
               <a:rPr lang="en-US" smtClean="0"/>
               <a:pPr defTabSz="457189"/>
-              <a:t>8/14/2025</a:t>
+              <a:t>9/10/2025</a:t>
             </a:fld>
             <a:endParaRPr lang="en-US" dirty="0"/>
           </a:p>
@@ -7875,7 +8020,7 @@
           <a:p>
             <a:fld id="{5F6B6B97-D1D7-444D-A37B-F21E0BA680D2}" type="datetimeFigureOut">
               <a:rPr lang="en-US" smtClean="0"/>
-              <a:t>8/14/2025</a:t>
+              <a:t>9/10/2025</a:t>
             </a:fld>
             <a:endParaRPr lang="en-US"/>
           </a:p>
@@ -21804,6 +21949,3252 @@
 </p:sld>
 </file>
 
+<file path=ppt/slides/slide7.xml><?xml version="1.0" encoding="utf-8"?>
+<p:sld xmlns:a="http://schemas.openxmlformats.org/drawingml/2006/main" xmlns:r="http://schemas.openxmlformats.org/officeDocument/2006/relationships" xmlns:p="http://schemas.openxmlformats.org/presentationml/2006/main">
+  <p:cSld>
+    <p:spTree>
+      <p:nvGrpSpPr>
+        <p:cNvPr id="1" name=""/>
+        <p:cNvGrpSpPr/>
+        <p:nvPr/>
+      </p:nvGrpSpPr>
+      <p:grpSpPr>
+        <a:xfrm>
+          <a:off x="0" y="0"/>
+          <a:ext cx="0" cy="0"/>
+          <a:chOff x="0" y="0"/>
+          <a:chExt cx="0" cy="0"/>
+        </a:xfrm>
+      </p:grpSpPr>
+      <p:cxnSp>
+        <p:nvCxnSpPr>
+          <p:cNvPr id="82" name="Straight Arrow Connector 81">
+            <a:extLst>
+              <a:ext uri="{FF2B5EF4-FFF2-40B4-BE49-F238E27FC236}">
+                <a16:creationId xmlns:a16="http://schemas.microsoft.com/office/drawing/2014/main" id="{EA93E8AC-1642-0856-7B4B-9BC2FBB3A495}"/>
+              </a:ext>
+            </a:extLst>
+          </p:cNvPr>
+          <p:cNvCxnSpPr>
+            <a:cxnSpLocks/>
+            <a:stCxn id="97" idx="2"/>
+            <a:endCxn id="107" idx="0"/>
+          </p:cNvCxnSpPr>
+          <p:nvPr/>
+        </p:nvCxnSpPr>
+        <p:spPr>
+          <a:xfrm flipH="1">
+            <a:off x="7020491" y="3377446"/>
+            <a:ext cx="19736" cy="1530698"/>
+          </a:xfrm>
+          <a:prstGeom prst="straightConnector1">
+            <a:avLst/>
+          </a:prstGeom>
+          <a:ln w="6350">
+            <a:solidFill>
+              <a:schemeClr val="accent6"/>
+            </a:solidFill>
+            <a:prstDash val="solid"/>
+            <a:headEnd type="triangle"/>
+            <a:tailEnd type="none"/>
+          </a:ln>
+        </p:spPr>
+        <p:style>
+          <a:lnRef idx="1">
+            <a:schemeClr val="accent1"/>
+          </a:lnRef>
+          <a:fillRef idx="0">
+            <a:schemeClr val="accent1"/>
+          </a:fillRef>
+          <a:effectRef idx="0">
+            <a:schemeClr val="accent1"/>
+          </a:effectRef>
+          <a:fontRef idx="minor">
+            <a:schemeClr val="tx1"/>
+          </a:fontRef>
+        </p:style>
+      </p:cxnSp>
+      <p:cxnSp>
+        <p:nvCxnSpPr>
+          <p:cNvPr id="81" name="Straight Arrow Connector 80">
+            <a:extLst>
+              <a:ext uri="{FF2B5EF4-FFF2-40B4-BE49-F238E27FC236}">
+                <a16:creationId xmlns:a16="http://schemas.microsoft.com/office/drawing/2014/main" id="{EF029852-4147-589C-9189-0B25B5A8A7C9}"/>
+              </a:ext>
+            </a:extLst>
+          </p:cNvPr>
+          <p:cNvCxnSpPr>
+            <a:cxnSpLocks/>
+            <a:stCxn id="95" idx="2"/>
+            <a:endCxn id="106" idx="0"/>
+          </p:cNvCxnSpPr>
+          <p:nvPr/>
+        </p:nvCxnSpPr>
+        <p:spPr>
+          <a:xfrm>
+            <a:off x="4912574" y="3372183"/>
+            <a:ext cx="5980" cy="1535961"/>
+          </a:xfrm>
+          <a:prstGeom prst="straightConnector1">
+            <a:avLst/>
+          </a:prstGeom>
+          <a:ln w="6350">
+            <a:solidFill>
+              <a:schemeClr val="accent6"/>
+            </a:solidFill>
+            <a:prstDash val="solid"/>
+            <a:headEnd type="triangle"/>
+            <a:tailEnd type="none"/>
+          </a:ln>
+        </p:spPr>
+        <p:style>
+          <a:lnRef idx="1">
+            <a:schemeClr val="accent1"/>
+          </a:lnRef>
+          <a:fillRef idx="0">
+            <a:schemeClr val="accent1"/>
+          </a:fillRef>
+          <a:effectRef idx="0">
+            <a:schemeClr val="accent1"/>
+          </a:effectRef>
+          <a:fontRef idx="minor">
+            <a:schemeClr val="tx1"/>
+          </a:fontRef>
+        </p:style>
+      </p:cxnSp>
+      <p:grpSp>
+        <p:nvGrpSpPr>
+          <p:cNvPr id="59" name="Group 58">
+            <a:extLst>
+              <a:ext uri="{FF2B5EF4-FFF2-40B4-BE49-F238E27FC236}">
+                <a16:creationId xmlns:a16="http://schemas.microsoft.com/office/drawing/2014/main" id="{255F4E8E-E045-7713-2A5A-DEECB3106B6D}"/>
+              </a:ext>
+            </a:extLst>
+          </p:cNvPr>
+          <p:cNvGrpSpPr/>
+          <p:nvPr/>
+        </p:nvGrpSpPr>
+        <p:grpSpPr>
+          <a:xfrm>
+            <a:off x="306820" y="4854584"/>
+            <a:ext cx="10588154" cy="708292"/>
+            <a:chOff x="306820" y="5393064"/>
+            <a:chExt cx="10588154" cy="708292"/>
+          </a:xfrm>
+        </p:grpSpPr>
+        <p:cxnSp>
+          <p:nvCxnSpPr>
+            <p:cNvPr id="232" name="Straight Connector 231">
+              <a:extLst>
+                <a:ext uri="{FF2B5EF4-FFF2-40B4-BE49-F238E27FC236}">
+                  <a16:creationId xmlns:a16="http://schemas.microsoft.com/office/drawing/2014/main" id="{F56B2135-3DE6-BDA5-EBA5-2DBEF1320B21}"/>
+                </a:ext>
+              </a:extLst>
+            </p:cNvPr>
+            <p:cNvCxnSpPr>
+              <a:cxnSpLocks/>
+            </p:cNvCxnSpPr>
+            <p:nvPr/>
+          </p:nvCxnSpPr>
+          <p:spPr>
+            <a:xfrm>
+              <a:off x="2424451" y="5393064"/>
+              <a:ext cx="0" cy="399013"/>
+            </a:xfrm>
+            <a:prstGeom prst="line">
+              <a:avLst/>
+            </a:prstGeom>
+            <a:ln w="50800">
+              <a:solidFill>
+                <a:schemeClr val="tx1"/>
+              </a:solidFill>
+            </a:ln>
+          </p:spPr>
+          <p:style>
+            <a:lnRef idx="1">
+              <a:schemeClr val="accent1"/>
+            </a:lnRef>
+            <a:fillRef idx="0">
+              <a:schemeClr val="accent1"/>
+            </a:fillRef>
+            <a:effectRef idx="0">
+              <a:schemeClr val="accent1"/>
+            </a:effectRef>
+            <a:fontRef idx="minor">
+              <a:schemeClr val="tx1"/>
+            </a:fontRef>
+          </p:style>
+        </p:cxnSp>
+        <p:cxnSp>
+          <p:nvCxnSpPr>
+            <p:cNvPr id="236" name="Straight Connector 235">
+              <a:extLst>
+                <a:ext uri="{FF2B5EF4-FFF2-40B4-BE49-F238E27FC236}">
+                  <a16:creationId xmlns:a16="http://schemas.microsoft.com/office/drawing/2014/main" id="{B2A1E5BA-84D4-F673-E495-0B4F2CC740F9}"/>
+                </a:ext>
+              </a:extLst>
+            </p:cNvPr>
+            <p:cNvCxnSpPr>
+              <a:cxnSpLocks/>
+            </p:cNvCxnSpPr>
+            <p:nvPr/>
+          </p:nvCxnSpPr>
+          <p:spPr>
+            <a:xfrm>
+              <a:off x="4542082" y="5393064"/>
+              <a:ext cx="0" cy="399013"/>
+            </a:xfrm>
+            <a:prstGeom prst="line">
+              <a:avLst/>
+            </a:prstGeom>
+            <a:ln w="50800">
+              <a:solidFill>
+                <a:schemeClr val="tx1"/>
+              </a:solidFill>
+            </a:ln>
+          </p:spPr>
+          <p:style>
+            <a:lnRef idx="1">
+              <a:schemeClr val="accent1"/>
+            </a:lnRef>
+            <a:fillRef idx="0">
+              <a:schemeClr val="accent1"/>
+            </a:fillRef>
+            <a:effectRef idx="0">
+              <a:schemeClr val="accent1"/>
+            </a:effectRef>
+            <a:fontRef idx="minor">
+              <a:schemeClr val="tx1"/>
+            </a:fontRef>
+          </p:style>
+        </p:cxnSp>
+        <p:cxnSp>
+          <p:nvCxnSpPr>
+            <p:cNvPr id="238" name="Straight Connector 237">
+              <a:extLst>
+                <a:ext uri="{FF2B5EF4-FFF2-40B4-BE49-F238E27FC236}">
+                  <a16:creationId xmlns:a16="http://schemas.microsoft.com/office/drawing/2014/main" id="{43B5EF8B-B489-3638-0BDE-31A26775CB66}"/>
+                </a:ext>
+              </a:extLst>
+            </p:cNvPr>
+            <p:cNvCxnSpPr>
+              <a:cxnSpLocks/>
+            </p:cNvCxnSpPr>
+            <p:nvPr/>
+          </p:nvCxnSpPr>
+          <p:spPr>
+            <a:xfrm>
+              <a:off x="6659713" y="5393064"/>
+              <a:ext cx="0" cy="399013"/>
+            </a:xfrm>
+            <a:prstGeom prst="line">
+              <a:avLst/>
+            </a:prstGeom>
+            <a:ln w="50800">
+              <a:solidFill>
+                <a:schemeClr val="tx1"/>
+              </a:solidFill>
+            </a:ln>
+          </p:spPr>
+          <p:style>
+            <a:lnRef idx="1">
+              <a:schemeClr val="accent1"/>
+            </a:lnRef>
+            <a:fillRef idx="0">
+              <a:schemeClr val="accent1"/>
+            </a:fillRef>
+            <a:effectRef idx="0">
+              <a:schemeClr val="accent1"/>
+            </a:effectRef>
+            <a:fontRef idx="minor">
+              <a:schemeClr val="tx1"/>
+            </a:fontRef>
+          </p:style>
+        </p:cxnSp>
+        <p:cxnSp>
+          <p:nvCxnSpPr>
+            <p:cNvPr id="239" name="Straight Connector 238">
+              <a:extLst>
+                <a:ext uri="{FF2B5EF4-FFF2-40B4-BE49-F238E27FC236}">
+                  <a16:creationId xmlns:a16="http://schemas.microsoft.com/office/drawing/2014/main" id="{708CE08F-8C05-58A4-5009-EAB5C864A1E5}"/>
+                </a:ext>
+              </a:extLst>
+            </p:cNvPr>
+            <p:cNvCxnSpPr>
+              <a:cxnSpLocks/>
+            </p:cNvCxnSpPr>
+            <p:nvPr/>
+          </p:nvCxnSpPr>
+          <p:spPr>
+            <a:xfrm>
+              <a:off x="8777344" y="5393064"/>
+              <a:ext cx="0" cy="399013"/>
+            </a:xfrm>
+            <a:prstGeom prst="line">
+              <a:avLst/>
+            </a:prstGeom>
+            <a:ln w="50800">
+              <a:solidFill>
+                <a:schemeClr val="tx1"/>
+              </a:solidFill>
+            </a:ln>
+          </p:spPr>
+          <p:style>
+            <a:lnRef idx="1">
+              <a:schemeClr val="accent1"/>
+            </a:lnRef>
+            <a:fillRef idx="0">
+              <a:schemeClr val="accent1"/>
+            </a:fillRef>
+            <a:effectRef idx="0">
+              <a:schemeClr val="accent1"/>
+            </a:effectRef>
+            <a:fontRef idx="minor">
+              <a:schemeClr val="tx1"/>
+            </a:fontRef>
+          </p:style>
+        </p:cxnSp>
+        <p:cxnSp>
+          <p:nvCxnSpPr>
+            <p:cNvPr id="240" name="Straight Connector 239">
+              <a:extLst>
+                <a:ext uri="{FF2B5EF4-FFF2-40B4-BE49-F238E27FC236}">
+                  <a16:creationId xmlns:a16="http://schemas.microsoft.com/office/drawing/2014/main" id="{4FBC8E5D-843E-B8E2-40D7-31A2C3C562E2}"/>
+                </a:ext>
+              </a:extLst>
+            </p:cNvPr>
+            <p:cNvCxnSpPr>
+              <a:cxnSpLocks/>
+            </p:cNvCxnSpPr>
+            <p:nvPr/>
+          </p:nvCxnSpPr>
+          <p:spPr>
+            <a:xfrm>
+              <a:off x="306820" y="5393064"/>
+              <a:ext cx="0" cy="399013"/>
+            </a:xfrm>
+            <a:prstGeom prst="line">
+              <a:avLst/>
+            </a:prstGeom>
+            <a:ln w="50800">
+              <a:solidFill>
+                <a:schemeClr val="tx1"/>
+              </a:solidFill>
+            </a:ln>
+          </p:spPr>
+          <p:style>
+            <a:lnRef idx="1">
+              <a:schemeClr val="accent1"/>
+            </a:lnRef>
+            <a:fillRef idx="0">
+              <a:schemeClr val="accent1"/>
+            </a:fillRef>
+            <a:effectRef idx="0">
+              <a:schemeClr val="accent1"/>
+            </a:effectRef>
+            <a:fontRef idx="minor">
+              <a:schemeClr val="tx1"/>
+            </a:fontRef>
+          </p:style>
+        </p:cxnSp>
+        <p:cxnSp>
+          <p:nvCxnSpPr>
+            <p:cNvPr id="3" name="Straight Connector 2">
+              <a:extLst>
+                <a:ext uri="{FF2B5EF4-FFF2-40B4-BE49-F238E27FC236}">
+                  <a16:creationId xmlns:a16="http://schemas.microsoft.com/office/drawing/2014/main" id="{A77A0DFC-592F-6835-0397-367F3439DEA7}"/>
+                </a:ext>
+              </a:extLst>
+            </p:cNvPr>
+            <p:cNvCxnSpPr>
+              <a:cxnSpLocks/>
+            </p:cNvCxnSpPr>
+            <p:nvPr/>
+          </p:nvCxnSpPr>
+          <p:spPr>
+            <a:xfrm>
+              <a:off x="10894974" y="5393064"/>
+              <a:ext cx="0" cy="399013"/>
+            </a:xfrm>
+            <a:prstGeom prst="line">
+              <a:avLst/>
+            </a:prstGeom>
+            <a:ln w="50800">
+              <a:solidFill>
+                <a:schemeClr val="tx1"/>
+              </a:solidFill>
+            </a:ln>
+          </p:spPr>
+          <p:style>
+            <a:lnRef idx="1">
+              <a:schemeClr val="accent1"/>
+            </a:lnRef>
+            <a:fillRef idx="0">
+              <a:schemeClr val="accent1"/>
+            </a:fillRef>
+            <a:effectRef idx="0">
+              <a:schemeClr val="accent1"/>
+            </a:effectRef>
+            <a:fontRef idx="minor">
+              <a:schemeClr val="tx1"/>
+            </a:fontRef>
+          </p:style>
+        </p:cxnSp>
+        <p:cxnSp>
+          <p:nvCxnSpPr>
+            <p:cNvPr id="22" name="Straight Connector 21">
+              <a:extLst>
+                <a:ext uri="{FF2B5EF4-FFF2-40B4-BE49-F238E27FC236}">
+                  <a16:creationId xmlns:a16="http://schemas.microsoft.com/office/drawing/2014/main" id="{CD2B96CE-20F8-39F4-8699-329AE382B3CB}"/>
+                </a:ext>
+              </a:extLst>
+            </p:cNvPr>
+            <p:cNvCxnSpPr>
+              <a:cxnSpLocks/>
+            </p:cNvCxnSpPr>
+            <p:nvPr/>
+          </p:nvCxnSpPr>
+          <p:spPr>
+            <a:xfrm>
+              <a:off x="8752180" y="5593021"/>
+              <a:ext cx="2117631" cy="0"/>
+            </a:xfrm>
+            <a:prstGeom prst="line">
+              <a:avLst/>
+            </a:prstGeom>
+            <a:ln w="38100">
+              <a:solidFill>
+                <a:schemeClr val="tx1"/>
+              </a:solidFill>
+              <a:tailEnd type="none"/>
+            </a:ln>
+          </p:spPr>
+          <p:style>
+            <a:lnRef idx="1">
+              <a:schemeClr val="accent1"/>
+            </a:lnRef>
+            <a:fillRef idx="0">
+              <a:schemeClr val="accent1"/>
+            </a:fillRef>
+            <a:effectRef idx="0">
+              <a:schemeClr val="accent1"/>
+            </a:effectRef>
+            <a:fontRef idx="minor">
+              <a:schemeClr val="tx1"/>
+            </a:fontRef>
+          </p:style>
+        </p:cxnSp>
+        <p:sp>
+          <p:nvSpPr>
+            <p:cNvPr id="23" name="TextBox 22">
+              <a:extLst>
+                <a:ext uri="{FF2B5EF4-FFF2-40B4-BE49-F238E27FC236}">
+                  <a16:creationId xmlns:a16="http://schemas.microsoft.com/office/drawing/2014/main" id="{5EE79FA7-8BC9-3FC0-72C1-005C9805F13B}"/>
+                </a:ext>
+              </a:extLst>
+            </p:cNvPr>
+            <p:cNvSpPr txBox="1"/>
+            <p:nvPr/>
+          </p:nvSpPr>
+          <p:spPr>
+            <a:xfrm>
+              <a:off x="9491899" y="5732024"/>
+              <a:ext cx="652743" cy="369332"/>
+            </a:xfrm>
+            <a:prstGeom prst="rect">
+              <a:avLst/>
+            </a:prstGeom>
+            <a:noFill/>
+          </p:spPr>
+          <p:txBody>
+            <a:bodyPr wrap="none" rtlCol="0">
+              <a:spAutoFit/>
+            </a:bodyPr>
+            <a:lstStyle/>
+            <a:p>
+              <a:pPr marL="0" marR="0" lvl="0" indent="0" algn="l" defTabSz="914400" rtl="0" eaLnBrk="1" fontAlgn="auto" latinLnBrk="0" hangingPunct="1">
+                <a:lnSpc>
+                  <a:spcPct val="100000"/>
+                </a:lnSpc>
+                <a:spcBef>
+                  <a:spcPts val="0"/>
+                </a:spcBef>
+                <a:spcAft>
+                  <a:spcPts val="0"/>
+                </a:spcAft>
+                <a:buClrTx/>
+                <a:buSzTx/>
+                <a:buFontTx/>
+                <a:buNone/>
+                <a:tabLst/>
+                <a:defRPr/>
+              </a:pPr>
+              <a:r>
+                <a:rPr kumimoji="0" lang="en-US" sz="1800" b="0" i="0" u="none" strike="noStrike" kern="1200" cap="none" spc="0" normalizeH="0" baseline="0" noProof="0" dirty="0">
+                  <a:ln>
+                    <a:noFill/>
+                  </a:ln>
+                  <a:solidFill>
+                    <a:prstClr val="black"/>
+                  </a:solidFill>
+                  <a:effectLst/>
+                  <a:uLnTx/>
+                  <a:uFillTx/>
+                  <a:latin typeface="Calibri" panose="020F0502020204030204"/>
+                  <a:ea typeface="+mn-ea"/>
+                  <a:cs typeface="+mn-cs"/>
+                </a:rPr>
+                <a:t>2031</a:t>
+              </a:r>
+            </a:p>
+          </p:txBody>
+        </p:sp>
+        <p:cxnSp>
+          <p:nvCxnSpPr>
+            <p:cNvPr id="47" name="Straight Connector 46">
+              <a:extLst>
+                <a:ext uri="{FF2B5EF4-FFF2-40B4-BE49-F238E27FC236}">
+                  <a16:creationId xmlns:a16="http://schemas.microsoft.com/office/drawing/2014/main" id="{35712366-CBBD-774D-D29D-F76BC92077BB}"/>
+                </a:ext>
+              </a:extLst>
+            </p:cNvPr>
+            <p:cNvCxnSpPr>
+              <a:cxnSpLocks/>
+            </p:cNvCxnSpPr>
+            <p:nvPr/>
+          </p:nvCxnSpPr>
+          <p:spPr>
+            <a:xfrm>
+              <a:off x="329175" y="5593021"/>
+              <a:ext cx="2117631" cy="0"/>
+            </a:xfrm>
+            <a:prstGeom prst="line">
+              <a:avLst/>
+            </a:prstGeom>
+            <a:ln w="38100">
+              <a:solidFill>
+                <a:schemeClr val="tx1"/>
+              </a:solidFill>
+              <a:tailEnd type="none"/>
+            </a:ln>
+          </p:spPr>
+          <p:style>
+            <a:lnRef idx="1">
+              <a:schemeClr val="accent1"/>
+            </a:lnRef>
+            <a:fillRef idx="0">
+              <a:schemeClr val="accent1"/>
+            </a:fillRef>
+            <a:effectRef idx="0">
+              <a:schemeClr val="accent1"/>
+            </a:effectRef>
+            <a:fontRef idx="minor">
+              <a:schemeClr val="tx1"/>
+            </a:fontRef>
+          </p:style>
+        </p:cxnSp>
+        <p:sp>
+          <p:nvSpPr>
+            <p:cNvPr id="48" name="TextBox 47">
+              <a:extLst>
+                <a:ext uri="{FF2B5EF4-FFF2-40B4-BE49-F238E27FC236}">
+                  <a16:creationId xmlns:a16="http://schemas.microsoft.com/office/drawing/2014/main" id="{E917B52F-8798-E5B9-F716-764497D85717}"/>
+                </a:ext>
+              </a:extLst>
+            </p:cNvPr>
+            <p:cNvSpPr txBox="1"/>
+            <p:nvPr/>
+          </p:nvSpPr>
+          <p:spPr>
+            <a:xfrm>
+              <a:off x="1068894" y="5732024"/>
+              <a:ext cx="652744" cy="369332"/>
+            </a:xfrm>
+            <a:prstGeom prst="rect">
+              <a:avLst/>
+            </a:prstGeom>
+            <a:noFill/>
+          </p:spPr>
+          <p:txBody>
+            <a:bodyPr wrap="none" rtlCol="0">
+              <a:spAutoFit/>
+            </a:bodyPr>
+            <a:lstStyle/>
+            <a:p>
+              <a:pPr marL="0" marR="0" lvl="0" indent="0" algn="l" defTabSz="914400" rtl="0" eaLnBrk="1" fontAlgn="auto" latinLnBrk="0" hangingPunct="1">
+                <a:lnSpc>
+                  <a:spcPct val="100000"/>
+                </a:lnSpc>
+                <a:spcBef>
+                  <a:spcPts val="0"/>
+                </a:spcBef>
+                <a:spcAft>
+                  <a:spcPts val="0"/>
+                </a:spcAft>
+                <a:buClrTx/>
+                <a:buSzTx/>
+                <a:buFontTx/>
+                <a:buNone/>
+                <a:tabLst/>
+                <a:defRPr/>
+              </a:pPr>
+              <a:r>
+                <a:rPr kumimoji="0" lang="en-US" sz="1800" b="0" i="0" u="none" strike="noStrike" kern="1200" cap="none" spc="0" normalizeH="0" baseline="0" noProof="0" dirty="0">
+                  <a:ln>
+                    <a:noFill/>
+                  </a:ln>
+                  <a:solidFill>
+                    <a:prstClr val="black"/>
+                  </a:solidFill>
+                  <a:effectLst/>
+                  <a:uLnTx/>
+                  <a:uFillTx/>
+                  <a:latin typeface="Calibri" panose="020F0502020204030204"/>
+                  <a:ea typeface="+mn-ea"/>
+                  <a:cs typeface="+mn-cs"/>
+                </a:rPr>
+                <a:t>2027</a:t>
+              </a:r>
+            </a:p>
+          </p:txBody>
+        </p:sp>
+        <p:cxnSp>
+          <p:nvCxnSpPr>
+            <p:cNvPr id="51" name="Straight Connector 50">
+              <a:extLst>
+                <a:ext uri="{FF2B5EF4-FFF2-40B4-BE49-F238E27FC236}">
+                  <a16:creationId xmlns:a16="http://schemas.microsoft.com/office/drawing/2014/main" id="{3BAA40F7-FA37-F8E6-734F-9EFCD8C224D2}"/>
+                </a:ext>
+              </a:extLst>
+            </p:cNvPr>
+            <p:cNvCxnSpPr>
+              <a:cxnSpLocks/>
+            </p:cNvCxnSpPr>
+            <p:nvPr/>
+          </p:nvCxnSpPr>
+          <p:spPr>
+            <a:xfrm>
+              <a:off x="6646428" y="5593021"/>
+              <a:ext cx="2117631" cy="0"/>
+            </a:xfrm>
+            <a:prstGeom prst="line">
+              <a:avLst/>
+            </a:prstGeom>
+            <a:ln w="38100">
+              <a:solidFill>
+                <a:schemeClr val="tx1"/>
+              </a:solidFill>
+              <a:tailEnd type="none"/>
+            </a:ln>
+          </p:spPr>
+          <p:style>
+            <a:lnRef idx="1">
+              <a:schemeClr val="accent1"/>
+            </a:lnRef>
+            <a:fillRef idx="0">
+              <a:schemeClr val="accent1"/>
+            </a:fillRef>
+            <a:effectRef idx="0">
+              <a:schemeClr val="accent1"/>
+            </a:effectRef>
+            <a:fontRef idx="minor">
+              <a:schemeClr val="tx1"/>
+            </a:fontRef>
+          </p:style>
+        </p:cxnSp>
+        <p:sp>
+          <p:nvSpPr>
+            <p:cNvPr id="52" name="TextBox 51">
+              <a:extLst>
+                <a:ext uri="{FF2B5EF4-FFF2-40B4-BE49-F238E27FC236}">
+                  <a16:creationId xmlns:a16="http://schemas.microsoft.com/office/drawing/2014/main" id="{7A6065C9-DCE7-63AE-4B6B-8458470C2441}"/>
+                </a:ext>
+              </a:extLst>
+            </p:cNvPr>
+            <p:cNvSpPr txBox="1"/>
+            <p:nvPr/>
+          </p:nvSpPr>
+          <p:spPr>
+            <a:xfrm>
+              <a:off x="7386147" y="5732024"/>
+              <a:ext cx="652743" cy="369332"/>
+            </a:xfrm>
+            <a:prstGeom prst="rect">
+              <a:avLst/>
+            </a:prstGeom>
+            <a:noFill/>
+          </p:spPr>
+          <p:txBody>
+            <a:bodyPr wrap="none" rtlCol="0">
+              <a:spAutoFit/>
+            </a:bodyPr>
+            <a:lstStyle/>
+            <a:p>
+              <a:pPr marL="0" marR="0" lvl="0" indent="0" algn="l" defTabSz="914400" rtl="0" eaLnBrk="1" fontAlgn="auto" latinLnBrk="0" hangingPunct="1">
+                <a:lnSpc>
+                  <a:spcPct val="100000"/>
+                </a:lnSpc>
+                <a:spcBef>
+                  <a:spcPts val="0"/>
+                </a:spcBef>
+                <a:spcAft>
+                  <a:spcPts val="0"/>
+                </a:spcAft>
+                <a:buClrTx/>
+                <a:buSzTx/>
+                <a:buFontTx/>
+                <a:buNone/>
+                <a:tabLst/>
+                <a:defRPr/>
+              </a:pPr>
+              <a:r>
+                <a:rPr kumimoji="0" lang="en-US" sz="1800" b="0" i="0" u="none" strike="noStrike" kern="1200" cap="none" spc="0" normalizeH="0" baseline="0" noProof="0" dirty="0">
+                  <a:ln>
+                    <a:noFill/>
+                  </a:ln>
+                  <a:solidFill>
+                    <a:prstClr val="black"/>
+                  </a:solidFill>
+                  <a:effectLst/>
+                  <a:uLnTx/>
+                  <a:uFillTx/>
+                  <a:latin typeface="Calibri" panose="020F0502020204030204"/>
+                  <a:ea typeface="+mn-ea"/>
+                  <a:cs typeface="+mn-cs"/>
+                </a:rPr>
+                <a:t>2030</a:t>
+              </a:r>
+            </a:p>
+          </p:txBody>
+        </p:sp>
+        <p:cxnSp>
+          <p:nvCxnSpPr>
+            <p:cNvPr id="54" name="Straight Connector 53">
+              <a:extLst>
+                <a:ext uri="{FF2B5EF4-FFF2-40B4-BE49-F238E27FC236}">
+                  <a16:creationId xmlns:a16="http://schemas.microsoft.com/office/drawing/2014/main" id="{80CEA730-B2B1-C6F3-A7C9-9DE33E90676D}"/>
+                </a:ext>
+              </a:extLst>
+            </p:cNvPr>
+            <p:cNvCxnSpPr>
+              <a:cxnSpLocks/>
+            </p:cNvCxnSpPr>
+            <p:nvPr/>
+          </p:nvCxnSpPr>
+          <p:spPr>
+            <a:xfrm>
+              <a:off x="4540677" y="5593021"/>
+              <a:ext cx="2117631" cy="0"/>
+            </a:xfrm>
+            <a:prstGeom prst="line">
+              <a:avLst/>
+            </a:prstGeom>
+            <a:ln w="38100">
+              <a:solidFill>
+                <a:schemeClr val="tx1"/>
+              </a:solidFill>
+              <a:tailEnd type="none"/>
+            </a:ln>
+          </p:spPr>
+          <p:style>
+            <a:lnRef idx="1">
+              <a:schemeClr val="accent1"/>
+            </a:lnRef>
+            <a:fillRef idx="0">
+              <a:schemeClr val="accent1"/>
+            </a:fillRef>
+            <a:effectRef idx="0">
+              <a:schemeClr val="accent1"/>
+            </a:effectRef>
+            <a:fontRef idx="minor">
+              <a:schemeClr val="tx1"/>
+            </a:fontRef>
+          </p:style>
+        </p:cxnSp>
+        <p:sp>
+          <p:nvSpPr>
+            <p:cNvPr id="55" name="TextBox 54">
+              <a:extLst>
+                <a:ext uri="{FF2B5EF4-FFF2-40B4-BE49-F238E27FC236}">
+                  <a16:creationId xmlns:a16="http://schemas.microsoft.com/office/drawing/2014/main" id="{DAA7CFBE-1058-E3DA-53F8-D4F157D4F719}"/>
+                </a:ext>
+              </a:extLst>
+            </p:cNvPr>
+            <p:cNvSpPr txBox="1"/>
+            <p:nvPr/>
+          </p:nvSpPr>
+          <p:spPr>
+            <a:xfrm>
+              <a:off x="5280396" y="5732024"/>
+              <a:ext cx="652743" cy="369332"/>
+            </a:xfrm>
+            <a:prstGeom prst="rect">
+              <a:avLst/>
+            </a:prstGeom>
+            <a:noFill/>
+          </p:spPr>
+          <p:txBody>
+            <a:bodyPr wrap="none" rtlCol="0">
+              <a:spAutoFit/>
+            </a:bodyPr>
+            <a:lstStyle/>
+            <a:p>
+              <a:pPr marL="0" marR="0" lvl="0" indent="0" algn="l" defTabSz="914400" rtl="0" eaLnBrk="1" fontAlgn="auto" latinLnBrk="0" hangingPunct="1">
+                <a:lnSpc>
+                  <a:spcPct val="100000"/>
+                </a:lnSpc>
+                <a:spcBef>
+                  <a:spcPts val="0"/>
+                </a:spcBef>
+                <a:spcAft>
+                  <a:spcPts val="0"/>
+                </a:spcAft>
+                <a:buClrTx/>
+                <a:buSzTx/>
+                <a:buFontTx/>
+                <a:buNone/>
+                <a:tabLst/>
+                <a:defRPr/>
+              </a:pPr>
+              <a:r>
+                <a:rPr kumimoji="0" lang="en-US" sz="1800" b="0" i="0" u="none" strike="noStrike" kern="1200" cap="none" spc="0" normalizeH="0" baseline="0" noProof="0" dirty="0">
+                  <a:ln>
+                    <a:noFill/>
+                  </a:ln>
+                  <a:solidFill>
+                    <a:prstClr val="black"/>
+                  </a:solidFill>
+                  <a:effectLst/>
+                  <a:uLnTx/>
+                  <a:uFillTx/>
+                  <a:latin typeface="Calibri" panose="020F0502020204030204"/>
+                  <a:ea typeface="+mn-ea"/>
+                  <a:cs typeface="+mn-cs"/>
+                </a:rPr>
+                <a:t>2029</a:t>
+              </a:r>
+            </a:p>
+          </p:txBody>
+        </p:sp>
+        <p:cxnSp>
+          <p:nvCxnSpPr>
+            <p:cNvPr id="57" name="Straight Connector 56">
+              <a:extLst>
+                <a:ext uri="{FF2B5EF4-FFF2-40B4-BE49-F238E27FC236}">
+                  <a16:creationId xmlns:a16="http://schemas.microsoft.com/office/drawing/2014/main" id="{E9CB0F5D-B001-DF1F-5957-592EEC756980}"/>
+                </a:ext>
+              </a:extLst>
+            </p:cNvPr>
+            <p:cNvCxnSpPr>
+              <a:cxnSpLocks/>
+            </p:cNvCxnSpPr>
+            <p:nvPr/>
+          </p:nvCxnSpPr>
+          <p:spPr>
+            <a:xfrm>
+              <a:off x="2434926" y="5593021"/>
+              <a:ext cx="2117631" cy="0"/>
+            </a:xfrm>
+            <a:prstGeom prst="line">
+              <a:avLst/>
+            </a:prstGeom>
+            <a:ln w="38100">
+              <a:solidFill>
+                <a:schemeClr val="tx1"/>
+              </a:solidFill>
+              <a:tailEnd type="none"/>
+            </a:ln>
+          </p:spPr>
+          <p:style>
+            <a:lnRef idx="1">
+              <a:schemeClr val="accent1"/>
+            </a:lnRef>
+            <a:fillRef idx="0">
+              <a:schemeClr val="accent1"/>
+            </a:fillRef>
+            <a:effectRef idx="0">
+              <a:schemeClr val="accent1"/>
+            </a:effectRef>
+            <a:fontRef idx="minor">
+              <a:schemeClr val="tx1"/>
+            </a:fontRef>
+          </p:style>
+        </p:cxnSp>
+        <p:sp>
+          <p:nvSpPr>
+            <p:cNvPr id="58" name="TextBox 57">
+              <a:extLst>
+                <a:ext uri="{FF2B5EF4-FFF2-40B4-BE49-F238E27FC236}">
+                  <a16:creationId xmlns:a16="http://schemas.microsoft.com/office/drawing/2014/main" id="{313F5E05-B853-D5AF-2D34-CD7D9BDE4110}"/>
+                </a:ext>
+              </a:extLst>
+            </p:cNvPr>
+            <p:cNvSpPr txBox="1"/>
+            <p:nvPr/>
+          </p:nvSpPr>
+          <p:spPr>
+            <a:xfrm>
+              <a:off x="3174645" y="5732024"/>
+              <a:ext cx="652743" cy="369332"/>
+            </a:xfrm>
+            <a:prstGeom prst="rect">
+              <a:avLst/>
+            </a:prstGeom>
+            <a:noFill/>
+          </p:spPr>
+          <p:txBody>
+            <a:bodyPr wrap="none" rtlCol="0">
+              <a:spAutoFit/>
+            </a:bodyPr>
+            <a:lstStyle/>
+            <a:p>
+              <a:pPr marL="0" marR="0" lvl="0" indent="0" algn="l" defTabSz="914400" rtl="0" eaLnBrk="1" fontAlgn="auto" latinLnBrk="0" hangingPunct="1">
+                <a:lnSpc>
+                  <a:spcPct val="100000"/>
+                </a:lnSpc>
+                <a:spcBef>
+                  <a:spcPts val="0"/>
+                </a:spcBef>
+                <a:spcAft>
+                  <a:spcPts val="0"/>
+                </a:spcAft>
+                <a:buClrTx/>
+                <a:buSzTx/>
+                <a:buFontTx/>
+                <a:buNone/>
+                <a:tabLst/>
+                <a:defRPr/>
+              </a:pPr>
+              <a:r>
+                <a:rPr kumimoji="0" lang="en-US" sz="1800" b="0" i="0" u="none" strike="noStrike" kern="1200" cap="none" spc="0" normalizeH="0" baseline="0" noProof="0" dirty="0">
+                  <a:ln>
+                    <a:noFill/>
+                  </a:ln>
+                  <a:solidFill>
+                    <a:prstClr val="black"/>
+                  </a:solidFill>
+                  <a:effectLst/>
+                  <a:uLnTx/>
+                  <a:uFillTx/>
+                  <a:latin typeface="Calibri" panose="020F0502020204030204"/>
+                  <a:ea typeface="+mn-ea"/>
+                  <a:cs typeface="+mn-cs"/>
+                </a:rPr>
+                <a:t>2028</a:t>
+              </a:r>
+            </a:p>
+          </p:txBody>
+        </p:sp>
+      </p:grpSp>
+      <p:grpSp>
+        <p:nvGrpSpPr>
+          <p:cNvPr id="61" name="Group 60">
+            <a:extLst>
+              <a:ext uri="{FF2B5EF4-FFF2-40B4-BE49-F238E27FC236}">
+                <a16:creationId xmlns:a16="http://schemas.microsoft.com/office/drawing/2014/main" id="{C78AD225-52B5-DF70-01A4-8F08CE894D25}"/>
+              </a:ext>
+            </a:extLst>
+          </p:cNvPr>
+          <p:cNvGrpSpPr/>
+          <p:nvPr/>
+        </p:nvGrpSpPr>
+        <p:grpSpPr>
+          <a:xfrm>
+            <a:off x="771740" y="1394092"/>
+            <a:ext cx="2761284" cy="3514092"/>
+            <a:chOff x="771740" y="3745180"/>
+            <a:chExt cx="2761284" cy="3514092"/>
+          </a:xfrm>
+        </p:grpSpPr>
+        <p:cxnSp>
+          <p:nvCxnSpPr>
+            <p:cNvPr id="42" name="Elbow Connector 41">
+              <a:extLst>
+                <a:ext uri="{FF2B5EF4-FFF2-40B4-BE49-F238E27FC236}">
+                  <a16:creationId xmlns:a16="http://schemas.microsoft.com/office/drawing/2014/main" id="{0DCA9DAF-F231-D57B-9739-449E84014775}"/>
+                </a:ext>
+              </a:extLst>
+            </p:cNvPr>
+            <p:cNvCxnSpPr>
+              <a:cxnSpLocks/>
+              <a:stCxn id="49" idx="0"/>
+              <a:endCxn id="43" idx="1"/>
+            </p:cNvCxnSpPr>
+            <p:nvPr/>
+          </p:nvCxnSpPr>
+          <p:spPr>
+            <a:xfrm rot="5400000" flipH="1" flipV="1">
+              <a:off x="-732898" y="5480652"/>
+              <a:ext cx="3283258" cy="273981"/>
+            </a:xfrm>
+            <a:prstGeom prst="bentConnector2">
+              <a:avLst/>
+            </a:prstGeom>
+            <a:ln>
+              <a:tailEnd type="triangle"/>
+            </a:ln>
+          </p:spPr>
+          <p:style>
+            <a:lnRef idx="1">
+              <a:schemeClr val="accent1"/>
+            </a:lnRef>
+            <a:fillRef idx="0">
+              <a:schemeClr val="accent1"/>
+            </a:fillRef>
+            <a:effectRef idx="0">
+              <a:schemeClr val="accent1"/>
+            </a:effectRef>
+            <a:fontRef idx="minor">
+              <a:schemeClr val="tx1"/>
+            </a:fontRef>
+          </p:style>
+        </p:cxnSp>
+        <p:sp>
+          <p:nvSpPr>
+            <p:cNvPr id="43" name="TextBox 42">
+              <a:extLst>
+                <a:ext uri="{FF2B5EF4-FFF2-40B4-BE49-F238E27FC236}">
+                  <a16:creationId xmlns:a16="http://schemas.microsoft.com/office/drawing/2014/main" id="{07B44F4A-2AEB-9FBB-4801-069171300176}"/>
+                </a:ext>
+              </a:extLst>
+            </p:cNvPr>
+            <p:cNvSpPr txBox="1"/>
+            <p:nvPr/>
+          </p:nvSpPr>
+          <p:spPr>
+            <a:xfrm>
+              <a:off x="1045722" y="3745180"/>
+              <a:ext cx="2487302" cy="461665"/>
+            </a:xfrm>
+            <a:prstGeom prst="rect">
+              <a:avLst/>
+            </a:prstGeom>
+            <a:noFill/>
+          </p:spPr>
+          <p:txBody>
+            <a:bodyPr wrap="square" rtlCol="0">
+              <a:spAutoFit/>
+            </a:bodyPr>
+            <a:lstStyle/>
+            <a:p>
+              <a:pPr marL="0" marR="0" lvl="0" indent="0" algn="l" defTabSz="914400" rtl="0" eaLnBrk="1" fontAlgn="auto" latinLnBrk="0" hangingPunct="1">
+                <a:lnSpc>
+                  <a:spcPct val="100000"/>
+                </a:lnSpc>
+                <a:spcBef>
+                  <a:spcPts val="0"/>
+                </a:spcBef>
+                <a:spcAft>
+                  <a:spcPts val="0"/>
+                </a:spcAft>
+                <a:buClrTx/>
+                <a:buSzTx/>
+                <a:buFontTx/>
+                <a:buNone/>
+                <a:tabLst/>
+                <a:defRPr/>
+              </a:pPr>
+              <a:r>
+                <a:rPr kumimoji="0" lang="en-US" sz="1200" b="0" i="0" u="none" strike="noStrike" kern="1200" cap="none" spc="0" normalizeH="0" baseline="0" noProof="0" dirty="0">
+                  <a:ln>
+                    <a:noFill/>
+                  </a:ln>
+                  <a:solidFill>
+                    <a:srgbClr val="4472C4"/>
+                  </a:solidFill>
+                  <a:effectLst/>
+                  <a:uLnTx/>
+                  <a:uFillTx/>
+                  <a:latin typeface="Calibri" panose="020F0502020204030204"/>
+                  <a:ea typeface="+mn-ea"/>
+                  <a:cs typeface="+mn-cs"/>
+                </a:rPr>
+                <a:t>T0 + 15 Days: Encounter-based Bundle EB.1 Sent</a:t>
+              </a:r>
+            </a:p>
+          </p:txBody>
+        </p:sp>
+      </p:grpSp>
+      <p:sp>
+        <p:nvSpPr>
+          <p:cNvPr id="143" name="Diamond 142">
+            <a:extLst>
+              <a:ext uri="{FF2B5EF4-FFF2-40B4-BE49-F238E27FC236}">
+                <a16:creationId xmlns:a16="http://schemas.microsoft.com/office/drawing/2014/main" id="{E6AE7607-522C-D3B9-7FE2-9F833CD3AABA}"/>
+              </a:ext>
+            </a:extLst>
+          </p:cNvPr>
+          <p:cNvSpPr/>
+          <p:nvPr/>
+        </p:nvSpPr>
+        <p:spPr>
+          <a:xfrm>
+            <a:off x="3501016" y="4903432"/>
+            <a:ext cx="274320" cy="274320"/>
+          </a:xfrm>
+          <a:prstGeom prst="diamond">
+            <a:avLst/>
+          </a:prstGeom>
+          <a:solidFill>
+            <a:schemeClr val="accent2">
+              <a:alpha val="80000"/>
+            </a:schemeClr>
+          </a:solidFill>
+        </p:spPr>
+        <p:style>
+          <a:lnRef idx="2">
+            <a:schemeClr val="accent1">
+              <a:shade val="15000"/>
+            </a:schemeClr>
+          </a:lnRef>
+          <a:fillRef idx="1">
+            <a:schemeClr val="accent1"/>
+          </a:fillRef>
+          <a:effectRef idx="0">
+            <a:schemeClr val="accent1"/>
+          </a:effectRef>
+          <a:fontRef idx="minor">
+            <a:schemeClr val="lt1"/>
+          </a:fontRef>
+        </p:style>
+        <p:txBody>
+          <a:bodyPr rtlCol="0" anchor="ctr"/>
+          <a:lstStyle/>
+          <a:p>
+            <a:pPr marL="0" marR="0" lvl="0" indent="0" algn="ctr" defTabSz="914400" rtl="0" eaLnBrk="1" fontAlgn="auto" latinLnBrk="0" hangingPunct="1">
+              <a:lnSpc>
+                <a:spcPct val="100000"/>
+              </a:lnSpc>
+              <a:spcBef>
+                <a:spcPts val="0"/>
+              </a:spcBef>
+              <a:spcAft>
+                <a:spcPts val="0"/>
+              </a:spcAft>
+              <a:buClrTx/>
+              <a:buSzTx/>
+              <a:buFontTx/>
+              <a:buNone/>
+              <a:tabLst/>
+              <a:defRPr/>
+            </a:pPr>
+            <a:endParaRPr kumimoji="0" lang="en-US" sz="1800" b="0" i="0" u="none" strike="noStrike" kern="1200" cap="none" spc="0" normalizeH="0" baseline="0" noProof="0" dirty="0">
+              <a:ln>
+                <a:noFill/>
+              </a:ln>
+              <a:solidFill>
+                <a:prstClr val="white"/>
+              </a:solidFill>
+              <a:effectLst/>
+              <a:uLnTx/>
+              <a:uFillTx/>
+              <a:latin typeface="Calibri" panose="020F0502020204030204"/>
+              <a:ea typeface="+mn-ea"/>
+              <a:cs typeface="+mn-cs"/>
+            </a:endParaRPr>
+          </a:p>
+        </p:txBody>
+      </p:sp>
+      <p:cxnSp>
+        <p:nvCxnSpPr>
+          <p:cNvPr id="163" name="Straight Arrow Connector 162">
+            <a:extLst>
+              <a:ext uri="{FF2B5EF4-FFF2-40B4-BE49-F238E27FC236}">
+                <a16:creationId xmlns:a16="http://schemas.microsoft.com/office/drawing/2014/main" id="{921CB3F7-C7DA-741C-F63B-07912F098B61}"/>
+              </a:ext>
+            </a:extLst>
+          </p:cNvPr>
+          <p:cNvCxnSpPr>
+            <a:cxnSpLocks/>
+          </p:cNvCxnSpPr>
+          <p:nvPr/>
+        </p:nvCxnSpPr>
+        <p:spPr>
+          <a:xfrm>
+            <a:off x="693315" y="699509"/>
+            <a:ext cx="0" cy="4358663"/>
+          </a:xfrm>
+          <a:prstGeom prst="straightConnector1">
+            <a:avLst/>
+          </a:prstGeom>
+          <a:ln w="22225">
+            <a:solidFill>
+              <a:schemeClr val="tx1"/>
+            </a:solidFill>
+            <a:prstDash val="dash"/>
+            <a:headEnd type="triangle"/>
+            <a:tailEnd type="none"/>
+          </a:ln>
+        </p:spPr>
+        <p:style>
+          <a:lnRef idx="1">
+            <a:schemeClr val="accent1"/>
+          </a:lnRef>
+          <a:fillRef idx="0">
+            <a:schemeClr val="accent1"/>
+          </a:fillRef>
+          <a:effectRef idx="0">
+            <a:schemeClr val="accent1"/>
+          </a:effectRef>
+          <a:fontRef idx="minor">
+            <a:schemeClr val="tx1"/>
+          </a:fontRef>
+        </p:style>
+      </p:cxnSp>
+      <p:cxnSp>
+        <p:nvCxnSpPr>
+          <p:cNvPr id="169" name="Straight Arrow Connector 168">
+            <a:extLst>
+              <a:ext uri="{FF2B5EF4-FFF2-40B4-BE49-F238E27FC236}">
+                <a16:creationId xmlns:a16="http://schemas.microsoft.com/office/drawing/2014/main" id="{EF151F5A-0753-FFD3-01EF-100A1B743DAB}"/>
+              </a:ext>
+            </a:extLst>
+          </p:cNvPr>
+          <p:cNvCxnSpPr>
+            <a:cxnSpLocks/>
+            <a:stCxn id="94" idx="2"/>
+            <a:endCxn id="75" idx="0"/>
+          </p:cNvCxnSpPr>
+          <p:nvPr/>
+        </p:nvCxnSpPr>
+        <p:spPr>
+          <a:xfrm>
+            <a:off x="2796743" y="3365118"/>
+            <a:ext cx="8343" cy="1550883"/>
+          </a:xfrm>
+          <a:prstGeom prst="straightConnector1">
+            <a:avLst/>
+          </a:prstGeom>
+          <a:ln w="6350">
+            <a:solidFill>
+              <a:schemeClr val="accent6"/>
+            </a:solidFill>
+            <a:prstDash val="solid"/>
+            <a:headEnd type="triangle"/>
+            <a:tailEnd type="none"/>
+          </a:ln>
+        </p:spPr>
+        <p:style>
+          <a:lnRef idx="1">
+            <a:schemeClr val="accent1"/>
+          </a:lnRef>
+          <a:fillRef idx="0">
+            <a:schemeClr val="accent1"/>
+          </a:fillRef>
+          <a:effectRef idx="0">
+            <a:schemeClr val="accent1"/>
+          </a:effectRef>
+          <a:fontRef idx="minor">
+            <a:schemeClr val="tx1"/>
+          </a:fontRef>
+        </p:style>
+      </p:cxnSp>
+      <p:sp>
+        <p:nvSpPr>
+          <p:cNvPr id="64" name="TextBox 63">
+            <a:extLst>
+              <a:ext uri="{FF2B5EF4-FFF2-40B4-BE49-F238E27FC236}">
+                <a16:creationId xmlns:a16="http://schemas.microsoft.com/office/drawing/2014/main" id="{70A3F70F-2B1B-C4CB-43C6-46C14DBC4ED3}"/>
+              </a:ext>
+            </a:extLst>
+          </p:cNvPr>
+          <p:cNvSpPr txBox="1"/>
+          <p:nvPr/>
+        </p:nvSpPr>
+        <p:spPr>
+          <a:xfrm>
+            <a:off x="573934" y="372567"/>
+            <a:ext cx="3188861" cy="276999"/>
+          </a:xfrm>
+          <a:prstGeom prst="rect">
+            <a:avLst/>
+          </a:prstGeom>
+          <a:noFill/>
+        </p:spPr>
+        <p:txBody>
+          <a:bodyPr wrap="square" rtlCol="0">
+            <a:spAutoFit/>
+          </a:bodyPr>
+          <a:lstStyle/>
+          <a:p>
+            <a:pPr marL="0" marR="0" lvl="0" indent="0" algn="l" defTabSz="914400" rtl="0" eaLnBrk="1" fontAlgn="auto" latinLnBrk="0" hangingPunct="1">
+              <a:lnSpc>
+                <a:spcPct val="100000"/>
+              </a:lnSpc>
+              <a:spcBef>
+                <a:spcPts val="0"/>
+              </a:spcBef>
+              <a:spcAft>
+                <a:spcPts val="0"/>
+              </a:spcAft>
+              <a:buClrTx/>
+              <a:buSzTx/>
+              <a:buFontTx/>
+              <a:buNone/>
+              <a:tabLst/>
+              <a:defRPr/>
+            </a:pPr>
+            <a:r>
+              <a:rPr kumimoji="0" lang="en-US" sz="1200" b="0" i="0" u="none" strike="noStrike" kern="1200" cap="none" spc="0" normalizeH="0" baseline="0" noProof="0" dirty="0">
+                <a:ln>
+                  <a:noFill/>
+                </a:ln>
+                <a:solidFill>
+                  <a:prstClr val="black"/>
+                </a:solidFill>
+                <a:effectLst/>
+                <a:uLnTx/>
+                <a:uFillTx/>
+                <a:latin typeface="Calibri" panose="020F0502020204030204"/>
+                <a:ea typeface="+mn-ea"/>
+                <a:cs typeface="+mn-cs"/>
+              </a:rPr>
+              <a:t>T0: Encounter with Primary Tumor Diagnosis </a:t>
+            </a:r>
+          </a:p>
+        </p:txBody>
+      </p:sp>
+      <p:cxnSp>
+        <p:nvCxnSpPr>
+          <p:cNvPr id="88" name="Straight Arrow Connector 87">
+            <a:extLst>
+              <a:ext uri="{FF2B5EF4-FFF2-40B4-BE49-F238E27FC236}">
+                <a16:creationId xmlns:a16="http://schemas.microsoft.com/office/drawing/2014/main" id="{BF6854C8-4E9E-19E1-A111-C7C4504217E5}"/>
+              </a:ext>
+            </a:extLst>
+          </p:cNvPr>
+          <p:cNvCxnSpPr>
+            <a:cxnSpLocks/>
+            <a:stCxn id="98" idx="2"/>
+          </p:cNvCxnSpPr>
+          <p:nvPr/>
+        </p:nvCxnSpPr>
+        <p:spPr>
+          <a:xfrm>
+            <a:off x="9143379" y="1313600"/>
+            <a:ext cx="0" cy="3740941"/>
+          </a:xfrm>
+          <a:prstGeom prst="straightConnector1">
+            <a:avLst/>
+          </a:prstGeom>
+          <a:ln w="22225">
+            <a:solidFill>
+              <a:schemeClr val="tx1"/>
+            </a:solidFill>
+            <a:prstDash val="dash"/>
+            <a:headEnd type="triangle"/>
+            <a:tailEnd type="none"/>
+          </a:ln>
+        </p:spPr>
+        <p:style>
+          <a:lnRef idx="1">
+            <a:schemeClr val="accent1"/>
+          </a:lnRef>
+          <a:fillRef idx="0">
+            <a:schemeClr val="accent1"/>
+          </a:fillRef>
+          <a:effectRef idx="0">
+            <a:schemeClr val="accent1"/>
+          </a:effectRef>
+          <a:fontRef idx="minor">
+            <a:schemeClr val="tx1"/>
+          </a:fontRef>
+        </p:style>
+      </p:cxnSp>
+      <p:sp>
+        <p:nvSpPr>
+          <p:cNvPr id="49" name="Diamond 48">
+            <a:extLst>
+              <a:ext uri="{FF2B5EF4-FFF2-40B4-BE49-F238E27FC236}">
+                <a16:creationId xmlns:a16="http://schemas.microsoft.com/office/drawing/2014/main" id="{FC98C28B-EA96-7B1F-D34C-0ECFD76B3192}"/>
+              </a:ext>
+            </a:extLst>
+          </p:cNvPr>
+          <p:cNvSpPr/>
+          <p:nvPr/>
+        </p:nvSpPr>
+        <p:spPr>
+          <a:xfrm>
+            <a:off x="634581" y="4908183"/>
+            <a:ext cx="274320" cy="274320"/>
+          </a:xfrm>
+          <a:prstGeom prst="diamond">
+            <a:avLst/>
+          </a:prstGeom>
+          <a:solidFill>
+            <a:schemeClr val="accent1">
+              <a:alpha val="50000"/>
+            </a:schemeClr>
+          </a:solidFill>
+        </p:spPr>
+        <p:style>
+          <a:lnRef idx="2">
+            <a:schemeClr val="accent1">
+              <a:shade val="15000"/>
+            </a:schemeClr>
+          </a:lnRef>
+          <a:fillRef idx="1">
+            <a:schemeClr val="accent1"/>
+          </a:fillRef>
+          <a:effectRef idx="0">
+            <a:schemeClr val="accent1"/>
+          </a:effectRef>
+          <a:fontRef idx="minor">
+            <a:schemeClr val="lt1"/>
+          </a:fontRef>
+        </p:style>
+        <p:txBody>
+          <a:bodyPr rtlCol="0" anchor="ctr"/>
+          <a:lstStyle/>
+          <a:p>
+            <a:pPr marL="0" marR="0" lvl="0" indent="0" algn="ctr" defTabSz="914400" rtl="0" eaLnBrk="1" fontAlgn="auto" latinLnBrk="0" hangingPunct="1">
+              <a:lnSpc>
+                <a:spcPct val="100000"/>
+              </a:lnSpc>
+              <a:spcBef>
+                <a:spcPts val="0"/>
+              </a:spcBef>
+              <a:spcAft>
+                <a:spcPts val="0"/>
+              </a:spcAft>
+              <a:buClrTx/>
+              <a:buSzTx/>
+              <a:buFontTx/>
+              <a:buNone/>
+              <a:tabLst/>
+              <a:defRPr/>
+            </a:pPr>
+            <a:endParaRPr kumimoji="0" lang="en-US" sz="1800" b="0" i="0" u="none" strike="noStrike" kern="1200" cap="none" spc="0" normalizeH="0" baseline="0" noProof="0">
+              <a:ln>
+                <a:noFill/>
+              </a:ln>
+              <a:solidFill>
+                <a:prstClr val="white"/>
+              </a:solidFill>
+              <a:effectLst/>
+              <a:uLnTx/>
+              <a:uFillTx/>
+              <a:latin typeface="Calibri" panose="020F0502020204030204"/>
+              <a:ea typeface="+mn-ea"/>
+              <a:cs typeface="+mn-cs"/>
+            </a:endParaRPr>
+          </a:p>
+        </p:txBody>
+      </p:sp>
+      <p:sp>
+        <p:nvSpPr>
+          <p:cNvPr id="75" name="Diamond 74">
+            <a:extLst>
+              <a:ext uri="{FF2B5EF4-FFF2-40B4-BE49-F238E27FC236}">
+                <a16:creationId xmlns:a16="http://schemas.microsoft.com/office/drawing/2014/main" id="{034FA73C-F766-5570-A78F-14AA0020CAC7}"/>
+              </a:ext>
+            </a:extLst>
+          </p:cNvPr>
+          <p:cNvSpPr/>
+          <p:nvPr/>
+        </p:nvSpPr>
+        <p:spPr>
+          <a:xfrm>
+            <a:off x="2667926" y="4916001"/>
+            <a:ext cx="274320" cy="274320"/>
+          </a:xfrm>
+          <a:prstGeom prst="diamond">
+            <a:avLst/>
+          </a:prstGeom>
+          <a:solidFill>
+            <a:schemeClr val="accent6">
+              <a:alpha val="50000"/>
+            </a:schemeClr>
+          </a:solidFill>
+        </p:spPr>
+        <p:style>
+          <a:lnRef idx="2">
+            <a:schemeClr val="accent1">
+              <a:shade val="15000"/>
+            </a:schemeClr>
+          </a:lnRef>
+          <a:fillRef idx="1">
+            <a:schemeClr val="accent1"/>
+          </a:fillRef>
+          <a:effectRef idx="0">
+            <a:schemeClr val="accent1"/>
+          </a:effectRef>
+          <a:fontRef idx="minor">
+            <a:schemeClr val="lt1"/>
+          </a:fontRef>
+        </p:style>
+        <p:txBody>
+          <a:bodyPr rtlCol="0" anchor="ctr"/>
+          <a:lstStyle/>
+          <a:p>
+            <a:pPr marL="0" marR="0" lvl="0" indent="0" algn="ctr" defTabSz="914400" rtl="0" eaLnBrk="1" fontAlgn="auto" latinLnBrk="0" hangingPunct="1">
+              <a:lnSpc>
+                <a:spcPct val="100000"/>
+              </a:lnSpc>
+              <a:spcBef>
+                <a:spcPts val="0"/>
+              </a:spcBef>
+              <a:spcAft>
+                <a:spcPts val="0"/>
+              </a:spcAft>
+              <a:buClrTx/>
+              <a:buSzTx/>
+              <a:buFontTx/>
+              <a:buNone/>
+              <a:tabLst/>
+              <a:defRPr/>
+            </a:pPr>
+            <a:endParaRPr kumimoji="0" lang="en-US" sz="1800" b="0" i="0" u="none" strike="noStrike" kern="1200" cap="none" spc="0" normalizeH="0" baseline="0" noProof="0" dirty="0">
+              <a:ln>
+                <a:noFill/>
+              </a:ln>
+              <a:solidFill>
+                <a:prstClr val="white"/>
+              </a:solidFill>
+              <a:effectLst/>
+              <a:uLnTx/>
+              <a:uFillTx/>
+              <a:latin typeface="Calibri" panose="020F0502020204030204"/>
+              <a:ea typeface="+mn-ea"/>
+              <a:cs typeface="+mn-cs"/>
+            </a:endParaRPr>
+          </a:p>
+        </p:txBody>
+      </p:sp>
+      <p:sp>
+        <p:nvSpPr>
+          <p:cNvPr id="30" name="Oval 29">
+            <a:extLst>
+              <a:ext uri="{FF2B5EF4-FFF2-40B4-BE49-F238E27FC236}">
+                <a16:creationId xmlns:a16="http://schemas.microsoft.com/office/drawing/2014/main" id="{B3846CA2-FF50-2DC8-CF67-64794AD85D8A}"/>
+              </a:ext>
+            </a:extLst>
+          </p:cNvPr>
+          <p:cNvSpPr/>
+          <p:nvPr/>
+        </p:nvSpPr>
+        <p:spPr>
+          <a:xfrm>
+            <a:off x="549241" y="4908144"/>
+            <a:ext cx="274320" cy="274320"/>
+          </a:xfrm>
+          <a:prstGeom prst="ellipse">
+            <a:avLst/>
+          </a:prstGeom>
+          <a:solidFill>
+            <a:srgbClr val="FF0000">
+              <a:alpha val="50000"/>
+            </a:srgbClr>
+          </a:solidFill>
+        </p:spPr>
+        <p:style>
+          <a:lnRef idx="2">
+            <a:schemeClr val="accent1">
+              <a:shade val="15000"/>
+            </a:schemeClr>
+          </a:lnRef>
+          <a:fillRef idx="1">
+            <a:schemeClr val="accent1"/>
+          </a:fillRef>
+          <a:effectRef idx="0">
+            <a:schemeClr val="accent1"/>
+          </a:effectRef>
+          <a:fontRef idx="minor">
+            <a:schemeClr val="lt1"/>
+          </a:fontRef>
+        </p:style>
+        <p:txBody>
+          <a:bodyPr rtlCol="0" anchor="ctr"/>
+          <a:lstStyle/>
+          <a:p>
+            <a:pPr marL="0" marR="0" lvl="0" indent="0" algn="ctr" defTabSz="914400" rtl="0" eaLnBrk="1" fontAlgn="auto" latinLnBrk="0" hangingPunct="1">
+              <a:lnSpc>
+                <a:spcPct val="100000"/>
+              </a:lnSpc>
+              <a:spcBef>
+                <a:spcPts val="0"/>
+              </a:spcBef>
+              <a:spcAft>
+                <a:spcPts val="0"/>
+              </a:spcAft>
+              <a:buClrTx/>
+              <a:buSzTx/>
+              <a:buFontTx/>
+              <a:buNone/>
+              <a:tabLst/>
+              <a:defRPr/>
+            </a:pPr>
+            <a:endParaRPr kumimoji="0" lang="en-US" sz="1800" b="0" i="0" u="none" strike="noStrike" kern="1200" cap="none" spc="0" normalizeH="0" baseline="0" noProof="0">
+              <a:ln>
+                <a:noFill/>
+              </a:ln>
+              <a:solidFill>
+                <a:prstClr val="white"/>
+              </a:solidFill>
+              <a:effectLst/>
+              <a:uLnTx/>
+              <a:uFillTx/>
+              <a:latin typeface="Calibri" panose="020F0502020204030204"/>
+              <a:ea typeface="+mn-ea"/>
+              <a:cs typeface="+mn-cs"/>
+            </a:endParaRPr>
+          </a:p>
+        </p:txBody>
+      </p:sp>
+      <p:sp>
+        <p:nvSpPr>
+          <p:cNvPr id="94" name="TextBox 93">
+            <a:extLst>
+              <a:ext uri="{FF2B5EF4-FFF2-40B4-BE49-F238E27FC236}">
+                <a16:creationId xmlns:a16="http://schemas.microsoft.com/office/drawing/2014/main" id="{3B4CD533-E0B6-1B5C-1FF5-821A1FA1A58E}"/>
+              </a:ext>
+            </a:extLst>
+          </p:cNvPr>
+          <p:cNvSpPr txBox="1"/>
+          <p:nvPr/>
+        </p:nvSpPr>
+        <p:spPr>
+          <a:xfrm>
+            <a:off x="1798220" y="2903453"/>
+            <a:ext cx="1997046" cy="461665"/>
+          </a:xfrm>
+          <a:prstGeom prst="rect">
+            <a:avLst/>
+          </a:prstGeom>
+          <a:noFill/>
+        </p:spPr>
+        <p:txBody>
+          <a:bodyPr wrap="square" rtlCol="0">
+            <a:spAutoFit/>
+          </a:bodyPr>
+          <a:lstStyle/>
+          <a:p>
+            <a:pPr marL="0" marR="0" lvl="0" indent="0" algn="l" defTabSz="914400" rtl="0" eaLnBrk="1" fontAlgn="auto" latinLnBrk="0" hangingPunct="1">
+              <a:lnSpc>
+                <a:spcPct val="100000"/>
+              </a:lnSpc>
+              <a:spcBef>
+                <a:spcPts val="0"/>
+              </a:spcBef>
+              <a:spcAft>
+                <a:spcPts val="0"/>
+              </a:spcAft>
+              <a:buClrTx/>
+              <a:buSzTx/>
+              <a:buFontTx/>
+              <a:buNone/>
+              <a:tabLst/>
+              <a:defRPr/>
+            </a:pPr>
+            <a:r>
+              <a:rPr kumimoji="0" lang="en-US" sz="1200" b="0" i="0" u="none" strike="noStrike" kern="1200" cap="none" spc="0" normalizeH="0" baseline="0" noProof="0" dirty="0">
+                <a:ln>
+                  <a:noFill/>
+                </a:ln>
+                <a:solidFill>
+                  <a:srgbClr val="70AD47"/>
+                </a:solidFill>
+                <a:effectLst/>
+                <a:uLnTx/>
+                <a:uFillTx/>
+                <a:latin typeface="Calibri" panose="020F0502020204030204"/>
+                <a:ea typeface="+mn-ea"/>
+                <a:cs typeface="+mn-cs"/>
+              </a:rPr>
+              <a:t>T0 + 12 Months: Time-based </a:t>
+            </a:r>
+          </a:p>
+          <a:p>
+            <a:pPr marL="0" marR="0" lvl="0" indent="0" algn="l" defTabSz="914400" rtl="0" eaLnBrk="1" fontAlgn="auto" latinLnBrk="0" hangingPunct="1">
+              <a:lnSpc>
+                <a:spcPct val="100000"/>
+              </a:lnSpc>
+              <a:spcBef>
+                <a:spcPts val="0"/>
+              </a:spcBef>
+              <a:spcAft>
+                <a:spcPts val="0"/>
+              </a:spcAft>
+              <a:buClrTx/>
+              <a:buSzTx/>
+              <a:buFontTx/>
+              <a:buNone/>
+              <a:tabLst/>
+              <a:defRPr/>
+            </a:pPr>
+            <a:r>
+              <a:rPr kumimoji="0" lang="en-US" sz="1200" b="0" i="0" u="none" strike="noStrike" kern="1200" cap="none" spc="0" normalizeH="0" baseline="0" noProof="0" dirty="0">
+                <a:ln>
+                  <a:noFill/>
+                </a:ln>
+                <a:solidFill>
+                  <a:srgbClr val="70AD47"/>
+                </a:solidFill>
+                <a:effectLst/>
+                <a:uLnTx/>
+                <a:uFillTx/>
+                <a:latin typeface="Calibri" panose="020F0502020204030204"/>
+                <a:ea typeface="+mn-ea"/>
+                <a:cs typeface="+mn-cs"/>
+              </a:rPr>
+              <a:t>Bundle TB.1 Sent</a:t>
+            </a:r>
+          </a:p>
+        </p:txBody>
+      </p:sp>
+      <p:sp>
+        <p:nvSpPr>
+          <p:cNvPr id="95" name="TextBox 94">
+            <a:extLst>
+              <a:ext uri="{FF2B5EF4-FFF2-40B4-BE49-F238E27FC236}">
+                <a16:creationId xmlns:a16="http://schemas.microsoft.com/office/drawing/2014/main" id="{46B8EF42-89AD-D4A2-5EB8-3CE5695C606F}"/>
+              </a:ext>
+            </a:extLst>
+          </p:cNvPr>
+          <p:cNvSpPr txBox="1"/>
+          <p:nvPr/>
+        </p:nvSpPr>
+        <p:spPr>
+          <a:xfrm>
+            <a:off x="3932048" y="2910518"/>
+            <a:ext cx="1961052" cy="461665"/>
+          </a:xfrm>
+          <a:prstGeom prst="rect">
+            <a:avLst/>
+          </a:prstGeom>
+          <a:noFill/>
+        </p:spPr>
+        <p:txBody>
+          <a:bodyPr wrap="square" rtlCol="0">
+            <a:spAutoFit/>
+          </a:bodyPr>
+          <a:lstStyle/>
+          <a:p>
+            <a:pPr marL="0" marR="0" lvl="0" indent="0" algn="l" defTabSz="914400" rtl="0" eaLnBrk="1" fontAlgn="auto" latinLnBrk="0" hangingPunct="1">
+              <a:lnSpc>
+                <a:spcPct val="100000"/>
+              </a:lnSpc>
+              <a:spcBef>
+                <a:spcPts val="0"/>
+              </a:spcBef>
+              <a:spcAft>
+                <a:spcPts val="0"/>
+              </a:spcAft>
+              <a:buClrTx/>
+              <a:buSzTx/>
+              <a:buFontTx/>
+              <a:buNone/>
+              <a:tabLst/>
+              <a:defRPr/>
+            </a:pPr>
+            <a:r>
+              <a:rPr kumimoji="0" lang="en-US" sz="1200" b="0" i="0" u="none" strike="noStrike" kern="1200" cap="none" spc="0" normalizeH="0" baseline="0" noProof="0" dirty="0">
+                <a:ln>
+                  <a:noFill/>
+                </a:ln>
+                <a:solidFill>
+                  <a:srgbClr val="70AD47"/>
+                </a:solidFill>
+                <a:effectLst/>
+                <a:uLnTx/>
+                <a:uFillTx/>
+                <a:latin typeface="Calibri" panose="020F0502020204030204"/>
+                <a:ea typeface="+mn-ea"/>
+                <a:cs typeface="+mn-cs"/>
+              </a:rPr>
+              <a:t>T0 + 24 Months: Time-based </a:t>
+            </a:r>
+          </a:p>
+          <a:p>
+            <a:pPr marL="0" marR="0" lvl="0" indent="0" algn="l" defTabSz="914400" rtl="0" eaLnBrk="1" fontAlgn="auto" latinLnBrk="0" hangingPunct="1">
+              <a:lnSpc>
+                <a:spcPct val="100000"/>
+              </a:lnSpc>
+              <a:spcBef>
+                <a:spcPts val="0"/>
+              </a:spcBef>
+              <a:spcAft>
+                <a:spcPts val="0"/>
+              </a:spcAft>
+              <a:buClrTx/>
+              <a:buSzTx/>
+              <a:buFontTx/>
+              <a:buNone/>
+              <a:tabLst/>
+              <a:defRPr/>
+            </a:pPr>
+            <a:r>
+              <a:rPr kumimoji="0" lang="en-US" sz="1200" b="0" i="0" u="none" strike="noStrike" kern="1200" cap="none" spc="0" normalizeH="0" baseline="0" noProof="0" dirty="0">
+                <a:ln>
+                  <a:noFill/>
+                </a:ln>
+                <a:solidFill>
+                  <a:srgbClr val="70AD47"/>
+                </a:solidFill>
+                <a:effectLst/>
+                <a:uLnTx/>
+                <a:uFillTx/>
+                <a:latin typeface="Calibri" panose="020F0502020204030204"/>
+                <a:ea typeface="+mn-ea"/>
+                <a:cs typeface="+mn-cs"/>
+              </a:rPr>
+              <a:t>Bundle TB.2 Sent</a:t>
+            </a:r>
+          </a:p>
+        </p:txBody>
+      </p:sp>
+      <p:sp>
+        <p:nvSpPr>
+          <p:cNvPr id="97" name="TextBox 96">
+            <a:extLst>
+              <a:ext uri="{FF2B5EF4-FFF2-40B4-BE49-F238E27FC236}">
+                <a16:creationId xmlns:a16="http://schemas.microsoft.com/office/drawing/2014/main" id="{ACCE47F3-C66A-6D1F-0AFB-EDEC3D624326}"/>
+              </a:ext>
+            </a:extLst>
+          </p:cNvPr>
+          <p:cNvSpPr txBox="1"/>
+          <p:nvPr/>
+        </p:nvSpPr>
+        <p:spPr>
+          <a:xfrm>
+            <a:off x="6045200" y="2915781"/>
+            <a:ext cx="1990054" cy="461665"/>
+          </a:xfrm>
+          <a:prstGeom prst="rect">
+            <a:avLst/>
+          </a:prstGeom>
+          <a:noFill/>
+        </p:spPr>
+        <p:txBody>
+          <a:bodyPr wrap="square" rtlCol="0">
+            <a:spAutoFit/>
+          </a:bodyPr>
+          <a:lstStyle/>
+          <a:p>
+            <a:pPr marL="0" marR="0" lvl="0" indent="0" algn="l" defTabSz="914400" rtl="0" eaLnBrk="1" fontAlgn="auto" latinLnBrk="0" hangingPunct="1">
+              <a:lnSpc>
+                <a:spcPct val="100000"/>
+              </a:lnSpc>
+              <a:spcBef>
+                <a:spcPts val="0"/>
+              </a:spcBef>
+              <a:spcAft>
+                <a:spcPts val="0"/>
+              </a:spcAft>
+              <a:buClrTx/>
+              <a:buSzTx/>
+              <a:buFontTx/>
+              <a:buNone/>
+              <a:tabLst/>
+              <a:defRPr/>
+            </a:pPr>
+            <a:r>
+              <a:rPr kumimoji="0" lang="en-US" sz="1200" b="0" i="0" u="none" strike="noStrike" kern="1200" cap="none" spc="0" normalizeH="0" baseline="0" noProof="0" dirty="0">
+                <a:ln>
+                  <a:noFill/>
+                </a:ln>
+                <a:solidFill>
+                  <a:srgbClr val="70AD47"/>
+                </a:solidFill>
+                <a:effectLst/>
+                <a:uLnTx/>
+                <a:uFillTx/>
+                <a:latin typeface="Calibri" panose="020F0502020204030204"/>
+                <a:ea typeface="+mn-ea"/>
+                <a:cs typeface="+mn-cs"/>
+              </a:rPr>
+              <a:t>T0 + 36 Months: Time-based </a:t>
+            </a:r>
+          </a:p>
+          <a:p>
+            <a:pPr marL="0" marR="0" lvl="0" indent="0" algn="l" defTabSz="914400" rtl="0" eaLnBrk="1" fontAlgn="auto" latinLnBrk="0" hangingPunct="1">
+              <a:lnSpc>
+                <a:spcPct val="100000"/>
+              </a:lnSpc>
+              <a:spcBef>
+                <a:spcPts val="0"/>
+              </a:spcBef>
+              <a:spcAft>
+                <a:spcPts val="0"/>
+              </a:spcAft>
+              <a:buClrTx/>
+              <a:buSzTx/>
+              <a:buFontTx/>
+              <a:buNone/>
+              <a:tabLst/>
+              <a:defRPr/>
+            </a:pPr>
+            <a:r>
+              <a:rPr kumimoji="0" lang="en-US" sz="1200" b="0" i="0" u="none" strike="noStrike" kern="1200" cap="none" spc="0" normalizeH="0" baseline="0" noProof="0" dirty="0">
+                <a:ln>
+                  <a:noFill/>
+                </a:ln>
+                <a:solidFill>
+                  <a:srgbClr val="70AD47"/>
+                </a:solidFill>
+                <a:effectLst/>
+                <a:uLnTx/>
+                <a:uFillTx/>
+                <a:latin typeface="Calibri" panose="020F0502020204030204"/>
+                <a:ea typeface="+mn-ea"/>
+                <a:cs typeface="+mn-cs"/>
+              </a:rPr>
+              <a:t>Bundle TB.3 Sent</a:t>
+            </a:r>
+          </a:p>
+        </p:txBody>
+      </p:sp>
+      <p:sp>
+        <p:nvSpPr>
+          <p:cNvPr id="98" name="TextBox 97">
+            <a:extLst>
+              <a:ext uri="{FF2B5EF4-FFF2-40B4-BE49-F238E27FC236}">
+                <a16:creationId xmlns:a16="http://schemas.microsoft.com/office/drawing/2014/main" id="{31FB30E6-D064-6D3B-E75A-6E627B6B95E8}"/>
+              </a:ext>
+            </a:extLst>
+          </p:cNvPr>
+          <p:cNvSpPr txBox="1"/>
+          <p:nvPr/>
+        </p:nvSpPr>
+        <p:spPr>
+          <a:xfrm>
+            <a:off x="8542922" y="851935"/>
+            <a:ext cx="1200913" cy="461665"/>
+          </a:xfrm>
+          <a:prstGeom prst="rect">
+            <a:avLst/>
+          </a:prstGeom>
+          <a:noFill/>
+        </p:spPr>
+        <p:txBody>
+          <a:bodyPr wrap="square" rtlCol="0">
+            <a:spAutoFit/>
+          </a:bodyPr>
+          <a:lstStyle/>
+          <a:p>
+            <a:pPr marL="0" marR="0" lvl="0" indent="0" algn="l" defTabSz="914400" rtl="0" eaLnBrk="1" fontAlgn="auto" latinLnBrk="0" hangingPunct="1">
+              <a:lnSpc>
+                <a:spcPct val="100000"/>
+              </a:lnSpc>
+              <a:spcBef>
+                <a:spcPts val="0"/>
+              </a:spcBef>
+              <a:spcAft>
+                <a:spcPts val="0"/>
+              </a:spcAft>
+              <a:buClrTx/>
+              <a:buSzTx/>
+              <a:buFontTx/>
+              <a:buNone/>
+              <a:tabLst/>
+              <a:defRPr/>
+            </a:pPr>
+            <a:r>
+              <a:rPr kumimoji="0" lang="en-US" sz="1200" b="0" i="0" u="none" strike="noStrike" kern="1200" cap="none" spc="0" normalizeH="0" baseline="0" noProof="0" dirty="0">
+                <a:ln>
+                  <a:noFill/>
+                </a:ln>
+                <a:solidFill>
+                  <a:prstClr val="black"/>
+                </a:solidFill>
+                <a:effectLst/>
+                <a:uLnTx/>
+                <a:uFillTx/>
+                <a:latin typeface="Calibri" panose="020F0502020204030204"/>
+                <a:ea typeface="+mn-ea"/>
+                <a:cs typeface="+mn-cs"/>
+              </a:rPr>
+              <a:t>T0 + 48 Months: </a:t>
+            </a:r>
+          </a:p>
+          <a:p>
+            <a:pPr marL="0" marR="0" lvl="0" indent="0" algn="l" defTabSz="914400" rtl="0" eaLnBrk="1" fontAlgn="auto" latinLnBrk="0" hangingPunct="1">
+              <a:lnSpc>
+                <a:spcPct val="100000"/>
+              </a:lnSpc>
+              <a:spcBef>
+                <a:spcPts val="0"/>
+              </a:spcBef>
+              <a:spcAft>
+                <a:spcPts val="0"/>
+              </a:spcAft>
+              <a:buClrTx/>
+              <a:buSzTx/>
+              <a:buFontTx/>
+              <a:buNone/>
+              <a:tabLst/>
+              <a:defRPr/>
+            </a:pPr>
+            <a:r>
+              <a:rPr kumimoji="0" lang="en-US" sz="1200" b="0" i="0" u="none" strike="noStrike" kern="1200" cap="none" spc="0" normalizeH="0" baseline="0" noProof="0" dirty="0">
+                <a:ln>
+                  <a:noFill/>
+                </a:ln>
+                <a:solidFill>
+                  <a:prstClr val="black"/>
+                </a:solidFill>
+                <a:effectLst/>
+                <a:uLnTx/>
+                <a:uFillTx/>
+                <a:latin typeface="Calibri" panose="020F0502020204030204"/>
+                <a:ea typeface="+mn-ea"/>
+                <a:cs typeface="+mn-cs"/>
+              </a:rPr>
+              <a:t>No  Bundle Sent </a:t>
+            </a:r>
+          </a:p>
+        </p:txBody>
+      </p:sp>
+      <p:sp>
+        <p:nvSpPr>
+          <p:cNvPr id="106" name="Diamond 105">
+            <a:extLst>
+              <a:ext uri="{FF2B5EF4-FFF2-40B4-BE49-F238E27FC236}">
+                <a16:creationId xmlns:a16="http://schemas.microsoft.com/office/drawing/2014/main" id="{4DE663A1-5774-6053-8F42-A4C39BEC9859}"/>
+              </a:ext>
+            </a:extLst>
+          </p:cNvPr>
+          <p:cNvSpPr/>
+          <p:nvPr/>
+        </p:nvSpPr>
+        <p:spPr>
+          <a:xfrm>
+            <a:off x="4781394" y="4908144"/>
+            <a:ext cx="274320" cy="274320"/>
+          </a:xfrm>
+          <a:prstGeom prst="diamond">
+            <a:avLst/>
+          </a:prstGeom>
+          <a:solidFill>
+            <a:schemeClr val="accent6">
+              <a:alpha val="50000"/>
+            </a:schemeClr>
+          </a:solidFill>
+        </p:spPr>
+        <p:style>
+          <a:lnRef idx="2">
+            <a:schemeClr val="accent1">
+              <a:shade val="15000"/>
+            </a:schemeClr>
+          </a:lnRef>
+          <a:fillRef idx="1">
+            <a:schemeClr val="accent1"/>
+          </a:fillRef>
+          <a:effectRef idx="0">
+            <a:schemeClr val="accent1"/>
+          </a:effectRef>
+          <a:fontRef idx="minor">
+            <a:schemeClr val="lt1"/>
+          </a:fontRef>
+        </p:style>
+        <p:txBody>
+          <a:bodyPr rtlCol="0" anchor="ctr"/>
+          <a:lstStyle/>
+          <a:p>
+            <a:pPr marL="0" marR="0" lvl="0" indent="0" algn="ctr" defTabSz="914400" rtl="0" eaLnBrk="1" fontAlgn="auto" latinLnBrk="0" hangingPunct="1">
+              <a:lnSpc>
+                <a:spcPct val="100000"/>
+              </a:lnSpc>
+              <a:spcBef>
+                <a:spcPts val="0"/>
+              </a:spcBef>
+              <a:spcAft>
+                <a:spcPts val="0"/>
+              </a:spcAft>
+              <a:buClrTx/>
+              <a:buSzTx/>
+              <a:buFontTx/>
+              <a:buNone/>
+              <a:tabLst/>
+              <a:defRPr/>
+            </a:pPr>
+            <a:endParaRPr kumimoji="0" lang="en-US" sz="1800" b="0" i="0" u="none" strike="noStrike" kern="1200" cap="none" spc="0" normalizeH="0" baseline="0" noProof="0" dirty="0">
+              <a:ln>
+                <a:noFill/>
+              </a:ln>
+              <a:solidFill>
+                <a:prstClr val="white"/>
+              </a:solidFill>
+              <a:effectLst/>
+              <a:uLnTx/>
+              <a:uFillTx/>
+              <a:latin typeface="Calibri" panose="020F0502020204030204"/>
+              <a:ea typeface="+mn-ea"/>
+              <a:cs typeface="+mn-cs"/>
+            </a:endParaRPr>
+          </a:p>
+        </p:txBody>
+      </p:sp>
+      <p:sp>
+        <p:nvSpPr>
+          <p:cNvPr id="107" name="Diamond 106">
+            <a:extLst>
+              <a:ext uri="{FF2B5EF4-FFF2-40B4-BE49-F238E27FC236}">
+                <a16:creationId xmlns:a16="http://schemas.microsoft.com/office/drawing/2014/main" id="{A3AB8934-9544-753F-3268-269A3437432F}"/>
+              </a:ext>
+            </a:extLst>
+          </p:cNvPr>
+          <p:cNvSpPr/>
+          <p:nvPr/>
+        </p:nvSpPr>
+        <p:spPr>
+          <a:xfrm>
+            <a:off x="6883331" y="4908144"/>
+            <a:ext cx="274320" cy="274320"/>
+          </a:xfrm>
+          <a:prstGeom prst="diamond">
+            <a:avLst/>
+          </a:prstGeom>
+          <a:solidFill>
+            <a:schemeClr val="accent6">
+              <a:alpha val="50000"/>
+            </a:schemeClr>
+          </a:solidFill>
+        </p:spPr>
+        <p:style>
+          <a:lnRef idx="2">
+            <a:schemeClr val="accent1">
+              <a:shade val="15000"/>
+            </a:schemeClr>
+          </a:lnRef>
+          <a:fillRef idx="1">
+            <a:schemeClr val="accent1"/>
+          </a:fillRef>
+          <a:effectRef idx="0">
+            <a:schemeClr val="accent1"/>
+          </a:effectRef>
+          <a:fontRef idx="minor">
+            <a:schemeClr val="lt1"/>
+          </a:fontRef>
+        </p:style>
+        <p:txBody>
+          <a:bodyPr rtlCol="0" anchor="ctr"/>
+          <a:lstStyle/>
+          <a:p>
+            <a:pPr marL="0" marR="0" lvl="0" indent="0" algn="ctr" defTabSz="914400" rtl="0" eaLnBrk="1" fontAlgn="auto" latinLnBrk="0" hangingPunct="1">
+              <a:lnSpc>
+                <a:spcPct val="100000"/>
+              </a:lnSpc>
+              <a:spcBef>
+                <a:spcPts val="0"/>
+              </a:spcBef>
+              <a:spcAft>
+                <a:spcPts val="0"/>
+              </a:spcAft>
+              <a:buClrTx/>
+              <a:buSzTx/>
+              <a:buFontTx/>
+              <a:buNone/>
+              <a:tabLst/>
+              <a:defRPr/>
+            </a:pPr>
+            <a:endParaRPr kumimoji="0" lang="en-US" sz="1800" b="0" i="0" u="none" strike="noStrike" kern="1200" cap="none" spc="0" normalizeH="0" baseline="0" noProof="0" dirty="0">
+              <a:ln>
+                <a:noFill/>
+              </a:ln>
+              <a:solidFill>
+                <a:prstClr val="white"/>
+              </a:solidFill>
+              <a:effectLst/>
+              <a:uLnTx/>
+              <a:uFillTx/>
+              <a:latin typeface="Calibri" panose="020F0502020204030204"/>
+              <a:ea typeface="+mn-ea"/>
+              <a:cs typeface="+mn-cs"/>
+            </a:endParaRPr>
+          </a:p>
+        </p:txBody>
+      </p:sp>
+      <p:grpSp>
+        <p:nvGrpSpPr>
+          <p:cNvPr id="108" name="Group 107">
+            <a:extLst>
+              <a:ext uri="{FF2B5EF4-FFF2-40B4-BE49-F238E27FC236}">
+                <a16:creationId xmlns:a16="http://schemas.microsoft.com/office/drawing/2014/main" id="{4D035505-32B5-4B0B-4CAC-4869C8B564DC}"/>
+              </a:ext>
+            </a:extLst>
+          </p:cNvPr>
+          <p:cNvGrpSpPr/>
+          <p:nvPr/>
+        </p:nvGrpSpPr>
+        <p:grpSpPr>
+          <a:xfrm>
+            <a:off x="1482940" y="2032985"/>
+            <a:ext cx="2771642" cy="2875199"/>
+            <a:chOff x="761382" y="3521660"/>
+            <a:chExt cx="2771642" cy="2875199"/>
+          </a:xfrm>
+        </p:grpSpPr>
+        <p:cxnSp>
+          <p:nvCxnSpPr>
+            <p:cNvPr id="109" name="Elbow Connector 108">
+              <a:extLst>
+                <a:ext uri="{FF2B5EF4-FFF2-40B4-BE49-F238E27FC236}">
+                  <a16:creationId xmlns:a16="http://schemas.microsoft.com/office/drawing/2014/main" id="{8570CA14-96CD-B14E-BCD7-FBF4F7490AD5}"/>
+                </a:ext>
+              </a:extLst>
+            </p:cNvPr>
+            <p:cNvCxnSpPr>
+              <a:cxnSpLocks/>
+              <a:stCxn id="111" idx="0"/>
+              <a:endCxn id="110" idx="1"/>
+            </p:cNvCxnSpPr>
+            <p:nvPr/>
+          </p:nvCxnSpPr>
+          <p:spPr>
+            <a:xfrm rot="5400000" flipH="1" flipV="1">
+              <a:off x="-464797" y="4886340"/>
+              <a:ext cx="2736698" cy="284339"/>
+            </a:xfrm>
+            <a:prstGeom prst="bentConnector2">
+              <a:avLst/>
+            </a:prstGeom>
+            <a:ln>
+              <a:tailEnd type="triangle"/>
+            </a:ln>
+          </p:spPr>
+          <p:style>
+            <a:lnRef idx="1">
+              <a:schemeClr val="accent1"/>
+            </a:lnRef>
+            <a:fillRef idx="0">
+              <a:schemeClr val="accent1"/>
+            </a:fillRef>
+            <a:effectRef idx="0">
+              <a:schemeClr val="accent1"/>
+            </a:effectRef>
+            <a:fontRef idx="minor">
+              <a:schemeClr val="tx1"/>
+            </a:fontRef>
+          </p:style>
+        </p:cxnSp>
+        <p:sp>
+          <p:nvSpPr>
+            <p:cNvPr id="110" name="TextBox 109">
+              <a:extLst>
+                <a:ext uri="{FF2B5EF4-FFF2-40B4-BE49-F238E27FC236}">
+                  <a16:creationId xmlns:a16="http://schemas.microsoft.com/office/drawing/2014/main" id="{CE1C15BE-DB4B-51F0-50A0-6FB63A329AA3}"/>
+                </a:ext>
+              </a:extLst>
+            </p:cNvPr>
+            <p:cNvSpPr txBox="1"/>
+            <p:nvPr/>
+          </p:nvSpPr>
+          <p:spPr>
+            <a:xfrm>
+              <a:off x="1045722" y="3521660"/>
+              <a:ext cx="2487302" cy="276999"/>
+            </a:xfrm>
+            <a:prstGeom prst="rect">
+              <a:avLst/>
+            </a:prstGeom>
+            <a:noFill/>
+          </p:spPr>
+          <p:txBody>
+            <a:bodyPr wrap="square" rtlCol="0">
+              <a:spAutoFit/>
+            </a:bodyPr>
+            <a:lstStyle/>
+            <a:p>
+              <a:pPr marL="0" marR="0" lvl="0" indent="0" algn="l" defTabSz="914400" rtl="0" eaLnBrk="1" fontAlgn="auto" latinLnBrk="0" hangingPunct="1">
+                <a:lnSpc>
+                  <a:spcPct val="100000"/>
+                </a:lnSpc>
+                <a:spcBef>
+                  <a:spcPts val="0"/>
+                </a:spcBef>
+                <a:spcAft>
+                  <a:spcPts val="0"/>
+                </a:spcAft>
+                <a:buClrTx/>
+                <a:buSzTx/>
+                <a:buFontTx/>
+                <a:buNone/>
+                <a:tabLst/>
+                <a:defRPr/>
+              </a:pPr>
+              <a:r>
+                <a:rPr kumimoji="0" lang="en-US" sz="1200" b="0" i="0" u="none" strike="noStrike" kern="1200" cap="none" spc="0" normalizeH="0" baseline="0" noProof="0" dirty="0">
+                  <a:ln>
+                    <a:noFill/>
+                  </a:ln>
+                  <a:solidFill>
+                    <a:srgbClr val="4472C4"/>
+                  </a:solidFill>
+                  <a:effectLst/>
+                  <a:uLnTx/>
+                  <a:uFillTx/>
+                  <a:latin typeface="Calibri" panose="020F0502020204030204"/>
+                  <a:ea typeface="+mn-ea"/>
+                  <a:cs typeface="+mn-cs"/>
+                </a:rPr>
+                <a:t>Encounter-based Bundle EB.2 Sent</a:t>
+              </a:r>
+            </a:p>
+          </p:txBody>
+        </p:sp>
+      </p:grpSp>
+      <p:sp>
+        <p:nvSpPr>
+          <p:cNvPr id="111" name="Diamond 110">
+            <a:extLst>
+              <a:ext uri="{FF2B5EF4-FFF2-40B4-BE49-F238E27FC236}">
+                <a16:creationId xmlns:a16="http://schemas.microsoft.com/office/drawing/2014/main" id="{85691A53-C354-CBF2-0255-C6145A2FBF2E}"/>
+              </a:ext>
+            </a:extLst>
+          </p:cNvPr>
+          <p:cNvSpPr/>
+          <p:nvPr/>
+        </p:nvSpPr>
+        <p:spPr>
+          <a:xfrm>
+            <a:off x="1345781" y="4908183"/>
+            <a:ext cx="274320" cy="274320"/>
+          </a:xfrm>
+          <a:prstGeom prst="diamond">
+            <a:avLst/>
+          </a:prstGeom>
+          <a:solidFill>
+            <a:schemeClr val="accent1">
+              <a:alpha val="50000"/>
+            </a:schemeClr>
+          </a:solidFill>
+        </p:spPr>
+        <p:style>
+          <a:lnRef idx="2">
+            <a:schemeClr val="accent1">
+              <a:shade val="15000"/>
+            </a:schemeClr>
+          </a:lnRef>
+          <a:fillRef idx="1">
+            <a:schemeClr val="accent1"/>
+          </a:fillRef>
+          <a:effectRef idx="0">
+            <a:schemeClr val="accent1"/>
+          </a:effectRef>
+          <a:fontRef idx="minor">
+            <a:schemeClr val="lt1"/>
+          </a:fontRef>
+        </p:style>
+        <p:txBody>
+          <a:bodyPr rtlCol="0" anchor="ctr"/>
+          <a:lstStyle/>
+          <a:p>
+            <a:pPr marL="0" marR="0" lvl="0" indent="0" algn="ctr" defTabSz="914400" rtl="0" eaLnBrk="1" fontAlgn="auto" latinLnBrk="0" hangingPunct="1">
+              <a:lnSpc>
+                <a:spcPct val="100000"/>
+              </a:lnSpc>
+              <a:spcBef>
+                <a:spcPts val="0"/>
+              </a:spcBef>
+              <a:spcAft>
+                <a:spcPts val="0"/>
+              </a:spcAft>
+              <a:buClrTx/>
+              <a:buSzTx/>
+              <a:buFontTx/>
+              <a:buNone/>
+              <a:tabLst/>
+              <a:defRPr/>
+            </a:pPr>
+            <a:endParaRPr kumimoji="0" lang="en-US" sz="1800" b="0" i="0" u="none" strike="noStrike" kern="1200" cap="none" spc="0" normalizeH="0" baseline="0" noProof="0">
+              <a:ln>
+                <a:noFill/>
+              </a:ln>
+              <a:solidFill>
+                <a:prstClr val="white"/>
+              </a:solidFill>
+              <a:effectLst/>
+              <a:uLnTx/>
+              <a:uFillTx/>
+              <a:latin typeface="Calibri" panose="020F0502020204030204"/>
+              <a:ea typeface="+mn-ea"/>
+              <a:cs typeface="+mn-cs"/>
+            </a:endParaRPr>
+          </a:p>
+        </p:txBody>
+      </p:sp>
+      <p:grpSp>
+        <p:nvGrpSpPr>
+          <p:cNvPr id="12" name="Group 11">
+            <a:extLst>
+              <a:ext uri="{FF2B5EF4-FFF2-40B4-BE49-F238E27FC236}">
+                <a16:creationId xmlns:a16="http://schemas.microsoft.com/office/drawing/2014/main" id="{26179008-02FC-29DC-C0CD-0FA380C0EC25}"/>
+              </a:ext>
+            </a:extLst>
+          </p:cNvPr>
+          <p:cNvGrpSpPr/>
+          <p:nvPr/>
+        </p:nvGrpSpPr>
+        <p:grpSpPr>
+          <a:xfrm>
+            <a:off x="5988901" y="2047648"/>
+            <a:ext cx="2898443" cy="3145015"/>
+            <a:chOff x="5734901" y="2586128"/>
+            <a:chExt cx="2898443" cy="3145015"/>
+          </a:xfrm>
+        </p:grpSpPr>
+        <p:cxnSp>
+          <p:nvCxnSpPr>
+            <p:cNvPr id="114" name="Elbow Connector 113">
+              <a:extLst>
+                <a:ext uri="{FF2B5EF4-FFF2-40B4-BE49-F238E27FC236}">
+                  <a16:creationId xmlns:a16="http://schemas.microsoft.com/office/drawing/2014/main" id="{A4E76EA4-CA14-1764-D11C-07408AEA3C08}"/>
+                </a:ext>
+              </a:extLst>
+            </p:cNvPr>
+            <p:cNvCxnSpPr>
+              <a:cxnSpLocks/>
+              <a:stCxn id="116" idx="0"/>
+              <a:endCxn id="115" idx="1"/>
+            </p:cNvCxnSpPr>
+            <p:nvPr/>
+          </p:nvCxnSpPr>
+          <p:spPr>
+            <a:xfrm rot="5400000" flipH="1" flipV="1">
+              <a:off x="4642955" y="3953736"/>
+              <a:ext cx="2732195" cy="273981"/>
+            </a:xfrm>
+            <a:prstGeom prst="bentConnector2">
+              <a:avLst/>
+            </a:prstGeom>
+            <a:ln>
+              <a:tailEnd type="triangle"/>
+            </a:ln>
+          </p:spPr>
+          <p:style>
+            <a:lnRef idx="1">
+              <a:schemeClr val="accent1"/>
+            </a:lnRef>
+            <a:fillRef idx="0">
+              <a:schemeClr val="accent1"/>
+            </a:fillRef>
+            <a:effectRef idx="0">
+              <a:schemeClr val="accent1"/>
+            </a:effectRef>
+            <a:fontRef idx="minor">
+              <a:schemeClr val="tx1"/>
+            </a:fontRef>
+          </p:style>
+        </p:cxnSp>
+        <p:sp>
+          <p:nvSpPr>
+            <p:cNvPr id="115" name="TextBox 114">
+              <a:extLst>
+                <a:ext uri="{FF2B5EF4-FFF2-40B4-BE49-F238E27FC236}">
+                  <a16:creationId xmlns:a16="http://schemas.microsoft.com/office/drawing/2014/main" id="{31B8649A-5BD0-5ED8-9127-962118097116}"/>
+                </a:ext>
+              </a:extLst>
+            </p:cNvPr>
+            <p:cNvSpPr txBox="1"/>
+            <p:nvPr/>
+          </p:nvSpPr>
+          <p:spPr>
+            <a:xfrm>
+              <a:off x="6146042" y="2586128"/>
+              <a:ext cx="2487302" cy="276999"/>
+            </a:xfrm>
+            <a:prstGeom prst="rect">
+              <a:avLst/>
+            </a:prstGeom>
+            <a:noFill/>
+          </p:spPr>
+          <p:txBody>
+            <a:bodyPr wrap="square" rtlCol="0">
+              <a:spAutoFit/>
+            </a:bodyPr>
+            <a:lstStyle/>
+            <a:p>
+              <a:pPr marL="0" marR="0" lvl="0" indent="0" algn="l" defTabSz="914400" rtl="0" eaLnBrk="1" fontAlgn="auto" latinLnBrk="0" hangingPunct="1">
+                <a:lnSpc>
+                  <a:spcPct val="100000"/>
+                </a:lnSpc>
+                <a:spcBef>
+                  <a:spcPts val="0"/>
+                </a:spcBef>
+                <a:spcAft>
+                  <a:spcPts val="0"/>
+                </a:spcAft>
+                <a:buClrTx/>
+                <a:buSzTx/>
+                <a:buFontTx/>
+                <a:buNone/>
+                <a:tabLst/>
+                <a:defRPr/>
+              </a:pPr>
+              <a:r>
+                <a:rPr kumimoji="0" lang="en-US" sz="1200" b="0" i="0" u="none" strike="noStrike" kern="1200" cap="none" spc="0" normalizeH="0" baseline="0" noProof="0" dirty="0">
+                  <a:ln>
+                    <a:noFill/>
+                  </a:ln>
+                  <a:solidFill>
+                    <a:srgbClr val="4472C4"/>
+                  </a:solidFill>
+                  <a:effectLst/>
+                  <a:uLnTx/>
+                  <a:uFillTx/>
+                  <a:latin typeface="Calibri" panose="020F0502020204030204"/>
+                  <a:ea typeface="+mn-ea"/>
+                  <a:cs typeface="+mn-cs"/>
+                </a:rPr>
+                <a:t>Encounter-based Bundle EB.3 Sent</a:t>
+              </a:r>
+            </a:p>
+          </p:txBody>
+        </p:sp>
+        <p:sp>
+          <p:nvSpPr>
+            <p:cNvPr id="116" name="Diamond 115">
+              <a:extLst>
+                <a:ext uri="{FF2B5EF4-FFF2-40B4-BE49-F238E27FC236}">
+                  <a16:creationId xmlns:a16="http://schemas.microsoft.com/office/drawing/2014/main" id="{1F0C639B-6E8C-5C63-0647-E9207B8FEEA5}"/>
+                </a:ext>
+              </a:extLst>
+            </p:cNvPr>
+            <p:cNvSpPr/>
+            <p:nvPr/>
+          </p:nvSpPr>
+          <p:spPr>
+            <a:xfrm>
+              <a:off x="5734901" y="5456823"/>
+              <a:ext cx="274320" cy="274320"/>
+            </a:xfrm>
+            <a:prstGeom prst="diamond">
+              <a:avLst/>
+            </a:prstGeom>
+            <a:solidFill>
+              <a:schemeClr val="accent1">
+                <a:alpha val="50000"/>
+              </a:schemeClr>
+            </a:solidFill>
+          </p:spPr>
+          <p:style>
+            <a:lnRef idx="2">
+              <a:schemeClr val="accent1">
+                <a:shade val="15000"/>
+              </a:schemeClr>
+            </a:lnRef>
+            <a:fillRef idx="1">
+              <a:schemeClr val="accent1"/>
+            </a:fillRef>
+            <a:effectRef idx="0">
+              <a:schemeClr val="accent1"/>
+            </a:effectRef>
+            <a:fontRef idx="minor">
+              <a:schemeClr val="lt1"/>
+            </a:fontRef>
+          </p:style>
+          <p:txBody>
+            <a:bodyPr rtlCol="0" anchor="ctr"/>
+            <a:lstStyle/>
+            <a:p>
+              <a:pPr marL="0" marR="0" lvl="0" indent="0" algn="ctr" defTabSz="914400" rtl="0" eaLnBrk="1" fontAlgn="auto" latinLnBrk="0" hangingPunct="1">
+                <a:lnSpc>
+                  <a:spcPct val="100000"/>
+                </a:lnSpc>
+                <a:spcBef>
+                  <a:spcPts val="0"/>
+                </a:spcBef>
+                <a:spcAft>
+                  <a:spcPts val="0"/>
+                </a:spcAft>
+                <a:buClrTx/>
+                <a:buSzTx/>
+                <a:buFontTx/>
+                <a:buNone/>
+                <a:tabLst/>
+                <a:defRPr/>
+              </a:pPr>
+              <a:endParaRPr kumimoji="0" lang="en-US" sz="1800" b="0" i="0" u="none" strike="noStrike" kern="1200" cap="none" spc="0" normalizeH="0" baseline="0" noProof="0">
+                <a:ln>
+                  <a:noFill/>
+                </a:ln>
+                <a:solidFill>
+                  <a:prstClr val="white"/>
+                </a:solidFill>
+                <a:effectLst/>
+                <a:uLnTx/>
+                <a:uFillTx/>
+                <a:latin typeface="Calibri" panose="020F0502020204030204"/>
+                <a:ea typeface="+mn-ea"/>
+                <a:cs typeface="+mn-cs"/>
+              </a:endParaRPr>
+            </a:p>
+          </p:txBody>
+        </p:sp>
+      </p:grpSp>
+      <p:grpSp>
+        <p:nvGrpSpPr>
+          <p:cNvPr id="118" name="Group 117">
+            <a:extLst>
+              <a:ext uri="{FF2B5EF4-FFF2-40B4-BE49-F238E27FC236}">
+                <a16:creationId xmlns:a16="http://schemas.microsoft.com/office/drawing/2014/main" id="{97A4C61D-11E4-57E0-C4CA-BDFB86772CE4}"/>
+              </a:ext>
+            </a:extLst>
+          </p:cNvPr>
+          <p:cNvGrpSpPr/>
+          <p:nvPr/>
+        </p:nvGrpSpPr>
+        <p:grpSpPr>
+          <a:xfrm>
+            <a:off x="3638176" y="4249221"/>
+            <a:ext cx="2732631" cy="654211"/>
+            <a:chOff x="762296" y="4995688"/>
+            <a:chExt cx="2732631" cy="2057635"/>
+          </a:xfrm>
+        </p:grpSpPr>
+        <p:cxnSp>
+          <p:nvCxnSpPr>
+            <p:cNvPr id="119" name="Elbow Connector 118">
+              <a:extLst>
+                <a:ext uri="{FF2B5EF4-FFF2-40B4-BE49-F238E27FC236}">
+                  <a16:creationId xmlns:a16="http://schemas.microsoft.com/office/drawing/2014/main" id="{DE38697B-A0F3-3556-B828-1B1AC5CF37E6}"/>
+                </a:ext>
+              </a:extLst>
+            </p:cNvPr>
+            <p:cNvCxnSpPr>
+              <a:cxnSpLocks/>
+              <a:stCxn id="143" idx="0"/>
+              <a:endCxn id="120" idx="1"/>
+            </p:cNvCxnSpPr>
+            <p:nvPr/>
+          </p:nvCxnSpPr>
+          <p:spPr>
+            <a:xfrm rot="5400000" flipH="1" flipV="1">
+              <a:off x="219155" y="6264852"/>
+              <a:ext cx="1331612" cy="245329"/>
+            </a:xfrm>
+            <a:prstGeom prst="bentConnector2">
+              <a:avLst/>
+            </a:prstGeom>
+            <a:ln>
+              <a:solidFill>
+                <a:schemeClr val="accent2"/>
+              </a:solidFill>
+              <a:tailEnd type="triangle"/>
+            </a:ln>
+          </p:spPr>
+          <p:style>
+            <a:lnRef idx="1">
+              <a:schemeClr val="accent1"/>
+            </a:lnRef>
+            <a:fillRef idx="0">
+              <a:schemeClr val="accent1"/>
+            </a:fillRef>
+            <a:effectRef idx="0">
+              <a:schemeClr val="accent1"/>
+            </a:effectRef>
+            <a:fontRef idx="minor">
+              <a:schemeClr val="tx1"/>
+            </a:fontRef>
+          </p:style>
+        </p:cxnSp>
+        <p:sp>
+          <p:nvSpPr>
+            <p:cNvPr id="120" name="TextBox 119">
+              <a:extLst>
+                <a:ext uri="{FF2B5EF4-FFF2-40B4-BE49-F238E27FC236}">
+                  <a16:creationId xmlns:a16="http://schemas.microsoft.com/office/drawing/2014/main" id="{DF823780-9358-0E55-BD62-D188B922CB86}"/>
+                </a:ext>
+              </a:extLst>
+            </p:cNvPr>
+            <p:cNvSpPr txBox="1"/>
+            <p:nvPr/>
+          </p:nvSpPr>
+          <p:spPr>
+            <a:xfrm>
+              <a:off x="1007625" y="4995688"/>
+              <a:ext cx="2487302" cy="1452039"/>
+            </a:xfrm>
+            <a:prstGeom prst="rect">
+              <a:avLst/>
+            </a:prstGeom>
+            <a:noFill/>
+          </p:spPr>
+          <p:txBody>
+            <a:bodyPr wrap="square" rtlCol="0">
+              <a:spAutoFit/>
+            </a:bodyPr>
+            <a:lstStyle/>
+            <a:p>
+              <a:pPr marL="0" marR="0" lvl="0" indent="0" algn="l" defTabSz="914400" rtl="0" eaLnBrk="1" fontAlgn="auto" latinLnBrk="0" hangingPunct="1">
+                <a:lnSpc>
+                  <a:spcPct val="100000"/>
+                </a:lnSpc>
+                <a:spcBef>
+                  <a:spcPts val="0"/>
+                </a:spcBef>
+                <a:spcAft>
+                  <a:spcPts val="0"/>
+                </a:spcAft>
+                <a:buClrTx/>
+                <a:buSzTx/>
+                <a:buFontTx/>
+                <a:buNone/>
+                <a:tabLst/>
+                <a:defRPr/>
+              </a:pPr>
+              <a:r>
+                <a:rPr kumimoji="0" lang="en-US" sz="1200" b="0" i="0" u="none" strike="noStrike" kern="1200" cap="none" spc="0" normalizeH="0" baseline="0" noProof="0" dirty="0">
+                  <a:ln>
+                    <a:noFill/>
+                  </a:ln>
+                  <a:solidFill>
+                    <a:srgbClr val="ED7D31"/>
+                  </a:solidFill>
+                  <a:effectLst/>
+                  <a:uLnTx/>
+                  <a:uFillTx/>
+                  <a:latin typeface="Calibri" panose="020F0502020204030204"/>
+                  <a:ea typeface="+mn-ea"/>
+                  <a:cs typeface="+mn-cs"/>
+                </a:rPr>
+                <a:t>Non-Encounter-based </a:t>
+              </a:r>
+            </a:p>
+            <a:p>
+              <a:pPr marL="0" marR="0" lvl="0" indent="0" algn="l" defTabSz="914400" rtl="0" eaLnBrk="1" fontAlgn="auto" latinLnBrk="0" hangingPunct="1">
+                <a:lnSpc>
+                  <a:spcPct val="100000"/>
+                </a:lnSpc>
+                <a:spcBef>
+                  <a:spcPts val="0"/>
+                </a:spcBef>
+                <a:spcAft>
+                  <a:spcPts val="0"/>
+                </a:spcAft>
+                <a:buClrTx/>
+                <a:buSzTx/>
+                <a:buFontTx/>
+                <a:buNone/>
+                <a:tabLst/>
+                <a:defRPr/>
+              </a:pPr>
+              <a:r>
+                <a:rPr kumimoji="0" lang="en-US" sz="1200" b="0" i="0" u="none" strike="noStrike" kern="1200" cap="none" spc="0" normalizeH="0" baseline="0" noProof="0" dirty="0">
+                  <a:ln>
+                    <a:noFill/>
+                  </a:ln>
+                  <a:solidFill>
+                    <a:srgbClr val="ED7D31"/>
+                  </a:solidFill>
+                  <a:effectLst/>
+                  <a:uLnTx/>
+                  <a:uFillTx/>
+                  <a:latin typeface="Calibri" panose="020F0502020204030204"/>
+                  <a:ea typeface="+mn-ea"/>
+                  <a:cs typeface="+mn-cs"/>
+                </a:rPr>
+                <a:t>Bundle NEB.1 Sent</a:t>
+              </a:r>
+            </a:p>
+          </p:txBody>
+        </p:sp>
+      </p:grpSp>
+      <p:sp>
+        <p:nvSpPr>
+          <p:cNvPr id="154" name="Diamond 153">
+            <a:extLst>
+              <a:ext uri="{FF2B5EF4-FFF2-40B4-BE49-F238E27FC236}">
+                <a16:creationId xmlns:a16="http://schemas.microsoft.com/office/drawing/2014/main" id="{5A559B5D-D21D-576C-9AD2-3CBDF19DDFB6}"/>
+              </a:ext>
+            </a:extLst>
+          </p:cNvPr>
+          <p:cNvSpPr/>
+          <p:nvPr/>
+        </p:nvSpPr>
+        <p:spPr>
+          <a:xfrm>
+            <a:off x="5339976" y="4913592"/>
+            <a:ext cx="274320" cy="274320"/>
+          </a:xfrm>
+          <a:prstGeom prst="diamond">
+            <a:avLst/>
+          </a:prstGeom>
+          <a:solidFill>
+            <a:schemeClr val="accent2">
+              <a:alpha val="80000"/>
+            </a:schemeClr>
+          </a:solidFill>
+        </p:spPr>
+        <p:style>
+          <a:lnRef idx="2">
+            <a:schemeClr val="accent1">
+              <a:shade val="15000"/>
+            </a:schemeClr>
+          </a:lnRef>
+          <a:fillRef idx="1">
+            <a:schemeClr val="accent1"/>
+          </a:fillRef>
+          <a:effectRef idx="0">
+            <a:schemeClr val="accent1"/>
+          </a:effectRef>
+          <a:fontRef idx="minor">
+            <a:schemeClr val="lt1"/>
+          </a:fontRef>
+        </p:style>
+        <p:txBody>
+          <a:bodyPr rtlCol="0" anchor="ctr"/>
+          <a:lstStyle/>
+          <a:p>
+            <a:pPr marL="0" marR="0" lvl="0" indent="0" algn="ctr" defTabSz="914400" rtl="0" eaLnBrk="1" fontAlgn="auto" latinLnBrk="0" hangingPunct="1">
+              <a:lnSpc>
+                <a:spcPct val="100000"/>
+              </a:lnSpc>
+              <a:spcBef>
+                <a:spcPts val="0"/>
+              </a:spcBef>
+              <a:spcAft>
+                <a:spcPts val="0"/>
+              </a:spcAft>
+              <a:buClrTx/>
+              <a:buSzTx/>
+              <a:buFontTx/>
+              <a:buNone/>
+              <a:tabLst/>
+              <a:defRPr/>
+            </a:pPr>
+            <a:endParaRPr kumimoji="0" lang="en-US" sz="1800" b="0" i="0" u="none" strike="noStrike" kern="1200" cap="none" spc="0" normalizeH="0" baseline="0" noProof="0" dirty="0">
+              <a:ln>
+                <a:noFill/>
+              </a:ln>
+              <a:solidFill>
+                <a:prstClr val="white"/>
+              </a:solidFill>
+              <a:effectLst/>
+              <a:uLnTx/>
+              <a:uFillTx/>
+              <a:latin typeface="Calibri" panose="020F0502020204030204"/>
+              <a:ea typeface="+mn-ea"/>
+              <a:cs typeface="+mn-cs"/>
+            </a:endParaRPr>
+          </a:p>
+        </p:txBody>
+      </p:sp>
+      <p:grpSp>
+        <p:nvGrpSpPr>
+          <p:cNvPr id="155" name="Group 154">
+            <a:extLst>
+              <a:ext uri="{FF2B5EF4-FFF2-40B4-BE49-F238E27FC236}">
+                <a16:creationId xmlns:a16="http://schemas.microsoft.com/office/drawing/2014/main" id="{4DE68963-703A-2EA1-55B4-A635F366C676}"/>
+              </a:ext>
+            </a:extLst>
+          </p:cNvPr>
+          <p:cNvGrpSpPr/>
+          <p:nvPr/>
+        </p:nvGrpSpPr>
+        <p:grpSpPr>
+          <a:xfrm>
+            <a:off x="5477135" y="4239060"/>
+            <a:ext cx="2732632" cy="674534"/>
+            <a:chOff x="762295" y="4931790"/>
+            <a:chExt cx="2732632" cy="2121556"/>
+          </a:xfrm>
+        </p:grpSpPr>
+        <p:cxnSp>
+          <p:nvCxnSpPr>
+            <p:cNvPr id="156" name="Elbow Connector 155">
+              <a:extLst>
+                <a:ext uri="{FF2B5EF4-FFF2-40B4-BE49-F238E27FC236}">
+                  <a16:creationId xmlns:a16="http://schemas.microsoft.com/office/drawing/2014/main" id="{0946036E-BE5D-49E5-4451-C778A795B9CC}"/>
+                </a:ext>
+              </a:extLst>
+            </p:cNvPr>
+            <p:cNvCxnSpPr>
+              <a:cxnSpLocks/>
+              <a:stCxn id="154" idx="0"/>
+              <a:endCxn id="157" idx="1"/>
+            </p:cNvCxnSpPr>
+            <p:nvPr/>
+          </p:nvCxnSpPr>
+          <p:spPr>
+            <a:xfrm rot="5400000" flipH="1" flipV="1">
+              <a:off x="187193" y="6232914"/>
+              <a:ext cx="1395534" cy="245329"/>
+            </a:xfrm>
+            <a:prstGeom prst="bentConnector2">
+              <a:avLst/>
+            </a:prstGeom>
+            <a:ln>
+              <a:solidFill>
+                <a:schemeClr val="accent2"/>
+              </a:solidFill>
+              <a:tailEnd type="triangle"/>
+            </a:ln>
+          </p:spPr>
+          <p:style>
+            <a:lnRef idx="1">
+              <a:schemeClr val="accent1"/>
+            </a:lnRef>
+            <a:fillRef idx="0">
+              <a:schemeClr val="accent1"/>
+            </a:fillRef>
+            <a:effectRef idx="0">
+              <a:schemeClr val="accent1"/>
+            </a:effectRef>
+            <a:fontRef idx="minor">
+              <a:schemeClr val="tx1"/>
+            </a:fontRef>
+          </p:style>
+        </p:cxnSp>
+        <p:sp>
+          <p:nvSpPr>
+            <p:cNvPr id="157" name="TextBox 156">
+              <a:extLst>
+                <a:ext uri="{FF2B5EF4-FFF2-40B4-BE49-F238E27FC236}">
+                  <a16:creationId xmlns:a16="http://schemas.microsoft.com/office/drawing/2014/main" id="{68969498-CA70-9D47-6BD3-28CB08C3B130}"/>
+                </a:ext>
+              </a:extLst>
+            </p:cNvPr>
+            <p:cNvSpPr txBox="1"/>
+            <p:nvPr/>
+          </p:nvSpPr>
+          <p:spPr>
+            <a:xfrm>
+              <a:off x="1007625" y="4931790"/>
+              <a:ext cx="2487302" cy="1452038"/>
+            </a:xfrm>
+            <a:prstGeom prst="rect">
+              <a:avLst/>
+            </a:prstGeom>
+            <a:noFill/>
+          </p:spPr>
+          <p:txBody>
+            <a:bodyPr wrap="square" rtlCol="0">
+              <a:spAutoFit/>
+            </a:bodyPr>
+            <a:lstStyle/>
+            <a:p>
+              <a:pPr marL="0" marR="0" lvl="0" indent="0" algn="l" defTabSz="914400" rtl="0" eaLnBrk="1" fontAlgn="auto" latinLnBrk="0" hangingPunct="1">
+                <a:lnSpc>
+                  <a:spcPct val="100000"/>
+                </a:lnSpc>
+                <a:spcBef>
+                  <a:spcPts val="0"/>
+                </a:spcBef>
+                <a:spcAft>
+                  <a:spcPts val="0"/>
+                </a:spcAft>
+                <a:buClrTx/>
+                <a:buSzTx/>
+                <a:buFontTx/>
+                <a:buNone/>
+                <a:tabLst/>
+                <a:defRPr/>
+              </a:pPr>
+              <a:r>
+                <a:rPr kumimoji="0" lang="en-US" sz="1200" b="0" i="0" u="none" strike="noStrike" kern="1200" cap="none" spc="0" normalizeH="0" baseline="0" noProof="0" dirty="0">
+                  <a:ln>
+                    <a:noFill/>
+                  </a:ln>
+                  <a:solidFill>
+                    <a:srgbClr val="ED7D31"/>
+                  </a:solidFill>
+                  <a:effectLst/>
+                  <a:uLnTx/>
+                  <a:uFillTx/>
+                  <a:latin typeface="Calibri" panose="020F0502020204030204"/>
+                  <a:ea typeface="+mn-ea"/>
+                  <a:cs typeface="+mn-cs"/>
+                </a:rPr>
+                <a:t>Non-Encounter-based </a:t>
+              </a:r>
+            </a:p>
+            <a:p>
+              <a:pPr marL="0" marR="0" lvl="0" indent="0" algn="l" defTabSz="914400" rtl="0" eaLnBrk="1" fontAlgn="auto" latinLnBrk="0" hangingPunct="1">
+                <a:lnSpc>
+                  <a:spcPct val="100000"/>
+                </a:lnSpc>
+                <a:spcBef>
+                  <a:spcPts val="0"/>
+                </a:spcBef>
+                <a:spcAft>
+                  <a:spcPts val="0"/>
+                </a:spcAft>
+                <a:buClrTx/>
+                <a:buSzTx/>
+                <a:buFontTx/>
+                <a:buNone/>
+                <a:tabLst/>
+                <a:defRPr/>
+              </a:pPr>
+              <a:r>
+                <a:rPr kumimoji="0" lang="en-US" sz="1200" b="0" i="0" u="none" strike="noStrike" kern="1200" cap="none" spc="0" normalizeH="0" baseline="0" noProof="0" dirty="0">
+                  <a:ln>
+                    <a:noFill/>
+                  </a:ln>
+                  <a:solidFill>
+                    <a:srgbClr val="ED7D31"/>
+                  </a:solidFill>
+                  <a:effectLst/>
+                  <a:uLnTx/>
+                  <a:uFillTx/>
+                  <a:latin typeface="Calibri" panose="020F0502020204030204"/>
+                  <a:ea typeface="+mn-ea"/>
+                  <a:cs typeface="+mn-cs"/>
+                </a:rPr>
+                <a:t>Bundle NEB.2 Sent</a:t>
+              </a:r>
+            </a:p>
+          </p:txBody>
+        </p:sp>
+      </p:grpSp>
+      <p:sp>
+        <p:nvSpPr>
+          <p:cNvPr id="162" name="TextBox 161">
+            <a:extLst>
+              <a:ext uri="{FF2B5EF4-FFF2-40B4-BE49-F238E27FC236}">
+                <a16:creationId xmlns:a16="http://schemas.microsoft.com/office/drawing/2014/main" id="{F9DB4AF3-DBD3-36F8-FA66-2A4F22DF129D}"/>
+              </a:ext>
+            </a:extLst>
+          </p:cNvPr>
+          <p:cNvSpPr txBox="1"/>
+          <p:nvPr/>
+        </p:nvSpPr>
+        <p:spPr>
+          <a:xfrm>
+            <a:off x="894075" y="834232"/>
+            <a:ext cx="3418977" cy="276999"/>
+          </a:xfrm>
+          <a:prstGeom prst="rect">
+            <a:avLst/>
+          </a:prstGeom>
+          <a:noFill/>
+        </p:spPr>
+        <p:txBody>
+          <a:bodyPr wrap="square" rtlCol="0">
+            <a:spAutoFit/>
+          </a:bodyPr>
+          <a:lstStyle/>
+          <a:p>
+            <a:pPr marL="0" marR="0" lvl="0" indent="0" algn="l" defTabSz="914400" rtl="0" eaLnBrk="1" fontAlgn="auto" latinLnBrk="0" hangingPunct="1">
+              <a:lnSpc>
+                <a:spcPct val="100000"/>
+              </a:lnSpc>
+              <a:spcBef>
+                <a:spcPts val="0"/>
+              </a:spcBef>
+              <a:spcAft>
+                <a:spcPts val="0"/>
+              </a:spcAft>
+              <a:buClrTx/>
+              <a:buSzTx/>
+              <a:buFontTx/>
+              <a:buNone/>
+              <a:tabLst/>
+              <a:defRPr/>
+            </a:pPr>
+            <a:r>
+              <a:rPr kumimoji="0" lang="en-US" sz="1200" b="0" i="0" u="none" strike="noStrike" kern="1200" cap="none" spc="0" normalizeH="0" baseline="0" noProof="0" dirty="0">
+                <a:ln>
+                  <a:noFill/>
+                </a:ln>
+                <a:solidFill>
+                  <a:srgbClr val="FF0000"/>
+                </a:solidFill>
+                <a:effectLst/>
+                <a:uLnTx/>
+                <a:uFillTx/>
+                <a:latin typeface="Calibri" panose="020F0502020204030204"/>
+                <a:ea typeface="+mn-ea"/>
+                <a:cs typeface="+mn-cs"/>
+              </a:rPr>
+              <a:t>T0: Bundle eICR.1 Sent (Optional*)</a:t>
+            </a:r>
+          </a:p>
+        </p:txBody>
+      </p:sp>
+      <p:cxnSp>
+        <p:nvCxnSpPr>
+          <p:cNvPr id="5" name="Elbow Connector 4">
+            <a:extLst>
+              <a:ext uri="{FF2B5EF4-FFF2-40B4-BE49-F238E27FC236}">
+                <a16:creationId xmlns:a16="http://schemas.microsoft.com/office/drawing/2014/main" id="{4E90BA67-955C-713A-5BD1-708C6502E4D1}"/>
+              </a:ext>
+            </a:extLst>
+          </p:cNvPr>
+          <p:cNvCxnSpPr>
+            <a:cxnSpLocks/>
+          </p:cNvCxnSpPr>
+          <p:nvPr/>
+        </p:nvCxnSpPr>
+        <p:spPr>
+          <a:xfrm rot="5400000" flipH="1" flipV="1">
+            <a:off x="-1167308" y="2836601"/>
+            <a:ext cx="3935412" cy="207674"/>
+          </a:xfrm>
+          <a:prstGeom prst="bentConnector2">
+            <a:avLst/>
+          </a:prstGeom>
+          <a:ln w="9525">
+            <a:solidFill>
+              <a:srgbClr val="FF0000"/>
+            </a:solidFill>
+            <a:tailEnd type="triangle"/>
+          </a:ln>
+        </p:spPr>
+        <p:style>
+          <a:lnRef idx="1">
+            <a:schemeClr val="accent1"/>
+          </a:lnRef>
+          <a:fillRef idx="0">
+            <a:schemeClr val="accent1"/>
+          </a:fillRef>
+          <a:effectRef idx="0">
+            <a:schemeClr val="accent1"/>
+          </a:effectRef>
+          <a:fontRef idx="minor">
+            <a:schemeClr val="tx1"/>
+          </a:fontRef>
+        </p:style>
+      </p:cxnSp>
+      <p:sp>
+        <p:nvSpPr>
+          <p:cNvPr id="2" name="TextBox 1">
+            <a:extLst>
+              <a:ext uri="{FF2B5EF4-FFF2-40B4-BE49-F238E27FC236}">
+                <a16:creationId xmlns:a16="http://schemas.microsoft.com/office/drawing/2014/main" id="{2AF9A334-1864-6F98-51A6-8B4981BBC8A2}"/>
+              </a:ext>
+            </a:extLst>
+          </p:cNvPr>
+          <p:cNvSpPr txBox="1"/>
+          <p:nvPr/>
+        </p:nvSpPr>
+        <p:spPr>
+          <a:xfrm>
+            <a:off x="549241" y="5746768"/>
+            <a:ext cx="8594135" cy="830997"/>
+          </a:xfrm>
+          <a:prstGeom prst="rect">
+            <a:avLst/>
+          </a:prstGeom>
+          <a:noFill/>
+        </p:spPr>
+        <p:txBody>
+          <a:bodyPr wrap="square" rtlCol="0">
+            <a:spAutoFit/>
+          </a:bodyPr>
+          <a:lstStyle/>
+          <a:p>
+            <a:pPr marL="0" marR="0" lvl="0" indent="0" algn="l" defTabSz="914400" rtl="0" eaLnBrk="1" fontAlgn="auto" latinLnBrk="0" hangingPunct="1">
+              <a:lnSpc>
+                <a:spcPct val="100000"/>
+              </a:lnSpc>
+              <a:spcBef>
+                <a:spcPts val="0"/>
+              </a:spcBef>
+              <a:spcAft>
+                <a:spcPts val="0"/>
+              </a:spcAft>
+              <a:buClrTx/>
+              <a:buSzTx/>
+              <a:buFontTx/>
+              <a:buNone/>
+              <a:tabLst/>
+              <a:defRPr/>
+            </a:pPr>
+            <a:r>
+              <a:rPr kumimoji="0" lang="en-US" sz="1200" b="0" i="0" u="none" strike="noStrike" kern="1200" cap="none" spc="0" normalizeH="0" baseline="0" noProof="0" dirty="0">
+                <a:ln>
+                  <a:noFill/>
+                </a:ln>
+                <a:solidFill>
+                  <a:prstClr val="black"/>
+                </a:solidFill>
+                <a:effectLst/>
+                <a:uLnTx/>
+                <a:uFillTx/>
+                <a:latin typeface="Calibri" panose="020F0502020204030204"/>
+                <a:ea typeface="+mn-ea"/>
+                <a:cs typeface="+mn-cs"/>
+              </a:rPr>
+              <a:t>Not shown: Encounters or other events that do not meet the CCRR IG triggering requirements.</a:t>
+            </a:r>
+          </a:p>
+          <a:p>
+            <a:pPr marL="0" marR="0" lvl="0" indent="0" algn="l" defTabSz="914400" rtl="0" eaLnBrk="1" fontAlgn="auto" latinLnBrk="0" hangingPunct="1">
+              <a:lnSpc>
+                <a:spcPct val="100000"/>
+              </a:lnSpc>
+              <a:spcBef>
+                <a:spcPts val="0"/>
+              </a:spcBef>
+              <a:spcAft>
+                <a:spcPts val="0"/>
+              </a:spcAft>
+              <a:buClrTx/>
+              <a:buSzTx/>
+              <a:buFontTx/>
+              <a:buNone/>
+              <a:tabLst/>
+              <a:defRPr/>
+            </a:pPr>
+            <a:endParaRPr kumimoji="0" lang="en-US" sz="1200" b="0" i="0" u="none" strike="noStrike" kern="1200" cap="none" spc="0" normalizeH="0" baseline="0" noProof="0" dirty="0">
+              <a:ln>
+                <a:noFill/>
+              </a:ln>
+              <a:solidFill>
+                <a:prstClr val="black"/>
+              </a:solidFill>
+              <a:effectLst/>
+              <a:uLnTx/>
+              <a:uFillTx/>
+              <a:latin typeface="Calibri" panose="020F0502020204030204"/>
+              <a:ea typeface="+mn-ea"/>
+              <a:cs typeface="+mn-cs"/>
+            </a:endParaRPr>
+          </a:p>
+          <a:p>
+            <a:pPr marL="0" marR="0" lvl="0" indent="0" algn="l" defTabSz="914400" rtl="0" eaLnBrk="1" fontAlgn="auto" latinLnBrk="0" hangingPunct="1">
+              <a:lnSpc>
+                <a:spcPct val="100000"/>
+              </a:lnSpc>
+              <a:spcBef>
+                <a:spcPts val="0"/>
+              </a:spcBef>
+              <a:spcAft>
+                <a:spcPts val="0"/>
+              </a:spcAft>
+              <a:buClrTx/>
+              <a:buSzTx/>
+              <a:buFontTx/>
+              <a:buNone/>
+              <a:tabLst/>
+              <a:defRPr/>
+            </a:pPr>
+            <a:r>
+              <a:rPr kumimoji="0" lang="en-US" sz="1200" b="0" i="0" u="none" strike="noStrike" kern="1200" cap="none" spc="0" normalizeH="0" baseline="0" noProof="0" dirty="0">
+                <a:ln>
+                  <a:noFill/>
+                </a:ln>
+                <a:solidFill>
+                  <a:prstClr val="black"/>
+                </a:solidFill>
+                <a:effectLst/>
+                <a:uLnTx/>
+                <a:uFillTx/>
+                <a:latin typeface="Calibri" panose="020F0502020204030204"/>
+                <a:ea typeface="+mn-ea"/>
+                <a:cs typeface="+mn-cs"/>
+              </a:rPr>
+              <a:t>* The content and triggers for an eICR bundle are specified in the Electronic Case Reporting (eCR) FHIR IG. Sending an eICR bundle is not required under the CCRR IG.</a:t>
+            </a:r>
+          </a:p>
+        </p:txBody>
+      </p:sp>
+    </p:spTree>
+    <p:extLst>
+      <p:ext uri="{BB962C8B-B14F-4D97-AF65-F5344CB8AC3E}">
+        <p14:creationId xmlns:p14="http://schemas.microsoft.com/office/powerpoint/2010/main" val="1648613127"/>
+      </p:ext>
+    </p:extLst>
+  </p:cSld>
+  <p:clrMapOvr>
+    <a:masterClrMapping/>
+  </p:clrMapOvr>
+</p:sld>
+</file>
+
 <file path=ppt/theme/theme1.xml><?xml version="1.0" encoding="utf-8"?>
 <a:theme xmlns:a="http://schemas.openxmlformats.org/drawingml/2006/main" name="ESAC Theme">
   <a:themeElements>
